--- a/000_Zusatzversuch/Presentation.pptx
+++ b/000_Zusatzversuch/Presentation.pptx
@@ -5,10 +5,16 @@
     <p:sldMasterId id="2147483708" r:id="rId1"/>
   </p:sldMasterIdLst>
   <p:notesMasterIdLst>
-    <p:notesMasterId r:id="rId3"/>
+    <p:notesMasterId r:id="rId9"/>
   </p:notesMasterIdLst>
   <p:sldIdLst>
     <p:sldId id="256" r:id="rId2"/>
+    <p:sldId id="257" r:id="rId3"/>
+    <p:sldId id="261" r:id="rId4"/>
+    <p:sldId id="263" r:id="rId5"/>
+    <p:sldId id="258" r:id="rId6"/>
+    <p:sldId id="259" r:id="rId7"/>
+    <p:sldId id="260" r:id="rId8"/>
   </p:sldIdLst>
   <p:sldSz cx="12192000" cy="6858000"/>
   <p:notesSz cx="6858000" cy="9144000"/>
@@ -107,6 +113,14 @@
       </a:defRPr>
     </a:lvl9pPr>
   </p:defaultTextStyle>
+  <p:extLst>
+    <p:ext uri="{EFAFB233-063F-42B5-8137-9DF3F51BA10A}">
+      <p15:sldGuideLst xmlns:p15="http://schemas.microsoft.com/office/powerpoint/2012/main"/>
+    </p:ext>
+    <p:ext uri="{2D200454-40CA-4A62-9FC3-DE9A4176ACB9}">
+      <p15:notesGuideLst xmlns:p15="http://schemas.microsoft.com/office/powerpoint/2012/main"/>
+    </p:ext>
+  </p:extLst>
 </p:presentation>
 </file>
 
@@ -3054,6 +3068,36 @@
           <a:xfrm>
             <a:off x="9220975" y="192814"/>
             <a:ext cx="2774175" cy="444526"/>
+          </a:xfrm>
+          <a:prstGeom prst="rect">
+            <a:avLst/>
+          </a:prstGeom>
+        </p:spPr>
+      </p:pic>
+      <p:pic>
+        <p:nvPicPr>
+          <p:cNvPr id="9" name="Picture 8" descr="A close up of a logo&#10;&#10;Description automatically generated">
+            <a:extLst>
+              <a:ext uri="{FF2B5EF4-FFF2-40B4-BE49-F238E27FC236}">
+                <a16:creationId xmlns:a16="http://schemas.microsoft.com/office/drawing/2014/main" id="{BE2B031C-3390-AE4C-9062-B35B7DB77561}"/>
+              </a:ext>
+            </a:extLst>
+          </p:cNvPr>
+          <p:cNvPicPr>
+            <a:picLocks noChangeAspect="1"/>
+          </p:cNvPicPr>
+          <p:nvPr userDrawn="1"/>
+        </p:nvPicPr>
+        <p:blipFill>
+          <a:blip r:embed="rId15"/>
+          <a:stretch>
+            <a:fillRect/>
+          </a:stretch>
+        </p:blipFill>
+        <p:spPr>
+          <a:xfrm>
+            <a:off x="4513118" y="-247705"/>
+            <a:ext cx="1988345" cy="1325563"/>
           </a:xfrm>
           <a:prstGeom prst="rect">
             <a:avLst/>
@@ -3402,7 +3446,10 @@
           <a:bodyPr/>
           <a:lstStyle/>
           <a:p>
-            <a:endParaRPr lang="en-DE"/>
+            <a:r>
+              <a:rPr lang="en-DE" dirty="0"/>
+              <a:t>Sonderversuch Federkonstante</a:t>
+            </a:r>
           </a:p>
         </p:txBody>
       </p:sp>
@@ -3427,7 +3474,10 @@
           <a:bodyPr/>
           <a:lstStyle/>
           <a:p>
-            <a:endParaRPr lang="en-DE"/>
+            <a:r>
+              <a:rPr lang="en-DE" dirty="0"/>
+              <a:t>Sonderversuch zum Hookschen Gesetz und die Abhängigkeit der Federkonstanten von den Parametern Federdurchmesser und Wichlungszahl bei der Firma Schnöring</a:t>
+            </a:r>
           </a:p>
         </p:txBody>
       </p:sp>
@@ -3435,6 +3485,902 @@
     <p:extLst>
       <p:ext uri="{BB962C8B-B14F-4D97-AF65-F5344CB8AC3E}">
         <p14:creationId xmlns:p14="http://schemas.microsoft.com/office/powerpoint/2010/main" val="3383018969"/>
+      </p:ext>
+    </p:extLst>
+  </p:cSld>
+  <p:clrMapOvr>
+    <a:masterClrMapping/>
+  </p:clrMapOvr>
+</p:sld>
+</file>
+
+<file path=ppt/slides/slide2.xml><?xml version="1.0" encoding="utf-8"?>
+<p:sld xmlns:a="http://schemas.openxmlformats.org/drawingml/2006/main" xmlns:r="http://schemas.openxmlformats.org/officeDocument/2006/relationships" xmlns:p="http://schemas.openxmlformats.org/presentationml/2006/main">
+  <p:cSld>
+    <p:bg>
+      <p:bgPr>
+        <a:solidFill>
+          <a:schemeClr val="bg1"/>
+        </a:solidFill>
+        <a:effectLst/>
+      </p:bgPr>
+    </p:bg>
+    <p:spTree>
+      <p:nvGrpSpPr>
+        <p:cNvPr id="1" name=""/>
+        <p:cNvGrpSpPr/>
+        <p:nvPr/>
+      </p:nvGrpSpPr>
+      <p:grpSpPr>
+        <a:xfrm>
+          <a:off x="0" y="0"/>
+          <a:ext cx="0" cy="0"/>
+          <a:chOff x="0" y="0"/>
+          <a:chExt cx="0" cy="0"/>
+        </a:xfrm>
+      </p:grpSpPr>
+      <p:sp>
+        <p:nvSpPr>
+          <p:cNvPr id="2" name="Title 1">
+            <a:extLst>
+              <a:ext uri="{FF2B5EF4-FFF2-40B4-BE49-F238E27FC236}">
+                <a16:creationId xmlns:a16="http://schemas.microsoft.com/office/drawing/2014/main" id="{49CB1F3B-A9DD-274A-9DA2-00F700443C5E}"/>
+              </a:ext>
+            </a:extLst>
+          </p:cNvPr>
+          <p:cNvSpPr>
+            <a:spLocks noGrp="1"/>
+          </p:cNvSpPr>
+          <p:nvPr>
+            <p:ph type="title"/>
+          </p:nvPr>
+        </p:nvSpPr>
+        <p:spPr>
+          <a:xfrm>
+            <a:off x="481013" y="3752849"/>
+            <a:ext cx="3290887" cy="2452687"/>
+          </a:xfrm>
+        </p:spPr>
+        <p:txBody>
+          <a:bodyPr anchor="ctr">
+            <a:normAutofit/>
+          </a:bodyPr>
+          <a:lstStyle/>
+          <a:p>
+            <a:r>
+              <a:rPr lang="en-DE" sz="3600" dirty="0"/>
+              <a:t>Schnöring</a:t>
+            </a:r>
+          </a:p>
+        </p:txBody>
+      </p:sp>
+      <p:pic>
+        <p:nvPicPr>
+          <p:cNvPr id="7" name="Picture 6" descr="A close up of a device&#10;&#10;Description automatically generated">
+            <a:extLst>
+              <a:ext uri="{FF2B5EF4-FFF2-40B4-BE49-F238E27FC236}">
+                <a16:creationId xmlns:a16="http://schemas.microsoft.com/office/drawing/2014/main" id="{0DD59621-9F20-CA46-B89B-4EE28502FF1B}"/>
+              </a:ext>
+            </a:extLst>
+          </p:cNvPr>
+          <p:cNvPicPr>
+            <a:picLocks noChangeAspect="1"/>
+          </p:cNvPicPr>
+          <p:nvPr/>
+        </p:nvPicPr>
+        <p:blipFill rotWithShape="1">
+          <a:blip r:embed="rId2"/>
+          <a:srcRect b="4143"/>
+          <a:stretch/>
+        </p:blipFill>
+        <p:spPr>
+          <a:xfrm>
+            <a:off x="20" y="10"/>
+            <a:ext cx="12191980" cy="3710603"/>
+          </a:xfrm>
+          <a:custGeom>
+            <a:avLst/>
+            <a:gdLst/>
+            <a:ahLst/>
+            <a:cxnLst/>
+            <a:rect l="l" t="t" r="r" b="b"/>
+            <a:pathLst>
+              <a:path w="12192000" h="3692092">
+                <a:moveTo>
+                  <a:pt x="0" y="0"/>
+                </a:moveTo>
+                <a:lnTo>
+                  <a:pt x="12192000" y="0"/>
+                </a:lnTo>
+                <a:lnTo>
+                  <a:pt x="12192000" y="3504824"/>
+                </a:lnTo>
+                <a:lnTo>
+                  <a:pt x="12024691" y="3517794"/>
+                </a:lnTo>
+                <a:cubicBezTo>
+                  <a:pt x="8077523" y="3783195"/>
+                  <a:pt x="4094678" y="3026959"/>
+                  <a:pt x="160485" y="3663863"/>
+                </a:cubicBezTo>
+                <a:lnTo>
+                  <a:pt x="0" y="3692092"/>
+                </a:lnTo>
+                <a:close/>
+              </a:path>
+            </a:pathLst>
+          </a:custGeom>
+        </p:spPr>
+      </p:pic>
+      <p:sp>
+        <p:nvSpPr>
+          <p:cNvPr id="3" name="Content Placeholder 2">
+            <a:extLst>
+              <a:ext uri="{FF2B5EF4-FFF2-40B4-BE49-F238E27FC236}">
+                <a16:creationId xmlns:a16="http://schemas.microsoft.com/office/drawing/2014/main" id="{453436A8-7E6C-3C48-9BD0-229BE5A7FF97}"/>
+              </a:ext>
+            </a:extLst>
+          </p:cNvPr>
+          <p:cNvSpPr>
+            <a:spLocks noGrp="1"/>
+          </p:cNvSpPr>
+          <p:nvPr>
+            <p:ph idx="1"/>
+          </p:nvPr>
+        </p:nvSpPr>
+        <p:spPr>
+          <a:xfrm>
+            <a:off x="4223982" y="3752850"/>
+            <a:ext cx="7485413" cy="2452687"/>
+          </a:xfrm>
+        </p:spPr>
+        <p:txBody>
+          <a:bodyPr anchor="ctr">
+            <a:normAutofit/>
+          </a:bodyPr>
+          <a:lstStyle/>
+          <a:p>
+            <a:r>
+              <a:rPr lang="en-DE" sz="1800" dirty="0"/>
+              <a:t>Sauerland</a:t>
+            </a:r>
+          </a:p>
+          <a:p>
+            <a:r>
+              <a:rPr lang="en-DE" sz="1800" dirty="0"/>
+              <a:t>Produktion nach Kundenwünschen</a:t>
+            </a:r>
+          </a:p>
+          <a:p>
+            <a:r>
+              <a:rPr lang="en-DE" sz="1800" dirty="0"/>
+              <a:t>Große Mengen für viele Anwendungen</a:t>
+            </a:r>
+          </a:p>
+        </p:txBody>
+      </p:sp>
+    </p:spTree>
+    <p:extLst>
+      <p:ext uri="{BB962C8B-B14F-4D97-AF65-F5344CB8AC3E}">
+        <p14:creationId xmlns:p14="http://schemas.microsoft.com/office/powerpoint/2010/main" val="1586983094"/>
+      </p:ext>
+    </p:extLst>
+  </p:cSld>
+  <p:clrMapOvr>
+    <a:masterClrMapping/>
+  </p:clrMapOvr>
+</p:sld>
+</file>
+
+<file path=ppt/slides/slide3.xml><?xml version="1.0" encoding="utf-8"?>
+<p:sld xmlns:a="http://schemas.openxmlformats.org/drawingml/2006/main" xmlns:r="http://schemas.openxmlformats.org/officeDocument/2006/relationships" xmlns:p="http://schemas.openxmlformats.org/presentationml/2006/main">
+  <p:cSld>
+    <p:spTree>
+      <p:nvGrpSpPr>
+        <p:cNvPr id="1" name=""/>
+        <p:cNvGrpSpPr/>
+        <p:nvPr/>
+      </p:nvGrpSpPr>
+      <p:grpSpPr>
+        <a:xfrm>
+          <a:off x="0" y="0"/>
+          <a:ext cx="0" cy="0"/>
+          <a:chOff x="0" y="0"/>
+          <a:chExt cx="0" cy="0"/>
+        </a:xfrm>
+      </p:grpSpPr>
+      <p:sp>
+        <p:nvSpPr>
+          <p:cNvPr id="2" name="Title 1">
+            <a:extLst>
+              <a:ext uri="{FF2B5EF4-FFF2-40B4-BE49-F238E27FC236}">
+                <a16:creationId xmlns:a16="http://schemas.microsoft.com/office/drawing/2014/main" id="{A16D7DE3-368C-CA4F-AA02-93E65093D8E0}"/>
+              </a:ext>
+            </a:extLst>
+          </p:cNvPr>
+          <p:cNvSpPr>
+            <a:spLocks noGrp="1"/>
+          </p:cNvSpPr>
+          <p:nvPr>
+            <p:ph type="title"/>
+          </p:nvPr>
+        </p:nvSpPr>
+        <p:spPr/>
+        <p:txBody>
+          <a:bodyPr/>
+          <a:lstStyle/>
+          <a:p>
+            <a:r>
+              <a:rPr lang="en-DE" dirty="0"/>
+              <a:t>Bereiche</a:t>
+            </a:r>
+          </a:p>
+        </p:txBody>
+      </p:sp>
+      <p:sp>
+        <p:nvSpPr>
+          <p:cNvPr id="3" name="Content Placeholder 2">
+            <a:extLst>
+              <a:ext uri="{FF2B5EF4-FFF2-40B4-BE49-F238E27FC236}">
+                <a16:creationId xmlns:a16="http://schemas.microsoft.com/office/drawing/2014/main" id="{6AA38507-F7C7-2747-8651-DE690045CB55}"/>
+              </a:ext>
+            </a:extLst>
+          </p:cNvPr>
+          <p:cNvSpPr>
+            <a:spLocks noGrp="1"/>
+          </p:cNvSpPr>
+          <p:nvPr>
+            <p:ph idx="1"/>
+          </p:nvPr>
+        </p:nvSpPr>
+        <p:spPr/>
+        <p:txBody>
+          <a:bodyPr/>
+          <a:lstStyle/>
+          <a:p>
+            <a:r>
+              <a:rPr lang="en-DE"/>
+              <a:t>Federn</a:t>
+            </a:r>
+          </a:p>
+          <a:p>
+            <a:r>
+              <a:rPr lang="en-DE"/>
+              <a:t>Stanzbiegeteile</a:t>
+            </a:r>
+          </a:p>
+          <a:p>
+            <a:r>
+              <a:rPr lang="en-DE"/>
+              <a:t>Baugruppen</a:t>
+            </a:r>
+          </a:p>
+          <a:p>
+            <a:r>
+              <a:rPr lang="en-DE"/>
+              <a:t>Drahtbiegeteile</a:t>
+            </a:r>
+            <a:endParaRPr lang="en-DE" dirty="0"/>
+          </a:p>
+        </p:txBody>
+      </p:sp>
+      <p:pic>
+        <p:nvPicPr>
+          <p:cNvPr id="5" name="Picture 4" descr="A picture containing man, air, jumping, trick&#10;&#10;Description automatically generated">
+            <a:extLst>
+              <a:ext uri="{FF2B5EF4-FFF2-40B4-BE49-F238E27FC236}">
+                <a16:creationId xmlns:a16="http://schemas.microsoft.com/office/drawing/2014/main" id="{D15972BE-BC62-834C-8A91-8E3C44E1F350}"/>
+              </a:ext>
+            </a:extLst>
+          </p:cNvPr>
+          <p:cNvPicPr>
+            <a:picLocks noChangeAspect="1"/>
+          </p:cNvPicPr>
+          <p:nvPr/>
+        </p:nvPicPr>
+        <p:blipFill>
+          <a:blip r:embed="rId2"/>
+          <a:stretch>
+            <a:fillRect/>
+          </a:stretch>
+        </p:blipFill>
+        <p:spPr>
+          <a:xfrm>
+            <a:off x="8662230" y="2916887"/>
+            <a:ext cx="2096654" cy="2096654"/>
+          </a:xfrm>
+          <a:prstGeom prst="rect">
+            <a:avLst/>
+          </a:prstGeom>
+        </p:spPr>
+      </p:pic>
+      <p:pic>
+        <p:nvPicPr>
+          <p:cNvPr id="7" name="Picture 6" descr="A picture containing man, table, black, toy&#10;&#10;Description automatically generated">
+            <a:extLst>
+              <a:ext uri="{FF2B5EF4-FFF2-40B4-BE49-F238E27FC236}">
+                <a16:creationId xmlns:a16="http://schemas.microsoft.com/office/drawing/2014/main" id="{DB370ED4-CB36-AD4E-A180-817146F54533}"/>
+              </a:ext>
+            </a:extLst>
+          </p:cNvPr>
+          <p:cNvPicPr>
+            <a:picLocks noChangeAspect="1"/>
+          </p:cNvPicPr>
+          <p:nvPr/>
+        </p:nvPicPr>
+        <p:blipFill>
+          <a:blip r:embed="rId3"/>
+          <a:stretch>
+            <a:fillRect/>
+          </a:stretch>
+        </p:blipFill>
+        <p:spPr>
+          <a:xfrm>
+            <a:off x="6096000" y="1573753"/>
+            <a:ext cx="2038098" cy="2038098"/>
+          </a:xfrm>
+          <a:prstGeom prst="rect">
+            <a:avLst/>
+          </a:prstGeom>
+        </p:spPr>
+      </p:pic>
+      <p:pic>
+        <p:nvPicPr>
+          <p:cNvPr id="9" name="Picture 8" descr="A picture containing white&#10;&#10;Description automatically generated">
+            <a:extLst>
+              <a:ext uri="{FF2B5EF4-FFF2-40B4-BE49-F238E27FC236}">
+                <a16:creationId xmlns:a16="http://schemas.microsoft.com/office/drawing/2014/main" id="{4B5E51B2-E122-4A4E-A796-C620748ADF58}"/>
+              </a:ext>
+            </a:extLst>
+          </p:cNvPr>
+          <p:cNvPicPr>
+            <a:picLocks noChangeAspect="1"/>
+          </p:cNvPicPr>
+          <p:nvPr/>
+        </p:nvPicPr>
+        <p:blipFill>
+          <a:blip r:embed="rId4"/>
+          <a:stretch>
+            <a:fillRect/>
+          </a:stretch>
+        </p:blipFill>
+        <p:spPr>
+          <a:xfrm>
+            <a:off x="6096000" y="3791238"/>
+            <a:ext cx="2216727" cy="2216727"/>
+          </a:xfrm>
+          <a:prstGeom prst="rect">
+            <a:avLst/>
+          </a:prstGeom>
+        </p:spPr>
+      </p:pic>
+      <p:pic>
+        <p:nvPicPr>
+          <p:cNvPr id="11" name="Picture 10" descr="A picture containing comb&#10;&#10;Description automatically generated">
+            <a:extLst>
+              <a:ext uri="{FF2B5EF4-FFF2-40B4-BE49-F238E27FC236}">
+                <a16:creationId xmlns:a16="http://schemas.microsoft.com/office/drawing/2014/main" id="{BF65D0D7-1766-B445-991C-F96A6268EEE8}"/>
+              </a:ext>
+            </a:extLst>
+          </p:cNvPr>
+          <p:cNvPicPr>
+            <a:picLocks noChangeAspect="1"/>
+          </p:cNvPicPr>
+          <p:nvPr/>
+        </p:nvPicPr>
+        <p:blipFill>
+          <a:blip r:embed="rId5"/>
+          <a:stretch>
+            <a:fillRect/>
+          </a:stretch>
+        </p:blipFill>
+        <p:spPr>
+          <a:xfrm>
+            <a:off x="8662230" y="820233"/>
+            <a:ext cx="2096654" cy="2096654"/>
+          </a:xfrm>
+          <a:prstGeom prst="rect">
+            <a:avLst/>
+          </a:prstGeom>
+        </p:spPr>
+      </p:pic>
+    </p:spTree>
+    <p:extLst>
+      <p:ext uri="{BB962C8B-B14F-4D97-AF65-F5344CB8AC3E}">
+        <p14:creationId xmlns:p14="http://schemas.microsoft.com/office/powerpoint/2010/main" val="2240983554"/>
+      </p:ext>
+    </p:extLst>
+  </p:cSld>
+  <p:clrMapOvr>
+    <a:masterClrMapping/>
+  </p:clrMapOvr>
+</p:sld>
+</file>
+
+<file path=ppt/slides/slide4.xml><?xml version="1.0" encoding="utf-8"?>
+<p:sld xmlns:a="http://schemas.openxmlformats.org/drawingml/2006/main" xmlns:r="http://schemas.openxmlformats.org/officeDocument/2006/relationships" xmlns:p="http://schemas.openxmlformats.org/presentationml/2006/main">
+  <p:cSld>
+    <p:spTree>
+      <p:nvGrpSpPr>
+        <p:cNvPr id="1" name=""/>
+        <p:cNvGrpSpPr/>
+        <p:nvPr/>
+      </p:nvGrpSpPr>
+      <p:grpSpPr>
+        <a:xfrm>
+          <a:off x="0" y="0"/>
+          <a:ext cx="0" cy="0"/>
+          <a:chOff x="0" y="0"/>
+          <a:chExt cx="0" cy="0"/>
+        </a:xfrm>
+      </p:grpSpPr>
+      <p:sp>
+        <p:nvSpPr>
+          <p:cNvPr id="2" name="Title 1">
+            <a:extLst>
+              <a:ext uri="{FF2B5EF4-FFF2-40B4-BE49-F238E27FC236}">
+                <a16:creationId xmlns:a16="http://schemas.microsoft.com/office/drawing/2014/main" id="{4CBC04D0-E9BE-4B48-B74F-D7A570FFB360}"/>
+              </a:ext>
+            </a:extLst>
+          </p:cNvPr>
+          <p:cNvSpPr>
+            <a:spLocks noGrp="1"/>
+          </p:cNvSpPr>
+          <p:nvPr>
+            <p:ph type="title"/>
+          </p:nvPr>
+        </p:nvSpPr>
+        <p:spPr/>
+        <p:txBody>
+          <a:bodyPr/>
+          <a:lstStyle/>
+          <a:p>
+            <a:r>
+              <a:rPr lang="en-DE"/>
+              <a:t>Federn</a:t>
+            </a:r>
+            <a:endParaRPr lang="en-DE" dirty="0"/>
+          </a:p>
+        </p:txBody>
+      </p:sp>
+      <p:sp>
+        <p:nvSpPr>
+          <p:cNvPr id="3" name="Content Placeholder 2">
+            <a:extLst>
+              <a:ext uri="{FF2B5EF4-FFF2-40B4-BE49-F238E27FC236}">
+                <a16:creationId xmlns:a16="http://schemas.microsoft.com/office/drawing/2014/main" id="{F2E60CD4-6C1F-DC48-A289-87E86EA3CED6}"/>
+              </a:ext>
+            </a:extLst>
+          </p:cNvPr>
+          <p:cNvSpPr>
+            <a:spLocks noGrp="1"/>
+          </p:cNvSpPr>
+          <p:nvPr>
+            <p:ph idx="1"/>
+          </p:nvPr>
+        </p:nvSpPr>
+        <p:spPr/>
+        <p:txBody>
+          <a:bodyPr/>
+          <a:lstStyle/>
+          <a:p>
+            <a:r>
+              <a:rPr lang="en-DE"/>
+              <a:t>Zugfedern</a:t>
+            </a:r>
+          </a:p>
+          <a:p>
+            <a:r>
+              <a:rPr lang="en-DE"/>
+              <a:t>Schenkelfedern</a:t>
+            </a:r>
+          </a:p>
+          <a:p>
+            <a:r>
+              <a:rPr lang="en-DE"/>
+              <a:t>Druckfedern</a:t>
+            </a:r>
+          </a:p>
+          <a:p>
+            <a:endParaRPr lang="en-DE" dirty="0"/>
+          </a:p>
+        </p:txBody>
+      </p:sp>
+      <p:pic>
+        <p:nvPicPr>
+          <p:cNvPr id="5" name="Picture 4" descr="A close up of ware&#10;&#10;Description automatically generated">
+            <a:extLst>
+              <a:ext uri="{FF2B5EF4-FFF2-40B4-BE49-F238E27FC236}">
+                <a16:creationId xmlns:a16="http://schemas.microsoft.com/office/drawing/2014/main" id="{D9396B65-809B-4F49-8035-1650648F463B}"/>
+              </a:ext>
+            </a:extLst>
+          </p:cNvPr>
+          <p:cNvPicPr>
+            <a:picLocks noChangeAspect="1"/>
+          </p:cNvPicPr>
+          <p:nvPr/>
+        </p:nvPicPr>
+        <p:blipFill>
+          <a:blip r:embed="rId2"/>
+          <a:stretch>
+            <a:fillRect/>
+          </a:stretch>
+        </p:blipFill>
+        <p:spPr>
+          <a:xfrm>
+            <a:off x="7982664" y="4386695"/>
+            <a:ext cx="2234928" cy="1609148"/>
+          </a:xfrm>
+          <a:prstGeom prst="rect">
+            <a:avLst/>
+          </a:prstGeom>
+        </p:spPr>
+      </p:pic>
+      <p:pic>
+        <p:nvPicPr>
+          <p:cNvPr id="7" name="Picture 6" descr="A close up of ware&#10;&#10;Description automatically generated">
+            <a:extLst>
+              <a:ext uri="{FF2B5EF4-FFF2-40B4-BE49-F238E27FC236}">
+                <a16:creationId xmlns:a16="http://schemas.microsoft.com/office/drawing/2014/main" id="{96BD69AF-F821-234B-A1FE-6A6FE6A871D9}"/>
+              </a:ext>
+            </a:extLst>
+          </p:cNvPr>
+          <p:cNvPicPr>
+            <a:picLocks noChangeAspect="1"/>
+          </p:cNvPicPr>
+          <p:nvPr/>
+        </p:nvPicPr>
+        <p:blipFill>
+          <a:blip r:embed="rId3"/>
+          <a:stretch>
+            <a:fillRect/>
+          </a:stretch>
+        </p:blipFill>
+        <p:spPr>
+          <a:xfrm>
+            <a:off x="5271927" y="2508791"/>
+            <a:ext cx="2234928" cy="1609148"/>
+          </a:xfrm>
+          <a:prstGeom prst="rect">
+            <a:avLst/>
+          </a:prstGeom>
+        </p:spPr>
+      </p:pic>
+      <p:pic>
+        <p:nvPicPr>
+          <p:cNvPr id="9" name="Picture 8" descr="A close up of a device&#10;&#10;Description automatically generated">
+            <a:extLst>
+              <a:ext uri="{FF2B5EF4-FFF2-40B4-BE49-F238E27FC236}">
+                <a16:creationId xmlns:a16="http://schemas.microsoft.com/office/drawing/2014/main" id="{A7371842-3608-934E-BE0F-B2E25D1A52A1}"/>
+              </a:ext>
+            </a:extLst>
+          </p:cNvPr>
+          <p:cNvPicPr>
+            <a:picLocks noChangeAspect="1"/>
+          </p:cNvPicPr>
+          <p:nvPr/>
+        </p:nvPicPr>
+        <p:blipFill>
+          <a:blip r:embed="rId4"/>
+          <a:stretch>
+            <a:fillRect/>
+          </a:stretch>
+        </p:blipFill>
+        <p:spPr>
+          <a:xfrm>
+            <a:off x="7982664" y="728302"/>
+            <a:ext cx="2234928" cy="1609148"/>
+          </a:xfrm>
+          <a:prstGeom prst="rect">
+            <a:avLst/>
+          </a:prstGeom>
+        </p:spPr>
+      </p:pic>
+    </p:spTree>
+    <p:extLst>
+      <p:ext uri="{BB962C8B-B14F-4D97-AF65-F5344CB8AC3E}">
+        <p14:creationId xmlns:p14="http://schemas.microsoft.com/office/powerpoint/2010/main" val="896090990"/>
+      </p:ext>
+    </p:extLst>
+  </p:cSld>
+  <p:clrMapOvr>
+    <a:masterClrMapping/>
+  </p:clrMapOvr>
+</p:sld>
+</file>
+
+<file path=ppt/slides/slide5.xml><?xml version="1.0" encoding="utf-8"?>
+<p:sld xmlns:a="http://schemas.openxmlformats.org/drawingml/2006/main" xmlns:r="http://schemas.openxmlformats.org/officeDocument/2006/relationships" xmlns:p="http://schemas.openxmlformats.org/presentationml/2006/main">
+  <p:cSld>
+    <p:spTree>
+      <p:nvGrpSpPr>
+        <p:cNvPr id="1" name=""/>
+        <p:cNvGrpSpPr/>
+        <p:nvPr/>
+      </p:nvGrpSpPr>
+      <p:grpSpPr>
+        <a:xfrm>
+          <a:off x="0" y="0"/>
+          <a:ext cx="0" cy="0"/>
+          <a:chOff x="0" y="0"/>
+          <a:chExt cx="0" cy="0"/>
+        </a:xfrm>
+      </p:grpSpPr>
+      <p:sp>
+        <p:nvSpPr>
+          <p:cNvPr id="2" name="Title 1">
+            <a:extLst>
+              <a:ext uri="{FF2B5EF4-FFF2-40B4-BE49-F238E27FC236}">
+                <a16:creationId xmlns:a16="http://schemas.microsoft.com/office/drawing/2014/main" id="{3DD62641-7B6B-1E42-8573-A0EAC94DD36D}"/>
+              </a:ext>
+            </a:extLst>
+          </p:cNvPr>
+          <p:cNvSpPr>
+            <a:spLocks noGrp="1"/>
+          </p:cNvSpPr>
+          <p:nvPr>
+            <p:ph type="title"/>
+          </p:nvPr>
+        </p:nvSpPr>
+        <p:spPr/>
+        <p:txBody>
+          <a:bodyPr/>
+          <a:lstStyle/>
+          <a:p>
+            <a:r>
+              <a:rPr lang="en-DE" dirty="0"/>
+              <a:t>Die untersuchte Feder</a:t>
+            </a:r>
+          </a:p>
+        </p:txBody>
+      </p:sp>
+      <p:sp>
+        <p:nvSpPr>
+          <p:cNvPr id="3" name="Content Placeholder 2">
+            <a:extLst>
+              <a:ext uri="{FF2B5EF4-FFF2-40B4-BE49-F238E27FC236}">
+                <a16:creationId xmlns:a16="http://schemas.microsoft.com/office/drawing/2014/main" id="{92A99899-B68B-014B-BE73-24858AC7A321}"/>
+              </a:ext>
+            </a:extLst>
+          </p:cNvPr>
+          <p:cNvSpPr>
+            <a:spLocks noGrp="1"/>
+          </p:cNvSpPr>
+          <p:nvPr>
+            <p:ph idx="1"/>
+          </p:nvPr>
+        </p:nvSpPr>
+        <p:spPr/>
+        <p:txBody>
+          <a:bodyPr/>
+          <a:lstStyle/>
+          <a:p>
+            <a:r>
+              <a:rPr lang="en-DE" dirty="0"/>
+              <a:t>Trompetenfeder</a:t>
+            </a:r>
+          </a:p>
+          <a:p>
+            <a:r>
+              <a:rPr lang="en-DE" dirty="0"/>
+              <a:t>1 Feder als Standard</a:t>
+            </a:r>
+          </a:p>
+          <a:p>
+            <a:r>
+              <a:rPr lang="en-DE" dirty="0"/>
+              <a:t>2 Federn Durchm geändert</a:t>
+            </a:r>
+          </a:p>
+          <a:p>
+            <a:r>
+              <a:rPr lang="en-DE" dirty="0"/>
+              <a:t>2 Federn Wicklungszahl geändert</a:t>
+            </a:r>
+          </a:p>
+        </p:txBody>
+      </p:sp>
+    </p:spTree>
+    <p:extLst>
+      <p:ext uri="{BB962C8B-B14F-4D97-AF65-F5344CB8AC3E}">
+        <p14:creationId xmlns:p14="http://schemas.microsoft.com/office/powerpoint/2010/main" val="4242125548"/>
+      </p:ext>
+    </p:extLst>
+  </p:cSld>
+  <p:clrMapOvr>
+    <a:masterClrMapping/>
+  </p:clrMapOvr>
+</p:sld>
+</file>
+
+<file path=ppt/slides/slide6.xml><?xml version="1.0" encoding="utf-8"?>
+<p:sld xmlns:a="http://schemas.openxmlformats.org/drawingml/2006/main" xmlns:r="http://schemas.openxmlformats.org/officeDocument/2006/relationships" xmlns:p="http://schemas.openxmlformats.org/presentationml/2006/main">
+  <p:cSld>
+    <p:spTree>
+      <p:nvGrpSpPr>
+        <p:cNvPr id="1" name=""/>
+        <p:cNvGrpSpPr/>
+        <p:nvPr/>
+      </p:nvGrpSpPr>
+      <p:grpSpPr>
+        <a:xfrm>
+          <a:off x="0" y="0"/>
+          <a:ext cx="0" cy="0"/>
+          <a:chOff x="0" y="0"/>
+          <a:chExt cx="0" cy="0"/>
+        </a:xfrm>
+      </p:grpSpPr>
+      <p:sp>
+        <p:nvSpPr>
+          <p:cNvPr id="2" name="Title 1">
+            <a:extLst>
+              <a:ext uri="{FF2B5EF4-FFF2-40B4-BE49-F238E27FC236}">
+                <a16:creationId xmlns:a16="http://schemas.microsoft.com/office/drawing/2014/main" id="{769CB638-FFE9-594C-97EE-C96B5AD1E819}"/>
+              </a:ext>
+            </a:extLst>
+          </p:cNvPr>
+          <p:cNvSpPr>
+            <a:spLocks noGrp="1"/>
+          </p:cNvSpPr>
+          <p:nvPr>
+            <p:ph type="title"/>
+          </p:nvPr>
+        </p:nvSpPr>
+        <p:spPr/>
+        <p:txBody>
+          <a:bodyPr/>
+          <a:lstStyle/>
+          <a:p>
+            <a:r>
+              <a:rPr lang="en-DE" dirty="0"/>
+              <a:t>Hooksches Gesetz</a:t>
+            </a:r>
+          </a:p>
+        </p:txBody>
+      </p:sp>
+      <p:pic>
+        <p:nvPicPr>
+          <p:cNvPr id="5" name="Content Placeholder 4" descr="A close up of a logo&#10;&#10;Description automatically generated">
+            <a:extLst>
+              <a:ext uri="{FF2B5EF4-FFF2-40B4-BE49-F238E27FC236}">
+                <a16:creationId xmlns:a16="http://schemas.microsoft.com/office/drawing/2014/main" id="{9B81B680-96C4-3D4E-884F-1ED9025A4DFC}"/>
+              </a:ext>
+            </a:extLst>
+          </p:cNvPr>
+          <p:cNvPicPr>
+            <a:picLocks noGrp="1" noChangeAspect="1"/>
+          </p:cNvPicPr>
+          <p:nvPr>
+            <p:ph idx="1"/>
+          </p:nvPr>
+        </p:nvPicPr>
+        <p:blipFill>
+          <a:blip r:embed="rId2"/>
+          <a:stretch>
+            <a:fillRect/>
+          </a:stretch>
+        </p:blipFill>
+        <p:spPr>
+          <a:xfrm>
+            <a:off x="2300432" y="2090738"/>
+            <a:ext cx="6758268" cy="1518011"/>
+          </a:xfrm>
+        </p:spPr>
+      </p:pic>
+      <p:pic>
+        <p:nvPicPr>
+          <p:cNvPr id="7" name="Picture 6" descr="A picture containing table&#10;&#10;Description automatically generated">
+            <a:extLst>
+              <a:ext uri="{FF2B5EF4-FFF2-40B4-BE49-F238E27FC236}">
+                <a16:creationId xmlns:a16="http://schemas.microsoft.com/office/drawing/2014/main" id="{CE50E877-249D-4041-A33B-AF15F978D986}"/>
+              </a:ext>
+            </a:extLst>
+          </p:cNvPr>
+          <p:cNvPicPr>
+            <a:picLocks noChangeAspect="1"/>
+          </p:cNvPicPr>
+          <p:nvPr/>
+        </p:nvPicPr>
+        <p:blipFill>
+          <a:blip r:embed="rId3"/>
+          <a:stretch>
+            <a:fillRect/>
+          </a:stretch>
+        </p:blipFill>
+        <p:spPr>
+          <a:xfrm>
+            <a:off x="3424873" y="3858131"/>
+            <a:ext cx="4509386" cy="1518011"/>
+          </a:xfrm>
+          <a:prstGeom prst="rect">
+            <a:avLst/>
+          </a:prstGeom>
+        </p:spPr>
+      </p:pic>
+    </p:spTree>
+    <p:extLst>
+      <p:ext uri="{BB962C8B-B14F-4D97-AF65-F5344CB8AC3E}">
+        <p14:creationId xmlns:p14="http://schemas.microsoft.com/office/powerpoint/2010/main" val="3454050775"/>
+      </p:ext>
+    </p:extLst>
+  </p:cSld>
+  <p:clrMapOvr>
+    <a:masterClrMapping/>
+  </p:clrMapOvr>
+</p:sld>
+</file>
+
+<file path=ppt/slides/slide7.xml><?xml version="1.0" encoding="utf-8"?>
+<p:sld xmlns:a="http://schemas.openxmlformats.org/drawingml/2006/main" xmlns:r="http://schemas.openxmlformats.org/officeDocument/2006/relationships" xmlns:p="http://schemas.openxmlformats.org/presentationml/2006/main">
+  <p:cSld>
+    <p:spTree>
+      <p:nvGrpSpPr>
+        <p:cNvPr id="1" name=""/>
+        <p:cNvGrpSpPr/>
+        <p:nvPr/>
+      </p:nvGrpSpPr>
+      <p:grpSpPr>
+        <a:xfrm>
+          <a:off x="0" y="0"/>
+          <a:ext cx="0" cy="0"/>
+          <a:chOff x="0" y="0"/>
+          <a:chExt cx="0" cy="0"/>
+        </a:xfrm>
+      </p:grpSpPr>
+      <p:sp>
+        <p:nvSpPr>
+          <p:cNvPr id="2" name="Title 1">
+            <a:extLst>
+              <a:ext uri="{FF2B5EF4-FFF2-40B4-BE49-F238E27FC236}">
+                <a16:creationId xmlns:a16="http://schemas.microsoft.com/office/drawing/2014/main" id="{61FE5F6D-3E34-724B-AD46-C6528DA3A257}"/>
+              </a:ext>
+            </a:extLst>
+          </p:cNvPr>
+          <p:cNvSpPr>
+            <a:spLocks noGrp="1"/>
+          </p:cNvSpPr>
+          <p:nvPr>
+            <p:ph type="title"/>
+          </p:nvPr>
+        </p:nvSpPr>
+        <p:spPr/>
+        <p:txBody>
+          <a:bodyPr/>
+          <a:lstStyle/>
+          <a:p>
+            <a:endParaRPr lang="en-DE"/>
+          </a:p>
+        </p:txBody>
+      </p:sp>
+      <p:sp>
+        <p:nvSpPr>
+          <p:cNvPr id="3" name="Content Placeholder 2">
+            <a:extLst>
+              <a:ext uri="{FF2B5EF4-FFF2-40B4-BE49-F238E27FC236}">
+                <a16:creationId xmlns:a16="http://schemas.microsoft.com/office/drawing/2014/main" id="{75767C6B-37B2-B743-AF28-6D09ECAFED6B}"/>
+              </a:ext>
+            </a:extLst>
+          </p:cNvPr>
+          <p:cNvSpPr>
+            <a:spLocks noGrp="1"/>
+          </p:cNvSpPr>
+          <p:nvPr>
+            <p:ph idx="1"/>
+          </p:nvPr>
+        </p:nvSpPr>
+        <p:spPr/>
+        <p:txBody>
+          <a:bodyPr/>
+          <a:lstStyle/>
+          <a:p>
+            <a:endParaRPr lang="en-DE"/>
+          </a:p>
+        </p:txBody>
+      </p:sp>
+    </p:spTree>
+    <p:extLst>
+      <p:ext uri="{BB962C8B-B14F-4D97-AF65-F5344CB8AC3E}">
+        <p14:creationId xmlns:p14="http://schemas.microsoft.com/office/powerpoint/2010/main" val="1659761832"/>
       </p:ext>
     </p:extLst>
   </p:cSld>

--- a/000_Zusatzversuch/Presentation.pptx
+++ b/000_Zusatzversuch/Presentation.pptx
@@ -5,16 +5,25 @@
     <p:sldMasterId id="2147483708" r:id="rId1"/>
   </p:sldMasterIdLst>
   <p:notesMasterIdLst>
-    <p:notesMasterId r:id="rId9"/>
+    <p:notesMasterId r:id="rId18"/>
   </p:notesMasterIdLst>
   <p:sldIdLst>
     <p:sldId id="256" r:id="rId2"/>
-    <p:sldId id="257" r:id="rId3"/>
-    <p:sldId id="261" r:id="rId4"/>
-    <p:sldId id="263" r:id="rId5"/>
-    <p:sldId id="258" r:id="rId6"/>
-    <p:sldId id="259" r:id="rId7"/>
-    <p:sldId id="260" r:id="rId8"/>
+    <p:sldId id="264" r:id="rId3"/>
+    <p:sldId id="257" r:id="rId4"/>
+    <p:sldId id="261" r:id="rId5"/>
+    <p:sldId id="263" r:id="rId6"/>
+    <p:sldId id="258" r:id="rId7"/>
+    <p:sldId id="268" r:id="rId8"/>
+    <p:sldId id="269" r:id="rId9"/>
+    <p:sldId id="270" r:id="rId10"/>
+    <p:sldId id="259" r:id="rId11"/>
+    <p:sldId id="266" r:id="rId12"/>
+    <p:sldId id="267" r:id="rId13"/>
+    <p:sldId id="260" r:id="rId14"/>
+    <p:sldId id="271" r:id="rId15"/>
+    <p:sldId id="272" r:id="rId16"/>
+    <p:sldId id="265" r:id="rId17"/>
   </p:sldIdLst>
   <p:sldSz cx="12192000" cy="6858000"/>
   <p:notesSz cx="6858000" cy="9144000"/>
@@ -472,6 +481,6730 @@
     </a:lvl9pPr>
   </p:notesStyle>
 </p:notesMaster>
+</file>
+
+<file path=ppt/notesSlides/notesSlide1.xml><?xml version="1.0" encoding="utf-8"?>
+<p:notes xmlns:a="http://schemas.openxmlformats.org/drawingml/2006/main" xmlns:r="http://schemas.openxmlformats.org/officeDocument/2006/relationships" xmlns:p="http://schemas.openxmlformats.org/presentationml/2006/main">
+  <p:cSld>
+    <p:spTree>
+      <p:nvGrpSpPr>
+        <p:cNvPr id="1" name=""/>
+        <p:cNvGrpSpPr/>
+        <p:nvPr/>
+      </p:nvGrpSpPr>
+      <p:grpSpPr>
+        <a:xfrm>
+          <a:off x="0" y="0"/>
+          <a:ext cx="0" cy="0"/>
+          <a:chOff x="0" y="0"/>
+          <a:chExt cx="0" cy="0"/>
+        </a:xfrm>
+      </p:grpSpPr>
+      <p:sp>
+        <p:nvSpPr>
+          <p:cNvPr id="2" name="Slide Image Placeholder 1"/>
+          <p:cNvSpPr>
+            <a:spLocks noGrp="1" noRot="1" noChangeAspect="1"/>
+          </p:cNvSpPr>
+          <p:nvPr>
+            <p:ph type="sldImg"/>
+          </p:nvPr>
+        </p:nvSpPr>
+        <p:spPr/>
+      </p:sp>
+      <p:sp>
+        <p:nvSpPr>
+          <p:cNvPr id="3" name="Notes Placeholder 2"/>
+          <p:cNvSpPr>
+            <a:spLocks noGrp="1"/>
+          </p:cNvSpPr>
+          <p:nvPr>
+            <p:ph type="body" idx="1"/>
+          </p:nvPr>
+        </p:nvSpPr>
+        <p:spPr/>
+        <p:txBody>
+          <a:bodyPr/>
+          <a:lstStyle/>
+          <a:p>
+            <a:pPr marL="0" marR="0" lvl="0" indent="0" algn="l" defTabSz="914400" rtl="0" eaLnBrk="1" fontAlgn="auto" latinLnBrk="0" hangingPunct="1">
+              <a:lnSpc>
+                <a:spcPct val="100000"/>
+              </a:lnSpc>
+              <a:spcBef>
+                <a:spcPts val="0"/>
+              </a:spcBef>
+              <a:spcAft>
+                <a:spcPts val="0"/>
+              </a:spcAft>
+              <a:buClrTx/>
+              <a:buSzTx/>
+              <a:buFontTx/>
+              <a:buNone/>
+              <a:tabLst/>
+              <a:defRPr/>
+            </a:pPr>
+            <a:r>
+              <a:rPr lang="en-DE" dirty="0"/>
+              <a:t>Schnöring, produzent für kleine </a:t>
+            </a:r>
+            <a:r>
+              <a:rPr lang="en-GB" sz="1200" kern="1200" dirty="0" err="1">
+                <a:solidFill>
+                  <a:schemeClr val="tx1"/>
+                </a:solidFill>
+                <a:effectLst/>
+                <a:latin typeface="+mn-lt"/>
+                <a:ea typeface="+mn-ea"/>
+                <a:cs typeface="+mn-cs"/>
+              </a:rPr>
+              <a:t>Federn</a:t>
+            </a:r>
+            <a:r>
+              <a:rPr lang="en-GB" sz="1200" kern="1200" dirty="0">
+                <a:solidFill>
+                  <a:schemeClr val="tx1"/>
+                </a:solidFill>
+                <a:effectLst/>
+                <a:latin typeface="+mn-lt"/>
+                <a:ea typeface="+mn-ea"/>
+                <a:cs typeface="+mn-cs"/>
+              </a:rPr>
+              <a:t>, </a:t>
+            </a:r>
+            <a:r>
+              <a:rPr lang="en-GB" sz="1200" kern="1200" dirty="0" err="1">
+                <a:solidFill>
+                  <a:schemeClr val="tx1"/>
+                </a:solidFill>
+                <a:effectLst/>
+                <a:latin typeface="+mn-lt"/>
+                <a:ea typeface="+mn-ea"/>
+                <a:cs typeface="+mn-cs"/>
+              </a:rPr>
+              <a:t>Stanz</a:t>
+            </a:r>
+            <a:r>
+              <a:rPr lang="en-GB" sz="1200" kern="1200" dirty="0">
+                <a:solidFill>
+                  <a:schemeClr val="tx1"/>
+                </a:solidFill>
+                <a:effectLst/>
+                <a:latin typeface="+mn-lt"/>
+                <a:ea typeface="+mn-ea"/>
+                <a:cs typeface="+mn-cs"/>
+              </a:rPr>
+              <a:t>- und </a:t>
+            </a:r>
+            <a:r>
+              <a:rPr lang="en-GB" sz="1200" kern="1200" dirty="0" err="1">
+                <a:solidFill>
+                  <a:schemeClr val="tx1"/>
+                </a:solidFill>
+                <a:effectLst/>
+                <a:latin typeface="+mn-lt"/>
+                <a:ea typeface="+mn-ea"/>
+                <a:cs typeface="+mn-cs"/>
+              </a:rPr>
+              <a:t>Drahtbiegeteilen</a:t>
+            </a:r>
+            <a:r>
+              <a:rPr lang="en-GB" sz="1200" kern="1200" dirty="0">
+                <a:solidFill>
+                  <a:schemeClr val="tx1"/>
+                </a:solidFill>
+                <a:effectLst/>
+                <a:latin typeface="+mn-lt"/>
+                <a:ea typeface="+mn-ea"/>
+                <a:cs typeface="+mn-cs"/>
+              </a:rPr>
+              <a:t>, </a:t>
+            </a:r>
+            <a:r>
+              <a:rPr lang="en-GB" sz="1200" kern="1200" dirty="0" err="1">
+                <a:solidFill>
+                  <a:schemeClr val="tx1"/>
+                </a:solidFill>
+                <a:effectLst/>
+                <a:latin typeface="+mn-lt"/>
+                <a:ea typeface="+mn-ea"/>
+                <a:cs typeface="+mn-cs"/>
+              </a:rPr>
+              <a:t>sowie</a:t>
+            </a:r>
+            <a:r>
+              <a:rPr lang="en-GB" sz="1200" kern="1200" dirty="0">
+                <a:solidFill>
+                  <a:schemeClr val="tx1"/>
+                </a:solidFill>
+                <a:effectLst/>
+                <a:latin typeface="+mn-lt"/>
+                <a:ea typeface="+mn-ea"/>
+                <a:cs typeface="+mn-cs"/>
+              </a:rPr>
+              <a:t> </a:t>
+            </a:r>
+            <a:r>
+              <a:rPr lang="en-GB" sz="1200" kern="1200" dirty="0" err="1">
+                <a:solidFill>
+                  <a:schemeClr val="tx1"/>
+                </a:solidFill>
+                <a:effectLst/>
+                <a:latin typeface="+mn-lt"/>
+                <a:ea typeface="+mn-ea"/>
+                <a:cs typeface="+mn-cs"/>
+              </a:rPr>
+              <a:t>Baugruppen</a:t>
+            </a:r>
+            <a:r>
+              <a:rPr lang="en-GB" sz="1200" kern="1200" dirty="0">
+                <a:solidFill>
+                  <a:schemeClr val="tx1"/>
+                </a:solidFill>
+                <a:effectLst/>
+                <a:latin typeface="+mn-lt"/>
+                <a:ea typeface="+mn-ea"/>
+                <a:cs typeface="+mn-cs"/>
+              </a:rPr>
+              <a:t> </a:t>
+            </a:r>
+            <a:r>
+              <a:rPr lang="en-GB" sz="1200" kern="1200" dirty="0" err="1">
+                <a:solidFill>
+                  <a:schemeClr val="tx1"/>
+                </a:solidFill>
+                <a:effectLst/>
+                <a:latin typeface="+mn-lt"/>
+                <a:ea typeface="+mn-ea"/>
+                <a:cs typeface="+mn-cs"/>
+              </a:rPr>
+              <a:t>für</a:t>
+            </a:r>
+            <a:r>
+              <a:rPr lang="en-GB" sz="1200" kern="1200" dirty="0">
+                <a:solidFill>
+                  <a:schemeClr val="tx1"/>
+                </a:solidFill>
+                <a:effectLst/>
+                <a:latin typeface="+mn-lt"/>
+                <a:ea typeface="+mn-ea"/>
+                <a:cs typeface="+mn-cs"/>
+              </a:rPr>
+              <a:t> </a:t>
+            </a:r>
+            <a:r>
+              <a:rPr lang="en-GB" sz="1200" kern="1200" dirty="0" err="1">
+                <a:solidFill>
+                  <a:schemeClr val="tx1"/>
+                </a:solidFill>
+                <a:effectLst/>
+                <a:latin typeface="+mn-lt"/>
+                <a:ea typeface="+mn-ea"/>
+                <a:cs typeface="+mn-cs"/>
+              </a:rPr>
+              <a:t>verschiedenste</a:t>
+            </a:r>
+            <a:r>
+              <a:rPr lang="en-GB" sz="1200" kern="1200" dirty="0">
+                <a:solidFill>
+                  <a:schemeClr val="tx1"/>
+                </a:solidFill>
+                <a:effectLst/>
+                <a:latin typeface="+mn-lt"/>
+                <a:ea typeface="+mn-ea"/>
+                <a:cs typeface="+mn-cs"/>
+              </a:rPr>
+              <a:t> </a:t>
+            </a:r>
+            <a:r>
+              <a:rPr lang="en-GB" sz="1200" kern="1200" dirty="0" err="1">
+                <a:solidFill>
+                  <a:schemeClr val="tx1"/>
+                </a:solidFill>
+                <a:effectLst/>
+                <a:latin typeface="+mn-lt"/>
+                <a:ea typeface="+mn-ea"/>
+                <a:cs typeface="+mn-cs"/>
+              </a:rPr>
+              <a:t>Branchen</a:t>
+            </a:r>
+            <a:r>
+              <a:rPr lang="en-GB" sz="1200" kern="1200" dirty="0">
+                <a:solidFill>
+                  <a:schemeClr val="tx1"/>
+                </a:solidFill>
+                <a:effectLst/>
+                <a:latin typeface="+mn-lt"/>
+                <a:ea typeface="+mn-ea"/>
+                <a:cs typeface="+mn-cs"/>
+              </a:rPr>
+              <a:t> und </a:t>
+            </a:r>
+            <a:r>
+              <a:rPr lang="en-GB" sz="1200" kern="1200" dirty="0" err="1">
+                <a:solidFill>
+                  <a:schemeClr val="tx1"/>
+                </a:solidFill>
+                <a:effectLst/>
+                <a:latin typeface="+mn-lt"/>
+                <a:ea typeface="+mn-ea"/>
+                <a:cs typeface="+mn-cs"/>
+              </a:rPr>
+              <a:t>Anwendungsbereiche</a:t>
+            </a:r>
+            <a:r>
+              <a:rPr lang="en-GB" sz="1200" kern="1200" dirty="0">
+                <a:solidFill>
+                  <a:schemeClr val="tx1"/>
+                </a:solidFill>
+                <a:effectLst/>
+                <a:latin typeface="+mn-lt"/>
+                <a:ea typeface="+mn-ea"/>
+                <a:cs typeface="+mn-cs"/>
+              </a:rPr>
+              <a:t> </a:t>
+            </a:r>
+          </a:p>
+          <a:p>
+            <a:r>
+              <a:rPr lang="en-GB" sz="1200" kern="1200" dirty="0">
+                <a:solidFill>
+                  <a:schemeClr val="tx1"/>
+                </a:solidFill>
+                <a:effectLst/>
+                <a:latin typeface="+mn-lt"/>
+                <a:ea typeface="+mn-ea"/>
+                <a:cs typeface="+mn-cs"/>
+              </a:rPr>
+              <a:t>200 </a:t>
+            </a:r>
+            <a:r>
+              <a:rPr lang="en-GB" sz="1200" kern="1200" dirty="0" err="1">
+                <a:solidFill>
+                  <a:schemeClr val="tx1"/>
+                </a:solidFill>
+                <a:effectLst/>
+                <a:latin typeface="+mn-lt"/>
+                <a:ea typeface="+mn-ea"/>
+                <a:cs typeface="+mn-cs"/>
+              </a:rPr>
+              <a:t>Beschäftigte</a:t>
+            </a:r>
+            <a:r>
+              <a:rPr lang="en-GB" sz="1200" kern="1200" dirty="0">
+                <a:solidFill>
+                  <a:schemeClr val="tx1"/>
+                </a:solidFill>
+                <a:effectLst/>
+                <a:latin typeface="+mn-lt"/>
+                <a:ea typeface="+mn-ea"/>
+                <a:cs typeface="+mn-cs"/>
+              </a:rPr>
+              <a:t> </a:t>
+            </a:r>
+            <a:endParaRPr lang="en-GB" dirty="0">
+              <a:effectLst/>
+            </a:endParaRPr>
+          </a:p>
+          <a:p>
+            <a:r>
+              <a:rPr lang="en-GB" sz="1200" kern="1200" dirty="0" err="1">
+                <a:solidFill>
+                  <a:schemeClr val="tx1"/>
+                </a:solidFill>
+                <a:effectLst/>
+                <a:latin typeface="+mn-lt"/>
+                <a:ea typeface="+mn-ea"/>
+                <a:cs typeface="+mn-cs"/>
+              </a:rPr>
+              <a:t>Konstruktionsabteilung</a:t>
+            </a:r>
+            <a:r>
+              <a:rPr lang="en-GB" sz="1200" kern="1200" dirty="0">
+                <a:solidFill>
+                  <a:schemeClr val="tx1"/>
+                </a:solidFill>
+                <a:effectLst/>
+                <a:latin typeface="+mn-lt"/>
+                <a:ea typeface="+mn-ea"/>
+                <a:cs typeface="+mn-cs"/>
+              </a:rPr>
+              <a:t> </a:t>
+            </a:r>
+            <a:r>
+              <a:rPr lang="en-GB" sz="1200" kern="1200" dirty="0" err="1">
+                <a:solidFill>
+                  <a:schemeClr val="tx1"/>
+                </a:solidFill>
+                <a:effectLst/>
+                <a:latin typeface="+mn-lt"/>
+                <a:ea typeface="+mn-ea"/>
+                <a:cs typeface="+mn-cs"/>
+              </a:rPr>
+              <a:t>zur</a:t>
+            </a:r>
+            <a:r>
+              <a:rPr lang="en-GB" sz="1200" kern="1200" dirty="0">
+                <a:solidFill>
+                  <a:schemeClr val="tx1"/>
+                </a:solidFill>
+                <a:effectLst/>
+                <a:latin typeface="+mn-lt"/>
+                <a:ea typeface="+mn-ea"/>
+                <a:cs typeface="+mn-cs"/>
+              </a:rPr>
+              <a:t> </a:t>
+            </a:r>
+            <a:r>
+              <a:rPr lang="en-GB" sz="1200" kern="1200" dirty="0" err="1">
+                <a:solidFill>
+                  <a:schemeClr val="tx1"/>
+                </a:solidFill>
+                <a:effectLst/>
+                <a:latin typeface="+mn-lt"/>
+                <a:ea typeface="+mn-ea"/>
+                <a:cs typeface="+mn-cs"/>
+              </a:rPr>
+              <a:t>Entwicklung</a:t>
+            </a:r>
+            <a:r>
+              <a:rPr lang="en-GB" sz="1200" kern="1200" dirty="0">
+                <a:solidFill>
+                  <a:schemeClr val="tx1"/>
+                </a:solidFill>
+                <a:effectLst/>
+                <a:latin typeface="+mn-lt"/>
+                <a:ea typeface="+mn-ea"/>
+                <a:cs typeface="+mn-cs"/>
+              </a:rPr>
+              <a:t> und </a:t>
+            </a:r>
+            <a:r>
+              <a:rPr lang="en-GB" sz="1200" kern="1200" dirty="0" err="1">
+                <a:solidFill>
+                  <a:schemeClr val="tx1"/>
+                </a:solidFill>
+                <a:effectLst/>
+                <a:latin typeface="+mn-lt"/>
+                <a:ea typeface="+mn-ea"/>
+                <a:cs typeface="+mn-cs"/>
+              </a:rPr>
+              <a:t>Lösungsfindung</a:t>
+            </a:r>
+            <a:r>
+              <a:rPr lang="en-GB" sz="1200" kern="1200" dirty="0">
+                <a:solidFill>
+                  <a:schemeClr val="tx1"/>
+                </a:solidFill>
+                <a:effectLst/>
+                <a:latin typeface="+mn-lt"/>
+                <a:ea typeface="+mn-ea"/>
+                <a:cs typeface="+mn-cs"/>
+              </a:rPr>
+              <a:t> in </a:t>
+            </a:r>
+            <a:r>
+              <a:rPr lang="en-GB" sz="1200" kern="1200" dirty="0" err="1">
+                <a:solidFill>
+                  <a:schemeClr val="tx1"/>
+                </a:solidFill>
+                <a:effectLst/>
+                <a:latin typeface="+mn-lt"/>
+                <a:ea typeface="+mn-ea"/>
+                <a:cs typeface="+mn-cs"/>
+              </a:rPr>
+              <a:t>enger</a:t>
+            </a:r>
+            <a:r>
+              <a:rPr lang="en-GB" sz="1200" kern="1200" dirty="0">
+                <a:solidFill>
+                  <a:schemeClr val="tx1"/>
+                </a:solidFill>
+                <a:effectLst/>
+                <a:latin typeface="+mn-lt"/>
+                <a:ea typeface="+mn-ea"/>
+                <a:cs typeface="+mn-cs"/>
+              </a:rPr>
+              <a:t> </a:t>
+            </a:r>
+            <a:r>
+              <a:rPr lang="en-GB" sz="1200" kern="1200" dirty="0" err="1">
+                <a:solidFill>
+                  <a:schemeClr val="tx1"/>
+                </a:solidFill>
+                <a:effectLst/>
+                <a:latin typeface="+mn-lt"/>
+                <a:ea typeface="+mn-ea"/>
+                <a:cs typeface="+mn-cs"/>
+              </a:rPr>
+              <a:t>Zusammenarbeit</a:t>
+            </a:r>
+            <a:r>
+              <a:rPr lang="en-GB" sz="1200" kern="1200" dirty="0">
+                <a:solidFill>
+                  <a:schemeClr val="tx1"/>
+                </a:solidFill>
+                <a:effectLst/>
+                <a:latin typeface="+mn-lt"/>
+                <a:ea typeface="+mn-ea"/>
+                <a:cs typeface="+mn-cs"/>
+              </a:rPr>
+              <a:t> </a:t>
+            </a:r>
+            <a:r>
+              <a:rPr lang="en-GB" sz="1200" kern="1200" dirty="0" err="1">
+                <a:solidFill>
+                  <a:schemeClr val="tx1"/>
+                </a:solidFill>
+                <a:effectLst/>
+                <a:latin typeface="+mn-lt"/>
+                <a:ea typeface="+mn-ea"/>
+                <a:cs typeface="+mn-cs"/>
+              </a:rPr>
+              <a:t>mit</a:t>
+            </a:r>
+            <a:r>
+              <a:rPr lang="en-GB" sz="1200" kern="1200" dirty="0">
+                <a:solidFill>
+                  <a:schemeClr val="tx1"/>
+                </a:solidFill>
+                <a:effectLst/>
+                <a:latin typeface="+mn-lt"/>
+                <a:ea typeface="+mn-ea"/>
+                <a:cs typeface="+mn-cs"/>
+              </a:rPr>
+              <a:t> den </a:t>
+            </a:r>
+            <a:r>
+              <a:rPr lang="en-GB" sz="1200" kern="1200" dirty="0" err="1">
+                <a:solidFill>
+                  <a:schemeClr val="tx1"/>
+                </a:solidFill>
+                <a:effectLst/>
+                <a:latin typeface="+mn-lt"/>
+                <a:ea typeface="+mn-ea"/>
+                <a:cs typeface="+mn-cs"/>
+              </a:rPr>
+              <a:t>Kunden</a:t>
+            </a:r>
+            <a:r>
+              <a:rPr lang="en-GB" sz="1200" kern="1200" dirty="0">
+                <a:solidFill>
+                  <a:schemeClr val="tx1"/>
+                </a:solidFill>
+                <a:effectLst/>
+                <a:latin typeface="+mn-lt"/>
+                <a:ea typeface="+mn-ea"/>
+                <a:cs typeface="+mn-cs"/>
+              </a:rPr>
+              <a:t>  </a:t>
+            </a:r>
+            <a:r>
+              <a:rPr lang="en-GB" sz="1200" kern="1200" dirty="0">
+                <a:solidFill>
+                  <a:schemeClr val="tx1"/>
+                </a:solidFill>
+                <a:effectLst/>
+                <a:latin typeface="+mn-lt"/>
+                <a:ea typeface="+mn-ea"/>
+                <a:cs typeface="+mn-cs"/>
+                <a:sym typeface="Wingdings" pitchFamily="2" charset="2"/>
+              </a:rPr>
+              <a:t> </a:t>
+            </a:r>
+            <a:r>
+              <a:rPr lang="en-GB" sz="1200" kern="1200" dirty="0">
+                <a:solidFill>
+                  <a:schemeClr val="tx1"/>
+                </a:solidFill>
+                <a:effectLst/>
+                <a:latin typeface="+mn-lt"/>
+                <a:ea typeface="+mn-ea"/>
+                <a:cs typeface="+mn-cs"/>
+              </a:rPr>
+              <a:t>5 Mitarbeiter </a:t>
+            </a:r>
+          </a:p>
+          <a:p>
+            <a:r>
+              <a:rPr lang="en-GB" sz="1200" kern="1200" dirty="0" err="1">
+                <a:solidFill>
+                  <a:schemeClr val="tx1"/>
+                </a:solidFill>
+                <a:effectLst/>
+                <a:latin typeface="+mn-lt"/>
+                <a:ea typeface="+mn-ea"/>
+                <a:cs typeface="+mn-cs"/>
+              </a:rPr>
+              <a:t>Werkzeugbauabteilung</a:t>
+            </a:r>
+            <a:r>
+              <a:rPr lang="en-GB" sz="1200" kern="1200" dirty="0">
+                <a:solidFill>
+                  <a:schemeClr val="tx1"/>
+                </a:solidFill>
+                <a:effectLst/>
+                <a:latin typeface="+mn-lt"/>
+                <a:ea typeface="+mn-ea"/>
+                <a:cs typeface="+mn-cs"/>
+              </a:rPr>
+              <a:t> </a:t>
+            </a:r>
+            <a:r>
+              <a:rPr lang="en-GB" sz="1200" kern="1200" dirty="0" err="1">
+                <a:solidFill>
+                  <a:schemeClr val="tx1"/>
+                </a:solidFill>
+                <a:effectLst/>
+                <a:latin typeface="+mn-lt"/>
+                <a:ea typeface="+mn-ea"/>
+                <a:cs typeface="+mn-cs"/>
+              </a:rPr>
+              <a:t>zur</a:t>
+            </a:r>
+            <a:r>
+              <a:rPr lang="en-GB" sz="1200" kern="1200" dirty="0">
+                <a:solidFill>
+                  <a:schemeClr val="tx1"/>
+                </a:solidFill>
+                <a:effectLst/>
+                <a:latin typeface="+mn-lt"/>
+                <a:ea typeface="+mn-ea"/>
+                <a:cs typeface="+mn-cs"/>
+              </a:rPr>
+              <a:t> </a:t>
+            </a:r>
+            <a:r>
+              <a:rPr lang="en-GB" sz="1200" kern="1200" dirty="0" err="1">
+                <a:solidFill>
+                  <a:schemeClr val="tx1"/>
+                </a:solidFill>
+                <a:effectLst/>
+                <a:latin typeface="+mn-lt"/>
+                <a:ea typeface="+mn-ea"/>
+                <a:cs typeface="+mn-cs"/>
+              </a:rPr>
+              <a:t>Herstellung</a:t>
+            </a:r>
+            <a:r>
+              <a:rPr lang="en-GB" sz="1200" kern="1200" dirty="0">
+                <a:solidFill>
+                  <a:schemeClr val="tx1"/>
+                </a:solidFill>
+                <a:effectLst/>
+                <a:latin typeface="+mn-lt"/>
+                <a:ea typeface="+mn-ea"/>
+                <a:cs typeface="+mn-cs"/>
+              </a:rPr>
+              <a:t> von </a:t>
+            </a:r>
+            <a:r>
+              <a:rPr lang="en-GB" sz="1200" kern="1200" dirty="0" err="1">
+                <a:solidFill>
+                  <a:schemeClr val="tx1"/>
+                </a:solidFill>
+                <a:effectLst/>
+                <a:latin typeface="+mn-lt"/>
+                <a:ea typeface="+mn-ea"/>
+                <a:cs typeface="+mn-cs"/>
+              </a:rPr>
+              <a:t>Werkzeugen</a:t>
+            </a:r>
+            <a:r>
+              <a:rPr lang="en-GB" sz="1200" kern="1200" dirty="0">
+                <a:solidFill>
+                  <a:schemeClr val="tx1"/>
+                </a:solidFill>
+                <a:effectLst/>
+                <a:latin typeface="+mn-lt"/>
+                <a:ea typeface="+mn-ea"/>
+                <a:cs typeface="+mn-cs"/>
+              </a:rPr>
+              <a:t> </a:t>
+            </a:r>
+            <a:r>
+              <a:rPr lang="en-GB" sz="1200" kern="1200" dirty="0" err="1">
+                <a:solidFill>
+                  <a:schemeClr val="tx1"/>
+                </a:solidFill>
+                <a:effectLst/>
+                <a:latin typeface="+mn-lt"/>
+                <a:ea typeface="+mn-ea"/>
+                <a:cs typeface="+mn-cs"/>
+              </a:rPr>
+              <a:t>mit</a:t>
+            </a:r>
+            <a:r>
+              <a:rPr lang="en-GB" sz="1200" kern="1200" dirty="0">
+                <a:solidFill>
+                  <a:schemeClr val="tx1"/>
+                </a:solidFill>
+                <a:effectLst/>
+                <a:latin typeface="+mn-lt"/>
+                <a:ea typeface="+mn-ea"/>
+                <a:cs typeface="+mn-cs"/>
+              </a:rPr>
+              <a:t> bis </a:t>
+            </a:r>
+            <a:r>
+              <a:rPr lang="en-GB" sz="1200" kern="1200" dirty="0" err="1">
+                <a:solidFill>
+                  <a:schemeClr val="tx1"/>
+                </a:solidFill>
+                <a:effectLst/>
+                <a:latin typeface="+mn-lt"/>
+                <a:ea typeface="+mn-ea"/>
+                <a:cs typeface="+mn-cs"/>
+              </a:rPr>
+              <a:t>zu</a:t>
+            </a:r>
+            <a:r>
+              <a:rPr lang="en-GB" sz="1200" kern="1200" dirty="0">
+                <a:solidFill>
+                  <a:schemeClr val="tx1"/>
+                </a:solidFill>
+                <a:effectLst/>
+                <a:latin typeface="+mn-lt"/>
+                <a:ea typeface="+mn-ea"/>
+                <a:cs typeface="+mn-cs"/>
+              </a:rPr>
+              <a:t> 80to. </a:t>
+            </a:r>
+            <a:r>
+              <a:rPr lang="en-GB" sz="1200" kern="1200" dirty="0" err="1">
+                <a:solidFill>
+                  <a:schemeClr val="tx1"/>
+                </a:solidFill>
+                <a:effectLst/>
+                <a:latin typeface="+mn-lt"/>
+                <a:ea typeface="+mn-ea"/>
+                <a:cs typeface="+mn-cs"/>
+              </a:rPr>
+              <a:t>Presskraft</a:t>
+            </a:r>
+            <a:r>
+              <a:rPr lang="en-GB" sz="1200" kern="1200" dirty="0">
+                <a:solidFill>
+                  <a:schemeClr val="tx1"/>
+                </a:solidFill>
+                <a:effectLst/>
+                <a:latin typeface="+mn-lt"/>
+                <a:ea typeface="+mn-ea"/>
+                <a:cs typeface="+mn-cs"/>
+              </a:rPr>
+              <a:t>  </a:t>
+            </a:r>
+            <a:r>
+              <a:rPr lang="en-GB" sz="1200" kern="1200" dirty="0">
+                <a:solidFill>
+                  <a:schemeClr val="tx1"/>
+                </a:solidFill>
+                <a:effectLst/>
+                <a:latin typeface="+mn-lt"/>
+                <a:ea typeface="+mn-ea"/>
+                <a:cs typeface="+mn-cs"/>
+                <a:sym typeface="Wingdings" pitchFamily="2" charset="2"/>
+              </a:rPr>
+              <a:t> </a:t>
+            </a:r>
+            <a:r>
+              <a:rPr lang="en-GB" sz="1200" kern="1200" dirty="0">
+                <a:solidFill>
+                  <a:schemeClr val="tx1"/>
+                </a:solidFill>
+                <a:effectLst/>
+                <a:latin typeface="+mn-lt"/>
+                <a:ea typeface="+mn-ea"/>
+                <a:cs typeface="+mn-cs"/>
+              </a:rPr>
+              <a:t>25 Mitarbeiter </a:t>
+            </a:r>
+          </a:p>
+          <a:p>
+            <a:pPr marL="0" marR="0" lvl="0" indent="0" algn="l" defTabSz="914400" rtl="0" eaLnBrk="1" fontAlgn="auto" latinLnBrk="0" hangingPunct="1">
+              <a:lnSpc>
+                <a:spcPct val="100000"/>
+              </a:lnSpc>
+              <a:spcBef>
+                <a:spcPts val="0"/>
+              </a:spcBef>
+              <a:spcAft>
+                <a:spcPts val="0"/>
+              </a:spcAft>
+              <a:buClrTx/>
+              <a:buSzTx/>
+              <a:buFontTx/>
+              <a:buNone/>
+              <a:tabLst/>
+              <a:defRPr/>
+            </a:pPr>
+            <a:r>
+              <a:rPr lang="en-GB" sz="1200" kern="1200" dirty="0" err="1">
+                <a:solidFill>
+                  <a:schemeClr val="tx1"/>
+                </a:solidFill>
+                <a:effectLst/>
+                <a:latin typeface="+mn-lt"/>
+                <a:ea typeface="+mn-ea"/>
+                <a:cs typeface="+mn-cs"/>
+              </a:rPr>
+              <a:t>Über</a:t>
+            </a:r>
+            <a:r>
+              <a:rPr lang="en-GB" sz="1200" kern="1200" dirty="0">
+                <a:solidFill>
+                  <a:schemeClr val="tx1"/>
+                </a:solidFill>
+                <a:effectLst/>
+                <a:latin typeface="+mn-lt"/>
+                <a:ea typeface="+mn-ea"/>
+                <a:cs typeface="+mn-cs"/>
+              </a:rPr>
+              <a:t> 200 </a:t>
+            </a:r>
+            <a:r>
+              <a:rPr lang="en-GB" sz="1200" kern="1200" dirty="0" err="1">
+                <a:solidFill>
+                  <a:schemeClr val="tx1"/>
+                </a:solidFill>
+                <a:effectLst/>
+                <a:latin typeface="+mn-lt"/>
+                <a:ea typeface="+mn-ea"/>
+                <a:cs typeface="+mn-cs"/>
+              </a:rPr>
+              <a:t>Maschinen</a:t>
+            </a:r>
+            <a:r>
+              <a:rPr lang="en-GB" sz="1200" kern="1200" dirty="0">
+                <a:solidFill>
+                  <a:schemeClr val="tx1"/>
+                </a:solidFill>
+                <a:effectLst/>
+                <a:latin typeface="+mn-lt"/>
+                <a:ea typeface="+mn-ea"/>
+                <a:cs typeface="+mn-cs"/>
+              </a:rPr>
+              <a:t> in den </a:t>
+            </a:r>
+            <a:r>
+              <a:rPr lang="en-GB" sz="1200" kern="1200" dirty="0" err="1">
+                <a:solidFill>
+                  <a:schemeClr val="tx1"/>
+                </a:solidFill>
+                <a:effectLst/>
+                <a:latin typeface="+mn-lt"/>
+                <a:ea typeface="+mn-ea"/>
+                <a:cs typeface="+mn-cs"/>
+              </a:rPr>
+              <a:t>Bereichen</a:t>
+            </a:r>
+            <a:r>
+              <a:rPr lang="en-GB" sz="1200" kern="1200" dirty="0">
+                <a:solidFill>
+                  <a:schemeClr val="tx1"/>
+                </a:solidFill>
+                <a:effectLst/>
+                <a:latin typeface="+mn-lt"/>
+                <a:ea typeface="+mn-ea"/>
+                <a:cs typeface="+mn-cs"/>
+              </a:rPr>
+              <a:t> </a:t>
+            </a:r>
+            <a:r>
+              <a:rPr lang="en-GB" sz="1200" kern="1200" dirty="0" err="1">
+                <a:solidFill>
+                  <a:schemeClr val="tx1"/>
+                </a:solidFill>
+                <a:effectLst/>
+                <a:latin typeface="+mn-lt"/>
+                <a:ea typeface="+mn-ea"/>
+                <a:cs typeface="+mn-cs"/>
+              </a:rPr>
+              <a:t>Federn</a:t>
+            </a:r>
+            <a:r>
+              <a:rPr lang="en-GB" sz="1200" kern="1200" dirty="0">
+                <a:solidFill>
+                  <a:schemeClr val="tx1"/>
+                </a:solidFill>
+                <a:effectLst/>
+                <a:latin typeface="+mn-lt"/>
+                <a:ea typeface="+mn-ea"/>
+                <a:cs typeface="+mn-cs"/>
+              </a:rPr>
+              <a:t>- und </a:t>
+            </a:r>
+            <a:r>
+              <a:rPr lang="en-GB" sz="1200" kern="1200" dirty="0" err="1">
+                <a:solidFill>
+                  <a:schemeClr val="tx1"/>
+                </a:solidFill>
+                <a:effectLst/>
+                <a:latin typeface="+mn-lt"/>
+                <a:ea typeface="+mn-ea"/>
+                <a:cs typeface="+mn-cs"/>
+              </a:rPr>
+              <a:t>Stanzbiegetechnik</a:t>
+            </a:r>
+            <a:r>
+              <a:rPr lang="en-GB" sz="1200" kern="1200" dirty="0">
+                <a:solidFill>
+                  <a:schemeClr val="tx1"/>
+                </a:solidFill>
+                <a:effectLst/>
+                <a:latin typeface="+mn-lt"/>
+                <a:ea typeface="+mn-ea"/>
+                <a:cs typeface="+mn-cs"/>
+              </a:rPr>
+              <a:t> </a:t>
+            </a:r>
+            <a:endParaRPr lang="en-GB" dirty="0">
+              <a:effectLst/>
+            </a:endParaRPr>
+          </a:p>
+          <a:p>
+            <a:pPr marL="0" marR="0" lvl="0" indent="0" algn="l" defTabSz="914400" rtl="0" eaLnBrk="1" fontAlgn="auto" latinLnBrk="0" hangingPunct="1">
+              <a:lnSpc>
+                <a:spcPct val="100000"/>
+              </a:lnSpc>
+              <a:spcBef>
+                <a:spcPts val="0"/>
+              </a:spcBef>
+              <a:spcAft>
+                <a:spcPts val="0"/>
+              </a:spcAft>
+              <a:buClrTx/>
+              <a:buSzTx/>
+              <a:buFontTx/>
+              <a:buNone/>
+              <a:tabLst/>
+              <a:defRPr/>
+            </a:pPr>
+            <a:r>
+              <a:rPr lang="en-GB" sz="1200" kern="1200" dirty="0" err="1">
+                <a:solidFill>
+                  <a:schemeClr val="tx1"/>
+                </a:solidFill>
+                <a:effectLst/>
+                <a:latin typeface="+mn-lt"/>
+                <a:ea typeface="+mn-ea"/>
+                <a:cs typeface="+mn-cs"/>
+              </a:rPr>
+              <a:t>Bandmaterial</a:t>
+            </a:r>
+            <a:r>
+              <a:rPr lang="en-GB" sz="1200" kern="1200" dirty="0">
+                <a:solidFill>
+                  <a:schemeClr val="tx1"/>
+                </a:solidFill>
+                <a:effectLst/>
+                <a:latin typeface="+mn-lt"/>
+                <a:ea typeface="+mn-ea"/>
+                <a:cs typeface="+mn-cs"/>
+              </a:rPr>
+              <a:t> </a:t>
+            </a:r>
+            <a:r>
+              <a:rPr lang="en-GB" sz="1200" kern="1200" dirty="0" err="1">
+                <a:solidFill>
+                  <a:schemeClr val="tx1"/>
+                </a:solidFill>
+                <a:effectLst/>
+                <a:latin typeface="+mn-lt"/>
+                <a:ea typeface="+mn-ea"/>
+                <a:cs typeface="+mn-cs"/>
+              </a:rPr>
+              <a:t>mit</a:t>
+            </a:r>
+            <a:r>
+              <a:rPr lang="en-GB" sz="1200" kern="1200" dirty="0">
+                <a:solidFill>
+                  <a:schemeClr val="tx1"/>
+                </a:solidFill>
+                <a:effectLst/>
+                <a:latin typeface="+mn-lt"/>
+                <a:ea typeface="+mn-ea"/>
+                <a:cs typeface="+mn-cs"/>
+              </a:rPr>
+              <a:t> Dicken von 0,10 – max. 2,00 mm und </a:t>
+            </a:r>
+            <a:r>
+              <a:rPr lang="en-GB" sz="1200" kern="1200" dirty="0" err="1">
+                <a:solidFill>
+                  <a:schemeClr val="tx1"/>
+                </a:solidFill>
+                <a:effectLst/>
+                <a:latin typeface="+mn-lt"/>
+                <a:ea typeface="+mn-ea"/>
+                <a:cs typeface="+mn-cs"/>
+              </a:rPr>
+              <a:t>Breiten</a:t>
+            </a:r>
+            <a:r>
+              <a:rPr lang="en-GB" sz="1200" kern="1200" dirty="0">
+                <a:solidFill>
+                  <a:schemeClr val="tx1"/>
+                </a:solidFill>
+                <a:effectLst/>
+                <a:latin typeface="+mn-lt"/>
+                <a:ea typeface="+mn-ea"/>
+                <a:cs typeface="+mn-cs"/>
+              </a:rPr>
+              <a:t> bis 120 mm </a:t>
+            </a:r>
+            <a:r>
+              <a:rPr lang="en-GB" sz="1200" kern="1200" dirty="0" err="1">
+                <a:solidFill>
+                  <a:schemeClr val="tx1"/>
+                </a:solidFill>
+                <a:effectLst/>
+                <a:latin typeface="+mn-lt"/>
+                <a:ea typeface="+mn-ea"/>
+                <a:cs typeface="+mn-cs"/>
+              </a:rPr>
+              <a:t>Draht</a:t>
+            </a:r>
+            <a:r>
+              <a:rPr lang="en-GB" sz="1200" kern="1200" dirty="0">
+                <a:solidFill>
+                  <a:schemeClr val="tx1"/>
+                </a:solidFill>
+                <a:effectLst/>
+                <a:latin typeface="+mn-lt"/>
+                <a:ea typeface="+mn-ea"/>
+                <a:cs typeface="+mn-cs"/>
+              </a:rPr>
+              <a:t> </a:t>
+            </a:r>
+            <a:r>
+              <a:rPr lang="en-GB" sz="1200" kern="1200" dirty="0" err="1">
+                <a:solidFill>
+                  <a:schemeClr val="tx1"/>
+                </a:solidFill>
+                <a:effectLst/>
+                <a:latin typeface="+mn-lt"/>
+                <a:ea typeface="+mn-ea"/>
+                <a:cs typeface="+mn-cs"/>
+              </a:rPr>
+              <a:t>mit</a:t>
+            </a:r>
+            <a:r>
+              <a:rPr lang="en-GB" sz="1200" kern="1200" dirty="0">
+                <a:solidFill>
+                  <a:schemeClr val="tx1"/>
+                </a:solidFill>
+                <a:effectLst/>
+                <a:latin typeface="+mn-lt"/>
+                <a:ea typeface="+mn-ea"/>
+                <a:cs typeface="+mn-cs"/>
+              </a:rPr>
+              <a:t> </a:t>
+            </a:r>
+            <a:r>
+              <a:rPr lang="en-GB" sz="1200" kern="1200" dirty="0" err="1">
+                <a:solidFill>
+                  <a:schemeClr val="tx1"/>
+                </a:solidFill>
+                <a:effectLst/>
+                <a:latin typeface="+mn-lt"/>
+                <a:ea typeface="+mn-ea"/>
+                <a:cs typeface="+mn-cs"/>
+              </a:rPr>
+              <a:t>Durchmessern</a:t>
+            </a:r>
+            <a:r>
+              <a:rPr lang="en-GB" sz="1200" kern="1200" dirty="0">
+                <a:solidFill>
+                  <a:schemeClr val="tx1"/>
+                </a:solidFill>
+                <a:effectLst/>
+                <a:latin typeface="+mn-lt"/>
+                <a:ea typeface="+mn-ea"/>
+                <a:cs typeface="+mn-cs"/>
+              </a:rPr>
+              <a:t> von 0,20 – max. 2,00 mm </a:t>
+            </a:r>
+            <a:r>
+              <a:rPr lang="en-GB" sz="1200" kern="1200" dirty="0">
+                <a:solidFill>
+                  <a:schemeClr val="tx1"/>
+                </a:solidFill>
+                <a:effectLst/>
+                <a:latin typeface="+mn-lt"/>
+                <a:ea typeface="+mn-ea"/>
+                <a:cs typeface="+mn-cs"/>
+                <a:sym typeface="Wingdings" pitchFamily="2" charset="2"/>
+              </a:rPr>
+              <a:t> </a:t>
+            </a:r>
+            <a:r>
+              <a:rPr lang="en-GB" sz="1200" kern="1200" dirty="0" err="1">
+                <a:solidFill>
+                  <a:schemeClr val="tx1"/>
+                </a:solidFill>
+                <a:effectLst/>
+                <a:latin typeface="+mn-lt"/>
+                <a:ea typeface="+mn-ea"/>
+                <a:cs typeface="+mn-cs"/>
+                <a:sym typeface="Wingdings" pitchFamily="2" charset="2"/>
+              </a:rPr>
+              <a:t>Kleine</a:t>
+            </a:r>
+            <a:r>
+              <a:rPr lang="en-GB" sz="1200" kern="1200" dirty="0">
+                <a:solidFill>
+                  <a:schemeClr val="tx1"/>
+                </a:solidFill>
+                <a:effectLst/>
+                <a:latin typeface="+mn-lt"/>
+                <a:ea typeface="+mn-ea"/>
+                <a:cs typeface="+mn-cs"/>
+                <a:sym typeface="Wingdings" pitchFamily="2" charset="2"/>
+              </a:rPr>
+              <a:t> </a:t>
+            </a:r>
+            <a:r>
+              <a:rPr lang="en-GB" sz="1200" kern="1200" dirty="0" err="1">
+                <a:solidFill>
+                  <a:schemeClr val="tx1"/>
+                </a:solidFill>
+                <a:effectLst/>
+                <a:latin typeface="+mn-lt"/>
+                <a:ea typeface="+mn-ea"/>
+                <a:cs typeface="+mn-cs"/>
+                <a:sym typeface="Wingdings" pitchFamily="2" charset="2"/>
+              </a:rPr>
+              <a:t>Teile</a:t>
+            </a:r>
+            <a:r>
+              <a:rPr lang="en-GB" sz="1200" kern="1200" dirty="0">
+                <a:solidFill>
+                  <a:schemeClr val="tx1"/>
+                </a:solidFill>
+                <a:effectLst/>
+                <a:latin typeface="+mn-lt"/>
+                <a:ea typeface="+mn-ea"/>
+                <a:cs typeface="+mn-cs"/>
+                <a:sym typeface="Wingdings" pitchFamily="2" charset="2"/>
+              </a:rPr>
+              <a:t> von 0,1 bis 2,0 mm</a:t>
+            </a:r>
+            <a:endParaRPr lang="en-GB" dirty="0">
+              <a:effectLst/>
+            </a:endParaRPr>
+          </a:p>
+          <a:p>
+            <a:r>
+              <a:rPr lang="en-GB" sz="1200" kern="1200" dirty="0" err="1">
+                <a:solidFill>
+                  <a:schemeClr val="tx1"/>
+                </a:solidFill>
+                <a:effectLst/>
+                <a:latin typeface="+mn-lt"/>
+                <a:ea typeface="+mn-ea"/>
+                <a:cs typeface="+mn-cs"/>
+              </a:rPr>
+              <a:t>Qualitätsmanagement</a:t>
+            </a:r>
+            <a:endParaRPr lang="en-GB" sz="1200" kern="1200" dirty="0">
+              <a:solidFill>
+                <a:schemeClr val="tx1"/>
+              </a:solidFill>
+              <a:effectLst/>
+              <a:latin typeface="+mn-lt"/>
+              <a:ea typeface="+mn-ea"/>
+              <a:cs typeface="+mn-cs"/>
+            </a:endParaRPr>
+          </a:p>
+        </p:txBody>
+      </p:sp>
+      <p:sp>
+        <p:nvSpPr>
+          <p:cNvPr id="4" name="Slide Number Placeholder 3"/>
+          <p:cNvSpPr>
+            <a:spLocks noGrp="1"/>
+          </p:cNvSpPr>
+          <p:nvPr>
+            <p:ph type="sldNum" sz="quarter" idx="5"/>
+          </p:nvPr>
+        </p:nvSpPr>
+        <p:spPr/>
+        <p:txBody>
+          <a:bodyPr/>
+          <a:lstStyle/>
+          <a:p>
+            <a:fld id="{B82E3EFB-4553-794E-9041-D726CF04777F}" type="slidenum">
+              <a:rPr lang="en-DE" smtClean="0"/>
+              <a:t>3</a:t>
+            </a:fld>
+            <a:endParaRPr lang="en-DE"/>
+          </a:p>
+        </p:txBody>
+      </p:sp>
+    </p:spTree>
+    <p:extLst>
+      <p:ext uri="{BB962C8B-B14F-4D97-AF65-F5344CB8AC3E}">
+        <p14:creationId xmlns:p14="http://schemas.microsoft.com/office/powerpoint/2010/main" val="914785831"/>
+      </p:ext>
+    </p:extLst>
+  </p:cSld>
+  <p:clrMapOvr>
+    <a:masterClrMapping/>
+  </p:clrMapOvr>
+</p:notes>
+</file>
+
+<file path=ppt/notesSlides/notesSlide2.xml><?xml version="1.0" encoding="utf-8"?>
+<p:notes xmlns:a="http://schemas.openxmlformats.org/drawingml/2006/main" xmlns:r="http://schemas.openxmlformats.org/officeDocument/2006/relationships" xmlns:p="http://schemas.openxmlformats.org/presentationml/2006/main">
+  <p:cSld>
+    <p:spTree>
+      <p:nvGrpSpPr>
+        <p:cNvPr id="1" name=""/>
+        <p:cNvGrpSpPr/>
+        <p:nvPr/>
+      </p:nvGrpSpPr>
+      <p:grpSpPr>
+        <a:xfrm>
+          <a:off x="0" y="0"/>
+          <a:ext cx="0" cy="0"/>
+          <a:chOff x="0" y="0"/>
+          <a:chExt cx="0" cy="0"/>
+        </a:xfrm>
+      </p:grpSpPr>
+      <p:sp>
+        <p:nvSpPr>
+          <p:cNvPr id="2" name="Slide Image Placeholder 1"/>
+          <p:cNvSpPr>
+            <a:spLocks noGrp="1" noRot="1" noChangeAspect="1"/>
+          </p:cNvSpPr>
+          <p:nvPr>
+            <p:ph type="sldImg"/>
+          </p:nvPr>
+        </p:nvSpPr>
+        <p:spPr/>
+      </p:sp>
+      <p:sp>
+        <p:nvSpPr>
+          <p:cNvPr id="3" name="Notes Placeholder 2"/>
+          <p:cNvSpPr>
+            <a:spLocks noGrp="1"/>
+          </p:cNvSpPr>
+          <p:nvPr>
+            <p:ph type="body" idx="1"/>
+          </p:nvPr>
+        </p:nvSpPr>
+        <p:spPr/>
+        <p:txBody>
+          <a:bodyPr/>
+          <a:lstStyle/>
+          <a:p>
+            <a:pPr marL="0" marR="0" lvl="0" indent="0" algn="l" defTabSz="914400" rtl="0" eaLnBrk="1" fontAlgn="auto" latinLnBrk="0" hangingPunct="1">
+              <a:lnSpc>
+                <a:spcPct val="100000"/>
+              </a:lnSpc>
+              <a:spcBef>
+                <a:spcPts val="0"/>
+              </a:spcBef>
+              <a:spcAft>
+                <a:spcPts val="0"/>
+              </a:spcAft>
+              <a:buClrTx/>
+              <a:buSzTx/>
+              <a:buFontTx/>
+              <a:buNone/>
+              <a:tabLst/>
+              <a:defRPr/>
+            </a:pPr>
+            <a:r>
+              <a:rPr lang="en-GB" sz="1200" b="0" i="0" u="none" strike="noStrike" kern="1200" dirty="0">
+                <a:solidFill>
+                  <a:schemeClr val="tx1"/>
+                </a:solidFill>
+                <a:effectLst/>
+                <a:latin typeface="+mn-lt"/>
+                <a:ea typeface="+mn-ea"/>
+                <a:cs typeface="+mn-cs"/>
+              </a:rPr>
+              <a:t>##</a:t>
+            </a:r>
+            <a:r>
+              <a:rPr lang="en-GB" sz="1200" b="0" i="0" u="none" strike="noStrike" kern="1200" dirty="0" err="1">
+                <a:solidFill>
+                  <a:schemeClr val="tx1"/>
+                </a:solidFill>
+                <a:effectLst/>
+                <a:latin typeface="+mn-lt"/>
+                <a:ea typeface="+mn-ea"/>
+                <a:cs typeface="+mn-cs"/>
+              </a:rPr>
+              <a:t>Drahtbiegeteile</a:t>
+            </a:r>
+            <a:r>
+              <a:rPr lang="en-GB" sz="1200" b="0" i="0" u="none" strike="noStrike" kern="1200" dirty="0">
+                <a:solidFill>
+                  <a:schemeClr val="tx1"/>
+                </a:solidFill>
+                <a:effectLst/>
+                <a:latin typeface="+mn-lt"/>
+                <a:ea typeface="+mn-ea"/>
+                <a:cs typeface="+mn-cs"/>
+              </a:rPr>
+              <a:t> </a:t>
+            </a:r>
+            <a:r>
+              <a:rPr lang="en-GB" sz="1200" b="0" i="0" u="none" strike="noStrike" kern="1200" dirty="0" err="1">
+                <a:solidFill>
+                  <a:schemeClr val="tx1"/>
+                </a:solidFill>
+                <a:effectLst/>
+                <a:latin typeface="+mn-lt"/>
+                <a:ea typeface="+mn-ea"/>
+                <a:cs typeface="+mn-cs"/>
+              </a:rPr>
+              <a:t>seit</a:t>
+            </a:r>
+            <a:r>
+              <a:rPr lang="en-GB" sz="1200" b="0" i="0" u="none" strike="noStrike" kern="1200" dirty="0">
+                <a:solidFill>
+                  <a:schemeClr val="tx1"/>
+                </a:solidFill>
+                <a:effectLst/>
+                <a:latin typeface="+mn-lt"/>
+                <a:ea typeface="+mn-ea"/>
+                <a:cs typeface="+mn-cs"/>
+              </a:rPr>
+              <a:t> 1957</a:t>
+            </a:r>
+          </a:p>
+          <a:p>
+            <a:r>
+              <a:rPr lang="en-GB" sz="1200" b="0" i="0" u="none" strike="noStrike" kern="1200" dirty="0">
+                <a:solidFill>
+                  <a:schemeClr val="tx1"/>
+                </a:solidFill>
+                <a:effectLst/>
+                <a:latin typeface="+mn-lt"/>
+                <a:ea typeface="+mn-ea"/>
+                <a:cs typeface="+mn-cs"/>
+              </a:rPr>
+              <a:t>-</a:t>
+            </a:r>
+            <a:r>
+              <a:rPr lang="en-GB" sz="1200" b="0" i="0" u="none" strike="noStrike" kern="1200" dirty="0" err="1">
+                <a:solidFill>
+                  <a:schemeClr val="tx1"/>
+                </a:solidFill>
+                <a:effectLst/>
+                <a:latin typeface="+mn-lt"/>
+                <a:ea typeface="+mn-ea"/>
+                <a:cs typeface="+mn-cs"/>
+              </a:rPr>
+              <a:t>Drahtdurchmesser</a:t>
+            </a:r>
+            <a:r>
+              <a:rPr lang="en-GB" sz="1200" b="0" i="0" u="none" strike="noStrike" kern="1200" dirty="0">
+                <a:solidFill>
+                  <a:schemeClr val="tx1"/>
+                </a:solidFill>
+                <a:effectLst/>
+                <a:latin typeface="+mn-lt"/>
+                <a:ea typeface="+mn-ea"/>
+                <a:cs typeface="+mn-cs"/>
+              </a:rPr>
+              <a:t> von ca. 0,1 – 2,5mm</a:t>
+            </a:r>
+          </a:p>
+          <a:p>
+            <a:r>
+              <a:rPr lang="en-GB" sz="1200" b="0" i="0" u="none" strike="noStrike" kern="1200" dirty="0">
+                <a:solidFill>
+                  <a:schemeClr val="tx1"/>
+                </a:solidFill>
+                <a:effectLst/>
+                <a:latin typeface="+mn-lt"/>
+                <a:ea typeface="+mn-ea"/>
+                <a:cs typeface="+mn-cs"/>
+              </a:rPr>
+              <a:t>-</a:t>
+            </a:r>
+            <a:r>
+              <a:rPr lang="en-GB" sz="1200" b="0" i="0" u="none" strike="noStrike" kern="1200" dirty="0" err="1">
+                <a:solidFill>
+                  <a:schemeClr val="tx1"/>
+                </a:solidFill>
+                <a:effectLst/>
+                <a:latin typeface="+mn-lt"/>
+                <a:ea typeface="+mn-ea"/>
+                <a:cs typeface="+mn-cs"/>
+              </a:rPr>
+              <a:t>Kohlenstoffdraht</a:t>
+            </a:r>
+            <a:r>
+              <a:rPr lang="en-GB" sz="1200" b="0" i="0" u="none" strike="noStrike" kern="1200" dirty="0">
+                <a:solidFill>
+                  <a:schemeClr val="tx1"/>
+                </a:solidFill>
+                <a:effectLst/>
+                <a:latin typeface="+mn-lt"/>
+                <a:ea typeface="+mn-ea"/>
+                <a:cs typeface="+mn-cs"/>
+              </a:rPr>
+              <a:t>, </a:t>
+            </a:r>
+            <a:r>
+              <a:rPr lang="en-GB" sz="1200" b="0" i="0" u="none" strike="noStrike" kern="1200" dirty="0" err="1">
+                <a:solidFill>
+                  <a:schemeClr val="tx1"/>
+                </a:solidFill>
+                <a:effectLst/>
+                <a:latin typeface="+mn-lt"/>
+                <a:ea typeface="+mn-ea"/>
+                <a:cs typeface="+mn-cs"/>
+              </a:rPr>
+              <a:t>Edelstahl</a:t>
+            </a:r>
+            <a:r>
+              <a:rPr lang="en-GB" sz="1200" b="0" i="0" u="none" strike="noStrike" kern="1200" dirty="0">
+                <a:solidFill>
+                  <a:schemeClr val="tx1"/>
+                </a:solidFill>
+                <a:effectLst/>
+                <a:latin typeface="+mn-lt"/>
+                <a:ea typeface="+mn-ea"/>
+                <a:cs typeface="+mn-cs"/>
+              </a:rPr>
+              <a:t> </a:t>
+            </a:r>
+            <a:r>
+              <a:rPr lang="en-GB" sz="1200" b="0" i="0" u="none" strike="noStrike" kern="1200" dirty="0" err="1">
+                <a:solidFill>
+                  <a:schemeClr val="tx1"/>
+                </a:solidFill>
+                <a:effectLst/>
+                <a:latin typeface="+mn-lt"/>
+                <a:ea typeface="+mn-ea"/>
+                <a:cs typeface="+mn-cs"/>
+              </a:rPr>
+              <a:t>oder</a:t>
+            </a:r>
+            <a:r>
+              <a:rPr lang="en-GB" sz="1200" b="0" i="0" u="none" strike="noStrike" kern="1200" dirty="0">
+                <a:solidFill>
+                  <a:schemeClr val="tx1"/>
+                </a:solidFill>
+                <a:effectLst/>
+                <a:latin typeface="+mn-lt"/>
+                <a:ea typeface="+mn-ea"/>
+                <a:cs typeface="+mn-cs"/>
+              </a:rPr>
+              <a:t> NE-</a:t>
+            </a:r>
+            <a:r>
+              <a:rPr lang="en-GB" sz="1200" b="0" i="0" u="none" strike="noStrike" kern="1200" dirty="0" err="1">
+                <a:solidFill>
+                  <a:schemeClr val="tx1"/>
+                </a:solidFill>
+                <a:effectLst/>
+                <a:latin typeface="+mn-lt"/>
+                <a:ea typeface="+mn-ea"/>
+                <a:cs typeface="+mn-cs"/>
+              </a:rPr>
+              <a:t>Metalle</a:t>
+            </a:r>
+            <a:endParaRPr lang="en-GB" sz="1200" b="0" i="0" u="none" strike="noStrike" kern="1200" dirty="0">
+              <a:solidFill>
+                <a:schemeClr val="tx1"/>
+              </a:solidFill>
+              <a:effectLst/>
+              <a:latin typeface="+mn-lt"/>
+              <a:ea typeface="+mn-ea"/>
+              <a:cs typeface="+mn-cs"/>
+            </a:endParaRPr>
+          </a:p>
+          <a:p>
+            <a:r>
+              <a:rPr lang="en-GB" sz="1200" b="0" i="0" u="none" strike="noStrike" kern="1200" dirty="0">
+                <a:solidFill>
+                  <a:schemeClr val="tx1"/>
+                </a:solidFill>
+                <a:effectLst/>
+                <a:latin typeface="+mn-lt"/>
+                <a:ea typeface="+mn-ea"/>
+                <a:cs typeface="+mn-cs"/>
+              </a:rPr>
+              <a:t>-</a:t>
+            </a:r>
+            <a:r>
+              <a:rPr lang="en-GB" sz="1200" b="0" i="0" u="none" strike="noStrike" kern="1200" dirty="0" err="1">
+                <a:solidFill>
+                  <a:schemeClr val="tx1"/>
+                </a:solidFill>
+                <a:effectLst/>
+                <a:latin typeface="+mn-lt"/>
+                <a:ea typeface="+mn-ea"/>
+                <a:cs typeface="+mn-cs"/>
+              </a:rPr>
+              <a:t>Rund</a:t>
+            </a:r>
+            <a:r>
+              <a:rPr lang="en-GB" sz="1200" b="0" i="0" u="none" strike="noStrike" kern="1200" dirty="0">
+                <a:solidFill>
+                  <a:schemeClr val="tx1"/>
+                </a:solidFill>
+                <a:effectLst/>
+                <a:latin typeface="+mn-lt"/>
+                <a:ea typeface="+mn-ea"/>
+                <a:cs typeface="+mn-cs"/>
+              </a:rPr>
+              <a:t>-, </a:t>
+            </a:r>
+            <a:r>
+              <a:rPr lang="en-GB" sz="1200" b="0" i="0" u="none" strike="noStrike" kern="1200" dirty="0" err="1">
+                <a:solidFill>
+                  <a:schemeClr val="tx1"/>
+                </a:solidFill>
+                <a:effectLst/>
+                <a:latin typeface="+mn-lt"/>
+                <a:ea typeface="+mn-ea"/>
+                <a:cs typeface="+mn-cs"/>
+              </a:rPr>
+              <a:t>Flach</a:t>
+            </a:r>
+            <a:r>
+              <a:rPr lang="en-GB" sz="1200" b="0" i="0" u="none" strike="noStrike" kern="1200" dirty="0">
+                <a:solidFill>
+                  <a:schemeClr val="tx1"/>
+                </a:solidFill>
+                <a:effectLst/>
+                <a:latin typeface="+mn-lt"/>
+                <a:ea typeface="+mn-ea"/>
+                <a:cs typeface="+mn-cs"/>
+              </a:rPr>
+              <a:t>-, </a:t>
+            </a:r>
+            <a:r>
+              <a:rPr lang="en-GB" sz="1200" b="0" i="0" u="none" strike="noStrike" kern="1200" dirty="0" err="1">
+                <a:solidFill>
+                  <a:schemeClr val="tx1"/>
+                </a:solidFill>
+                <a:effectLst/>
+                <a:latin typeface="+mn-lt"/>
+                <a:ea typeface="+mn-ea"/>
+                <a:cs typeface="+mn-cs"/>
+              </a:rPr>
+              <a:t>Profildraht</a:t>
+            </a:r>
+            <a:endParaRPr lang="en-GB" sz="1200" b="0" i="0" u="none" strike="noStrike" kern="1200" dirty="0">
+              <a:solidFill>
+                <a:schemeClr val="tx1"/>
+              </a:solidFill>
+              <a:effectLst/>
+              <a:latin typeface="+mn-lt"/>
+              <a:ea typeface="+mn-ea"/>
+              <a:cs typeface="+mn-cs"/>
+            </a:endParaRPr>
+          </a:p>
+          <a:p>
+            <a:pPr marL="0" marR="0" lvl="0" indent="0" algn="l" defTabSz="914400" rtl="0" eaLnBrk="1" fontAlgn="auto" latinLnBrk="0" hangingPunct="1">
+              <a:lnSpc>
+                <a:spcPct val="100000"/>
+              </a:lnSpc>
+              <a:spcBef>
+                <a:spcPts val="0"/>
+              </a:spcBef>
+              <a:spcAft>
+                <a:spcPts val="0"/>
+              </a:spcAft>
+              <a:buClrTx/>
+              <a:buSzTx/>
+              <a:buFontTx/>
+              <a:buNone/>
+              <a:tabLst/>
+              <a:defRPr/>
+            </a:pPr>
+            <a:r>
+              <a:rPr lang="en-DE" dirty="0"/>
+              <a:t>##</a:t>
+            </a:r>
+            <a:r>
+              <a:rPr lang="en-GB" sz="1200" b="0" i="0" u="none" strike="noStrike" kern="1200" dirty="0" err="1">
+                <a:solidFill>
+                  <a:schemeClr val="tx1"/>
+                </a:solidFill>
+                <a:effectLst/>
+                <a:latin typeface="+mn-lt"/>
+                <a:ea typeface="+mn-ea"/>
+                <a:cs typeface="+mn-cs"/>
+              </a:rPr>
+              <a:t>Stanzbiegeteile</a:t>
+            </a:r>
+            <a:endParaRPr lang="en-GB" sz="1200" b="0" i="0" u="none" strike="noStrike" kern="1200" dirty="0">
+              <a:solidFill>
+                <a:schemeClr val="tx1"/>
+              </a:solidFill>
+              <a:effectLst/>
+              <a:latin typeface="+mn-lt"/>
+              <a:ea typeface="+mn-ea"/>
+              <a:cs typeface="+mn-cs"/>
+            </a:endParaRPr>
+          </a:p>
+          <a:p>
+            <a:r>
+              <a:rPr lang="en-GB" sz="1200" b="0" i="0" u="none" strike="noStrike" kern="1200" dirty="0">
+                <a:solidFill>
+                  <a:schemeClr val="tx1"/>
+                </a:solidFill>
+                <a:effectLst/>
+                <a:latin typeface="+mn-lt"/>
+                <a:ea typeface="+mn-ea"/>
+                <a:cs typeface="+mn-cs"/>
+              </a:rPr>
+              <a:t>-</a:t>
+            </a:r>
+            <a:r>
+              <a:rPr lang="en-GB" sz="1200" b="0" i="0" u="none" strike="noStrike" kern="1200" dirty="0" err="1">
+                <a:solidFill>
+                  <a:schemeClr val="tx1"/>
+                </a:solidFill>
+                <a:effectLst/>
+                <a:latin typeface="+mn-lt"/>
+                <a:ea typeface="+mn-ea"/>
+                <a:cs typeface="+mn-cs"/>
+              </a:rPr>
+              <a:t>Banddicke</a:t>
+            </a:r>
+            <a:r>
+              <a:rPr lang="en-GB" sz="1200" b="0" i="0" u="none" strike="noStrike" kern="1200" dirty="0">
+                <a:solidFill>
+                  <a:schemeClr val="tx1"/>
+                </a:solidFill>
+                <a:effectLst/>
+                <a:latin typeface="+mn-lt"/>
+                <a:ea typeface="+mn-ea"/>
+                <a:cs typeface="+mn-cs"/>
+              </a:rPr>
+              <a:t> von ca. 0,1 – 2,00mm</a:t>
+            </a:r>
+          </a:p>
+          <a:p>
+            <a:r>
+              <a:rPr lang="en-GB" sz="1200" b="0" i="0" u="none" strike="noStrike" kern="1200" dirty="0">
+                <a:solidFill>
+                  <a:schemeClr val="tx1"/>
+                </a:solidFill>
+                <a:effectLst/>
+                <a:latin typeface="+mn-lt"/>
+                <a:ea typeface="+mn-ea"/>
+                <a:cs typeface="+mn-cs"/>
+              </a:rPr>
+              <a:t>-</a:t>
+            </a:r>
+            <a:r>
+              <a:rPr lang="en-GB" sz="1200" b="0" i="0" u="none" strike="noStrike" kern="1200" dirty="0" err="1">
+                <a:solidFill>
+                  <a:schemeClr val="tx1"/>
+                </a:solidFill>
+                <a:effectLst/>
+                <a:latin typeface="+mn-lt"/>
+                <a:ea typeface="+mn-ea"/>
+                <a:cs typeface="+mn-cs"/>
+              </a:rPr>
+              <a:t>Einsatz</a:t>
+            </a:r>
+            <a:r>
+              <a:rPr lang="en-GB" sz="1200" b="0" i="0" u="none" strike="noStrike" kern="1200" dirty="0">
+                <a:solidFill>
+                  <a:schemeClr val="tx1"/>
+                </a:solidFill>
+                <a:effectLst/>
+                <a:latin typeface="+mn-lt"/>
+                <a:ea typeface="+mn-ea"/>
+                <a:cs typeface="+mn-cs"/>
+              </a:rPr>
+              <a:t> von </a:t>
+            </a:r>
+            <a:r>
+              <a:rPr lang="en-GB" sz="1200" b="0" i="0" u="none" strike="noStrike" kern="1200" dirty="0" err="1">
+                <a:solidFill>
+                  <a:schemeClr val="tx1"/>
+                </a:solidFill>
+                <a:effectLst/>
+                <a:latin typeface="+mn-lt"/>
+                <a:ea typeface="+mn-ea"/>
+                <a:cs typeface="+mn-cs"/>
+              </a:rPr>
+              <a:t>Kohlenstoff</a:t>
+            </a:r>
+            <a:r>
+              <a:rPr lang="en-GB" sz="1200" b="0" i="0" u="none" strike="noStrike" kern="1200" dirty="0">
+                <a:solidFill>
+                  <a:schemeClr val="tx1"/>
+                </a:solidFill>
+                <a:effectLst/>
+                <a:latin typeface="+mn-lt"/>
+                <a:ea typeface="+mn-ea"/>
+                <a:cs typeface="+mn-cs"/>
+              </a:rPr>
+              <a:t>, </a:t>
+            </a:r>
+            <a:r>
+              <a:rPr lang="en-GB" sz="1200" b="0" i="0" u="none" strike="noStrike" kern="1200" dirty="0" err="1">
+                <a:solidFill>
+                  <a:schemeClr val="tx1"/>
+                </a:solidFill>
+                <a:effectLst/>
+                <a:latin typeface="+mn-lt"/>
+                <a:ea typeface="+mn-ea"/>
+                <a:cs typeface="+mn-cs"/>
+              </a:rPr>
+              <a:t>hochfestem</a:t>
+            </a:r>
+            <a:r>
+              <a:rPr lang="en-GB" sz="1200" b="0" i="0" u="none" strike="noStrike" kern="1200" dirty="0">
+                <a:solidFill>
+                  <a:schemeClr val="tx1"/>
+                </a:solidFill>
+                <a:effectLst/>
+                <a:latin typeface="+mn-lt"/>
+                <a:ea typeface="+mn-ea"/>
+                <a:cs typeface="+mn-cs"/>
+              </a:rPr>
+              <a:t> </a:t>
+            </a:r>
+            <a:r>
+              <a:rPr lang="en-GB" sz="1200" b="0" i="0" u="none" strike="noStrike" kern="1200" dirty="0" err="1">
+                <a:solidFill>
+                  <a:schemeClr val="tx1"/>
+                </a:solidFill>
+                <a:effectLst/>
+                <a:latin typeface="+mn-lt"/>
+                <a:ea typeface="+mn-ea"/>
+                <a:cs typeface="+mn-cs"/>
+              </a:rPr>
+              <a:t>Edelstahl</a:t>
+            </a:r>
+            <a:r>
+              <a:rPr lang="en-GB" sz="1200" b="0" i="0" u="none" strike="noStrike" kern="1200" dirty="0">
+                <a:solidFill>
+                  <a:schemeClr val="tx1"/>
+                </a:solidFill>
+                <a:effectLst/>
+                <a:latin typeface="+mn-lt"/>
+                <a:ea typeface="+mn-ea"/>
+                <a:cs typeface="+mn-cs"/>
+              </a:rPr>
+              <a:t> </a:t>
+            </a:r>
+            <a:r>
+              <a:rPr lang="en-GB" sz="1200" b="0" i="0" u="none" strike="noStrike" kern="1200" dirty="0" err="1">
+                <a:solidFill>
+                  <a:schemeClr val="tx1"/>
+                </a:solidFill>
+                <a:effectLst/>
+                <a:latin typeface="+mn-lt"/>
+                <a:ea typeface="+mn-ea"/>
+                <a:cs typeface="+mn-cs"/>
+              </a:rPr>
+              <a:t>oder</a:t>
+            </a:r>
+            <a:r>
+              <a:rPr lang="en-GB" sz="1200" b="0" i="0" u="none" strike="noStrike" kern="1200" dirty="0">
+                <a:solidFill>
+                  <a:schemeClr val="tx1"/>
+                </a:solidFill>
+                <a:effectLst/>
+                <a:latin typeface="+mn-lt"/>
+                <a:ea typeface="+mn-ea"/>
+                <a:cs typeface="+mn-cs"/>
+              </a:rPr>
+              <a:t> NE-</a:t>
+            </a:r>
+            <a:r>
+              <a:rPr lang="en-GB" sz="1200" b="0" i="0" u="none" strike="noStrike" kern="1200" dirty="0" err="1">
+                <a:solidFill>
+                  <a:schemeClr val="tx1"/>
+                </a:solidFill>
+                <a:effectLst/>
+                <a:latin typeface="+mn-lt"/>
+                <a:ea typeface="+mn-ea"/>
+                <a:cs typeface="+mn-cs"/>
+              </a:rPr>
+              <a:t>Metallen</a:t>
+            </a:r>
+            <a:endParaRPr lang="en-GB" sz="1200" b="0" i="0" u="none" strike="noStrike" kern="1200" dirty="0">
+              <a:solidFill>
+                <a:schemeClr val="tx1"/>
+              </a:solidFill>
+              <a:effectLst/>
+              <a:latin typeface="+mn-lt"/>
+              <a:ea typeface="+mn-ea"/>
+              <a:cs typeface="+mn-cs"/>
+            </a:endParaRPr>
+          </a:p>
+          <a:p>
+            <a:r>
+              <a:rPr lang="en-GB" sz="1200" b="0" i="0" u="none" strike="noStrike" kern="1200" dirty="0">
+                <a:solidFill>
+                  <a:schemeClr val="tx1"/>
+                </a:solidFill>
+                <a:effectLst/>
+                <a:latin typeface="+mn-lt"/>
+                <a:ea typeface="+mn-ea"/>
+                <a:cs typeface="+mn-cs"/>
+              </a:rPr>
+              <a:t>-</a:t>
+            </a:r>
+            <a:r>
+              <a:rPr lang="en-GB" sz="1200" b="0" i="0" u="none" strike="noStrike" kern="1200" dirty="0" err="1">
+                <a:solidFill>
+                  <a:schemeClr val="tx1"/>
+                </a:solidFill>
+                <a:effectLst/>
+                <a:latin typeface="+mn-lt"/>
+                <a:ea typeface="+mn-ea"/>
+                <a:cs typeface="+mn-cs"/>
+              </a:rPr>
+              <a:t>Bihlertechnologie</a:t>
+            </a:r>
+            <a:r>
+              <a:rPr lang="en-GB" sz="1200" b="0" i="0" u="none" strike="noStrike" kern="1200" dirty="0">
+                <a:solidFill>
+                  <a:schemeClr val="tx1"/>
+                </a:solidFill>
+                <a:effectLst/>
+                <a:latin typeface="+mn-lt"/>
+                <a:ea typeface="+mn-ea"/>
+                <a:cs typeface="+mn-cs"/>
+              </a:rPr>
+              <a:t> und </a:t>
+            </a:r>
+            <a:r>
+              <a:rPr lang="en-GB" sz="1200" b="0" i="0" u="none" strike="noStrike" kern="1200" dirty="0" err="1">
+                <a:solidFill>
+                  <a:schemeClr val="tx1"/>
+                </a:solidFill>
+                <a:effectLst/>
+                <a:latin typeface="+mn-lt"/>
+                <a:ea typeface="+mn-ea"/>
+                <a:cs typeface="+mn-cs"/>
+              </a:rPr>
+              <a:t>Folgeverbundtechnik</a:t>
+            </a:r>
+            <a:endParaRPr lang="en-GB" sz="1200" b="0" i="0" u="none" strike="noStrike" kern="1200" dirty="0">
+              <a:solidFill>
+                <a:schemeClr val="tx1"/>
+              </a:solidFill>
+              <a:effectLst/>
+              <a:latin typeface="+mn-lt"/>
+              <a:ea typeface="+mn-ea"/>
+              <a:cs typeface="+mn-cs"/>
+            </a:endParaRPr>
+          </a:p>
+          <a:p>
+            <a:r>
+              <a:rPr lang="en-GB" sz="1200" b="0" i="0" u="none" strike="noStrike" kern="1200" dirty="0">
+                <a:solidFill>
+                  <a:schemeClr val="tx1"/>
+                </a:solidFill>
+                <a:effectLst/>
+                <a:latin typeface="+mn-lt"/>
+                <a:ea typeface="+mn-ea"/>
+                <a:cs typeface="+mn-cs"/>
+              </a:rPr>
+              <a:t>-</a:t>
+            </a:r>
+            <a:r>
+              <a:rPr lang="en-GB" sz="1200" b="0" i="0" u="none" strike="noStrike" kern="1200" dirty="0" err="1">
+                <a:solidFill>
+                  <a:schemeClr val="tx1"/>
+                </a:solidFill>
+                <a:effectLst/>
+                <a:latin typeface="+mn-lt"/>
+                <a:ea typeface="+mn-ea"/>
+                <a:cs typeface="+mn-cs"/>
+              </a:rPr>
+              <a:t>Aufschweißung</a:t>
+            </a:r>
+            <a:r>
+              <a:rPr lang="en-GB" sz="1200" b="0" i="0" u="none" strike="noStrike" kern="1200" dirty="0">
+                <a:solidFill>
+                  <a:schemeClr val="tx1"/>
+                </a:solidFill>
+                <a:effectLst/>
+                <a:latin typeface="+mn-lt"/>
+                <a:ea typeface="+mn-ea"/>
+                <a:cs typeface="+mn-cs"/>
+              </a:rPr>
+              <a:t> </a:t>
+            </a:r>
+            <a:r>
+              <a:rPr lang="en-GB" sz="1200" b="0" i="0" u="none" strike="noStrike" kern="1200" dirty="0" err="1">
+                <a:solidFill>
+                  <a:schemeClr val="tx1"/>
+                </a:solidFill>
+                <a:effectLst/>
+                <a:latin typeface="+mn-lt"/>
+                <a:ea typeface="+mn-ea"/>
+                <a:cs typeface="+mn-cs"/>
+              </a:rPr>
+              <a:t>Kontaktniete</a:t>
+            </a:r>
+            <a:endParaRPr lang="en-GB" sz="1200" b="0" i="0" u="none" strike="noStrike" kern="1200" dirty="0">
+              <a:solidFill>
+                <a:schemeClr val="tx1"/>
+              </a:solidFill>
+              <a:effectLst/>
+              <a:latin typeface="+mn-lt"/>
+              <a:ea typeface="+mn-ea"/>
+              <a:cs typeface="+mn-cs"/>
+            </a:endParaRPr>
+          </a:p>
+          <a:p>
+            <a:pPr marL="0" marR="0" lvl="0" indent="0" algn="l" defTabSz="914400" rtl="0" eaLnBrk="1" fontAlgn="auto" latinLnBrk="0" hangingPunct="1">
+              <a:lnSpc>
+                <a:spcPct val="100000"/>
+              </a:lnSpc>
+              <a:spcBef>
+                <a:spcPts val="0"/>
+              </a:spcBef>
+              <a:spcAft>
+                <a:spcPts val="0"/>
+              </a:spcAft>
+              <a:buClrTx/>
+              <a:buSzTx/>
+              <a:buFontTx/>
+              <a:buNone/>
+              <a:tabLst/>
+              <a:defRPr/>
+            </a:pPr>
+            <a:r>
+              <a:rPr lang="en-DE" dirty="0"/>
+              <a:t>##</a:t>
+            </a:r>
+            <a:r>
+              <a:rPr lang="en-GB" sz="1200" b="0" i="0" u="none" strike="noStrike" kern="1200" dirty="0" err="1">
+                <a:solidFill>
+                  <a:schemeClr val="tx1"/>
+                </a:solidFill>
+                <a:effectLst/>
+                <a:latin typeface="+mn-lt"/>
+                <a:ea typeface="+mn-ea"/>
+                <a:cs typeface="+mn-cs"/>
+              </a:rPr>
+              <a:t>Baugruppen</a:t>
+            </a:r>
+            <a:endParaRPr lang="en-GB" sz="1200" b="0" i="0" u="none" strike="noStrike" kern="1200" dirty="0">
+              <a:solidFill>
+                <a:schemeClr val="tx1"/>
+              </a:solidFill>
+              <a:effectLst/>
+              <a:latin typeface="+mn-lt"/>
+              <a:ea typeface="+mn-ea"/>
+              <a:cs typeface="+mn-cs"/>
+            </a:endParaRPr>
+          </a:p>
+          <a:p>
+            <a:pPr marL="0" marR="0" lvl="0" indent="0" algn="l" defTabSz="914400" rtl="0" eaLnBrk="1" fontAlgn="auto" latinLnBrk="0" hangingPunct="1">
+              <a:lnSpc>
+                <a:spcPct val="100000"/>
+              </a:lnSpc>
+              <a:spcBef>
+                <a:spcPts val="0"/>
+              </a:spcBef>
+              <a:spcAft>
+                <a:spcPts val="0"/>
+              </a:spcAft>
+              <a:buClrTx/>
+              <a:buSzTx/>
+              <a:buFontTx/>
+              <a:buNone/>
+              <a:tabLst/>
+              <a:defRPr/>
+            </a:pPr>
+            <a:r>
+              <a:rPr lang="en-GB" sz="1200" b="0" i="0" u="none" strike="noStrike" kern="1200" dirty="0">
+                <a:solidFill>
+                  <a:schemeClr val="tx1"/>
+                </a:solidFill>
+                <a:effectLst/>
+                <a:latin typeface="+mn-lt"/>
+                <a:ea typeface="+mn-ea"/>
+                <a:cs typeface="+mn-cs"/>
+              </a:rPr>
+              <a:t>-</a:t>
+            </a:r>
+            <a:r>
+              <a:rPr lang="en-GB" sz="1200" b="0" i="0" u="none" strike="noStrike" kern="1200" dirty="0" err="1">
+                <a:solidFill>
+                  <a:schemeClr val="tx1"/>
+                </a:solidFill>
+                <a:effectLst/>
+                <a:latin typeface="+mn-lt"/>
+                <a:ea typeface="+mn-ea"/>
+                <a:cs typeface="+mn-cs"/>
+              </a:rPr>
+              <a:t>Kundenindividuelle</a:t>
+            </a:r>
+            <a:r>
+              <a:rPr lang="en-GB" sz="1200" b="0" i="0" u="none" strike="noStrike" kern="1200" dirty="0">
+                <a:solidFill>
+                  <a:schemeClr val="tx1"/>
+                </a:solidFill>
+                <a:effectLst/>
+                <a:latin typeface="+mn-lt"/>
+                <a:ea typeface="+mn-ea"/>
+                <a:cs typeface="+mn-cs"/>
+              </a:rPr>
+              <a:t> </a:t>
+            </a:r>
+            <a:r>
+              <a:rPr lang="en-GB" sz="1200" b="0" i="0" u="none" strike="noStrike" kern="1200" dirty="0" err="1">
+                <a:solidFill>
+                  <a:schemeClr val="tx1"/>
+                </a:solidFill>
+                <a:effectLst/>
+                <a:latin typeface="+mn-lt"/>
+                <a:ea typeface="+mn-ea"/>
+                <a:cs typeface="+mn-cs"/>
+              </a:rPr>
+              <a:t>Baugruppen</a:t>
+            </a:r>
+            <a:r>
+              <a:rPr lang="en-GB" sz="1200" b="0" i="0" u="none" strike="noStrike" kern="1200" dirty="0">
+                <a:solidFill>
+                  <a:schemeClr val="tx1"/>
+                </a:solidFill>
+                <a:effectLst/>
+                <a:latin typeface="+mn-lt"/>
+                <a:ea typeface="+mn-ea"/>
+                <a:cs typeface="+mn-cs"/>
+              </a:rPr>
+              <a:t> </a:t>
+            </a:r>
+            <a:r>
+              <a:rPr lang="en-GB" sz="1200" b="0" i="0" u="none" strike="noStrike" kern="1200" dirty="0" err="1">
+                <a:solidFill>
+                  <a:schemeClr val="tx1"/>
+                </a:solidFill>
+                <a:effectLst/>
+                <a:latin typeface="+mn-lt"/>
+                <a:ea typeface="+mn-ea"/>
+                <a:cs typeface="+mn-cs"/>
+              </a:rPr>
+              <a:t>im</a:t>
+            </a:r>
+            <a:r>
+              <a:rPr lang="en-GB" sz="1200" b="0" i="0" u="none" strike="noStrike" kern="1200" dirty="0">
+                <a:solidFill>
+                  <a:schemeClr val="tx1"/>
+                </a:solidFill>
+                <a:effectLst/>
+                <a:latin typeface="+mn-lt"/>
+                <a:ea typeface="+mn-ea"/>
+                <a:cs typeface="+mn-cs"/>
+              </a:rPr>
+              <a:t> </a:t>
+            </a:r>
+            <a:r>
+              <a:rPr lang="en-GB" sz="1200" b="0" i="0" u="none" strike="noStrike" kern="1200" dirty="0" err="1">
+                <a:solidFill>
+                  <a:schemeClr val="tx1"/>
+                </a:solidFill>
+                <a:effectLst/>
+                <a:latin typeface="+mn-lt"/>
+                <a:ea typeface="+mn-ea"/>
+                <a:cs typeface="+mn-cs"/>
+              </a:rPr>
+              <a:t>Bereich</a:t>
+            </a:r>
+            <a:r>
+              <a:rPr lang="en-GB" sz="1200" b="0" i="0" u="none" strike="noStrike" kern="1200" dirty="0">
+                <a:solidFill>
+                  <a:schemeClr val="tx1"/>
+                </a:solidFill>
+                <a:effectLst/>
+                <a:latin typeface="+mn-lt"/>
+                <a:ea typeface="+mn-ea"/>
+                <a:cs typeface="+mn-cs"/>
+              </a:rPr>
+              <a:t> </a:t>
+            </a:r>
+            <a:r>
+              <a:rPr lang="en-GB" sz="1200" b="0" i="0" u="none" strike="noStrike" kern="1200" dirty="0" err="1">
+                <a:solidFill>
+                  <a:schemeClr val="tx1"/>
+                </a:solidFill>
+                <a:effectLst/>
+                <a:latin typeface="+mn-lt"/>
+                <a:ea typeface="+mn-ea"/>
+                <a:cs typeface="+mn-cs"/>
+              </a:rPr>
+              <a:t>Federn</a:t>
+            </a:r>
+            <a:r>
+              <a:rPr lang="en-GB" sz="1200" b="0" i="0" u="none" strike="noStrike" kern="1200" dirty="0">
+                <a:solidFill>
+                  <a:schemeClr val="tx1"/>
+                </a:solidFill>
+                <a:effectLst/>
+                <a:latin typeface="+mn-lt"/>
+                <a:ea typeface="+mn-ea"/>
+                <a:cs typeface="+mn-cs"/>
+              </a:rPr>
+              <a:t>, </a:t>
+            </a:r>
+            <a:r>
+              <a:rPr lang="en-GB" sz="1200" b="0" i="0" u="none" strike="noStrike" kern="1200" dirty="0" err="1">
+                <a:solidFill>
+                  <a:schemeClr val="tx1"/>
+                </a:solidFill>
+                <a:effectLst/>
+                <a:latin typeface="+mn-lt"/>
+                <a:ea typeface="+mn-ea"/>
+                <a:cs typeface="+mn-cs"/>
+              </a:rPr>
+              <a:t>Stanzbiegeteile</a:t>
+            </a:r>
+            <a:r>
+              <a:rPr lang="en-GB" sz="1200" b="0" i="0" u="none" strike="noStrike" kern="1200" dirty="0">
+                <a:solidFill>
+                  <a:schemeClr val="tx1"/>
+                </a:solidFill>
+                <a:effectLst/>
+                <a:latin typeface="+mn-lt"/>
+                <a:ea typeface="+mn-ea"/>
+                <a:cs typeface="+mn-cs"/>
+              </a:rPr>
+              <a:t> und </a:t>
+            </a:r>
+            <a:r>
+              <a:rPr lang="en-GB" sz="1200" b="0" i="0" u="none" strike="noStrike" kern="1200" dirty="0" err="1">
+                <a:solidFill>
+                  <a:schemeClr val="tx1"/>
+                </a:solidFill>
+                <a:effectLst/>
+                <a:latin typeface="+mn-lt"/>
+                <a:ea typeface="+mn-ea"/>
+                <a:cs typeface="+mn-cs"/>
+              </a:rPr>
+              <a:t>Drahtbiegeteile</a:t>
+            </a:r>
+            <a:endParaRPr lang="en-GB" sz="1200" b="0" i="0" u="none" strike="noStrike" kern="1200" dirty="0">
+              <a:solidFill>
+                <a:schemeClr val="tx1"/>
+              </a:solidFill>
+              <a:effectLst/>
+              <a:latin typeface="+mn-lt"/>
+              <a:ea typeface="+mn-ea"/>
+              <a:cs typeface="+mn-cs"/>
+            </a:endParaRPr>
+          </a:p>
+          <a:p>
+            <a:r>
+              <a:rPr lang="en-GB" sz="1200" b="0" i="0" u="none" strike="noStrike" kern="1200" dirty="0">
+                <a:solidFill>
+                  <a:schemeClr val="tx1"/>
+                </a:solidFill>
+                <a:effectLst/>
+                <a:latin typeface="+mn-lt"/>
+                <a:ea typeface="+mn-ea"/>
+                <a:cs typeface="+mn-cs"/>
+              </a:rPr>
+              <a:t>-</a:t>
+            </a:r>
+            <a:r>
+              <a:rPr lang="en-GB" sz="1200" b="0" i="0" u="none" strike="noStrike" kern="1200" dirty="0" err="1">
+                <a:solidFill>
+                  <a:schemeClr val="tx1"/>
+                </a:solidFill>
+                <a:effectLst/>
+                <a:latin typeface="+mn-lt"/>
+                <a:ea typeface="+mn-ea"/>
+                <a:cs typeface="+mn-cs"/>
+              </a:rPr>
+              <a:t>Metall-Metall</a:t>
+            </a:r>
+            <a:r>
+              <a:rPr lang="en-GB" sz="1200" b="0" i="0" u="none" strike="noStrike" kern="1200" dirty="0">
+                <a:solidFill>
+                  <a:schemeClr val="tx1"/>
+                </a:solidFill>
+                <a:effectLst/>
+                <a:latin typeface="+mn-lt"/>
+                <a:ea typeface="+mn-ea"/>
+                <a:cs typeface="+mn-cs"/>
+              </a:rPr>
+              <a:t>- und </a:t>
+            </a:r>
+            <a:r>
+              <a:rPr lang="en-GB" sz="1200" b="0" i="0" u="none" strike="noStrike" kern="1200" dirty="0" err="1">
+                <a:solidFill>
+                  <a:schemeClr val="tx1"/>
+                </a:solidFill>
+                <a:effectLst/>
+                <a:latin typeface="+mn-lt"/>
+                <a:ea typeface="+mn-ea"/>
+                <a:cs typeface="+mn-cs"/>
+              </a:rPr>
+              <a:t>Metall-Kunststoffverbindungen</a:t>
+            </a:r>
+            <a:endParaRPr lang="en-GB" sz="1200" b="0" i="0" u="none" strike="noStrike" kern="1200" dirty="0">
+              <a:solidFill>
+                <a:schemeClr val="tx1"/>
+              </a:solidFill>
+              <a:effectLst/>
+              <a:latin typeface="+mn-lt"/>
+              <a:ea typeface="+mn-ea"/>
+              <a:cs typeface="+mn-cs"/>
+            </a:endParaRPr>
+          </a:p>
+          <a:p>
+            <a:r>
+              <a:rPr lang="en-GB" sz="1200" b="0" i="0" u="none" strike="noStrike" kern="1200" dirty="0">
+                <a:solidFill>
+                  <a:schemeClr val="tx1"/>
+                </a:solidFill>
+                <a:effectLst/>
+                <a:latin typeface="+mn-lt"/>
+                <a:ea typeface="+mn-ea"/>
+                <a:cs typeface="+mn-cs"/>
+              </a:rPr>
+              <a:t>-Auf Wunsch </a:t>
+            </a:r>
+            <a:r>
+              <a:rPr lang="en-GB" sz="1200" b="0" i="0" u="none" strike="noStrike" kern="1200" dirty="0" err="1">
+                <a:solidFill>
+                  <a:schemeClr val="tx1"/>
+                </a:solidFill>
+                <a:effectLst/>
+                <a:latin typeface="+mn-lt"/>
+                <a:ea typeface="+mn-ea"/>
+                <a:cs typeface="+mn-cs"/>
+              </a:rPr>
+              <a:t>enge</a:t>
+            </a:r>
+            <a:r>
+              <a:rPr lang="en-GB" sz="1200" b="0" i="0" u="none" strike="noStrike" kern="1200" dirty="0">
+                <a:solidFill>
+                  <a:schemeClr val="tx1"/>
+                </a:solidFill>
+                <a:effectLst/>
+                <a:latin typeface="+mn-lt"/>
+                <a:ea typeface="+mn-ea"/>
+                <a:cs typeface="+mn-cs"/>
+              </a:rPr>
+              <a:t> </a:t>
+            </a:r>
+            <a:r>
+              <a:rPr lang="en-GB" sz="1200" b="0" i="0" u="none" strike="noStrike" kern="1200" dirty="0" err="1">
+                <a:solidFill>
+                  <a:schemeClr val="tx1"/>
+                </a:solidFill>
+                <a:effectLst/>
+                <a:latin typeface="+mn-lt"/>
+                <a:ea typeface="+mn-ea"/>
+                <a:cs typeface="+mn-cs"/>
+              </a:rPr>
+              <a:t>Zusammenarbeit</a:t>
+            </a:r>
+            <a:r>
+              <a:rPr lang="en-GB" sz="1200" b="0" i="0" u="none" strike="noStrike" kern="1200" dirty="0">
+                <a:solidFill>
+                  <a:schemeClr val="tx1"/>
+                </a:solidFill>
+                <a:effectLst/>
+                <a:latin typeface="+mn-lt"/>
+                <a:ea typeface="+mn-ea"/>
+                <a:cs typeface="+mn-cs"/>
+              </a:rPr>
+              <a:t> </a:t>
+            </a:r>
+            <a:r>
+              <a:rPr lang="en-GB" sz="1200" b="0" i="0" u="none" strike="noStrike" kern="1200" dirty="0" err="1">
+                <a:solidFill>
+                  <a:schemeClr val="tx1"/>
+                </a:solidFill>
+                <a:effectLst/>
+                <a:latin typeface="+mn-lt"/>
+                <a:ea typeface="+mn-ea"/>
+                <a:cs typeface="+mn-cs"/>
+              </a:rPr>
+              <a:t>schon</a:t>
+            </a:r>
+            <a:r>
+              <a:rPr lang="en-GB" sz="1200" b="0" i="0" u="none" strike="noStrike" kern="1200" dirty="0">
+                <a:solidFill>
+                  <a:schemeClr val="tx1"/>
+                </a:solidFill>
+                <a:effectLst/>
+                <a:latin typeface="+mn-lt"/>
+                <a:ea typeface="+mn-ea"/>
+                <a:cs typeface="+mn-cs"/>
+              </a:rPr>
+              <a:t> </a:t>
+            </a:r>
+            <a:r>
+              <a:rPr lang="en-GB" sz="1200" b="0" i="0" u="none" strike="noStrike" kern="1200" dirty="0" err="1">
+                <a:solidFill>
+                  <a:schemeClr val="tx1"/>
+                </a:solidFill>
+                <a:effectLst/>
+                <a:latin typeface="+mn-lt"/>
+                <a:ea typeface="+mn-ea"/>
+                <a:cs typeface="+mn-cs"/>
+              </a:rPr>
+              <a:t>während</a:t>
+            </a:r>
+            <a:r>
+              <a:rPr lang="en-GB" sz="1200" b="0" i="0" u="none" strike="noStrike" kern="1200" dirty="0">
+                <a:solidFill>
+                  <a:schemeClr val="tx1"/>
+                </a:solidFill>
+                <a:effectLst/>
+                <a:latin typeface="+mn-lt"/>
+                <a:ea typeface="+mn-ea"/>
+                <a:cs typeface="+mn-cs"/>
+              </a:rPr>
+              <a:t> der </a:t>
+            </a:r>
+            <a:r>
+              <a:rPr lang="en-GB" sz="1200" b="0" i="0" u="none" strike="noStrike" kern="1200" dirty="0" err="1">
+                <a:solidFill>
+                  <a:schemeClr val="tx1"/>
+                </a:solidFill>
+                <a:effectLst/>
+                <a:latin typeface="+mn-lt"/>
+                <a:ea typeface="+mn-ea"/>
+                <a:cs typeface="+mn-cs"/>
+              </a:rPr>
+              <a:t>Entwicklungsphase</a:t>
+            </a:r>
+            <a:endParaRPr lang="en-GB" sz="1200" b="0" i="0" u="none" strike="noStrike" kern="1200" dirty="0">
+              <a:solidFill>
+                <a:schemeClr val="tx1"/>
+              </a:solidFill>
+              <a:effectLst/>
+              <a:latin typeface="+mn-lt"/>
+              <a:ea typeface="+mn-ea"/>
+              <a:cs typeface="+mn-cs"/>
+            </a:endParaRPr>
+          </a:p>
+          <a:p>
+            <a:r>
+              <a:rPr lang="en-DE" dirty="0"/>
+              <a:t>##Federn</a:t>
+            </a:r>
+          </a:p>
+          <a:p>
+            <a:r>
+              <a:rPr lang="en-GB" sz="1200" b="0" i="0" u="none" strike="noStrike" kern="1200" dirty="0">
+                <a:solidFill>
+                  <a:schemeClr val="tx1"/>
+                </a:solidFill>
+                <a:effectLst/>
+                <a:latin typeface="+mn-lt"/>
+                <a:ea typeface="+mn-ea"/>
+                <a:cs typeface="+mn-cs"/>
+              </a:rPr>
+              <a:t>-</a:t>
+            </a:r>
+            <a:r>
+              <a:rPr lang="en-GB" sz="1200" b="0" i="0" u="none" strike="noStrike" kern="1200" dirty="0" err="1">
+                <a:solidFill>
+                  <a:schemeClr val="tx1"/>
+                </a:solidFill>
+                <a:effectLst/>
+                <a:latin typeface="+mn-lt"/>
+                <a:ea typeface="+mn-ea"/>
+                <a:cs typeface="+mn-cs"/>
+              </a:rPr>
+              <a:t>Entwicklung</a:t>
+            </a:r>
+            <a:r>
+              <a:rPr lang="en-GB" sz="1200" b="0" i="0" u="none" strike="noStrike" kern="1200" dirty="0">
+                <a:solidFill>
+                  <a:schemeClr val="tx1"/>
+                </a:solidFill>
+                <a:effectLst/>
+                <a:latin typeface="+mn-lt"/>
+                <a:ea typeface="+mn-ea"/>
+                <a:cs typeface="+mn-cs"/>
+              </a:rPr>
+              <a:t> und </a:t>
+            </a:r>
+            <a:r>
+              <a:rPr lang="en-GB" sz="1200" b="0" i="0" u="none" strike="noStrike" kern="1200" dirty="0" err="1">
+                <a:solidFill>
+                  <a:schemeClr val="tx1"/>
+                </a:solidFill>
+                <a:effectLst/>
+                <a:latin typeface="+mn-lt"/>
+                <a:ea typeface="+mn-ea"/>
+                <a:cs typeface="+mn-cs"/>
+              </a:rPr>
+              <a:t>Herstellung</a:t>
+            </a:r>
+            <a:r>
+              <a:rPr lang="en-GB" sz="1200" b="0" i="0" u="none" strike="noStrike" kern="1200" dirty="0">
+                <a:solidFill>
+                  <a:schemeClr val="tx1"/>
+                </a:solidFill>
+                <a:effectLst/>
+                <a:latin typeface="+mn-lt"/>
+                <a:ea typeface="+mn-ea"/>
+                <a:cs typeface="+mn-cs"/>
+              </a:rPr>
+              <a:t> von </a:t>
+            </a:r>
+            <a:r>
+              <a:rPr lang="en-GB" sz="1200" b="0" i="0" u="none" strike="noStrike" kern="1200" dirty="0" err="1">
+                <a:solidFill>
+                  <a:schemeClr val="tx1"/>
+                </a:solidFill>
+                <a:effectLst/>
+                <a:latin typeface="+mn-lt"/>
+                <a:ea typeface="+mn-ea"/>
+                <a:cs typeface="+mn-cs"/>
+              </a:rPr>
+              <a:t>Druckfedern</a:t>
+            </a:r>
+            <a:r>
+              <a:rPr lang="en-GB" sz="1200" b="0" i="0" u="none" strike="noStrike" kern="1200" dirty="0">
+                <a:solidFill>
+                  <a:schemeClr val="tx1"/>
+                </a:solidFill>
+                <a:effectLst/>
+                <a:latin typeface="+mn-lt"/>
+                <a:ea typeface="+mn-ea"/>
+                <a:cs typeface="+mn-cs"/>
+              </a:rPr>
+              <a:t>, </a:t>
+            </a:r>
+            <a:r>
+              <a:rPr lang="en-GB" sz="1200" b="0" i="0" u="none" strike="noStrike" kern="1200" dirty="0" err="1">
+                <a:solidFill>
+                  <a:schemeClr val="tx1"/>
+                </a:solidFill>
+                <a:effectLst/>
+                <a:latin typeface="+mn-lt"/>
+                <a:ea typeface="+mn-ea"/>
+                <a:cs typeface="+mn-cs"/>
+              </a:rPr>
+              <a:t>Zugfedern</a:t>
+            </a:r>
+            <a:r>
+              <a:rPr lang="en-GB" sz="1200" b="0" i="0" u="none" strike="noStrike" kern="1200" dirty="0">
+                <a:solidFill>
+                  <a:schemeClr val="tx1"/>
+                </a:solidFill>
+                <a:effectLst/>
+                <a:latin typeface="+mn-lt"/>
+                <a:ea typeface="+mn-ea"/>
+                <a:cs typeface="+mn-cs"/>
+              </a:rPr>
+              <a:t> und </a:t>
+            </a:r>
+            <a:r>
+              <a:rPr lang="en-GB" sz="1200" b="0" i="0" u="none" strike="noStrike" kern="1200" dirty="0" err="1">
+                <a:solidFill>
+                  <a:schemeClr val="tx1"/>
+                </a:solidFill>
+                <a:effectLst/>
+                <a:latin typeface="+mn-lt"/>
+                <a:ea typeface="+mn-ea"/>
+                <a:cs typeface="+mn-cs"/>
+              </a:rPr>
+              <a:t>Schenkelfedern</a:t>
+            </a:r>
+            <a:endParaRPr lang="en-GB" sz="1200" b="0" i="0" u="none" strike="noStrike" kern="1200" dirty="0">
+              <a:solidFill>
+                <a:schemeClr val="tx1"/>
+              </a:solidFill>
+              <a:effectLst/>
+              <a:latin typeface="+mn-lt"/>
+              <a:ea typeface="+mn-ea"/>
+              <a:cs typeface="+mn-cs"/>
+            </a:endParaRPr>
+          </a:p>
+          <a:p>
+            <a:r>
+              <a:rPr lang="en-GB" sz="1200" b="0" i="0" u="none" strike="noStrike" kern="1200" dirty="0">
+                <a:solidFill>
+                  <a:schemeClr val="tx1"/>
+                </a:solidFill>
+                <a:effectLst/>
+                <a:latin typeface="+mn-lt"/>
+                <a:ea typeface="+mn-ea"/>
+                <a:cs typeface="+mn-cs"/>
+              </a:rPr>
+              <a:t>-</a:t>
+            </a:r>
+            <a:r>
+              <a:rPr lang="en-GB" sz="1200" b="0" i="0" u="none" strike="noStrike" kern="1200" dirty="0" err="1">
+                <a:solidFill>
+                  <a:schemeClr val="tx1"/>
+                </a:solidFill>
+                <a:effectLst/>
+                <a:latin typeface="+mn-lt"/>
+                <a:ea typeface="+mn-ea"/>
+                <a:cs typeface="+mn-cs"/>
+              </a:rPr>
+              <a:t>Drahtdurchmesser</a:t>
+            </a:r>
+            <a:r>
+              <a:rPr lang="en-GB" sz="1200" b="0" i="0" u="none" strike="noStrike" kern="1200" dirty="0">
+                <a:solidFill>
+                  <a:schemeClr val="tx1"/>
+                </a:solidFill>
+                <a:effectLst/>
+                <a:latin typeface="+mn-lt"/>
+                <a:ea typeface="+mn-ea"/>
+                <a:cs typeface="+mn-cs"/>
+              </a:rPr>
+              <a:t> je </a:t>
+            </a:r>
+            <a:r>
+              <a:rPr lang="en-GB" sz="1200" b="0" i="0" u="none" strike="noStrike" kern="1200" dirty="0" err="1">
+                <a:solidFill>
+                  <a:schemeClr val="tx1"/>
+                </a:solidFill>
+                <a:effectLst/>
+                <a:latin typeface="+mn-lt"/>
+                <a:ea typeface="+mn-ea"/>
+                <a:cs typeface="+mn-cs"/>
+              </a:rPr>
+              <a:t>nach</a:t>
+            </a:r>
+            <a:r>
+              <a:rPr lang="en-GB" sz="1200" b="0" i="0" u="none" strike="noStrike" kern="1200" dirty="0">
+                <a:solidFill>
+                  <a:schemeClr val="tx1"/>
+                </a:solidFill>
+                <a:effectLst/>
+                <a:latin typeface="+mn-lt"/>
+                <a:ea typeface="+mn-ea"/>
+                <a:cs typeface="+mn-cs"/>
+              </a:rPr>
+              <a:t> </a:t>
+            </a:r>
+            <a:r>
+              <a:rPr lang="en-GB" sz="1200" b="0" i="0" u="none" strike="noStrike" kern="1200" dirty="0" err="1">
+                <a:solidFill>
+                  <a:schemeClr val="tx1"/>
+                </a:solidFill>
+                <a:effectLst/>
+                <a:latin typeface="+mn-lt"/>
+                <a:ea typeface="+mn-ea"/>
+                <a:cs typeface="+mn-cs"/>
+              </a:rPr>
+              <a:t>Anwendungsfall</a:t>
+            </a:r>
+            <a:r>
+              <a:rPr lang="en-GB" sz="1200" b="0" i="0" u="none" strike="noStrike" kern="1200" dirty="0">
+                <a:solidFill>
+                  <a:schemeClr val="tx1"/>
+                </a:solidFill>
+                <a:effectLst/>
+                <a:latin typeface="+mn-lt"/>
+                <a:ea typeface="+mn-ea"/>
+                <a:cs typeface="+mn-cs"/>
+              </a:rPr>
+              <a:t> ca. 0,1 – 2,00mm</a:t>
+            </a:r>
+          </a:p>
+          <a:p>
+            <a:r>
+              <a:rPr lang="en-GB" sz="1200" b="0" i="0" u="none" strike="noStrike" kern="1200" dirty="0">
+                <a:solidFill>
+                  <a:schemeClr val="tx1"/>
+                </a:solidFill>
+                <a:effectLst/>
+                <a:latin typeface="+mn-lt"/>
+                <a:ea typeface="+mn-ea"/>
+                <a:cs typeface="+mn-cs"/>
+              </a:rPr>
+              <a:t>-</a:t>
+            </a:r>
+            <a:r>
+              <a:rPr lang="en-GB" sz="1200" b="0" i="0" u="none" strike="noStrike" kern="1200" dirty="0" err="1">
+                <a:solidFill>
+                  <a:schemeClr val="tx1"/>
+                </a:solidFill>
+                <a:effectLst/>
+                <a:latin typeface="+mn-lt"/>
+                <a:ea typeface="+mn-ea"/>
+                <a:cs typeface="+mn-cs"/>
+              </a:rPr>
+              <a:t>Einsatz</a:t>
+            </a:r>
+            <a:r>
+              <a:rPr lang="en-GB" sz="1200" b="0" i="0" u="none" strike="noStrike" kern="1200" dirty="0">
+                <a:solidFill>
+                  <a:schemeClr val="tx1"/>
+                </a:solidFill>
+                <a:effectLst/>
+                <a:latin typeface="+mn-lt"/>
+                <a:ea typeface="+mn-ea"/>
+                <a:cs typeface="+mn-cs"/>
+              </a:rPr>
+              <a:t> </a:t>
+            </a:r>
+            <a:r>
+              <a:rPr lang="en-GB" sz="1200" b="0" i="0" u="none" strike="noStrike" kern="1200" dirty="0" err="1">
+                <a:solidFill>
+                  <a:schemeClr val="tx1"/>
+                </a:solidFill>
+                <a:effectLst/>
+                <a:latin typeface="+mn-lt"/>
+                <a:ea typeface="+mn-ea"/>
+                <a:cs typeface="+mn-cs"/>
+              </a:rPr>
+              <a:t>unterschiedlichster</a:t>
+            </a:r>
+            <a:r>
+              <a:rPr lang="en-GB" sz="1200" b="0" i="0" u="none" strike="noStrike" kern="1200" dirty="0">
+                <a:solidFill>
+                  <a:schemeClr val="tx1"/>
+                </a:solidFill>
+                <a:effectLst/>
+                <a:latin typeface="+mn-lt"/>
+                <a:ea typeface="+mn-ea"/>
+                <a:cs typeface="+mn-cs"/>
+              </a:rPr>
+              <a:t> </a:t>
+            </a:r>
+            <a:r>
+              <a:rPr lang="en-GB" sz="1200" b="0" i="0" u="none" strike="noStrike" kern="1200" dirty="0" err="1">
+                <a:solidFill>
+                  <a:schemeClr val="tx1"/>
+                </a:solidFill>
+                <a:effectLst/>
+                <a:latin typeface="+mn-lt"/>
+                <a:ea typeface="+mn-ea"/>
+                <a:cs typeface="+mn-cs"/>
+              </a:rPr>
+              <a:t>Materialien</a:t>
+            </a:r>
+            <a:r>
+              <a:rPr lang="en-GB" sz="1200" b="0" i="0" u="none" strike="noStrike" kern="1200" dirty="0">
+                <a:solidFill>
+                  <a:schemeClr val="tx1"/>
+                </a:solidFill>
+                <a:effectLst/>
+                <a:latin typeface="+mn-lt"/>
+                <a:ea typeface="+mn-ea"/>
+                <a:cs typeface="+mn-cs"/>
+              </a:rPr>
+              <a:t>: </a:t>
+            </a:r>
+            <a:r>
+              <a:rPr lang="en-GB" sz="1200" b="0" i="0" u="none" strike="noStrike" kern="1200" dirty="0" err="1">
+                <a:solidFill>
+                  <a:schemeClr val="tx1"/>
+                </a:solidFill>
+                <a:effectLst/>
+                <a:latin typeface="+mn-lt"/>
+                <a:ea typeface="+mn-ea"/>
+                <a:cs typeface="+mn-cs"/>
+              </a:rPr>
+              <a:t>Kohlenstoff</a:t>
+            </a:r>
+            <a:r>
+              <a:rPr lang="en-GB" sz="1200" b="0" i="0" u="none" strike="noStrike" kern="1200" dirty="0">
+                <a:solidFill>
+                  <a:schemeClr val="tx1"/>
+                </a:solidFill>
+                <a:effectLst/>
+                <a:latin typeface="+mn-lt"/>
+                <a:ea typeface="+mn-ea"/>
+                <a:cs typeface="+mn-cs"/>
+              </a:rPr>
+              <a:t>, </a:t>
+            </a:r>
+            <a:r>
+              <a:rPr lang="en-GB" sz="1200" b="0" i="0" u="none" strike="noStrike" kern="1200" dirty="0" err="1">
+                <a:solidFill>
+                  <a:schemeClr val="tx1"/>
+                </a:solidFill>
+                <a:effectLst/>
+                <a:latin typeface="+mn-lt"/>
+                <a:ea typeface="+mn-ea"/>
+                <a:cs typeface="+mn-cs"/>
+              </a:rPr>
+              <a:t>hochfeste</a:t>
+            </a:r>
+            <a:r>
+              <a:rPr lang="en-GB" sz="1200" b="0" i="0" u="none" strike="noStrike" kern="1200" dirty="0">
+                <a:solidFill>
+                  <a:schemeClr val="tx1"/>
+                </a:solidFill>
+                <a:effectLst/>
+                <a:latin typeface="+mn-lt"/>
+                <a:ea typeface="+mn-ea"/>
+                <a:cs typeface="+mn-cs"/>
+              </a:rPr>
+              <a:t> </a:t>
+            </a:r>
+            <a:r>
+              <a:rPr lang="en-GB" sz="1200" b="0" i="0" u="none" strike="noStrike" kern="1200" dirty="0" err="1">
+                <a:solidFill>
+                  <a:schemeClr val="tx1"/>
+                </a:solidFill>
+                <a:effectLst/>
+                <a:latin typeface="+mn-lt"/>
+                <a:ea typeface="+mn-ea"/>
+                <a:cs typeface="+mn-cs"/>
+              </a:rPr>
+              <a:t>Edelstähle</a:t>
+            </a:r>
+            <a:r>
+              <a:rPr lang="en-GB" sz="1200" b="0" i="0" u="none" strike="noStrike" kern="1200" dirty="0">
+                <a:solidFill>
+                  <a:schemeClr val="tx1"/>
+                </a:solidFill>
+                <a:effectLst/>
+                <a:latin typeface="+mn-lt"/>
+                <a:ea typeface="+mn-ea"/>
+                <a:cs typeface="+mn-cs"/>
+              </a:rPr>
+              <a:t> und NE-</a:t>
+            </a:r>
+            <a:r>
+              <a:rPr lang="en-GB" sz="1200" b="0" i="0" u="none" strike="noStrike" kern="1200" dirty="0" err="1">
+                <a:solidFill>
+                  <a:schemeClr val="tx1"/>
+                </a:solidFill>
+                <a:effectLst/>
+                <a:latin typeface="+mn-lt"/>
+                <a:ea typeface="+mn-ea"/>
+                <a:cs typeface="+mn-cs"/>
+              </a:rPr>
+              <a:t>Metalle</a:t>
+            </a:r>
+            <a:endParaRPr lang="en-GB" sz="1200" b="0" i="0" u="none" strike="noStrike" kern="1200" dirty="0">
+              <a:solidFill>
+                <a:schemeClr val="tx1"/>
+              </a:solidFill>
+              <a:effectLst/>
+              <a:latin typeface="+mn-lt"/>
+              <a:ea typeface="+mn-ea"/>
+              <a:cs typeface="+mn-cs"/>
+            </a:endParaRPr>
+          </a:p>
+          <a:p>
+            <a:r>
+              <a:rPr lang="en-GB" sz="1200" b="0" i="0" u="none" strike="noStrike" kern="1200" dirty="0">
+                <a:solidFill>
+                  <a:schemeClr val="tx1"/>
+                </a:solidFill>
+                <a:effectLst/>
+                <a:latin typeface="+mn-lt"/>
+                <a:ea typeface="+mn-ea"/>
+                <a:cs typeface="+mn-cs"/>
+              </a:rPr>
+              <a:t>-</a:t>
+            </a:r>
+            <a:r>
+              <a:rPr lang="en-GB" sz="1200" b="0" i="0" u="none" strike="noStrike" kern="1200" dirty="0" err="1">
+                <a:solidFill>
+                  <a:schemeClr val="tx1"/>
+                </a:solidFill>
+                <a:effectLst/>
+                <a:latin typeface="+mn-lt"/>
+                <a:ea typeface="+mn-ea"/>
+                <a:cs typeface="+mn-cs"/>
+              </a:rPr>
+              <a:t>Wärmebehandlung</a:t>
+            </a:r>
+            <a:r>
+              <a:rPr lang="en-GB" sz="1200" b="0" i="0" u="none" strike="noStrike" kern="1200" dirty="0">
+                <a:solidFill>
+                  <a:schemeClr val="tx1"/>
+                </a:solidFill>
+                <a:effectLst/>
+                <a:latin typeface="+mn-lt"/>
+                <a:ea typeface="+mn-ea"/>
+                <a:cs typeface="+mn-cs"/>
+              </a:rPr>
+              <a:t> und </a:t>
+            </a:r>
+            <a:r>
+              <a:rPr lang="en-GB" sz="1200" b="0" i="0" u="none" strike="noStrike" kern="1200" dirty="0" err="1">
+                <a:solidFill>
+                  <a:schemeClr val="tx1"/>
+                </a:solidFill>
+                <a:effectLst/>
+                <a:latin typeface="+mn-lt"/>
+                <a:ea typeface="+mn-ea"/>
+                <a:cs typeface="+mn-cs"/>
+              </a:rPr>
+              <a:t>unterschiedlichste</a:t>
+            </a:r>
+            <a:r>
+              <a:rPr lang="en-GB" sz="1200" b="0" i="0" u="none" strike="noStrike" kern="1200" dirty="0">
+                <a:solidFill>
+                  <a:schemeClr val="tx1"/>
+                </a:solidFill>
+                <a:effectLst/>
+                <a:latin typeface="+mn-lt"/>
+                <a:ea typeface="+mn-ea"/>
+                <a:cs typeface="+mn-cs"/>
+              </a:rPr>
+              <a:t> </a:t>
+            </a:r>
+            <a:r>
+              <a:rPr lang="en-GB" sz="1200" b="0" i="0" u="none" strike="noStrike" kern="1200" dirty="0" err="1">
+                <a:solidFill>
+                  <a:schemeClr val="tx1"/>
+                </a:solidFill>
+                <a:effectLst/>
+                <a:latin typeface="+mn-lt"/>
+                <a:ea typeface="+mn-ea"/>
+                <a:cs typeface="+mn-cs"/>
+              </a:rPr>
+              <a:t>Oberflächen</a:t>
+            </a:r>
+            <a:endParaRPr lang="en-GB" sz="1200" b="0" i="0" u="none" strike="noStrike" kern="1200" dirty="0">
+              <a:solidFill>
+                <a:schemeClr val="tx1"/>
+              </a:solidFill>
+              <a:effectLst/>
+              <a:latin typeface="+mn-lt"/>
+              <a:ea typeface="+mn-ea"/>
+              <a:cs typeface="+mn-cs"/>
+            </a:endParaRPr>
+          </a:p>
+          <a:p>
+            <a:r>
+              <a:rPr lang="en-GB" sz="1200" b="0" i="0" u="none" strike="noStrike" kern="1200" dirty="0">
+                <a:solidFill>
+                  <a:schemeClr val="tx1"/>
+                </a:solidFill>
+                <a:effectLst/>
+                <a:latin typeface="+mn-lt"/>
+                <a:ea typeface="+mn-ea"/>
+                <a:cs typeface="+mn-cs"/>
+              </a:rPr>
+              <a:t>-</a:t>
+            </a:r>
+            <a:r>
+              <a:rPr lang="en-GB" sz="1200" b="0" i="0" u="none" strike="noStrike" kern="1200" dirty="0" err="1">
+                <a:solidFill>
+                  <a:schemeClr val="tx1"/>
+                </a:solidFill>
+                <a:effectLst/>
+                <a:latin typeface="+mn-lt"/>
+                <a:ea typeface="+mn-ea"/>
+                <a:cs typeface="+mn-cs"/>
+              </a:rPr>
+              <a:t>Musterfertigung</a:t>
+            </a:r>
+            <a:endParaRPr lang="en-DE" dirty="0"/>
+          </a:p>
+          <a:p>
+            <a:endParaRPr lang="en-DE" dirty="0"/>
+          </a:p>
+        </p:txBody>
+      </p:sp>
+      <p:sp>
+        <p:nvSpPr>
+          <p:cNvPr id="4" name="Slide Number Placeholder 3"/>
+          <p:cNvSpPr>
+            <a:spLocks noGrp="1"/>
+          </p:cNvSpPr>
+          <p:nvPr>
+            <p:ph type="sldNum" sz="quarter" idx="5"/>
+          </p:nvPr>
+        </p:nvSpPr>
+        <p:spPr/>
+        <p:txBody>
+          <a:bodyPr/>
+          <a:lstStyle/>
+          <a:p>
+            <a:fld id="{B82E3EFB-4553-794E-9041-D726CF04777F}" type="slidenum">
+              <a:rPr lang="en-DE" smtClean="0"/>
+              <a:t>4</a:t>
+            </a:fld>
+            <a:endParaRPr lang="en-DE"/>
+          </a:p>
+        </p:txBody>
+      </p:sp>
+    </p:spTree>
+    <p:extLst>
+      <p:ext uri="{BB962C8B-B14F-4D97-AF65-F5344CB8AC3E}">
+        <p14:creationId xmlns:p14="http://schemas.microsoft.com/office/powerpoint/2010/main" val="462057763"/>
+      </p:ext>
+    </p:extLst>
+  </p:cSld>
+  <p:clrMapOvr>
+    <a:masterClrMapping/>
+  </p:clrMapOvr>
+</p:notes>
+</file>
+
+<file path=ppt/notesSlides/notesSlide3.xml><?xml version="1.0" encoding="utf-8"?>
+<p:notes xmlns:a="http://schemas.openxmlformats.org/drawingml/2006/main" xmlns:r="http://schemas.openxmlformats.org/officeDocument/2006/relationships" xmlns:p="http://schemas.openxmlformats.org/presentationml/2006/main">
+  <p:cSld>
+    <p:spTree>
+      <p:nvGrpSpPr>
+        <p:cNvPr id="1" name=""/>
+        <p:cNvGrpSpPr/>
+        <p:nvPr/>
+      </p:nvGrpSpPr>
+      <p:grpSpPr>
+        <a:xfrm>
+          <a:off x="0" y="0"/>
+          <a:ext cx="0" cy="0"/>
+          <a:chOff x="0" y="0"/>
+          <a:chExt cx="0" cy="0"/>
+        </a:xfrm>
+      </p:grpSpPr>
+      <p:sp>
+        <p:nvSpPr>
+          <p:cNvPr id="2" name="Slide Image Placeholder 1"/>
+          <p:cNvSpPr>
+            <a:spLocks noGrp="1" noRot="1" noChangeAspect="1"/>
+          </p:cNvSpPr>
+          <p:nvPr>
+            <p:ph type="sldImg"/>
+          </p:nvPr>
+        </p:nvSpPr>
+        <p:spPr/>
+      </p:sp>
+      <p:sp>
+        <p:nvSpPr>
+          <p:cNvPr id="3" name="Notes Placeholder 2"/>
+          <p:cNvSpPr>
+            <a:spLocks noGrp="1"/>
+          </p:cNvSpPr>
+          <p:nvPr>
+            <p:ph type="body" idx="1"/>
+          </p:nvPr>
+        </p:nvSpPr>
+        <p:spPr/>
+        <p:txBody>
+          <a:bodyPr/>
+          <a:lstStyle/>
+          <a:p>
+            <a:r>
+              <a:rPr lang="en-DE" dirty="0"/>
+              <a:t>##Schenkelfedern</a:t>
+            </a:r>
+          </a:p>
+          <a:p>
+            <a:r>
+              <a:rPr lang="en-GB" sz="1200" b="0" i="0" u="none" strike="noStrike" kern="1200" dirty="0" err="1">
+                <a:solidFill>
+                  <a:schemeClr val="tx1"/>
+                </a:solidFill>
+                <a:effectLst/>
+                <a:latin typeface="+mn-lt"/>
+                <a:ea typeface="+mn-ea"/>
+                <a:cs typeface="+mn-cs"/>
+              </a:rPr>
+              <a:t>Vom</a:t>
+            </a:r>
+            <a:r>
+              <a:rPr lang="en-GB" sz="1200" b="0" i="0" u="none" strike="noStrike" kern="1200" dirty="0">
+                <a:solidFill>
+                  <a:schemeClr val="tx1"/>
+                </a:solidFill>
+                <a:effectLst/>
+                <a:latin typeface="+mn-lt"/>
+                <a:ea typeface="+mn-ea"/>
+                <a:cs typeface="+mn-cs"/>
+              </a:rPr>
+              <a:t> </a:t>
+            </a:r>
+            <a:r>
+              <a:rPr lang="en-GB" sz="1200" b="0" i="0" u="none" strike="noStrike" kern="1200" dirty="0" err="1">
+                <a:solidFill>
+                  <a:schemeClr val="tx1"/>
+                </a:solidFill>
+                <a:effectLst/>
+                <a:latin typeface="+mn-lt"/>
+                <a:ea typeface="+mn-ea"/>
+                <a:cs typeface="+mn-cs"/>
+              </a:rPr>
+              <a:t>Einsatz</a:t>
+            </a:r>
+            <a:r>
+              <a:rPr lang="en-GB" sz="1200" b="0" i="0" u="none" strike="noStrike" kern="1200" dirty="0">
+                <a:solidFill>
+                  <a:schemeClr val="tx1"/>
+                </a:solidFill>
+                <a:effectLst/>
+                <a:latin typeface="+mn-lt"/>
+                <a:ea typeface="+mn-ea"/>
+                <a:cs typeface="+mn-cs"/>
+              </a:rPr>
+              <a:t> in </a:t>
+            </a:r>
+            <a:r>
+              <a:rPr lang="en-GB" sz="1200" b="0" i="0" u="none" strike="noStrike" kern="1200" dirty="0" err="1">
+                <a:solidFill>
+                  <a:schemeClr val="tx1"/>
+                </a:solidFill>
+                <a:effectLst/>
+                <a:latin typeface="+mn-lt"/>
+                <a:ea typeface="+mn-ea"/>
+                <a:cs typeface="+mn-cs"/>
+              </a:rPr>
+              <a:t>Türscharnieren</a:t>
+            </a:r>
+            <a:r>
+              <a:rPr lang="en-GB" sz="1200" b="0" i="0" u="none" strike="noStrike" kern="1200" dirty="0">
+                <a:solidFill>
+                  <a:schemeClr val="tx1"/>
+                </a:solidFill>
+                <a:effectLst/>
+                <a:latin typeface="+mn-lt"/>
+                <a:ea typeface="+mn-ea"/>
+                <a:cs typeface="+mn-cs"/>
+              </a:rPr>
+              <a:t> in </a:t>
+            </a:r>
+            <a:r>
+              <a:rPr lang="en-GB" sz="1200" b="0" i="0" u="none" strike="noStrike" kern="1200" dirty="0" err="1">
+                <a:solidFill>
+                  <a:schemeClr val="tx1"/>
+                </a:solidFill>
+                <a:effectLst/>
+                <a:latin typeface="+mn-lt"/>
+                <a:ea typeface="+mn-ea"/>
+                <a:cs typeface="+mn-cs"/>
+              </a:rPr>
+              <a:t>Möbeln</a:t>
+            </a:r>
+            <a:r>
+              <a:rPr lang="en-GB" sz="1200" b="0" i="0" u="none" strike="noStrike" kern="1200" dirty="0">
+                <a:solidFill>
+                  <a:schemeClr val="tx1"/>
+                </a:solidFill>
+                <a:effectLst/>
+                <a:latin typeface="+mn-lt"/>
+                <a:ea typeface="+mn-ea"/>
+                <a:cs typeface="+mn-cs"/>
+              </a:rPr>
+              <a:t>, </a:t>
+            </a:r>
+            <a:r>
+              <a:rPr lang="en-GB" sz="1200" b="0" i="0" u="none" strike="noStrike" kern="1200" dirty="0" err="1">
+                <a:solidFill>
+                  <a:schemeClr val="tx1"/>
+                </a:solidFill>
+                <a:effectLst/>
+                <a:latin typeface="+mn-lt"/>
+                <a:ea typeface="+mn-ea"/>
+                <a:cs typeface="+mn-cs"/>
+              </a:rPr>
+              <a:t>über</a:t>
+            </a:r>
+            <a:r>
+              <a:rPr lang="en-GB" sz="1200" b="0" i="0" u="none" strike="noStrike" kern="1200" dirty="0">
+                <a:solidFill>
+                  <a:schemeClr val="tx1"/>
+                </a:solidFill>
+                <a:effectLst/>
+                <a:latin typeface="+mn-lt"/>
+                <a:ea typeface="+mn-ea"/>
+                <a:cs typeface="+mn-cs"/>
+              </a:rPr>
+              <a:t> </a:t>
+            </a:r>
+            <a:r>
+              <a:rPr lang="en-GB" sz="1200" b="0" i="0" u="none" strike="noStrike" kern="1200" dirty="0" err="1">
+                <a:solidFill>
+                  <a:schemeClr val="tx1"/>
+                </a:solidFill>
+                <a:effectLst/>
+                <a:latin typeface="+mn-lt"/>
+                <a:ea typeface="+mn-ea"/>
+                <a:cs typeface="+mn-cs"/>
+              </a:rPr>
+              <a:t>Sitzverstellungen</a:t>
+            </a:r>
+            <a:r>
+              <a:rPr lang="en-GB" sz="1200" b="0" i="0" u="none" strike="noStrike" kern="1200" dirty="0">
+                <a:solidFill>
+                  <a:schemeClr val="tx1"/>
+                </a:solidFill>
+                <a:effectLst/>
+                <a:latin typeface="+mn-lt"/>
+                <a:ea typeface="+mn-ea"/>
+                <a:cs typeface="+mn-cs"/>
+              </a:rPr>
+              <a:t> in </a:t>
+            </a:r>
+            <a:r>
+              <a:rPr lang="en-GB" sz="1200" b="0" i="0" u="none" strike="noStrike" kern="1200" dirty="0" err="1">
+                <a:solidFill>
+                  <a:schemeClr val="tx1"/>
+                </a:solidFill>
+                <a:effectLst/>
+                <a:latin typeface="+mn-lt"/>
+                <a:ea typeface="+mn-ea"/>
+                <a:cs typeface="+mn-cs"/>
+              </a:rPr>
+              <a:t>Kraftfahrzeugen</a:t>
+            </a:r>
+            <a:r>
+              <a:rPr lang="en-GB" sz="1200" b="0" i="0" u="none" strike="noStrike" kern="1200" dirty="0">
+                <a:solidFill>
+                  <a:schemeClr val="tx1"/>
+                </a:solidFill>
+                <a:effectLst/>
+                <a:latin typeface="+mn-lt"/>
+                <a:ea typeface="+mn-ea"/>
+                <a:cs typeface="+mn-cs"/>
+              </a:rPr>
+              <a:t> bis </a:t>
+            </a:r>
+            <a:r>
+              <a:rPr lang="en-GB" sz="1200" b="0" i="0" u="none" strike="noStrike" kern="1200" dirty="0" err="1">
+                <a:solidFill>
+                  <a:schemeClr val="tx1"/>
+                </a:solidFill>
+                <a:effectLst/>
+                <a:latin typeface="+mn-lt"/>
+                <a:ea typeface="+mn-ea"/>
+                <a:cs typeface="+mn-cs"/>
+              </a:rPr>
+              <a:t>hin</a:t>
+            </a:r>
+            <a:r>
+              <a:rPr lang="en-GB" sz="1200" b="0" i="0" u="none" strike="noStrike" kern="1200" dirty="0">
+                <a:solidFill>
+                  <a:schemeClr val="tx1"/>
+                </a:solidFill>
+                <a:effectLst/>
+                <a:latin typeface="+mn-lt"/>
+                <a:ea typeface="+mn-ea"/>
+                <a:cs typeface="+mn-cs"/>
+              </a:rPr>
+              <a:t> </a:t>
+            </a:r>
+            <a:r>
+              <a:rPr lang="en-GB" sz="1200" b="0" i="0" u="none" strike="noStrike" kern="1200" dirty="0" err="1">
+                <a:solidFill>
+                  <a:schemeClr val="tx1"/>
+                </a:solidFill>
+                <a:effectLst/>
+                <a:latin typeface="+mn-lt"/>
+                <a:ea typeface="+mn-ea"/>
+                <a:cs typeface="+mn-cs"/>
+              </a:rPr>
+              <a:t>zu</a:t>
+            </a:r>
+            <a:r>
+              <a:rPr lang="en-GB" sz="1200" b="0" i="0" u="none" strike="noStrike" kern="1200" dirty="0">
+                <a:solidFill>
+                  <a:schemeClr val="tx1"/>
+                </a:solidFill>
+                <a:effectLst/>
+                <a:latin typeface="+mn-lt"/>
+                <a:ea typeface="+mn-ea"/>
+                <a:cs typeface="+mn-cs"/>
+              </a:rPr>
+              <a:t> </a:t>
+            </a:r>
+            <a:r>
+              <a:rPr lang="en-GB" sz="1200" b="0" i="0" u="none" strike="noStrike" kern="1200" dirty="0" err="1">
+                <a:solidFill>
+                  <a:schemeClr val="tx1"/>
+                </a:solidFill>
+                <a:effectLst/>
+                <a:latin typeface="+mn-lt"/>
+                <a:ea typeface="+mn-ea"/>
+                <a:cs typeface="+mn-cs"/>
+              </a:rPr>
+              <a:t>stromführenden</a:t>
+            </a:r>
+            <a:r>
+              <a:rPr lang="en-GB" sz="1200" b="0" i="0" u="none" strike="noStrike" kern="1200" dirty="0">
+                <a:solidFill>
+                  <a:schemeClr val="tx1"/>
+                </a:solidFill>
+                <a:effectLst/>
+                <a:latin typeface="+mn-lt"/>
+                <a:ea typeface="+mn-ea"/>
+                <a:cs typeface="+mn-cs"/>
+              </a:rPr>
+              <a:t> </a:t>
+            </a:r>
+            <a:r>
+              <a:rPr lang="en-GB" sz="1200" b="0" i="0" u="none" strike="noStrike" kern="1200" dirty="0" err="1">
+                <a:solidFill>
+                  <a:schemeClr val="tx1"/>
+                </a:solidFill>
+                <a:effectLst/>
+                <a:latin typeface="+mn-lt"/>
+                <a:ea typeface="+mn-ea"/>
+                <a:cs typeface="+mn-cs"/>
+              </a:rPr>
+              <a:t>Elementen</a:t>
+            </a:r>
+            <a:r>
+              <a:rPr lang="en-GB" sz="1200" b="0" i="0" u="none" strike="noStrike" kern="1200" dirty="0">
+                <a:solidFill>
+                  <a:schemeClr val="tx1"/>
+                </a:solidFill>
+                <a:effectLst/>
+                <a:latin typeface="+mn-lt"/>
+                <a:ea typeface="+mn-ea"/>
+                <a:cs typeface="+mn-cs"/>
+              </a:rPr>
+              <a:t> in </a:t>
+            </a:r>
+            <a:r>
+              <a:rPr lang="en-GB" sz="1200" b="0" i="0" u="none" strike="noStrike" kern="1200" dirty="0" err="1">
+                <a:solidFill>
+                  <a:schemeClr val="tx1"/>
+                </a:solidFill>
+                <a:effectLst/>
+                <a:latin typeface="+mn-lt"/>
+                <a:ea typeface="+mn-ea"/>
+                <a:cs typeface="+mn-cs"/>
+              </a:rPr>
+              <a:t>Sicherungsschaltern</a:t>
+            </a:r>
+            <a:r>
+              <a:rPr lang="en-GB" sz="1200" b="0" i="0" u="none" strike="noStrike" kern="1200" dirty="0">
+                <a:solidFill>
+                  <a:schemeClr val="tx1"/>
+                </a:solidFill>
+                <a:effectLst/>
+                <a:latin typeface="+mn-lt"/>
+                <a:ea typeface="+mn-ea"/>
+                <a:cs typeface="+mn-cs"/>
+              </a:rPr>
+              <a:t> der </a:t>
+            </a:r>
+            <a:r>
+              <a:rPr lang="en-GB" sz="1200" b="0" i="0" u="none" strike="noStrike" kern="1200" dirty="0" err="1">
+                <a:solidFill>
+                  <a:schemeClr val="tx1"/>
+                </a:solidFill>
+                <a:effectLst/>
+                <a:latin typeface="+mn-lt"/>
+                <a:ea typeface="+mn-ea"/>
+                <a:cs typeface="+mn-cs"/>
+              </a:rPr>
+              <a:t>Elektroindustrie</a:t>
+            </a:r>
+            <a:r>
+              <a:rPr lang="en-GB" sz="1200" b="0" i="0" u="none" strike="noStrike" kern="1200" dirty="0">
+                <a:solidFill>
+                  <a:schemeClr val="tx1"/>
+                </a:solidFill>
+                <a:effectLst/>
+                <a:latin typeface="+mn-lt"/>
+                <a:ea typeface="+mn-ea"/>
+                <a:cs typeface="+mn-cs"/>
+              </a:rPr>
+              <a:t> </a:t>
+            </a:r>
+            <a:r>
+              <a:rPr lang="en-GB" sz="1200" b="0" i="0" u="none" strike="noStrike" kern="1200" dirty="0" err="1">
+                <a:solidFill>
+                  <a:schemeClr val="tx1"/>
+                </a:solidFill>
+                <a:effectLst/>
+                <a:latin typeface="+mn-lt"/>
+                <a:ea typeface="+mn-ea"/>
+                <a:cs typeface="+mn-cs"/>
+              </a:rPr>
+              <a:t>sind</a:t>
+            </a:r>
+            <a:r>
+              <a:rPr lang="en-GB" sz="1200" b="0" i="0" u="none" strike="noStrike" kern="1200" dirty="0">
+                <a:solidFill>
+                  <a:schemeClr val="tx1"/>
+                </a:solidFill>
+                <a:effectLst/>
+                <a:latin typeface="+mn-lt"/>
+                <a:ea typeface="+mn-ea"/>
+                <a:cs typeface="+mn-cs"/>
+              </a:rPr>
+              <a:t> </a:t>
+            </a:r>
+            <a:r>
+              <a:rPr lang="en-GB" sz="1200" b="0" i="0" u="none" strike="noStrike" kern="1200" dirty="0" err="1">
+                <a:solidFill>
+                  <a:schemeClr val="tx1"/>
+                </a:solidFill>
+                <a:effectLst/>
+                <a:latin typeface="+mn-lt"/>
+                <a:ea typeface="+mn-ea"/>
+                <a:cs typeface="+mn-cs"/>
+              </a:rPr>
+              <a:t>dem</a:t>
+            </a:r>
+            <a:r>
+              <a:rPr lang="en-GB" sz="1200" b="0" i="0" u="none" strike="noStrike" kern="1200" dirty="0">
+                <a:solidFill>
+                  <a:schemeClr val="tx1"/>
+                </a:solidFill>
+                <a:effectLst/>
+                <a:latin typeface="+mn-lt"/>
+                <a:ea typeface="+mn-ea"/>
+                <a:cs typeface="+mn-cs"/>
+              </a:rPr>
+              <a:t> </a:t>
+            </a:r>
+            <a:r>
+              <a:rPr lang="en-GB" sz="1200" b="0" i="0" u="none" strike="noStrike" kern="1200" dirty="0" err="1">
+                <a:solidFill>
+                  <a:schemeClr val="tx1"/>
+                </a:solidFill>
+                <a:effectLst/>
+                <a:latin typeface="+mn-lt"/>
+                <a:ea typeface="+mn-ea"/>
+                <a:cs typeface="+mn-cs"/>
+              </a:rPr>
+              <a:t>Einsatz</a:t>
+            </a:r>
+            <a:r>
+              <a:rPr lang="en-GB" sz="1200" b="0" i="0" u="none" strike="noStrike" kern="1200" dirty="0">
+                <a:solidFill>
+                  <a:schemeClr val="tx1"/>
+                </a:solidFill>
+                <a:effectLst/>
+                <a:latin typeface="+mn-lt"/>
+                <a:ea typeface="+mn-ea"/>
+                <a:cs typeface="+mn-cs"/>
+              </a:rPr>
+              <a:t> </a:t>
+            </a:r>
+            <a:r>
+              <a:rPr lang="en-GB" sz="1200" b="0" i="0" u="none" strike="noStrike" kern="1200" dirty="0" err="1">
+                <a:solidFill>
+                  <a:schemeClr val="tx1"/>
+                </a:solidFill>
+                <a:effectLst/>
+                <a:latin typeface="+mn-lt"/>
+                <a:ea typeface="+mn-ea"/>
+                <a:cs typeface="+mn-cs"/>
+              </a:rPr>
+              <a:t>kaum</a:t>
+            </a:r>
+            <a:r>
+              <a:rPr lang="en-GB" sz="1200" b="0" i="0" u="none" strike="noStrike" kern="1200" dirty="0">
+                <a:solidFill>
+                  <a:schemeClr val="tx1"/>
+                </a:solidFill>
+                <a:effectLst/>
+                <a:latin typeface="+mn-lt"/>
+                <a:ea typeface="+mn-ea"/>
+                <a:cs typeface="+mn-cs"/>
+              </a:rPr>
+              <a:t> </a:t>
+            </a:r>
+            <a:r>
+              <a:rPr lang="en-GB" sz="1200" b="0" i="0" u="none" strike="noStrike" kern="1200" dirty="0" err="1">
+                <a:solidFill>
+                  <a:schemeClr val="tx1"/>
+                </a:solidFill>
+                <a:effectLst/>
+                <a:latin typeface="+mn-lt"/>
+                <a:ea typeface="+mn-ea"/>
+                <a:cs typeface="+mn-cs"/>
+              </a:rPr>
+              <a:t>Grenzen</a:t>
+            </a:r>
+            <a:r>
+              <a:rPr lang="en-GB" sz="1200" b="0" i="0" u="none" strike="noStrike" kern="1200" dirty="0">
+                <a:solidFill>
+                  <a:schemeClr val="tx1"/>
+                </a:solidFill>
+                <a:effectLst/>
+                <a:latin typeface="+mn-lt"/>
+                <a:ea typeface="+mn-ea"/>
+                <a:cs typeface="+mn-cs"/>
+              </a:rPr>
+              <a:t> </a:t>
+            </a:r>
+            <a:r>
+              <a:rPr lang="en-GB" sz="1200" b="0" i="0" u="none" strike="noStrike" kern="1200" dirty="0" err="1">
+                <a:solidFill>
+                  <a:schemeClr val="tx1"/>
+                </a:solidFill>
+                <a:effectLst/>
+                <a:latin typeface="+mn-lt"/>
+                <a:ea typeface="+mn-ea"/>
+                <a:cs typeface="+mn-cs"/>
+              </a:rPr>
+              <a:t>gesetzt</a:t>
+            </a:r>
+            <a:r>
+              <a:rPr lang="en-GB" sz="1200" b="0" i="0" u="none" strike="noStrike" kern="1200" dirty="0">
+                <a:solidFill>
+                  <a:schemeClr val="tx1"/>
+                </a:solidFill>
+                <a:effectLst/>
+                <a:latin typeface="+mn-lt"/>
+                <a:ea typeface="+mn-ea"/>
+                <a:cs typeface="+mn-cs"/>
+              </a:rPr>
+              <a:t>.</a:t>
+            </a:r>
+            <a:endParaRPr lang="en-DE" dirty="0"/>
+          </a:p>
+          <a:p>
+            <a:r>
+              <a:rPr lang="en-GB" sz="1200" b="0" i="0" u="none" strike="noStrike" kern="1200" dirty="0">
+                <a:solidFill>
+                  <a:schemeClr val="tx1"/>
+                </a:solidFill>
+                <a:effectLst/>
+                <a:latin typeface="+mn-lt"/>
+                <a:ea typeface="+mn-ea"/>
+                <a:cs typeface="+mn-cs"/>
+              </a:rPr>
+              <a:t>##</a:t>
+            </a:r>
+            <a:r>
+              <a:rPr lang="en-GB" sz="1200" b="0" i="0" u="none" strike="noStrike" kern="1200" dirty="0" err="1">
+                <a:solidFill>
+                  <a:schemeClr val="tx1"/>
+                </a:solidFill>
+                <a:effectLst/>
+                <a:latin typeface="+mn-lt"/>
+                <a:ea typeface="+mn-ea"/>
+                <a:cs typeface="+mn-cs"/>
+              </a:rPr>
+              <a:t>Druckfedern</a:t>
+            </a:r>
+            <a:endParaRPr lang="en-GB" sz="1200" b="0" i="0" u="none" strike="noStrike" kern="1200" dirty="0">
+              <a:solidFill>
+                <a:schemeClr val="tx1"/>
+              </a:solidFill>
+              <a:effectLst/>
+              <a:latin typeface="+mn-lt"/>
+              <a:ea typeface="+mn-ea"/>
+              <a:cs typeface="+mn-cs"/>
+            </a:endParaRPr>
+          </a:p>
+          <a:p>
+            <a:r>
+              <a:rPr lang="en-GB" sz="1200" b="0" i="0" u="none" strike="noStrike" kern="1200" dirty="0">
+                <a:solidFill>
+                  <a:schemeClr val="tx1"/>
+                </a:solidFill>
+                <a:effectLst/>
+                <a:latin typeface="+mn-lt"/>
+                <a:ea typeface="+mn-ea"/>
+                <a:cs typeface="+mn-cs"/>
+              </a:rPr>
+              <a:t> </a:t>
+            </a:r>
+            <a:r>
+              <a:rPr lang="en-GB" sz="1200" b="0" i="0" u="none" strike="noStrike" kern="1200" dirty="0" err="1">
+                <a:solidFill>
+                  <a:schemeClr val="tx1"/>
+                </a:solidFill>
+                <a:effectLst/>
+                <a:latin typeface="+mn-lt"/>
+                <a:ea typeface="+mn-ea"/>
+                <a:cs typeface="+mn-cs"/>
+              </a:rPr>
+              <a:t>unter</a:t>
+            </a:r>
+            <a:r>
+              <a:rPr lang="en-GB" sz="1200" b="0" i="0" u="none" strike="noStrike" kern="1200" dirty="0">
+                <a:solidFill>
+                  <a:schemeClr val="tx1"/>
+                </a:solidFill>
+                <a:effectLst/>
+                <a:latin typeface="+mn-lt"/>
+                <a:ea typeface="+mn-ea"/>
+                <a:cs typeface="+mn-cs"/>
+              </a:rPr>
+              <a:t> </a:t>
+            </a:r>
+            <a:r>
+              <a:rPr lang="en-GB" sz="1200" b="0" i="0" u="none" strike="noStrike" kern="1200" dirty="0" err="1">
+                <a:solidFill>
+                  <a:schemeClr val="tx1"/>
+                </a:solidFill>
+                <a:effectLst/>
+                <a:latin typeface="+mn-lt"/>
+                <a:ea typeface="+mn-ea"/>
+                <a:cs typeface="+mn-cs"/>
+              </a:rPr>
+              <a:t>anderem</a:t>
+            </a:r>
+            <a:r>
+              <a:rPr lang="en-GB" sz="1200" b="0" i="0" u="none" strike="noStrike" kern="1200" dirty="0">
+                <a:solidFill>
+                  <a:schemeClr val="tx1"/>
+                </a:solidFill>
+                <a:effectLst/>
+                <a:latin typeface="+mn-lt"/>
+                <a:ea typeface="+mn-ea"/>
+                <a:cs typeface="+mn-cs"/>
+              </a:rPr>
+              <a:t> in der </a:t>
+            </a:r>
+            <a:r>
+              <a:rPr lang="en-GB" sz="1200" b="0" i="0" u="none" strike="noStrike" kern="1200" dirty="0" err="1">
+                <a:solidFill>
+                  <a:schemeClr val="tx1"/>
+                </a:solidFill>
+                <a:effectLst/>
+                <a:latin typeface="+mn-lt"/>
+                <a:ea typeface="+mn-ea"/>
+                <a:cs typeface="+mn-cs"/>
+              </a:rPr>
+              <a:t>Medizintechnik</a:t>
+            </a:r>
+            <a:r>
+              <a:rPr lang="en-GB" sz="1200" b="0" i="0" u="none" strike="noStrike" kern="1200" dirty="0">
+                <a:solidFill>
+                  <a:schemeClr val="tx1"/>
+                </a:solidFill>
+                <a:effectLst/>
+                <a:latin typeface="+mn-lt"/>
+                <a:ea typeface="+mn-ea"/>
+                <a:cs typeface="+mn-cs"/>
+              </a:rPr>
+              <a:t>, der </a:t>
+            </a:r>
+            <a:r>
+              <a:rPr lang="en-GB" sz="1200" b="0" i="0" u="none" strike="noStrike" kern="1200" dirty="0" err="1">
+                <a:solidFill>
+                  <a:schemeClr val="tx1"/>
+                </a:solidFill>
+                <a:effectLst/>
+                <a:latin typeface="+mn-lt"/>
+                <a:ea typeface="+mn-ea"/>
+                <a:cs typeface="+mn-cs"/>
+              </a:rPr>
+              <a:t>Elektroindustrie</a:t>
+            </a:r>
+            <a:r>
+              <a:rPr lang="en-GB" sz="1200" b="0" i="0" u="none" strike="noStrike" kern="1200" dirty="0">
+                <a:solidFill>
+                  <a:schemeClr val="tx1"/>
+                </a:solidFill>
+                <a:effectLst/>
+                <a:latin typeface="+mn-lt"/>
+                <a:ea typeface="+mn-ea"/>
+                <a:cs typeface="+mn-cs"/>
+              </a:rPr>
+              <a:t>, der </a:t>
+            </a:r>
+            <a:r>
+              <a:rPr lang="en-GB" sz="1200" b="0" i="0" u="none" strike="noStrike" kern="1200" dirty="0" err="1">
+                <a:solidFill>
+                  <a:schemeClr val="tx1"/>
+                </a:solidFill>
+                <a:effectLst/>
+                <a:latin typeface="+mn-lt"/>
+                <a:ea typeface="+mn-ea"/>
+                <a:cs typeface="+mn-cs"/>
+              </a:rPr>
+              <a:t>Möbelindustrie</a:t>
+            </a:r>
+            <a:r>
+              <a:rPr lang="en-GB" sz="1200" b="0" i="0" u="none" strike="noStrike" kern="1200" dirty="0">
+                <a:solidFill>
+                  <a:schemeClr val="tx1"/>
+                </a:solidFill>
+                <a:effectLst/>
+                <a:latin typeface="+mn-lt"/>
+                <a:ea typeface="+mn-ea"/>
+                <a:cs typeface="+mn-cs"/>
+              </a:rPr>
+              <a:t> </a:t>
+            </a:r>
+            <a:r>
+              <a:rPr lang="en-GB" sz="1200" b="0" i="0" u="none" strike="noStrike" kern="1200" dirty="0" err="1">
+                <a:solidFill>
+                  <a:schemeClr val="tx1"/>
+                </a:solidFill>
+                <a:effectLst/>
+                <a:latin typeface="+mn-lt"/>
+                <a:ea typeface="+mn-ea"/>
+                <a:cs typeface="+mn-cs"/>
+              </a:rPr>
+              <a:t>oder</a:t>
+            </a:r>
+            <a:r>
+              <a:rPr lang="en-GB" sz="1200" b="0" i="0" u="none" strike="noStrike" kern="1200" dirty="0">
+                <a:solidFill>
+                  <a:schemeClr val="tx1"/>
+                </a:solidFill>
+                <a:effectLst/>
+                <a:latin typeface="+mn-lt"/>
+                <a:ea typeface="+mn-ea"/>
+                <a:cs typeface="+mn-cs"/>
+              </a:rPr>
+              <a:t> </a:t>
+            </a:r>
+            <a:r>
+              <a:rPr lang="en-GB" sz="1200" b="0" i="0" u="none" strike="noStrike" kern="1200" dirty="0" err="1">
+                <a:solidFill>
+                  <a:schemeClr val="tx1"/>
+                </a:solidFill>
+                <a:effectLst/>
+                <a:latin typeface="+mn-lt"/>
+                <a:ea typeface="+mn-ea"/>
+                <a:cs typeface="+mn-cs"/>
+              </a:rPr>
+              <a:t>auch</a:t>
+            </a:r>
+            <a:r>
+              <a:rPr lang="en-GB" sz="1200" b="0" i="0" u="none" strike="noStrike" kern="1200" dirty="0">
+                <a:solidFill>
+                  <a:schemeClr val="tx1"/>
+                </a:solidFill>
+                <a:effectLst/>
+                <a:latin typeface="+mn-lt"/>
+                <a:ea typeface="+mn-ea"/>
+                <a:cs typeface="+mn-cs"/>
+              </a:rPr>
+              <a:t> </a:t>
+            </a:r>
+            <a:r>
+              <a:rPr lang="en-GB" sz="1200" b="0" i="0" u="none" strike="noStrike" kern="1200" dirty="0" err="1">
+                <a:solidFill>
+                  <a:schemeClr val="tx1"/>
+                </a:solidFill>
+                <a:effectLst/>
+                <a:latin typeface="+mn-lt"/>
+                <a:ea typeface="+mn-ea"/>
+                <a:cs typeface="+mn-cs"/>
+              </a:rPr>
+              <a:t>bei</a:t>
+            </a:r>
+            <a:r>
+              <a:rPr lang="en-GB" sz="1200" b="0" i="0" u="none" strike="noStrike" kern="1200" dirty="0">
+                <a:solidFill>
+                  <a:schemeClr val="tx1"/>
+                </a:solidFill>
+                <a:effectLst/>
+                <a:latin typeface="+mn-lt"/>
+                <a:ea typeface="+mn-ea"/>
+                <a:cs typeface="+mn-cs"/>
+              </a:rPr>
+              <a:t> den </a:t>
+            </a:r>
+            <a:r>
+              <a:rPr lang="en-GB" sz="1200" b="0" i="0" u="none" strike="noStrike" kern="1200" dirty="0" err="1">
+                <a:solidFill>
+                  <a:schemeClr val="tx1"/>
+                </a:solidFill>
+                <a:effectLst/>
+                <a:latin typeface="+mn-lt"/>
+                <a:ea typeface="+mn-ea"/>
+                <a:cs typeface="+mn-cs"/>
+              </a:rPr>
+              <a:t>Herstellern</a:t>
+            </a:r>
+            <a:r>
+              <a:rPr lang="en-GB" sz="1200" b="0" i="0" u="none" strike="noStrike" kern="1200" dirty="0">
+                <a:solidFill>
+                  <a:schemeClr val="tx1"/>
+                </a:solidFill>
+                <a:effectLst/>
+                <a:latin typeface="+mn-lt"/>
+                <a:ea typeface="+mn-ea"/>
+                <a:cs typeface="+mn-cs"/>
+              </a:rPr>
+              <a:t> von </a:t>
+            </a:r>
+            <a:r>
+              <a:rPr lang="en-GB" sz="1200" b="0" i="0" u="none" strike="noStrike" kern="1200" dirty="0" err="1">
+                <a:solidFill>
+                  <a:schemeClr val="tx1"/>
+                </a:solidFill>
+                <a:effectLst/>
+                <a:latin typeface="+mn-lt"/>
+                <a:ea typeface="+mn-ea"/>
+                <a:cs typeface="+mn-cs"/>
+              </a:rPr>
+              <a:t>Weißer</a:t>
+            </a:r>
+            <a:r>
+              <a:rPr lang="en-GB" sz="1200" b="0" i="0" u="none" strike="noStrike" kern="1200" dirty="0">
+                <a:solidFill>
+                  <a:schemeClr val="tx1"/>
+                </a:solidFill>
+                <a:effectLst/>
+                <a:latin typeface="+mn-lt"/>
+                <a:ea typeface="+mn-ea"/>
+                <a:cs typeface="+mn-cs"/>
+              </a:rPr>
+              <a:t> Ware</a:t>
+            </a:r>
+          </a:p>
+          <a:p>
+            <a:r>
+              <a:rPr lang="en-GB" sz="1200" b="0" i="0" u="none" strike="noStrike" kern="1200" dirty="0">
+                <a:solidFill>
+                  <a:schemeClr val="tx1"/>
+                </a:solidFill>
+                <a:effectLst/>
+                <a:latin typeface="+mn-lt"/>
+                <a:ea typeface="+mn-ea"/>
+                <a:cs typeface="+mn-cs"/>
+              </a:rPr>
+              <a:t>##</a:t>
+            </a:r>
+            <a:r>
+              <a:rPr lang="en-GB" sz="1200" b="0" i="0" u="none" strike="noStrike" kern="1200" dirty="0" err="1">
+                <a:solidFill>
+                  <a:schemeClr val="tx1"/>
+                </a:solidFill>
+                <a:effectLst/>
+                <a:latin typeface="+mn-lt"/>
+                <a:ea typeface="+mn-ea"/>
+                <a:cs typeface="+mn-cs"/>
+              </a:rPr>
+              <a:t>Zugfedern</a:t>
+            </a:r>
+            <a:endParaRPr lang="en-GB" sz="1200" b="0" i="0" u="none" strike="noStrike" kern="1200" dirty="0">
+              <a:solidFill>
+                <a:schemeClr val="tx1"/>
+              </a:solidFill>
+              <a:effectLst/>
+              <a:latin typeface="+mn-lt"/>
+              <a:ea typeface="+mn-ea"/>
+              <a:cs typeface="+mn-cs"/>
+            </a:endParaRPr>
+          </a:p>
+          <a:p>
+            <a:r>
+              <a:rPr lang="en-GB" sz="1200" b="0" i="0" u="none" strike="noStrike" kern="1200" dirty="0">
+                <a:solidFill>
+                  <a:schemeClr val="tx1"/>
+                </a:solidFill>
+                <a:effectLst/>
+                <a:latin typeface="+mn-lt"/>
+                <a:ea typeface="+mn-ea"/>
+                <a:cs typeface="+mn-cs"/>
+              </a:rPr>
+              <a:t>Die </a:t>
+            </a:r>
+            <a:r>
+              <a:rPr lang="en-GB" sz="1200" b="0" i="0" u="none" strike="noStrike" kern="1200" dirty="0" err="1">
+                <a:solidFill>
+                  <a:schemeClr val="tx1"/>
+                </a:solidFill>
+                <a:effectLst/>
+                <a:latin typeface="+mn-lt"/>
+                <a:ea typeface="+mn-ea"/>
+                <a:cs typeface="+mn-cs"/>
+              </a:rPr>
+              <a:t>Zugfeder</a:t>
+            </a:r>
+            <a:r>
+              <a:rPr lang="en-GB" sz="1200" b="0" i="0" u="none" strike="noStrike" kern="1200" dirty="0">
+                <a:solidFill>
+                  <a:schemeClr val="tx1"/>
+                </a:solidFill>
+                <a:effectLst/>
+                <a:latin typeface="+mn-lt"/>
+                <a:ea typeface="+mn-ea"/>
+                <a:cs typeface="+mn-cs"/>
+              </a:rPr>
+              <a:t> in </a:t>
+            </a:r>
+            <a:r>
+              <a:rPr lang="en-GB" sz="1200" b="0" i="0" u="none" strike="noStrike" kern="1200" dirty="0" err="1">
+                <a:solidFill>
+                  <a:schemeClr val="tx1"/>
+                </a:solidFill>
+                <a:effectLst/>
+                <a:latin typeface="+mn-lt"/>
+                <a:ea typeface="+mn-ea"/>
+                <a:cs typeface="+mn-cs"/>
+              </a:rPr>
+              <a:t>ihrer</a:t>
+            </a:r>
+            <a:r>
+              <a:rPr lang="en-GB" sz="1200" b="0" i="0" u="none" strike="noStrike" kern="1200" dirty="0">
+                <a:solidFill>
+                  <a:schemeClr val="tx1"/>
+                </a:solidFill>
+                <a:effectLst/>
+                <a:latin typeface="+mn-lt"/>
+                <a:ea typeface="+mn-ea"/>
+                <a:cs typeface="+mn-cs"/>
+              </a:rPr>
+              <a:t> </a:t>
+            </a:r>
+            <a:r>
+              <a:rPr lang="en-GB" sz="1200" b="0" i="0" u="none" strike="noStrike" kern="1200" dirty="0" err="1">
+                <a:solidFill>
+                  <a:schemeClr val="tx1"/>
+                </a:solidFill>
+                <a:effectLst/>
+                <a:latin typeface="+mn-lt"/>
+                <a:ea typeface="+mn-ea"/>
+                <a:cs typeface="+mn-cs"/>
+              </a:rPr>
+              <a:t>klassischen</a:t>
+            </a:r>
+            <a:r>
+              <a:rPr lang="en-GB" sz="1200" b="0" i="0" u="none" strike="noStrike" kern="1200" dirty="0">
+                <a:solidFill>
+                  <a:schemeClr val="tx1"/>
+                </a:solidFill>
+                <a:effectLst/>
+                <a:latin typeface="+mn-lt"/>
+                <a:ea typeface="+mn-ea"/>
+                <a:cs typeface="+mn-cs"/>
+              </a:rPr>
+              <a:t> Form </a:t>
+            </a:r>
+            <a:r>
+              <a:rPr lang="en-GB" sz="1200" b="0" i="0" u="none" strike="noStrike" kern="1200" dirty="0" err="1">
+                <a:solidFill>
+                  <a:schemeClr val="tx1"/>
+                </a:solidFill>
+                <a:effectLst/>
+                <a:latin typeface="+mn-lt"/>
+                <a:ea typeface="+mn-ea"/>
+                <a:cs typeface="+mn-cs"/>
+              </a:rPr>
+              <a:t>mit</a:t>
+            </a:r>
+            <a:r>
+              <a:rPr lang="en-GB" sz="1200" b="0" i="0" u="none" strike="noStrike" kern="1200" dirty="0">
+                <a:solidFill>
+                  <a:schemeClr val="tx1"/>
+                </a:solidFill>
+                <a:effectLst/>
+                <a:latin typeface="+mn-lt"/>
+                <a:ea typeface="+mn-ea"/>
+                <a:cs typeface="+mn-cs"/>
+              </a:rPr>
+              <a:t> </a:t>
+            </a:r>
+            <a:r>
+              <a:rPr lang="en-GB" sz="1200" b="0" i="0" u="none" strike="noStrike" kern="1200" dirty="0" err="1">
+                <a:solidFill>
+                  <a:schemeClr val="tx1"/>
+                </a:solidFill>
+                <a:effectLst/>
+                <a:latin typeface="+mn-lt"/>
+                <a:ea typeface="+mn-ea"/>
+                <a:cs typeface="+mn-cs"/>
+              </a:rPr>
+              <a:t>Ösen</a:t>
+            </a:r>
+            <a:r>
+              <a:rPr lang="en-GB" sz="1200" b="0" i="0" u="none" strike="noStrike" kern="1200" dirty="0">
+                <a:solidFill>
+                  <a:schemeClr val="tx1"/>
+                </a:solidFill>
+                <a:effectLst/>
+                <a:latin typeface="+mn-lt"/>
+                <a:ea typeface="+mn-ea"/>
+                <a:cs typeface="+mn-cs"/>
+              </a:rPr>
+              <a:t> </a:t>
+            </a:r>
+            <a:r>
+              <a:rPr lang="en-GB" sz="1200" b="0" i="0" u="none" strike="noStrike" kern="1200" dirty="0" err="1">
+                <a:solidFill>
+                  <a:schemeClr val="tx1"/>
+                </a:solidFill>
+                <a:effectLst/>
+                <a:latin typeface="+mn-lt"/>
+                <a:ea typeface="+mn-ea"/>
+                <a:cs typeface="+mn-cs"/>
+              </a:rPr>
+              <a:t>ist</a:t>
+            </a:r>
+            <a:r>
+              <a:rPr lang="en-GB" sz="1200" b="0" i="0" u="none" strike="noStrike" kern="1200" dirty="0">
+                <a:solidFill>
+                  <a:schemeClr val="tx1"/>
+                </a:solidFill>
+                <a:effectLst/>
+                <a:latin typeface="+mn-lt"/>
+                <a:ea typeface="+mn-ea"/>
+                <a:cs typeface="+mn-cs"/>
+              </a:rPr>
+              <a:t> </a:t>
+            </a:r>
+            <a:r>
+              <a:rPr lang="en-GB" sz="1200" b="0" i="0" u="none" strike="noStrike" kern="1200" dirty="0" err="1">
+                <a:solidFill>
+                  <a:schemeClr val="tx1"/>
+                </a:solidFill>
+                <a:effectLst/>
+                <a:latin typeface="+mn-lt"/>
+                <a:ea typeface="+mn-ea"/>
+                <a:cs typeface="+mn-cs"/>
+              </a:rPr>
+              <a:t>nicht</a:t>
+            </a:r>
+            <a:r>
+              <a:rPr lang="en-GB" sz="1200" b="0" i="0" u="none" strike="noStrike" kern="1200" dirty="0">
+                <a:solidFill>
+                  <a:schemeClr val="tx1"/>
+                </a:solidFill>
+                <a:effectLst/>
+                <a:latin typeface="+mn-lt"/>
+                <a:ea typeface="+mn-ea"/>
+                <a:cs typeface="+mn-cs"/>
+              </a:rPr>
+              <a:t> die </a:t>
+            </a:r>
+            <a:r>
+              <a:rPr lang="en-GB" sz="1200" b="0" i="0" u="none" strike="noStrike" kern="1200" dirty="0" err="1">
+                <a:solidFill>
+                  <a:schemeClr val="tx1"/>
+                </a:solidFill>
+                <a:effectLst/>
+                <a:latin typeface="+mn-lt"/>
+                <a:ea typeface="+mn-ea"/>
+                <a:cs typeface="+mn-cs"/>
+              </a:rPr>
+              <a:t>einzige</a:t>
+            </a:r>
+            <a:r>
+              <a:rPr lang="en-GB" sz="1200" b="0" i="0" u="none" strike="noStrike" kern="1200" dirty="0">
+                <a:solidFill>
+                  <a:schemeClr val="tx1"/>
+                </a:solidFill>
+                <a:effectLst/>
+                <a:latin typeface="+mn-lt"/>
+                <a:ea typeface="+mn-ea"/>
+                <a:cs typeface="+mn-cs"/>
+              </a:rPr>
+              <a:t> </a:t>
+            </a:r>
+            <a:r>
+              <a:rPr lang="en-GB" sz="1200" b="0" i="0" u="none" strike="noStrike" kern="1200" dirty="0" err="1">
+                <a:solidFill>
+                  <a:schemeClr val="tx1"/>
+                </a:solidFill>
+                <a:effectLst/>
+                <a:latin typeface="+mn-lt"/>
+                <a:ea typeface="+mn-ea"/>
+                <a:cs typeface="+mn-cs"/>
+              </a:rPr>
+              <a:t>Lösung</a:t>
+            </a:r>
+            <a:r>
+              <a:rPr lang="en-GB" sz="1200" b="0" i="0" u="none" strike="noStrike" kern="1200" dirty="0">
+                <a:solidFill>
+                  <a:schemeClr val="tx1"/>
+                </a:solidFill>
+                <a:effectLst/>
+                <a:latin typeface="+mn-lt"/>
+                <a:ea typeface="+mn-ea"/>
+                <a:cs typeface="+mn-cs"/>
+              </a:rPr>
+              <a:t> </a:t>
+            </a:r>
+            <a:r>
+              <a:rPr lang="en-GB" sz="1200" b="0" i="0" u="none" strike="noStrike" kern="1200" dirty="0" err="1">
+                <a:solidFill>
+                  <a:schemeClr val="tx1"/>
+                </a:solidFill>
+                <a:effectLst/>
+                <a:latin typeface="+mn-lt"/>
+                <a:ea typeface="+mn-ea"/>
+                <a:cs typeface="+mn-cs"/>
+              </a:rPr>
+              <a:t>für</a:t>
+            </a:r>
+            <a:r>
+              <a:rPr lang="en-GB" sz="1200" b="0" i="0" u="none" strike="noStrike" kern="1200" dirty="0">
+                <a:solidFill>
+                  <a:schemeClr val="tx1"/>
+                </a:solidFill>
+                <a:effectLst/>
+                <a:latin typeface="+mn-lt"/>
+                <a:ea typeface="+mn-ea"/>
+                <a:cs typeface="+mn-cs"/>
+              </a:rPr>
+              <a:t> das </a:t>
+            </a:r>
+            <a:r>
+              <a:rPr lang="en-GB" sz="1200" b="0" i="0" u="none" strike="noStrike" kern="1200" dirty="0" err="1">
+                <a:solidFill>
+                  <a:schemeClr val="tx1"/>
+                </a:solidFill>
+                <a:effectLst/>
+                <a:latin typeface="+mn-lt"/>
+                <a:ea typeface="+mn-ea"/>
+                <a:cs typeface="+mn-cs"/>
+              </a:rPr>
+              <a:t>Einsatzgebiet</a:t>
+            </a:r>
+            <a:r>
+              <a:rPr lang="en-GB" sz="1200" b="0" i="0" u="none" strike="noStrike" kern="1200" dirty="0">
+                <a:solidFill>
+                  <a:schemeClr val="tx1"/>
+                </a:solidFill>
+                <a:effectLst/>
+                <a:latin typeface="+mn-lt"/>
+                <a:ea typeface="+mn-ea"/>
+                <a:cs typeface="+mn-cs"/>
+              </a:rPr>
+              <a:t> </a:t>
+            </a:r>
+            <a:r>
+              <a:rPr lang="en-GB" sz="1200" b="0" i="0" u="none" strike="noStrike" kern="1200" dirty="0" err="1">
+                <a:solidFill>
+                  <a:schemeClr val="tx1"/>
+                </a:solidFill>
+                <a:effectLst/>
+                <a:latin typeface="+mn-lt"/>
+                <a:ea typeface="+mn-ea"/>
+                <a:cs typeface="+mn-cs"/>
+              </a:rPr>
+              <a:t>einer</a:t>
+            </a:r>
+            <a:r>
+              <a:rPr lang="en-GB" sz="1200" b="0" i="0" u="none" strike="noStrike" kern="1200" dirty="0">
+                <a:solidFill>
+                  <a:schemeClr val="tx1"/>
+                </a:solidFill>
+                <a:effectLst/>
+                <a:latin typeface="+mn-lt"/>
+                <a:ea typeface="+mn-ea"/>
+                <a:cs typeface="+mn-cs"/>
+              </a:rPr>
+              <a:t> </a:t>
+            </a:r>
+            <a:r>
+              <a:rPr lang="en-GB" sz="1200" b="0" i="0" u="none" strike="noStrike" kern="1200" dirty="0" err="1">
+                <a:solidFill>
+                  <a:schemeClr val="tx1"/>
+                </a:solidFill>
+                <a:effectLst/>
+                <a:latin typeface="+mn-lt"/>
+                <a:ea typeface="+mn-ea"/>
+                <a:cs typeface="+mn-cs"/>
+              </a:rPr>
+              <a:t>Zugfeder</a:t>
+            </a:r>
+            <a:r>
+              <a:rPr lang="en-GB" sz="1200" b="0" i="0" u="none" strike="noStrike" kern="1200" dirty="0">
+                <a:solidFill>
+                  <a:schemeClr val="tx1"/>
+                </a:solidFill>
+                <a:effectLst/>
+                <a:latin typeface="+mn-lt"/>
+                <a:ea typeface="+mn-ea"/>
+                <a:cs typeface="+mn-cs"/>
+              </a:rPr>
+              <a:t>. In der </a:t>
+            </a:r>
+            <a:r>
+              <a:rPr lang="en-GB" sz="1200" b="0" i="0" u="none" strike="noStrike" kern="1200" dirty="0" err="1">
+                <a:solidFill>
+                  <a:schemeClr val="tx1"/>
+                </a:solidFill>
+                <a:effectLst/>
+                <a:latin typeface="+mn-lt"/>
+                <a:ea typeface="+mn-ea"/>
+                <a:cs typeface="+mn-cs"/>
+              </a:rPr>
+              <a:t>Möbelbeschlagindustrie</a:t>
+            </a:r>
+            <a:r>
+              <a:rPr lang="en-GB" sz="1200" b="0" i="0" u="none" strike="noStrike" kern="1200" dirty="0">
+                <a:solidFill>
+                  <a:schemeClr val="tx1"/>
+                </a:solidFill>
+                <a:effectLst/>
+                <a:latin typeface="+mn-lt"/>
+                <a:ea typeface="+mn-ea"/>
+                <a:cs typeface="+mn-cs"/>
+              </a:rPr>
+              <a:t> </a:t>
+            </a:r>
+            <a:r>
+              <a:rPr lang="en-GB" sz="1200" b="0" i="0" u="none" strike="noStrike" kern="1200" dirty="0" err="1">
+                <a:solidFill>
+                  <a:schemeClr val="tx1"/>
+                </a:solidFill>
+                <a:effectLst/>
+                <a:latin typeface="+mn-lt"/>
+                <a:ea typeface="+mn-ea"/>
+                <a:cs typeface="+mn-cs"/>
+              </a:rPr>
+              <a:t>wird</a:t>
+            </a:r>
+            <a:r>
+              <a:rPr lang="en-GB" sz="1200" b="0" i="0" u="none" strike="noStrike" kern="1200" dirty="0">
+                <a:solidFill>
+                  <a:schemeClr val="tx1"/>
+                </a:solidFill>
+                <a:effectLst/>
+                <a:latin typeface="+mn-lt"/>
+                <a:ea typeface="+mn-ea"/>
+                <a:cs typeface="+mn-cs"/>
+              </a:rPr>
+              <a:t> </a:t>
+            </a:r>
+            <a:r>
+              <a:rPr lang="en-GB" sz="1200" b="0" i="0" u="none" strike="noStrike" kern="1200" dirty="0" err="1">
+                <a:solidFill>
+                  <a:schemeClr val="tx1"/>
+                </a:solidFill>
+                <a:effectLst/>
+                <a:latin typeface="+mn-lt"/>
+                <a:ea typeface="+mn-ea"/>
+                <a:cs typeface="+mn-cs"/>
+              </a:rPr>
+              <a:t>im</a:t>
+            </a:r>
+            <a:r>
+              <a:rPr lang="en-GB" sz="1200" b="0" i="0" u="none" strike="noStrike" kern="1200" dirty="0">
+                <a:solidFill>
+                  <a:schemeClr val="tx1"/>
+                </a:solidFill>
+                <a:effectLst/>
+                <a:latin typeface="+mn-lt"/>
+                <a:ea typeface="+mn-ea"/>
+                <a:cs typeface="+mn-cs"/>
+              </a:rPr>
+              <a:t> </a:t>
+            </a:r>
+            <a:r>
+              <a:rPr lang="en-GB" sz="1200" b="0" i="0" u="none" strike="noStrike" kern="1200" dirty="0" err="1">
+                <a:solidFill>
+                  <a:schemeClr val="tx1"/>
+                </a:solidFill>
+                <a:effectLst/>
+                <a:latin typeface="+mn-lt"/>
+                <a:ea typeface="+mn-ea"/>
+                <a:cs typeface="+mn-cs"/>
+              </a:rPr>
+              <a:t>Bereich</a:t>
+            </a:r>
+            <a:r>
+              <a:rPr lang="en-GB" sz="1200" b="0" i="0" u="none" strike="noStrike" kern="1200" dirty="0">
+                <a:solidFill>
+                  <a:schemeClr val="tx1"/>
+                </a:solidFill>
+                <a:effectLst/>
+                <a:latin typeface="+mn-lt"/>
+                <a:ea typeface="+mn-ea"/>
+                <a:cs typeface="+mn-cs"/>
+              </a:rPr>
+              <a:t> der </a:t>
+            </a:r>
+            <a:r>
+              <a:rPr lang="en-GB" sz="1200" b="0" i="0" u="none" strike="noStrike" kern="1200" dirty="0" err="1">
+                <a:solidFill>
+                  <a:schemeClr val="tx1"/>
+                </a:solidFill>
+                <a:effectLst/>
+                <a:latin typeface="+mn-lt"/>
+                <a:ea typeface="+mn-ea"/>
+                <a:cs typeface="+mn-cs"/>
+              </a:rPr>
+              <a:t>Schubladeneinzugssysteme</a:t>
+            </a:r>
+            <a:r>
+              <a:rPr lang="en-GB" sz="1200" b="0" i="0" u="none" strike="noStrike" kern="1200" dirty="0">
+                <a:solidFill>
+                  <a:schemeClr val="tx1"/>
+                </a:solidFill>
+                <a:effectLst/>
+                <a:latin typeface="+mn-lt"/>
+                <a:ea typeface="+mn-ea"/>
+                <a:cs typeface="+mn-cs"/>
+              </a:rPr>
+              <a:t> </a:t>
+            </a:r>
+            <a:r>
+              <a:rPr lang="en-GB" sz="1200" b="0" i="0" u="none" strike="noStrike" kern="1200" dirty="0" err="1">
+                <a:solidFill>
+                  <a:schemeClr val="tx1"/>
+                </a:solidFill>
+                <a:effectLst/>
+                <a:latin typeface="+mn-lt"/>
+                <a:ea typeface="+mn-ea"/>
+                <a:cs typeface="+mn-cs"/>
+              </a:rPr>
+              <a:t>eine</a:t>
+            </a:r>
+            <a:r>
+              <a:rPr lang="en-GB" sz="1200" b="0" i="0" u="none" strike="noStrike" kern="1200" dirty="0">
+                <a:solidFill>
+                  <a:schemeClr val="tx1"/>
+                </a:solidFill>
+                <a:effectLst/>
+                <a:latin typeface="+mn-lt"/>
+                <a:ea typeface="+mn-ea"/>
+                <a:cs typeface="+mn-cs"/>
+              </a:rPr>
+              <a:t> </a:t>
+            </a:r>
+            <a:r>
+              <a:rPr lang="en-GB" sz="1200" b="0" i="0" u="none" strike="noStrike" kern="1200" dirty="0" err="1">
+                <a:solidFill>
+                  <a:schemeClr val="tx1"/>
+                </a:solidFill>
+                <a:effectLst/>
+                <a:latin typeface="+mn-lt"/>
+                <a:ea typeface="+mn-ea"/>
+                <a:cs typeface="+mn-cs"/>
+              </a:rPr>
+              <a:t>andere</a:t>
+            </a:r>
+            <a:r>
+              <a:rPr lang="en-GB" sz="1200" b="0" i="0" u="none" strike="noStrike" kern="1200" dirty="0">
+                <a:solidFill>
+                  <a:schemeClr val="tx1"/>
+                </a:solidFill>
+                <a:effectLst/>
+                <a:latin typeface="+mn-lt"/>
+                <a:ea typeface="+mn-ea"/>
+                <a:cs typeface="+mn-cs"/>
+              </a:rPr>
+              <a:t> Form </a:t>
+            </a:r>
+            <a:r>
+              <a:rPr lang="en-GB" sz="1200" b="0" i="0" u="none" strike="noStrike" kern="1200" dirty="0" err="1">
+                <a:solidFill>
+                  <a:schemeClr val="tx1"/>
+                </a:solidFill>
+                <a:effectLst/>
+                <a:latin typeface="+mn-lt"/>
+                <a:ea typeface="+mn-ea"/>
+                <a:cs typeface="+mn-cs"/>
+              </a:rPr>
+              <a:t>für</a:t>
+            </a:r>
+            <a:r>
+              <a:rPr lang="en-GB" sz="1200" b="0" i="0" u="none" strike="noStrike" kern="1200" dirty="0">
+                <a:solidFill>
+                  <a:schemeClr val="tx1"/>
+                </a:solidFill>
+                <a:effectLst/>
+                <a:latin typeface="+mn-lt"/>
+                <a:ea typeface="+mn-ea"/>
+                <a:cs typeface="+mn-cs"/>
+              </a:rPr>
+              <a:t> die </a:t>
+            </a:r>
+            <a:r>
+              <a:rPr lang="en-GB" sz="1200" b="0" i="0" u="none" strike="noStrike" kern="1200" dirty="0" err="1">
+                <a:solidFill>
+                  <a:schemeClr val="tx1"/>
+                </a:solidFill>
+                <a:effectLst/>
+                <a:latin typeface="+mn-lt"/>
+                <a:ea typeface="+mn-ea"/>
+                <a:cs typeface="+mn-cs"/>
+              </a:rPr>
+              <a:t>Enden</a:t>
+            </a:r>
+            <a:r>
+              <a:rPr lang="en-GB" sz="1200" b="0" i="0" u="none" strike="noStrike" kern="1200" dirty="0">
+                <a:solidFill>
+                  <a:schemeClr val="tx1"/>
+                </a:solidFill>
+                <a:effectLst/>
+                <a:latin typeface="+mn-lt"/>
+                <a:ea typeface="+mn-ea"/>
+                <a:cs typeface="+mn-cs"/>
+              </a:rPr>
+              <a:t> der </a:t>
+            </a:r>
+            <a:r>
+              <a:rPr lang="en-GB" sz="1200" b="0" i="0" u="none" strike="noStrike" kern="1200" dirty="0" err="1">
+                <a:solidFill>
+                  <a:schemeClr val="tx1"/>
+                </a:solidFill>
+                <a:effectLst/>
+                <a:latin typeface="+mn-lt"/>
+                <a:ea typeface="+mn-ea"/>
+                <a:cs typeface="+mn-cs"/>
+              </a:rPr>
+              <a:t>Federn</a:t>
+            </a:r>
+            <a:r>
+              <a:rPr lang="en-GB" sz="1200" b="0" i="0" u="none" strike="noStrike" kern="1200" dirty="0">
+                <a:solidFill>
+                  <a:schemeClr val="tx1"/>
+                </a:solidFill>
+                <a:effectLst/>
+                <a:latin typeface="+mn-lt"/>
+                <a:ea typeface="+mn-ea"/>
+                <a:cs typeface="+mn-cs"/>
+              </a:rPr>
+              <a:t> </a:t>
+            </a:r>
+            <a:r>
+              <a:rPr lang="en-GB" sz="1200" b="0" i="0" u="none" strike="noStrike" kern="1200" dirty="0" err="1">
+                <a:solidFill>
+                  <a:schemeClr val="tx1"/>
+                </a:solidFill>
+                <a:effectLst/>
+                <a:latin typeface="+mn-lt"/>
+                <a:ea typeface="+mn-ea"/>
+                <a:cs typeface="+mn-cs"/>
+              </a:rPr>
+              <a:t>gefertigt</a:t>
+            </a:r>
+            <a:r>
+              <a:rPr lang="en-GB" sz="1200" b="0" i="0" u="none" strike="noStrike" kern="1200" dirty="0">
+                <a:solidFill>
+                  <a:schemeClr val="tx1"/>
+                </a:solidFill>
+                <a:effectLst/>
+                <a:latin typeface="+mn-lt"/>
+                <a:ea typeface="+mn-ea"/>
+                <a:cs typeface="+mn-cs"/>
+              </a:rPr>
+              <a:t>:</a:t>
+            </a:r>
+          </a:p>
+          <a:p>
+            <a:r>
+              <a:rPr lang="en-GB" sz="1200" b="0" i="0" u="none" strike="noStrike" kern="1200" dirty="0">
+                <a:solidFill>
+                  <a:schemeClr val="tx1"/>
+                </a:solidFill>
+                <a:effectLst/>
+                <a:latin typeface="+mn-lt"/>
+                <a:ea typeface="+mn-ea"/>
+                <a:cs typeface="+mn-cs"/>
+              </a:rPr>
+              <a:t>Es </a:t>
+            </a:r>
+            <a:r>
+              <a:rPr lang="en-GB" sz="1200" b="0" i="0" u="none" strike="noStrike" kern="1200" dirty="0" err="1">
+                <a:solidFill>
+                  <a:schemeClr val="tx1"/>
+                </a:solidFill>
+                <a:effectLst/>
+                <a:latin typeface="+mn-lt"/>
+                <a:ea typeface="+mn-ea"/>
+                <a:cs typeface="+mn-cs"/>
+              </a:rPr>
+              <a:t>handelt</a:t>
+            </a:r>
+            <a:r>
+              <a:rPr lang="en-GB" sz="1200" b="0" i="0" u="none" strike="noStrike" kern="1200" dirty="0">
+                <a:solidFill>
+                  <a:schemeClr val="tx1"/>
+                </a:solidFill>
+                <a:effectLst/>
+                <a:latin typeface="+mn-lt"/>
+                <a:ea typeface="+mn-ea"/>
+                <a:cs typeface="+mn-cs"/>
+              </a:rPr>
+              <a:t> </a:t>
+            </a:r>
+            <a:r>
+              <a:rPr lang="en-GB" sz="1200" b="0" i="0" u="none" strike="noStrike" kern="1200" dirty="0" err="1">
+                <a:solidFill>
+                  <a:schemeClr val="tx1"/>
+                </a:solidFill>
+                <a:effectLst/>
+                <a:latin typeface="+mn-lt"/>
+                <a:ea typeface="+mn-ea"/>
+                <a:cs typeface="+mn-cs"/>
+              </a:rPr>
+              <a:t>sich</a:t>
+            </a:r>
+            <a:r>
+              <a:rPr lang="en-GB" sz="1200" b="0" i="0" u="none" strike="noStrike" kern="1200" dirty="0">
+                <a:solidFill>
+                  <a:schemeClr val="tx1"/>
+                </a:solidFill>
+                <a:effectLst/>
+                <a:latin typeface="+mn-lt"/>
+                <a:ea typeface="+mn-ea"/>
+                <a:cs typeface="+mn-cs"/>
+              </a:rPr>
+              <a:t> um die </a:t>
+            </a:r>
+            <a:r>
+              <a:rPr lang="en-GB" sz="1200" b="0" i="0" u="none" strike="noStrike" kern="1200" dirty="0" err="1">
+                <a:solidFill>
+                  <a:schemeClr val="tx1"/>
+                </a:solidFill>
+                <a:effectLst/>
+                <a:latin typeface="+mn-lt"/>
+                <a:ea typeface="+mn-ea"/>
+                <a:cs typeface="+mn-cs"/>
+              </a:rPr>
+              <a:t>sogenannte</a:t>
+            </a:r>
+            <a:r>
+              <a:rPr lang="en-GB" sz="1200" b="0" i="0" u="none" strike="noStrike" kern="1200" dirty="0">
+                <a:solidFill>
+                  <a:schemeClr val="tx1"/>
+                </a:solidFill>
+                <a:effectLst/>
+                <a:latin typeface="+mn-lt"/>
+                <a:ea typeface="+mn-ea"/>
+                <a:cs typeface="+mn-cs"/>
+              </a:rPr>
+              <a:t> </a:t>
+            </a:r>
+            <a:r>
+              <a:rPr lang="en-GB" sz="1200" b="0" i="0" u="none" strike="noStrike" kern="1200" dirty="0" err="1">
+                <a:solidFill>
+                  <a:schemeClr val="tx1"/>
+                </a:solidFill>
+                <a:effectLst/>
+                <a:latin typeface="+mn-lt"/>
+                <a:ea typeface="+mn-ea"/>
+                <a:cs typeface="+mn-cs"/>
+              </a:rPr>
+              <a:t>Trompetenfeder</a:t>
+            </a:r>
+            <a:r>
+              <a:rPr lang="en-GB" sz="1200" b="0" i="0" u="none" strike="noStrike" kern="1200" dirty="0">
+                <a:solidFill>
+                  <a:schemeClr val="tx1"/>
+                </a:solidFill>
+                <a:effectLst/>
+                <a:latin typeface="+mn-lt"/>
+                <a:ea typeface="+mn-ea"/>
+                <a:cs typeface="+mn-cs"/>
+              </a:rPr>
+              <a:t> </a:t>
+            </a:r>
+            <a:r>
+              <a:rPr lang="en-GB" sz="1200" b="0" i="0" u="none" strike="noStrike" kern="1200" dirty="0" err="1">
+                <a:solidFill>
+                  <a:schemeClr val="tx1"/>
+                </a:solidFill>
+                <a:effectLst/>
+                <a:latin typeface="+mn-lt"/>
+                <a:ea typeface="+mn-ea"/>
+                <a:cs typeface="+mn-cs"/>
+              </a:rPr>
+              <a:t>oder</a:t>
+            </a:r>
+            <a:r>
+              <a:rPr lang="en-GB" sz="1200" b="0" i="0" u="none" strike="noStrike" kern="1200" dirty="0">
+                <a:solidFill>
+                  <a:schemeClr val="tx1"/>
+                </a:solidFill>
+                <a:effectLst/>
+                <a:latin typeface="+mn-lt"/>
+                <a:ea typeface="+mn-ea"/>
+                <a:cs typeface="+mn-cs"/>
+              </a:rPr>
+              <a:t> </a:t>
+            </a:r>
+            <a:r>
+              <a:rPr lang="en-GB" sz="1200" b="0" i="0" u="none" strike="noStrike" kern="1200" dirty="0" err="1">
+                <a:solidFill>
+                  <a:schemeClr val="tx1"/>
+                </a:solidFill>
+                <a:effectLst/>
+                <a:latin typeface="+mn-lt"/>
+                <a:ea typeface="+mn-ea"/>
+                <a:cs typeface="+mn-cs"/>
+              </a:rPr>
+              <a:t>Schubladeneinzugsfeder</a:t>
+            </a:r>
+            <a:r>
+              <a:rPr lang="en-GB" sz="1200" b="0" i="0" u="none" strike="noStrike" kern="1200" dirty="0">
+                <a:solidFill>
+                  <a:schemeClr val="tx1"/>
+                </a:solidFill>
+                <a:effectLst/>
+                <a:latin typeface="+mn-lt"/>
+                <a:ea typeface="+mn-ea"/>
+                <a:cs typeface="+mn-cs"/>
+              </a:rPr>
+              <a:t> </a:t>
+            </a:r>
+            <a:r>
+              <a:rPr lang="en-GB" sz="1200" b="0" i="0" u="none" strike="noStrike" kern="1200" dirty="0" err="1">
+                <a:solidFill>
+                  <a:schemeClr val="tx1"/>
+                </a:solidFill>
+                <a:effectLst/>
+                <a:latin typeface="+mn-lt"/>
+                <a:ea typeface="+mn-ea"/>
+                <a:cs typeface="+mn-cs"/>
+              </a:rPr>
+              <a:t>mit</a:t>
+            </a:r>
+            <a:r>
+              <a:rPr lang="en-GB" sz="1200" b="0" i="0" u="none" strike="noStrike" kern="1200" dirty="0">
+                <a:solidFill>
+                  <a:schemeClr val="tx1"/>
+                </a:solidFill>
+                <a:effectLst/>
+                <a:latin typeface="+mn-lt"/>
+                <a:ea typeface="+mn-ea"/>
+                <a:cs typeface="+mn-cs"/>
+              </a:rPr>
+              <a:t> </a:t>
+            </a:r>
+            <a:r>
+              <a:rPr lang="en-GB" sz="1200" b="0" i="0" u="none" strike="noStrike" kern="1200" dirty="0" err="1">
+                <a:solidFill>
+                  <a:schemeClr val="tx1"/>
+                </a:solidFill>
+                <a:effectLst/>
+                <a:latin typeface="+mn-lt"/>
+                <a:ea typeface="+mn-ea"/>
+                <a:cs typeface="+mn-cs"/>
+              </a:rPr>
+              <a:t>trompetenförmigen</a:t>
+            </a:r>
+            <a:r>
+              <a:rPr lang="en-GB" sz="1200" b="0" i="0" u="none" strike="noStrike" kern="1200" dirty="0">
+                <a:solidFill>
+                  <a:schemeClr val="tx1"/>
+                </a:solidFill>
+                <a:effectLst/>
+                <a:latin typeface="+mn-lt"/>
+                <a:ea typeface="+mn-ea"/>
+                <a:cs typeface="+mn-cs"/>
+              </a:rPr>
+              <a:t> </a:t>
+            </a:r>
+            <a:r>
+              <a:rPr lang="en-GB" sz="1200" b="0" i="0" u="none" strike="noStrike" kern="1200" dirty="0" err="1">
+                <a:solidFill>
+                  <a:schemeClr val="tx1"/>
+                </a:solidFill>
+                <a:effectLst/>
+                <a:latin typeface="+mn-lt"/>
+                <a:ea typeface="+mn-ea"/>
+                <a:cs typeface="+mn-cs"/>
+              </a:rPr>
+              <a:t>Federenden</a:t>
+            </a:r>
+            <a:r>
+              <a:rPr lang="en-GB" sz="1200" b="0" i="0" u="none" strike="noStrike" kern="1200" dirty="0">
+                <a:solidFill>
+                  <a:schemeClr val="tx1"/>
+                </a:solidFill>
+                <a:effectLst/>
+                <a:latin typeface="+mn-lt"/>
+                <a:ea typeface="+mn-ea"/>
+                <a:cs typeface="+mn-cs"/>
+              </a:rPr>
+              <a:t>.</a:t>
+            </a:r>
+          </a:p>
+          <a:p>
+            <a:r>
+              <a:rPr lang="en-GB" sz="1200" b="0" i="0" u="none" strike="noStrike" kern="1200" dirty="0" err="1">
+                <a:solidFill>
+                  <a:schemeClr val="tx1"/>
+                </a:solidFill>
+                <a:effectLst/>
+                <a:latin typeface="+mn-lt"/>
+                <a:ea typeface="+mn-ea"/>
+                <a:cs typeface="+mn-cs"/>
+              </a:rPr>
+              <a:t>Verschiedenste</a:t>
+            </a:r>
+            <a:r>
+              <a:rPr lang="en-GB" sz="1200" b="0" i="0" u="none" strike="noStrike" kern="1200" dirty="0">
+                <a:solidFill>
+                  <a:schemeClr val="tx1"/>
+                </a:solidFill>
+                <a:effectLst/>
+                <a:latin typeface="+mn-lt"/>
+                <a:ea typeface="+mn-ea"/>
+                <a:cs typeface="+mn-cs"/>
+              </a:rPr>
+              <a:t> </a:t>
+            </a:r>
+            <a:r>
+              <a:rPr lang="en-GB" sz="1200" b="0" i="0" u="none" strike="noStrike" kern="1200" dirty="0" err="1">
+                <a:solidFill>
+                  <a:schemeClr val="tx1"/>
+                </a:solidFill>
+                <a:effectLst/>
+                <a:latin typeface="+mn-lt"/>
+                <a:ea typeface="+mn-ea"/>
+                <a:cs typeface="+mn-cs"/>
+              </a:rPr>
+              <a:t>Geometrien</a:t>
+            </a:r>
+            <a:r>
+              <a:rPr lang="en-GB" sz="1200" b="0" i="0" u="none" strike="noStrike" kern="1200" dirty="0">
+                <a:solidFill>
+                  <a:schemeClr val="tx1"/>
+                </a:solidFill>
+                <a:effectLst/>
+                <a:latin typeface="+mn-lt"/>
+                <a:ea typeface="+mn-ea"/>
+                <a:cs typeface="+mn-cs"/>
+              </a:rPr>
+              <a:t> </a:t>
+            </a:r>
+            <a:r>
+              <a:rPr lang="en-GB" sz="1200" b="0" i="0" u="none" strike="noStrike" kern="1200" dirty="0" err="1">
+                <a:solidFill>
+                  <a:schemeClr val="tx1"/>
+                </a:solidFill>
+                <a:effectLst/>
+                <a:latin typeface="+mn-lt"/>
+                <a:ea typeface="+mn-ea"/>
+                <a:cs typeface="+mn-cs"/>
+              </a:rPr>
+              <a:t>für</a:t>
+            </a:r>
+            <a:r>
+              <a:rPr lang="en-GB" sz="1200" b="0" i="0" u="none" strike="noStrike" kern="1200" dirty="0">
+                <a:solidFill>
+                  <a:schemeClr val="tx1"/>
+                </a:solidFill>
+                <a:effectLst/>
+                <a:latin typeface="+mn-lt"/>
+                <a:ea typeface="+mn-ea"/>
+                <a:cs typeface="+mn-cs"/>
+              </a:rPr>
+              <a:t> </a:t>
+            </a:r>
+            <a:r>
+              <a:rPr lang="en-GB" sz="1200" b="0" i="0" u="none" strike="noStrike" kern="1200" dirty="0" err="1">
+                <a:solidFill>
+                  <a:schemeClr val="tx1"/>
+                </a:solidFill>
+                <a:effectLst/>
+                <a:latin typeface="+mn-lt"/>
+                <a:ea typeface="+mn-ea"/>
+                <a:cs typeface="+mn-cs"/>
+              </a:rPr>
+              <a:t>unterschiedliche</a:t>
+            </a:r>
+            <a:r>
+              <a:rPr lang="en-GB" sz="1200" b="0" i="0" u="none" strike="noStrike" kern="1200" dirty="0">
+                <a:solidFill>
+                  <a:schemeClr val="tx1"/>
+                </a:solidFill>
+                <a:effectLst/>
+                <a:latin typeface="+mn-lt"/>
+                <a:ea typeface="+mn-ea"/>
+                <a:cs typeface="+mn-cs"/>
+              </a:rPr>
+              <a:t> </a:t>
+            </a:r>
+            <a:r>
+              <a:rPr lang="en-GB" sz="1200" b="0" i="0" u="none" strike="noStrike" kern="1200" dirty="0" err="1">
+                <a:solidFill>
+                  <a:schemeClr val="tx1"/>
+                </a:solidFill>
+                <a:effectLst/>
+                <a:latin typeface="+mn-lt"/>
+                <a:ea typeface="+mn-ea"/>
+                <a:cs typeface="+mn-cs"/>
+              </a:rPr>
+              <a:t>Einsatzbereiche</a:t>
+            </a:r>
+            <a:endParaRPr lang="en-GB" sz="1200" b="0" i="0" u="none" strike="noStrike" kern="1200" dirty="0">
+              <a:solidFill>
+                <a:schemeClr val="tx1"/>
+              </a:solidFill>
+              <a:effectLst/>
+              <a:latin typeface="+mn-lt"/>
+              <a:ea typeface="+mn-ea"/>
+              <a:cs typeface="+mn-cs"/>
+            </a:endParaRPr>
+          </a:p>
+        </p:txBody>
+      </p:sp>
+      <p:sp>
+        <p:nvSpPr>
+          <p:cNvPr id="4" name="Slide Number Placeholder 3"/>
+          <p:cNvSpPr>
+            <a:spLocks noGrp="1"/>
+          </p:cNvSpPr>
+          <p:nvPr>
+            <p:ph type="sldNum" sz="quarter" idx="5"/>
+          </p:nvPr>
+        </p:nvSpPr>
+        <p:spPr/>
+        <p:txBody>
+          <a:bodyPr/>
+          <a:lstStyle/>
+          <a:p>
+            <a:fld id="{B82E3EFB-4553-794E-9041-D726CF04777F}" type="slidenum">
+              <a:rPr lang="en-DE" smtClean="0"/>
+              <a:t>5</a:t>
+            </a:fld>
+            <a:endParaRPr lang="en-DE"/>
+          </a:p>
+        </p:txBody>
+      </p:sp>
+    </p:spTree>
+    <p:extLst>
+      <p:ext uri="{BB962C8B-B14F-4D97-AF65-F5344CB8AC3E}">
+        <p14:creationId xmlns:p14="http://schemas.microsoft.com/office/powerpoint/2010/main" val="4018272320"/>
+      </p:ext>
+    </p:extLst>
+  </p:cSld>
+  <p:clrMapOvr>
+    <a:masterClrMapping/>
+  </p:clrMapOvr>
+</p:notes>
+</file>
+
+<file path=ppt/notesSlides/notesSlide4.xml><?xml version="1.0" encoding="utf-8"?>
+<p:notes xmlns:a="http://schemas.openxmlformats.org/drawingml/2006/main" xmlns:r="http://schemas.openxmlformats.org/officeDocument/2006/relationships" xmlns:p="http://schemas.openxmlformats.org/presentationml/2006/main">
+  <p:cSld>
+    <p:spTree>
+      <p:nvGrpSpPr>
+        <p:cNvPr id="1" name=""/>
+        <p:cNvGrpSpPr/>
+        <p:nvPr/>
+      </p:nvGrpSpPr>
+      <p:grpSpPr>
+        <a:xfrm>
+          <a:off x="0" y="0"/>
+          <a:ext cx="0" cy="0"/>
+          <a:chOff x="0" y="0"/>
+          <a:chExt cx="0" cy="0"/>
+        </a:xfrm>
+      </p:grpSpPr>
+      <p:sp>
+        <p:nvSpPr>
+          <p:cNvPr id="2" name="Slide Image Placeholder 1"/>
+          <p:cNvSpPr>
+            <a:spLocks noGrp="1" noRot="1" noChangeAspect="1"/>
+          </p:cNvSpPr>
+          <p:nvPr>
+            <p:ph type="sldImg"/>
+          </p:nvPr>
+        </p:nvSpPr>
+        <p:spPr/>
+      </p:sp>
+      <p:sp>
+        <p:nvSpPr>
+          <p:cNvPr id="3" name="Notes Placeholder 2"/>
+          <p:cNvSpPr>
+            <a:spLocks noGrp="1"/>
+          </p:cNvSpPr>
+          <p:nvPr>
+            <p:ph type="body" idx="1"/>
+          </p:nvPr>
+        </p:nvSpPr>
+        <p:spPr/>
+        <p:txBody>
+          <a:bodyPr/>
+          <a:lstStyle/>
+          <a:p>
+            <a:pPr marL="0" marR="0" lvl="0" indent="0" algn="l" defTabSz="914400" rtl="0" eaLnBrk="1" fontAlgn="auto" latinLnBrk="0" hangingPunct="1">
+              <a:lnSpc>
+                <a:spcPct val="100000"/>
+              </a:lnSpc>
+              <a:spcBef>
+                <a:spcPts val="0"/>
+              </a:spcBef>
+              <a:spcAft>
+                <a:spcPts val="0"/>
+              </a:spcAft>
+              <a:buClrTx/>
+              <a:buSzTx/>
+              <a:buFontTx/>
+              <a:buNone/>
+              <a:tabLst/>
+              <a:defRPr/>
+            </a:pPr>
+            <a:r>
+              <a:rPr lang="en-GB" sz="1200" kern="1200" dirty="0">
+                <a:solidFill>
+                  <a:schemeClr val="tx1"/>
+                </a:solidFill>
+                <a:effectLst/>
+                <a:latin typeface="+mn-lt"/>
+                <a:ea typeface="+mn-ea"/>
+                <a:cs typeface="+mn-cs"/>
+              </a:rPr>
+              <a:t>Die </a:t>
+            </a:r>
+            <a:r>
+              <a:rPr lang="en-GB" sz="1200" kern="1200" dirty="0" err="1">
+                <a:solidFill>
+                  <a:schemeClr val="tx1"/>
+                </a:solidFill>
+                <a:effectLst/>
+                <a:latin typeface="+mn-lt"/>
+                <a:ea typeface="+mn-ea"/>
+                <a:cs typeface="+mn-cs"/>
+              </a:rPr>
+              <a:t>gängigen</a:t>
+            </a:r>
+            <a:r>
+              <a:rPr lang="en-GB" sz="1200" kern="1200" dirty="0">
+                <a:solidFill>
+                  <a:schemeClr val="tx1"/>
+                </a:solidFill>
+                <a:effectLst/>
+                <a:latin typeface="+mn-lt"/>
+                <a:ea typeface="+mn-ea"/>
+                <a:cs typeface="+mn-cs"/>
+              </a:rPr>
+              <a:t> </a:t>
+            </a:r>
+            <a:r>
+              <a:rPr lang="en-GB" sz="1200" kern="1200" dirty="0" err="1">
+                <a:solidFill>
+                  <a:schemeClr val="tx1"/>
+                </a:solidFill>
+                <a:effectLst/>
+                <a:latin typeface="+mn-lt"/>
+                <a:ea typeface="+mn-ea"/>
+                <a:cs typeface="+mn-cs"/>
+              </a:rPr>
+              <a:t>Federbauformen</a:t>
+            </a:r>
+            <a:r>
+              <a:rPr lang="en-GB" sz="1200" kern="1200" dirty="0">
+                <a:solidFill>
+                  <a:schemeClr val="tx1"/>
+                </a:solidFill>
+                <a:effectLst/>
+                <a:latin typeface="+mn-lt"/>
+                <a:ea typeface="+mn-ea"/>
+                <a:cs typeface="+mn-cs"/>
+              </a:rPr>
+              <a:t> </a:t>
+            </a:r>
+            <a:r>
+              <a:rPr lang="en-GB" sz="1200" kern="1200" dirty="0" err="1">
+                <a:solidFill>
+                  <a:schemeClr val="tx1"/>
+                </a:solidFill>
+                <a:effectLst/>
+                <a:latin typeface="+mn-lt"/>
+                <a:ea typeface="+mn-ea"/>
+                <a:cs typeface="+mn-cs"/>
+              </a:rPr>
+              <a:t>für</a:t>
+            </a:r>
+            <a:r>
+              <a:rPr lang="en-GB" sz="1200" kern="1200" dirty="0">
+                <a:solidFill>
+                  <a:schemeClr val="tx1"/>
+                </a:solidFill>
+                <a:effectLst/>
+                <a:latin typeface="+mn-lt"/>
+                <a:ea typeface="+mn-ea"/>
+                <a:cs typeface="+mn-cs"/>
+              </a:rPr>
+              <a:t> </a:t>
+            </a:r>
+            <a:r>
+              <a:rPr lang="en-GB" sz="1200" kern="1200" dirty="0" err="1">
+                <a:solidFill>
+                  <a:schemeClr val="tx1"/>
+                </a:solidFill>
+                <a:effectLst/>
+                <a:latin typeface="+mn-lt"/>
+                <a:ea typeface="+mn-ea"/>
+                <a:cs typeface="+mn-cs"/>
+              </a:rPr>
+              <a:t>Zugfedern</a:t>
+            </a:r>
+            <a:r>
+              <a:rPr lang="en-GB" sz="1200" kern="1200" dirty="0">
+                <a:solidFill>
+                  <a:schemeClr val="tx1"/>
+                </a:solidFill>
+                <a:effectLst/>
+                <a:latin typeface="+mn-lt"/>
+                <a:ea typeface="+mn-ea"/>
+                <a:cs typeface="+mn-cs"/>
+              </a:rPr>
+              <a:t> </a:t>
+            </a:r>
+            <a:r>
+              <a:rPr lang="en-GB" sz="1200" kern="1200" dirty="0" err="1">
+                <a:solidFill>
+                  <a:schemeClr val="tx1"/>
+                </a:solidFill>
+                <a:effectLst/>
+                <a:latin typeface="+mn-lt"/>
+                <a:ea typeface="+mn-ea"/>
+                <a:cs typeface="+mn-cs"/>
+              </a:rPr>
+              <a:t>sind</a:t>
+            </a:r>
+            <a:r>
+              <a:rPr lang="en-GB" sz="1200" kern="1200" dirty="0">
+                <a:solidFill>
+                  <a:schemeClr val="tx1"/>
+                </a:solidFill>
+                <a:effectLst/>
+                <a:latin typeface="+mn-lt"/>
+                <a:ea typeface="+mn-ea"/>
+                <a:cs typeface="+mn-cs"/>
+              </a:rPr>
+              <a:t> </a:t>
+            </a:r>
+            <a:r>
+              <a:rPr lang="en-GB" sz="1200" kern="1200" dirty="0" err="1">
+                <a:solidFill>
+                  <a:schemeClr val="tx1"/>
+                </a:solidFill>
+                <a:effectLst/>
+                <a:latin typeface="+mn-lt"/>
+                <a:ea typeface="+mn-ea"/>
+                <a:cs typeface="+mn-cs"/>
+              </a:rPr>
+              <a:t>zylindrischer</a:t>
+            </a:r>
+            <a:r>
+              <a:rPr lang="en-GB" sz="1200" kern="1200" dirty="0">
+                <a:solidFill>
+                  <a:schemeClr val="tx1"/>
+                </a:solidFill>
+                <a:effectLst/>
+                <a:latin typeface="+mn-lt"/>
+                <a:ea typeface="+mn-ea"/>
+                <a:cs typeface="+mn-cs"/>
+              </a:rPr>
+              <a:t> Form </a:t>
+            </a:r>
+            <a:r>
+              <a:rPr lang="en-GB" sz="1200" kern="1200" dirty="0" err="1">
+                <a:solidFill>
+                  <a:schemeClr val="tx1"/>
+                </a:solidFill>
+                <a:effectLst/>
+                <a:latin typeface="+mn-lt"/>
+                <a:ea typeface="+mn-ea"/>
+                <a:cs typeface="+mn-cs"/>
+              </a:rPr>
+              <a:t>mit</a:t>
+            </a:r>
+            <a:r>
+              <a:rPr lang="en-GB" sz="1200" kern="1200" dirty="0">
+                <a:solidFill>
+                  <a:schemeClr val="tx1"/>
+                </a:solidFill>
+                <a:effectLst/>
+                <a:latin typeface="+mn-lt"/>
+                <a:ea typeface="+mn-ea"/>
+                <a:cs typeface="+mn-cs"/>
+              </a:rPr>
+              <a:t> </a:t>
+            </a:r>
+            <a:r>
+              <a:rPr lang="en-GB" sz="1200" kern="1200" dirty="0" err="1">
+                <a:solidFill>
+                  <a:schemeClr val="tx1"/>
+                </a:solidFill>
+                <a:effectLst/>
+                <a:latin typeface="+mn-lt"/>
+                <a:ea typeface="+mn-ea"/>
+                <a:cs typeface="+mn-cs"/>
+              </a:rPr>
+              <a:t>einer</a:t>
+            </a:r>
+            <a:r>
+              <a:rPr lang="en-GB" sz="1200" kern="1200" dirty="0">
+                <a:solidFill>
+                  <a:schemeClr val="tx1"/>
+                </a:solidFill>
+                <a:effectLst/>
+                <a:latin typeface="+mn-lt"/>
+                <a:ea typeface="+mn-ea"/>
+                <a:cs typeface="+mn-cs"/>
+              </a:rPr>
+              <a:t> </a:t>
+            </a:r>
+            <a:r>
+              <a:rPr lang="en-GB" sz="1200" kern="1200" dirty="0" err="1">
+                <a:solidFill>
+                  <a:schemeClr val="tx1"/>
+                </a:solidFill>
+                <a:effectLst/>
+                <a:latin typeface="+mn-lt"/>
+                <a:ea typeface="+mn-ea"/>
+                <a:cs typeface="+mn-cs"/>
+              </a:rPr>
+              <a:t>linearen</a:t>
+            </a:r>
+            <a:r>
+              <a:rPr lang="en-GB" sz="1200" kern="1200" dirty="0">
+                <a:solidFill>
+                  <a:schemeClr val="tx1"/>
+                </a:solidFill>
+                <a:effectLst/>
+                <a:latin typeface="+mn-lt"/>
+                <a:ea typeface="+mn-ea"/>
+                <a:cs typeface="+mn-cs"/>
+              </a:rPr>
+              <a:t> </a:t>
+            </a:r>
+            <a:r>
+              <a:rPr lang="en-GB" sz="1200" kern="1200" dirty="0" err="1">
+                <a:solidFill>
+                  <a:schemeClr val="tx1"/>
+                </a:solidFill>
+                <a:effectLst/>
+                <a:latin typeface="+mn-lt"/>
+                <a:ea typeface="+mn-ea"/>
+                <a:cs typeface="+mn-cs"/>
+              </a:rPr>
+              <a:t>Federkennline</a:t>
+            </a:r>
+            <a:r>
+              <a:rPr lang="en-GB" sz="1200" kern="1200" dirty="0">
+                <a:solidFill>
+                  <a:schemeClr val="tx1"/>
+                </a:solidFill>
+                <a:effectLst/>
+                <a:latin typeface="+mn-lt"/>
+                <a:ea typeface="+mn-ea"/>
+                <a:cs typeface="+mn-cs"/>
+              </a:rPr>
+              <a:t>, </a:t>
+            </a:r>
+            <a:r>
+              <a:rPr lang="en-GB" sz="1200" kern="1200" dirty="0" err="1">
+                <a:solidFill>
+                  <a:schemeClr val="tx1"/>
+                </a:solidFill>
+                <a:effectLst/>
+                <a:latin typeface="+mn-lt"/>
+                <a:ea typeface="+mn-ea"/>
+                <a:cs typeface="+mn-cs"/>
+              </a:rPr>
+              <a:t>aber</a:t>
+            </a:r>
+            <a:r>
+              <a:rPr lang="en-GB" sz="1200" kern="1200" dirty="0">
+                <a:solidFill>
+                  <a:schemeClr val="tx1"/>
+                </a:solidFill>
+                <a:effectLst/>
+                <a:latin typeface="+mn-lt"/>
+                <a:ea typeface="+mn-ea"/>
+                <a:cs typeface="+mn-cs"/>
+              </a:rPr>
+              <a:t> </a:t>
+            </a:r>
+            <a:r>
+              <a:rPr lang="en-GB" sz="1200" kern="1200" dirty="0" err="1">
+                <a:solidFill>
+                  <a:schemeClr val="tx1"/>
+                </a:solidFill>
+                <a:effectLst/>
+                <a:latin typeface="+mn-lt"/>
+                <a:ea typeface="+mn-ea"/>
+                <a:cs typeface="+mn-cs"/>
+              </a:rPr>
+              <a:t>auch</a:t>
+            </a:r>
+            <a:r>
+              <a:rPr lang="en-GB" sz="1200" kern="1200" dirty="0">
+                <a:solidFill>
+                  <a:schemeClr val="tx1"/>
+                </a:solidFill>
+                <a:effectLst/>
+                <a:latin typeface="+mn-lt"/>
+                <a:ea typeface="+mn-ea"/>
+                <a:cs typeface="+mn-cs"/>
+              </a:rPr>
+              <a:t> </a:t>
+            </a:r>
+            <a:r>
+              <a:rPr lang="en-GB" sz="1200" kern="1200" dirty="0" err="1">
+                <a:solidFill>
+                  <a:schemeClr val="tx1"/>
+                </a:solidFill>
+                <a:effectLst/>
+                <a:latin typeface="+mn-lt"/>
+                <a:ea typeface="+mn-ea"/>
+                <a:cs typeface="+mn-cs"/>
+              </a:rPr>
+              <a:t>kegel</a:t>
+            </a:r>
+            <a:r>
+              <a:rPr lang="en-GB" sz="1200" kern="1200" dirty="0">
+                <a:solidFill>
+                  <a:schemeClr val="tx1"/>
+                </a:solidFill>
+                <a:effectLst/>
+                <a:latin typeface="+mn-lt"/>
+                <a:ea typeface="+mn-ea"/>
+                <a:cs typeface="+mn-cs"/>
+              </a:rPr>
+              <a:t>- </a:t>
+            </a:r>
+            <a:r>
+              <a:rPr lang="en-GB" sz="1200" kern="1200" dirty="0" err="1">
+                <a:solidFill>
+                  <a:schemeClr val="tx1"/>
+                </a:solidFill>
+                <a:effectLst/>
+                <a:latin typeface="+mn-lt"/>
+                <a:ea typeface="+mn-ea"/>
+                <a:cs typeface="+mn-cs"/>
+              </a:rPr>
+              <a:t>oder</a:t>
+            </a:r>
+            <a:r>
+              <a:rPr lang="en-GB" sz="1200" kern="1200" dirty="0">
+                <a:solidFill>
+                  <a:schemeClr val="tx1"/>
+                </a:solidFill>
+                <a:effectLst/>
+                <a:latin typeface="+mn-lt"/>
+                <a:ea typeface="+mn-ea"/>
+                <a:cs typeface="+mn-cs"/>
+              </a:rPr>
+              <a:t> </a:t>
+            </a:r>
+            <a:r>
+              <a:rPr lang="en-GB" sz="1200" kern="1200" dirty="0" err="1">
+                <a:solidFill>
+                  <a:schemeClr val="tx1"/>
+                </a:solidFill>
+                <a:effectLst/>
+                <a:latin typeface="+mn-lt"/>
+                <a:ea typeface="+mn-ea"/>
+                <a:cs typeface="+mn-cs"/>
+              </a:rPr>
+              <a:t>tonnenförmige</a:t>
+            </a:r>
+            <a:r>
+              <a:rPr lang="en-GB" sz="1200" kern="1200" dirty="0">
+                <a:solidFill>
+                  <a:schemeClr val="tx1"/>
+                </a:solidFill>
+                <a:effectLst/>
+                <a:latin typeface="+mn-lt"/>
+                <a:ea typeface="+mn-ea"/>
+                <a:cs typeface="+mn-cs"/>
+              </a:rPr>
+              <a:t> </a:t>
+            </a:r>
+            <a:r>
+              <a:rPr lang="en-GB" sz="1200" kern="1200" dirty="0" err="1">
+                <a:solidFill>
+                  <a:schemeClr val="tx1"/>
+                </a:solidFill>
+                <a:effectLst/>
+                <a:latin typeface="+mn-lt"/>
+                <a:ea typeface="+mn-ea"/>
+                <a:cs typeface="+mn-cs"/>
+              </a:rPr>
+              <a:t>Formen</a:t>
+            </a:r>
+            <a:r>
+              <a:rPr lang="en-GB" sz="1200" kern="1200" dirty="0">
+                <a:solidFill>
+                  <a:schemeClr val="tx1"/>
+                </a:solidFill>
+                <a:effectLst/>
+                <a:latin typeface="+mn-lt"/>
+                <a:ea typeface="+mn-ea"/>
+                <a:cs typeface="+mn-cs"/>
+              </a:rPr>
+              <a:t> </a:t>
+            </a:r>
+            <a:r>
+              <a:rPr lang="en-GB" sz="1200" kern="1200" dirty="0" err="1">
+                <a:solidFill>
+                  <a:schemeClr val="tx1"/>
+                </a:solidFill>
+                <a:effectLst/>
+                <a:latin typeface="+mn-lt"/>
+                <a:ea typeface="+mn-ea"/>
+                <a:cs typeface="+mn-cs"/>
+              </a:rPr>
+              <a:t>sind</a:t>
+            </a:r>
+            <a:r>
+              <a:rPr lang="en-GB" sz="1200" kern="1200" dirty="0">
+                <a:solidFill>
+                  <a:schemeClr val="tx1"/>
+                </a:solidFill>
+                <a:effectLst/>
+                <a:latin typeface="+mn-lt"/>
+                <a:ea typeface="+mn-ea"/>
+                <a:cs typeface="+mn-cs"/>
+              </a:rPr>
+              <a:t> </a:t>
+            </a:r>
+            <a:r>
+              <a:rPr lang="en-GB" sz="1200" kern="1200" dirty="0" err="1">
+                <a:solidFill>
+                  <a:schemeClr val="tx1"/>
+                </a:solidFill>
+                <a:effectLst/>
+                <a:latin typeface="+mn-lt"/>
+                <a:ea typeface="+mn-ea"/>
+                <a:cs typeface="+mn-cs"/>
+              </a:rPr>
+              <a:t>verbreitet</a:t>
+            </a:r>
+            <a:r>
+              <a:rPr lang="en-GB" sz="1200" kern="1200" dirty="0">
+                <a:solidFill>
+                  <a:schemeClr val="tx1"/>
+                </a:solidFill>
+                <a:effectLst/>
+                <a:latin typeface="+mn-lt"/>
+                <a:ea typeface="+mn-ea"/>
+                <a:cs typeface="+mn-cs"/>
+              </a:rPr>
+              <a:t>, was </a:t>
+            </a:r>
+            <a:r>
+              <a:rPr lang="en-GB" sz="1200" kern="1200" dirty="0" err="1">
+                <a:solidFill>
+                  <a:schemeClr val="tx1"/>
+                </a:solidFill>
+                <a:effectLst/>
+                <a:latin typeface="+mn-lt"/>
+                <a:ea typeface="+mn-ea"/>
+                <a:cs typeface="+mn-cs"/>
+              </a:rPr>
+              <a:t>vorallem</a:t>
+            </a:r>
+            <a:r>
+              <a:rPr lang="en-GB" sz="1200" kern="1200" dirty="0">
+                <a:solidFill>
+                  <a:schemeClr val="tx1"/>
+                </a:solidFill>
+                <a:effectLst/>
+                <a:latin typeface="+mn-lt"/>
+                <a:ea typeface="+mn-ea"/>
+                <a:cs typeface="+mn-cs"/>
+              </a:rPr>
+              <a:t> den </a:t>
+            </a:r>
+            <a:r>
+              <a:rPr lang="en-GB" sz="1200" kern="1200" dirty="0" err="1">
+                <a:solidFill>
+                  <a:schemeClr val="tx1"/>
+                </a:solidFill>
+                <a:effectLst/>
+                <a:latin typeface="+mn-lt"/>
+                <a:ea typeface="+mn-ea"/>
+                <a:cs typeface="+mn-cs"/>
+              </a:rPr>
+              <a:t>Vorteil</a:t>
+            </a:r>
+            <a:r>
+              <a:rPr lang="en-GB" sz="1200" kern="1200" dirty="0">
+                <a:solidFill>
+                  <a:schemeClr val="tx1"/>
+                </a:solidFill>
+                <a:effectLst/>
+                <a:latin typeface="+mn-lt"/>
+                <a:ea typeface="+mn-ea"/>
+                <a:cs typeface="+mn-cs"/>
+              </a:rPr>
+              <a:t> </a:t>
+            </a:r>
+            <a:r>
+              <a:rPr lang="en-GB" sz="1200" kern="1200" dirty="0" err="1">
+                <a:solidFill>
+                  <a:schemeClr val="tx1"/>
+                </a:solidFill>
+                <a:effectLst/>
+                <a:latin typeface="+mn-lt"/>
+                <a:ea typeface="+mn-ea"/>
+                <a:cs typeface="+mn-cs"/>
+              </a:rPr>
+              <a:t>einer</a:t>
+            </a:r>
+            <a:r>
+              <a:rPr lang="en-GB" sz="1200" kern="1200" dirty="0">
+                <a:solidFill>
+                  <a:schemeClr val="tx1"/>
+                </a:solidFill>
+                <a:effectLst/>
+                <a:latin typeface="+mn-lt"/>
+                <a:ea typeface="+mn-ea"/>
+                <a:cs typeface="+mn-cs"/>
+              </a:rPr>
+              <a:t> </a:t>
+            </a:r>
+            <a:r>
+              <a:rPr lang="en-GB" sz="1200" kern="1200" dirty="0" err="1">
+                <a:solidFill>
+                  <a:schemeClr val="tx1"/>
+                </a:solidFill>
+                <a:effectLst/>
+                <a:latin typeface="+mn-lt"/>
+                <a:ea typeface="+mn-ea"/>
+                <a:cs typeface="+mn-cs"/>
+              </a:rPr>
+              <a:t>höhren</a:t>
+            </a:r>
+            <a:r>
+              <a:rPr lang="en-GB" sz="1200" kern="1200" dirty="0">
+                <a:solidFill>
+                  <a:schemeClr val="tx1"/>
+                </a:solidFill>
+                <a:effectLst/>
+                <a:latin typeface="+mn-lt"/>
+                <a:ea typeface="+mn-ea"/>
+                <a:cs typeface="+mn-cs"/>
+              </a:rPr>
+              <a:t> </a:t>
+            </a:r>
+            <a:r>
+              <a:rPr lang="en-GB" sz="1200" kern="1200" dirty="0" err="1">
+                <a:solidFill>
+                  <a:schemeClr val="tx1"/>
+                </a:solidFill>
+                <a:effectLst/>
+                <a:latin typeface="+mn-lt"/>
+                <a:ea typeface="+mn-ea"/>
+                <a:cs typeface="+mn-cs"/>
+              </a:rPr>
+              <a:t>Lebensdauer</a:t>
+            </a:r>
+            <a:r>
+              <a:rPr lang="en-GB" sz="1200" kern="1200" dirty="0">
+                <a:solidFill>
+                  <a:schemeClr val="tx1"/>
+                </a:solidFill>
+                <a:effectLst/>
+                <a:latin typeface="+mn-lt"/>
+                <a:ea typeface="+mn-ea"/>
+                <a:cs typeface="+mn-cs"/>
+              </a:rPr>
+              <a:t> hat. </a:t>
+            </a:r>
+            <a:endParaRPr lang="en-GB" dirty="0"/>
+          </a:p>
+          <a:p>
+            <a:endParaRPr lang="en-DE" dirty="0"/>
+          </a:p>
+        </p:txBody>
+      </p:sp>
+      <p:sp>
+        <p:nvSpPr>
+          <p:cNvPr id="4" name="Slide Number Placeholder 3"/>
+          <p:cNvSpPr>
+            <a:spLocks noGrp="1"/>
+          </p:cNvSpPr>
+          <p:nvPr>
+            <p:ph type="sldNum" sz="quarter" idx="5"/>
+          </p:nvPr>
+        </p:nvSpPr>
+        <p:spPr/>
+        <p:txBody>
+          <a:bodyPr/>
+          <a:lstStyle/>
+          <a:p>
+            <a:fld id="{B82E3EFB-4553-794E-9041-D726CF04777F}" type="slidenum">
+              <a:rPr lang="en-DE" smtClean="0"/>
+              <a:t>6</a:t>
+            </a:fld>
+            <a:endParaRPr lang="en-DE"/>
+          </a:p>
+        </p:txBody>
+      </p:sp>
+    </p:spTree>
+    <p:extLst>
+      <p:ext uri="{BB962C8B-B14F-4D97-AF65-F5344CB8AC3E}">
+        <p14:creationId xmlns:p14="http://schemas.microsoft.com/office/powerpoint/2010/main" val="851206625"/>
+      </p:ext>
+    </p:extLst>
+  </p:cSld>
+  <p:clrMapOvr>
+    <a:masterClrMapping/>
+  </p:clrMapOvr>
+</p:notes>
+</file>
+
+<file path=ppt/notesSlides/notesSlide5.xml><?xml version="1.0" encoding="utf-8"?>
+<p:notes xmlns:a="http://schemas.openxmlformats.org/drawingml/2006/main" xmlns:r="http://schemas.openxmlformats.org/officeDocument/2006/relationships" xmlns:p="http://schemas.openxmlformats.org/presentationml/2006/main">
+  <p:cSld>
+    <p:spTree>
+      <p:nvGrpSpPr>
+        <p:cNvPr id="1" name=""/>
+        <p:cNvGrpSpPr/>
+        <p:nvPr/>
+      </p:nvGrpSpPr>
+      <p:grpSpPr>
+        <a:xfrm>
+          <a:off x="0" y="0"/>
+          <a:ext cx="0" cy="0"/>
+          <a:chOff x="0" y="0"/>
+          <a:chExt cx="0" cy="0"/>
+        </a:xfrm>
+      </p:grpSpPr>
+      <p:sp>
+        <p:nvSpPr>
+          <p:cNvPr id="2" name="Slide Image Placeholder 1"/>
+          <p:cNvSpPr>
+            <a:spLocks noGrp="1" noRot="1" noChangeAspect="1"/>
+          </p:cNvSpPr>
+          <p:nvPr>
+            <p:ph type="sldImg"/>
+          </p:nvPr>
+        </p:nvSpPr>
+        <p:spPr/>
+      </p:sp>
+      <p:sp>
+        <p:nvSpPr>
+          <p:cNvPr id="3" name="Notes Placeholder 2"/>
+          <p:cNvSpPr>
+            <a:spLocks noGrp="1"/>
+          </p:cNvSpPr>
+          <p:nvPr>
+            <p:ph type="body" idx="1"/>
+          </p:nvPr>
+        </p:nvSpPr>
+        <p:spPr/>
+        <p:txBody>
+          <a:bodyPr/>
+          <a:lstStyle/>
+          <a:p>
+            <a:pPr marL="0" marR="0" lvl="0" indent="0" algn="l" defTabSz="914400" rtl="0" eaLnBrk="1" fontAlgn="auto" latinLnBrk="0" hangingPunct="1">
+              <a:lnSpc>
+                <a:spcPct val="100000"/>
+              </a:lnSpc>
+              <a:spcBef>
+                <a:spcPts val="0"/>
+              </a:spcBef>
+              <a:spcAft>
+                <a:spcPts val="0"/>
+              </a:spcAft>
+              <a:buClrTx/>
+              <a:buSzTx/>
+              <a:buFontTx/>
+              <a:buNone/>
+              <a:tabLst/>
+              <a:defRPr/>
+            </a:pPr>
+            <a:r>
+              <a:rPr lang="en-GB" sz="1200" kern="1200" dirty="0" err="1">
+                <a:solidFill>
+                  <a:schemeClr val="tx1"/>
+                </a:solidFill>
+                <a:effectLst/>
+                <a:latin typeface="+mn-lt"/>
+                <a:ea typeface="+mn-ea"/>
+                <a:cs typeface="+mn-cs"/>
+              </a:rPr>
+              <a:t>Generell</a:t>
+            </a:r>
+            <a:r>
+              <a:rPr lang="en-GB" sz="1200" kern="1200" dirty="0">
+                <a:solidFill>
+                  <a:schemeClr val="tx1"/>
+                </a:solidFill>
+                <a:effectLst/>
+                <a:latin typeface="+mn-lt"/>
+                <a:ea typeface="+mn-ea"/>
+                <a:cs typeface="+mn-cs"/>
+              </a:rPr>
+              <a:t> </a:t>
+            </a:r>
+            <a:r>
+              <a:rPr lang="en-GB" sz="1200" kern="1200" dirty="0" err="1">
+                <a:solidFill>
+                  <a:schemeClr val="tx1"/>
+                </a:solidFill>
+                <a:effectLst/>
+                <a:latin typeface="+mn-lt"/>
+                <a:ea typeface="+mn-ea"/>
+                <a:cs typeface="+mn-cs"/>
+              </a:rPr>
+              <a:t>unterscheidet</a:t>
+            </a:r>
+            <a:r>
+              <a:rPr lang="en-GB" sz="1200" kern="1200" dirty="0">
+                <a:solidFill>
+                  <a:schemeClr val="tx1"/>
+                </a:solidFill>
+                <a:effectLst/>
+                <a:latin typeface="+mn-lt"/>
+                <a:ea typeface="+mn-ea"/>
+                <a:cs typeface="+mn-cs"/>
+              </a:rPr>
+              <a:t> man </a:t>
+            </a:r>
+            <a:r>
+              <a:rPr lang="en-GB" sz="1200" kern="1200" dirty="0" err="1">
+                <a:solidFill>
+                  <a:schemeClr val="tx1"/>
+                </a:solidFill>
+                <a:effectLst/>
+                <a:latin typeface="+mn-lt"/>
+                <a:ea typeface="+mn-ea"/>
+                <a:cs typeface="+mn-cs"/>
+              </a:rPr>
+              <a:t>zwischen</a:t>
+            </a:r>
+            <a:r>
+              <a:rPr lang="en-GB" sz="1200" kern="1200" dirty="0">
+                <a:solidFill>
+                  <a:schemeClr val="tx1"/>
+                </a:solidFill>
+                <a:effectLst/>
+                <a:latin typeface="+mn-lt"/>
+                <a:ea typeface="+mn-ea"/>
+                <a:cs typeface="+mn-cs"/>
+              </a:rPr>
+              <a:t> </a:t>
+            </a:r>
+            <a:r>
+              <a:rPr lang="en-GB" sz="1200" kern="1200" dirty="0" err="1">
+                <a:solidFill>
+                  <a:schemeClr val="tx1"/>
+                </a:solidFill>
+                <a:effectLst/>
+                <a:latin typeface="+mn-lt"/>
+                <a:ea typeface="+mn-ea"/>
+                <a:cs typeface="+mn-cs"/>
+              </a:rPr>
+              <a:t>einer</a:t>
+            </a:r>
+            <a:r>
+              <a:rPr lang="en-GB" sz="1200" kern="1200" dirty="0">
+                <a:solidFill>
+                  <a:schemeClr val="tx1"/>
+                </a:solidFill>
+                <a:effectLst/>
+                <a:latin typeface="+mn-lt"/>
+                <a:ea typeface="+mn-ea"/>
+                <a:cs typeface="+mn-cs"/>
+              </a:rPr>
+              <a:t> </a:t>
+            </a:r>
+            <a:r>
+              <a:rPr lang="en-GB" sz="1200" kern="1200" dirty="0" err="1">
+                <a:solidFill>
+                  <a:schemeClr val="tx1"/>
+                </a:solidFill>
+                <a:effectLst/>
+                <a:latin typeface="+mn-lt"/>
+                <a:ea typeface="+mn-ea"/>
+                <a:cs typeface="+mn-cs"/>
+              </a:rPr>
+              <a:t>statischen</a:t>
+            </a:r>
+            <a:r>
+              <a:rPr lang="en-GB" sz="1200" kern="1200" dirty="0">
+                <a:solidFill>
+                  <a:schemeClr val="tx1"/>
+                </a:solidFill>
+                <a:effectLst/>
+                <a:latin typeface="+mn-lt"/>
+                <a:ea typeface="+mn-ea"/>
+                <a:cs typeface="+mn-cs"/>
+              </a:rPr>
+              <a:t> und </a:t>
+            </a:r>
+            <a:r>
+              <a:rPr lang="en-GB" sz="1200" kern="1200" dirty="0" err="1">
+                <a:solidFill>
+                  <a:schemeClr val="tx1"/>
+                </a:solidFill>
+                <a:effectLst/>
+                <a:latin typeface="+mn-lt"/>
+                <a:ea typeface="+mn-ea"/>
+                <a:cs typeface="+mn-cs"/>
+              </a:rPr>
+              <a:t>einer</a:t>
+            </a:r>
+            <a:r>
+              <a:rPr lang="en-GB" sz="1200" kern="1200" dirty="0">
+                <a:solidFill>
+                  <a:schemeClr val="tx1"/>
+                </a:solidFill>
+                <a:effectLst/>
+                <a:latin typeface="+mn-lt"/>
+                <a:ea typeface="+mn-ea"/>
+                <a:cs typeface="+mn-cs"/>
+              </a:rPr>
+              <a:t> </a:t>
+            </a:r>
+            <a:r>
+              <a:rPr lang="en-GB" sz="1200" kern="1200" dirty="0" err="1">
+                <a:solidFill>
+                  <a:schemeClr val="tx1"/>
+                </a:solidFill>
+                <a:effectLst/>
+                <a:latin typeface="+mn-lt"/>
+                <a:ea typeface="+mn-ea"/>
+                <a:cs typeface="+mn-cs"/>
+              </a:rPr>
+              <a:t>dynamischen</a:t>
+            </a:r>
+            <a:r>
+              <a:rPr lang="en-GB" sz="1200" kern="1200" dirty="0">
+                <a:solidFill>
+                  <a:schemeClr val="tx1"/>
+                </a:solidFill>
+                <a:effectLst/>
+                <a:latin typeface="+mn-lt"/>
+                <a:ea typeface="+mn-ea"/>
+                <a:cs typeface="+mn-cs"/>
+              </a:rPr>
+              <a:t> </a:t>
+            </a:r>
+            <a:r>
+              <a:rPr lang="en-GB" sz="1200" kern="1200" dirty="0" err="1">
+                <a:solidFill>
+                  <a:schemeClr val="tx1"/>
+                </a:solidFill>
+                <a:effectLst/>
+                <a:latin typeface="+mn-lt"/>
+                <a:ea typeface="+mn-ea"/>
+                <a:cs typeface="+mn-cs"/>
+              </a:rPr>
+              <a:t>Beanspru</a:t>
+            </a:r>
+            <a:r>
+              <a:rPr lang="en-GB" sz="1200" kern="1200" dirty="0">
+                <a:solidFill>
+                  <a:schemeClr val="tx1"/>
+                </a:solidFill>
+                <a:effectLst/>
+                <a:latin typeface="+mn-lt"/>
+                <a:ea typeface="+mn-ea"/>
+                <a:cs typeface="+mn-cs"/>
+              </a:rPr>
+              <a:t>- </a:t>
+            </a:r>
+            <a:r>
+              <a:rPr lang="en-GB" sz="1200" kern="1200" dirty="0" err="1">
+                <a:solidFill>
+                  <a:schemeClr val="tx1"/>
+                </a:solidFill>
+                <a:effectLst/>
+                <a:latin typeface="+mn-lt"/>
+                <a:ea typeface="+mn-ea"/>
+                <a:cs typeface="+mn-cs"/>
+              </a:rPr>
+              <a:t>chung</a:t>
+            </a:r>
+            <a:r>
+              <a:rPr lang="en-GB" sz="1200" kern="1200" dirty="0">
+                <a:solidFill>
+                  <a:schemeClr val="tx1"/>
+                </a:solidFill>
+                <a:effectLst/>
+                <a:latin typeface="+mn-lt"/>
+                <a:ea typeface="+mn-ea"/>
+                <a:cs typeface="+mn-cs"/>
+              </a:rPr>
+              <a:t>. Von </a:t>
+            </a:r>
+            <a:r>
+              <a:rPr lang="en-GB" sz="1200" kern="1200" dirty="0" err="1">
+                <a:solidFill>
+                  <a:schemeClr val="tx1"/>
+                </a:solidFill>
+                <a:effectLst/>
+                <a:latin typeface="+mn-lt"/>
+                <a:ea typeface="+mn-ea"/>
+                <a:cs typeface="+mn-cs"/>
+              </a:rPr>
+              <a:t>einer</a:t>
+            </a:r>
+            <a:r>
+              <a:rPr lang="en-GB" sz="1200" kern="1200" dirty="0">
+                <a:solidFill>
+                  <a:schemeClr val="tx1"/>
+                </a:solidFill>
+                <a:effectLst/>
+                <a:latin typeface="+mn-lt"/>
+                <a:ea typeface="+mn-ea"/>
+                <a:cs typeface="+mn-cs"/>
+              </a:rPr>
+              <a:t> </a:t>
+            </a:r>
+            <a:r>
+              <a:rPr lang="en-GB" sz="1200" kern="1200" dirty="0" err="1">
+                <a:solidFill>
+                  <a:schemeClr val="tx1"/>
+                </a:solidFill>
+                <a:effectLst/>
+                <a:latin typeface="+mn-lt"/>
+                <a:ea typeface="+mn-ea"/>
+                <a:cs typeface="+mn-cs"/>
+              </a:rPr>
+              <a:t>statischen</a:t>
+            </a:r>
+            <a:r>
+              <a:rPr lang="en-GB" sz="1200" kern="1200" dirty="0">
+                <a:solidFill>
+                  <a:schemeClr val="tx1"/>
+                </a:solidFill>
+                <a:effectLst/>
+                <a:latin typeface="+mn-lt"/>
+                <a:ea typeface="+mn-ea"/>
+                <a:cs typeface="+mn-cs"/>
+              </a:rPr>
+              <a:t> </a:t>
+            </a:r>
+            <a:r>
+              <a:rPr lang="en-GB" sz="1200" kern="1200" dirty="0" err="1">
+                <a:solidFill>
+                  <a:schemeClr val="tx1"/>
+                </a:solidFill>
+                <a:effectLst/>
+                <a:latin typeface="+mn-lt"/>
+                <a:ea typeface="+mn-ea"/>
+                <a:cs typeface="+mn-cs"/>
+              </a:rPr>
+              <a:t>Beanspruchung</a:t>
+            </a:r>
+            <a:r>
+              <a:rPr lang="en-GB" sz="1200" kern="1200" dirty="0">
+                <a:solidFill>
+                  <a:schemeClr val="tx1"/>
+                </a:solidFill>
+                <a:effectLst/>
+                <a:latin typeface="+mn-lt"/>
+                <a:ea typeface="+mn-ea"/>
+                <a:cs typeface="+mn-cs"/>
+              </a:rPr>
+              <a:t> </a:t>
+            </a:r>
+            <a:r>
+              <a:rPr lang="en-GB" sz="1200" kern="1200" dirty="0" err="1">
+                <a:solidFill>
+                  <a:schemeClr val="tx1"/>
+                </a:solidFill>
+                <a:effectLst/>
+                <a:latin typeface="+mn-lt"/>
+                <a:ea typeface="+mn-ea"/>
+                <a:cs typeface="+mn-cs"/>
+              </a:rPr>
+              <a:t>einer</a:t>
+            </a:r>
+            <a:r>
+              <a:rPr lang="en-GB" sz="1200" kern="1200" dirty="0">
+                <a:solidFill>
+                  <a:schemeClr val="tx1"/>
+                </a:solidFill>
+                <a:effectLst/>
+                <a:latin typeface="+mn-lt"/>
+                <a:ea typeface="+mn-ea"/>
+                <a:cs typeface="+mn-cs"/>
+              </a:rPr>
+              <a:t> </a:t>
+            </a:r>
+            <a:r>
+              <a:rPr lang="en-GB" sz="1200" kern="1200" dirty="0" err="1">
+                <a:solidFill>
+                  <a:schemeClr val="tx1"/>
+                </a:solidFill>
+                <a:effectLst/>
+                <a:latin typeface="+mn-lt"/>
+                <a:ea typeface="+mn-ea"/>
+                <a:cs typeface="+mn-cs"/>
+              </a:rPr>
+              <a:t>Zugfeder</a:t>
+            </a:r>
+            <a:r>
+              <a:rPr lang="en-GB" sz="1200" kern="1200" dirty="0">
+                <a:solidFill>
+                  <a:schemeClr val="tx1"/>
+                </a:solidFill>
+                <a:effectLst/>
+                <a:latin typeface="+mn-lt"/>
+                <a:ea typeface="+mn-ea"/>
+                <a:cs typeface="+mn-cs"/>
+              </a:rPr>
+              <a:t> </a:t>
+            </a:r>
+            <a:r>
+              <a:rPr lang="en-GB" sz="1200" kern="1200" dirty="0" err="1">
+                <a:solidFill>
+                  <a:schemeClr val="tx1"/>
+                </a:solidFill>
+                <a:effectLst/>
+                <a:latin typeface="+mn-lt"/>
+                <a:ea typeface="+mn-ea"/>
+                <a:cs typeface="+mn-cs"/>
+              </a:rPr>
+              <a:t>spicht</a:t>
+            </a:r>
+            <a:r>
+              <a:rPr lang="en-GB" sz="1200" kern="1200" dirty="0">
+                <a:solidFill>
+                  <a:schemeClr val="tx1"/>
+                </a:solidFill>
+                <a:effectLst/>
+                <a:latin typeface="+mn-lt"/>
+                <a:ea typeface="+mn-ea"/>
+                <a:cs typeface="+mn-cs"/>
+              </a:rPr>
+              <a:t> man </a:t>
+            </a:r>
+            <a:r>
+              <a:rPr lang="en-GB" sz="1200" kern="1200" dirty="0" err="1">
+                <a:solidFill>
+                  <a:schemeClr val="tx1"/>
+                </a:solidFill>
+                <a:effectLst/>
+                <a:latin typeface="+mn-lt"/>
+                <a:ea typeface="+mn-ea"/>
+                <a:cs typeface="+mn-cs"/>
+              </a:rPr>
+              <a:t>bei</a:t>
+            </a:r>
+            <a:r>
+              <a:rPr lang="en-GB" sz="1200" kern="1200" dirty="0">
+                <a:solidFill>
+                  <a:schemeClr val="tx1"/>
+                </a:solidFill>
+                <a:effectLst/>
+                <a:latin typeface="+mn-lt"/>
+                <a:ea typeface="+mn-ea"/>
+                <a:cs typeface="+mn-cs"/>
+              </a:rPr>
+              <a:t> </a:t>
+            </a:r>
+            <a:r>
+              <a:rPr lang="en-GB" sz="1200" kern="1200" dirty="0" err="1">
+                <a:solidFill>
+                  <a:schemeClr val="tx1"/>
+                </a:solidFill>
+                <a:effectLst/>
+                <a:latin typeface="+mn-lt"/>
+                <a:ea typeface="+mn-ea"/>
+                <a:cs typeface="+mn-cs"/>
+              </a:rPr>
+              <a:t>einer</a:t>
+            </a:r>
+            <a:r>
+              <a:rPr lang="en-GB" sz="1200" kern="1200" dirty="0">
+                <a:solidFill>
+                  <a:schemeClr val="tx1"/>
+                </a:solidFill>
+                <a:effectLst/>
+                <a:latin typeface="+mn-lt"/>
+                <a:ea typeface="+mn-ea"/>
+                <a:cs typeface="+mn-cs"/>
+              </a:rPr>
+              <a:t> </a:t>
+            </a:r>
+            <a:r>
+              <a:rPr lang="en-GB" sz="1200" kern="1200" dirty="0" err="1">
+                <a:solidFill>
+                  <a:schemeClr val="tx1"/>
+                </a:solidFill>
+                <a:effectLst/>
+                <a:latin typeface="+mn-lt"/>
+                <a:ea typeface="+mn-ea"/>
+                <a:cs typeface="+mn-cs"/>
+              </a:rPr>
+              <a:t>zeitlich</a:t>
+            </a:r>
+            <a:r>
+              <a:rPr lang="en-GB" sz="1200" kern="1200" dirty="0">
+                <a:solidFill>
+                  <a:schemeClr val="tx1"/>
+                </a:solidFill>
+                <a:effectLst/>
+                <a:latin typeface="+mn-lt"/>
+                <a:ea typeface="+mn-ea"/>
+                <a:cs typeface="+mn-cs"/>
+              </a:rPr>
+              <a:t> </a:t>
+            </a:r>
+            <a:r>
+              <a:rPr lang="en-GB" sz="1200" kern="1200" dirty="0" err="1">
+                <a:solidFill>
+                  <a:schemeClr val="tx1"/>
+                </a:solidFill>
+                <a:effectLst/>
+                <a:latin typeface="+mn-lt"/>
+                <a:ea typeface="+mn-ea"/>
+                <a:cs typeface="+mn-cs"/>
+              </a:rPr>
+              <a:t>konstanten</a:t>
+            </a:r>
+            <a:r>
+              <a:rPr lang="en-GB" sz="1200" kern="1200" dirty="0">
+                <a:solidFill>
+                  <a:schemeClr val="tx1"/>
+                </a:solidFill>
+                <a:effectLst/>
+                <a:latin typeface="+mn-lt"/>
+                <a:ea typeface="+mn-ea"/>
+                <a:cs typeface="+mn-cs"/>
+              </a:rPr>
+              <a:t> </a:t>
+            </a:r>
+            <a:r>
+              <a:rPr lang="en-GB" sz="1200" kern="1200" dirty="0" err="1">
+                <a:solidFill>
+                  <a:schemeClr val="tx1"/>
+                </a:solidFill>
+                <a:effectLst/>
+                <a:latin typeface="+mn-lt"/>
+                <a:ea typeface="+mn-ea"/>
+                <a:cs typeface="+mn-cs"/>
+              </a:rPr>
+              <a:t>Belastung</a:t>
+            </a:r>
+            <a:r>
+              <a:rPr lang="en-GB" sz="1200" kern="1200" dirty="0">
+                <a:solidFill>
+                  <a:schemeClr val="tx1"/>
+                </a:solidFill>
+                <a:effectLst/>
+                <a:latin typeface="+mn-lt"/>
+                <a:ea typeface="+mn-ea"/>
+                <a:cs typeface="+mn-cs"/>
+              </a:rPr>
+              <a:t>, </a:t>
+            </a:r>
+            <a:r>
+              <a:rPr lang="en-GB" sz="1200" kern="1200" dirty="0" err="1">
+                <a:solidFill>
+                  <a:schemeClr val="tx1"/>
+                </a:solidFill>
+                <a:effectLst/>
+                <a:latin typeface="+mn-lt"/>
+                <a:ea typeface="+mn-ea"/>
+                <a:cs typeface="+mn-cs"/>
+              </a:rPr>
+              <a:t>bzw</a:t>
+            </a:r>
+            <a:r>
+              <a:rPr lang="en-GB" sz="1200" kern="1200" dirty="0">
+                <a:solidFill>
+                  <a:schemeClr val="tx1"/>
+                </a:solidFill>
+                <a:effectLst/>
+                <a:latin typeface="+mn-lt"/>
+                <a:ea typeface="+mn-ea"/>
+                <a:cs typeface="+mn-cs"/>
+              </a:rPr>
+              <a:t>. </a:t>
+            </a:r>
+            <a:r>
+              <a:rPr lang="en-GB" sz="1200" kern="1200" dirty="0" err="1">
+                <a:solidFill>
+                  <a:schemeClr val="tx1"/>
+                </a:solidFill>
+                <a:effectLst/>
+                <a:latin typeface="+mn-lt"/>
+                <a:ea typeface="+mn-ea"/>
+                <a:cs typeface="+mn-cs"/>
+              </a:rPr>
+              <a:t>einer</a:t>
+            </a:r>
+            <a:r>
+              <a:rPr lang="en-GB" sz="1200" kern="1200" dirty="0">
+                <a:solidFill>
+                  <a:schemeClr val="tx1"/>
+                </a:solidFill>
+                <a:effectLst/>
+                <a:latin typeface="+mn-lt"/>
+                <a:ea typeface="+mn-ea"/>
+                <a:cs typeface="+mn-cs"/>
+              </a:rPr>
+              <a:t> </a:t>
+            </a:r>
+            <a:r>
+              <a:rPr lang="en-GB" sz="1200" kern="1200" dirty="0" err="1">
+                <a:solidFill>
+                  <a:schemeClr val="tx1"/>
+                </a:solidFill>
+                <a:effectLst/>
+                <a:latin typeface="+mn-lt"/>
+                <a:ea typeface="+mn-ea"/>
+                <a:cs typeface="+mn-cs"/>
+              </a:rPr>
+              <a:t>Belastung</a:t>
+            </a:r>
+            <a:r>
+              <a:rPr lang="en-GB" sz="1200" kern="1200" dirty="0">
+                <a:solidFill>
+                  <a:schemeClr val="tx1"/>
+                </a:solidFill>
+                <a:effectLst/>
+                <a:latin typeface="+mn-lt"/>
+                <a:ea typeface="+mn-ea"/>
+                <a:cs typeface="+mn-cs"/>
+              </a:rPr>
+              <a:t> </a:t>
+            </a:r>
+            <a:r>
+              <a:rPr lang="en-GB" sz="1200" kern="1200" dirty="0" err="1">
+                <a:solidFill>
+                  <a:schemeClr val="tx1"/>
+                </a:solidFill>
+                <a:effectLst/>
+                <a:latin typeface="+mn-lt"/>
+                <a:ea typeface="+mn-ea"/>
+                <a:cs typeface="+mn-cs"/>
+              </a:rPr>
+              <a:t>mit</a:t>
+            </a:r>
+            <a:r>
+              <a:rPr lang="en-GB" sz="1200" kern="1200" dirty="0">
+                <a:solidFill>
+                  <a:schemeClr val="tx1"/>
+                </a:solidFill>
+                <a:effectLst/>
+                <a:latin typeface="+mn-lt"/>
+                <a:ea typeface="+mn-ea"/>
+                <a:cs typeface="+mn-cs"/>
+              </a:rPr>
+              <a:t> </a:t>
+            </a:r>
+            <a:r>
+              <a:rPr lang="en-GB" sz="1200" kern="1200" dirty="0" err="1">
+                <a:solidFill>
+                  <a:schemeClr val="tx1"/>
+                </a:solidFill>
+                <a:effectLst/>
+                <a:latin typeface="+mn-lt"/>
+                <a:ea typeface="+mn-ea"/>
+                <a:cs typeface="+mn-cs"/>
+              </a:rPr>
+              <a:t>weniger</a:t>
+            </a:r>
+            <a:r>
+              <a:rPr lang="en-GB" sz="1200" kern="1200" dirty="0">
+                <a:solidFill>
+                  <a:schemeClr val="tx1"/>
+                </a:solidFill>
+                <a:effectLst/>
+                <a:latin typeface="+mn-lt"/>
+                <a:ea typeface="+mn-ea"/>
+                <a:cs typeface="+mn-cs"/>
+              </a:rPr>
+              <a:t> </a:t>
+            </a:r>
+            <a:r>
+              <a:rPr lang="en-GB" sz="1200" kern="1200" dirty="0" err="1">
+                <a:solidFill>
+                  <a:schemeClr val="tx1"/>
+                </a:solidFill>
+                <a:effectLst/>
+                <a:latin typeface="+mn-lt"/>
+                <a:ea typeface="+mn-ea"/>
+                <a:cs typeface="+mn-cs"/>
+              </a:rPr>
+              <a:t>als</a:t>
+            </a:r>
+            <a:r>
+              <a:rPr lang="en-GB" sz="1200" kern="1200" dirty="0">
+                <a:solidFill>
+                  <a:schemeClr val="tx1"/>
+                </a:solidFill>
+                <a:effectLst/>
+                <a:latin typeface="+mn-lt"/>
+                <a:ea typeface="+mn-ea"/>
+                <a:cs typeface="+mn-cs"/>
+              </a:rPr>
+              <a:t> 10000 </a:t>
+            </a:r>
+            <a:r>
+              <a:rPr lang="en-GB" sz="1200" kern="1200" dirty="0" err="1">
+                <a:solidFill>
+                  <a:schemeClr val="tx1"/>
+                </a:solidFill>
+                <a:effectLst/>
+                <a:latin typeface="+mn-lt"/>
+                <a:ea typeface="+mn-ea"/>
+                <a:cs typeface="+mn-cs"/>
+              </a:rPr>
+              <a:t>Hüben</a:t>
+            </a:r>
+            <a:r>
+              <a:rPr lang="en-GB" sz="1200" kern="1200" dirty="0">
+                <a:solidFill>
+                  <a:schemeClr val="tx1"/>
+                </a:solidFill>
+                <a:effectLst/>
+                <a:latin typeface="+mn-lt"/>
+                <a:ea typeface="+mn-ea"/>
+                <a:cs typeface="+mn-cs"/>
+              </a:rPr>
+              <a:t> </a:t>
+            </a:r>
+            <a:r>
+              <a:rPr lang="en-GB" sz="1200" kern="1200" dirty="0" err="1">
+                <a:solidFill>
+                  <a:schemeClr val="tx1"/>
+                </a:solidFill>
+                <a:effectLst/>
+                <a:latin typeface="+mn-lt"/>
+                <a:ea typeface="+mn-ea"/>
+                <a:cs typeface="+mn-cs"/>
+              </a:rPr>
+              <a:t>oder</a:t>
+            </a:r>
+            <a:r>
+              <a:rPr lang="en-GB" sz="1200" kern="1200" dirty="0">
+                <a:solidFill>
+                  <a:schemeClr val="tx1"/>
+                </a:solidFill>
+                <a:effectLst/>
+                <a:latin typeface="+mn-lt"/>
+                <a:ea typeface="+mn-ea"/>
+                <a:cs typeface="+mn-cs"/>
+              </a:rPr>
+              <a:t> </a:t>
+            </a:r>
+            <a:r>
+              <a:rPr lang="en-GB" sz="1200" kern="1200" dirty="0" err="1">
+                <a:solidFill>
+                  <a:schemeClr val="tx1"/>
+                </a:solidFill>
+                <a:effectLst/>
+                <a:latin typeface="+mn-lt"/>
+                <a:ea typeface="+mn-ea"/>
+                <a:cs typeface="+mn-cs"/>
+              </a:rPr>
+              <a:t>kleinen</a:t>
+            </a:r>
+            <a:r>
+              <a:rPr lang="en-GB" sz="1200" kern="1200" dirty="0">
+                <a:solidFill>
+                  <a:schemeClr val="tx1"/>
+                </a:solidFill>
+                <a:effectLst/>
+                <a:latin typeface="+mn-lt"/>
+                <a:ea typeface="+mn-ea"/>
+                <a:cs typeface="+mn-cs"/>
+              </a:rPr>
+              <a:t> </a:t>
+            </a:r>
+            <a:r>
+              <a:rPr lang="en-GB" sz="1200" kern="1200" dirty="0" err="1">
+                <a:solidFill>
+                  <a:schemeClr val="tx1"/>
+                </a:solidFill>
+                <a:effectLst/>
+                <a:latin typeface="+mn-lt"/>
+                <a:ea typeface="+mn-ea"/>
+                <a:cs typeface="+mn-cs"/>
+              </a:rPr>
+              <a:t>Hubspannungen</a:t>
+            </a:r>
+            <a:r>
+              <a:rPr lang="en-GB" sz="1200" kern="1200" dirty="0">
+                <a:solidFill>
+                  <a:schemeClr val="tx1"/>
+                </a:solidFill>
+                <a:effectLst/>
+                <a:latin typeface="+mn-lt"/>
+                <a:ea typeface="+mn-ea"/>
+                <a:cs typeface="+mn-cs"/>
+              </a:rPr>
+              <a:t>. Hat die Feder </a:t>
+            </a:r>
+            <a:r>
+              <a:rPr lang="en-GB" sz="1200" kern="1200" dirty="0" err="1">
+                <a:solidFill>
+                  <a:schemeClr val="tx1"/>
+                </a:solidFill>
+                <a:effectLst/>
+                <a:latin typeface="+mn-lt"/>
+                <a:ea typeface="+mn-ea"/>
+                <a:cs typeface="+mn-cs"/>
+              </a:rPr>
+              <a:t>mehr</a:t>
+            </a:r>
+            <a:r>
+              <a:rPr lang="en-GB" sz="1200" kern="1200" dirty="0">
+                <a:solidFill>
+                  <a:schemeClr val="tx1"/>
+                </a:solidFill>
+                <a:effectLst/>
+                <a:latin typeface="+mn-lt"/>
+                <a:ea typeface="+mn-ea"/>
+                <a:cs typeface="+mn-cs"/>
+              </a:rPr>
+              <a:t> </a:t>
+            </a:r>
+            <a:r>
+              <a:rPr lang="en-GB" sz="1200" kern="1200" dirty="0" err="1">
+                <a:solidFill>
+                  <a:schemeClr val="tx1"/>
+                </a:solidFill>
+                <a:effectLst/>
+                <a:latin typeface="+mn-lt"/>
+                <a:ea typeface="+mn-ea"/>
+                <a:cs typeface="+mn-cs"/>
+              </a:rPr>
+              <a:t>als</a:t>
+            </a:r>
+            <a:r>
+              <a:rPr lang="en-GB" sz="1200" kern="1200" dirty="0">
+                <a:solidFill>
+                  <a:schemeClr val="tx1"/>
+                </a:solidFill>
+                <a:effectLst/>
+                <a:latin typeface="+mn-lt"/>
+                <a:ea typeface="+mn-ea"/>
+                <a:cs typeface="+mn-cs"/>
+              </a:rPr>
+              <a:t> 10000 </a:t>
+            </a:r>
+            <a:r>
+              <a:rPr lang="en-GB" sz="1200" kern="1200" dirty="0" err="1">
+                <a:solidFill>
+                  <a:schemeClr val="tx1"/>
+                </a:solidFill>
+                <a:effectLst/>
+                <a:latin typeface="+mn-lt"/>
+                <a:ea typeface="+mn-ea"/>
+                <a:cs typeface="+mn-cs"/>
+              </a:rPr>
+              <a:t>Lastwechsel</a:t>
+            </a:r>
+            <a:r>
+              <a:rPr lang="en-GB" sz="1200" kern="1200" dirty="0">
+                <a:solidFill>
+                  <a:schemeClr val="tx1"/>
+                </a:solidFill>
+                <a:effectLst/>
+                <a:latin typeface="+mn-lt"/>
+                <a:ea typeface="+mn-ea"/>
+                <a:cs typeface="+mn-cs"/>
+              </a:rPr>
+              <a:t> </a:t>
+            </a:r>
+            <a:r>
+              <a:rPr lang="en-GB" sz="1200" kern="1200" dirty="0" err="1">
+                <a:solidFill>
+                  <a:schemeClr val="tx1"/>
+                </a:solidFill>
+                <a:effectLst/>
+                <a:latin typeface="+mn-lt"/>
+                <a:ea typeface="+mn-ea"/>
+                <a:cs typeface="+mn-cs"/>
+              </a:rPr>
+              <a:t>oder</a:t>
+            </a:r>
+            <a:r>
+              <a:rPr lang="en-GB" sz="1200" kern="1200" dirty="0">
+                <a:solidFill>
+                  <a:schemeClr val="tx1"/>
+                </a:solidFill>
+                <a:effectLst/>
+                <a:latin typeface="+mn-lt"/>
+                <a:ea typeface="+mn-ea"/>
+                <a:cs typeface="+mn-cs"/>
+              </a:rPr>
+              <a:t> </a:t>
+            </a:r>
+            <a:r>
+              <a:rPr lang="en-GB" sz="1200" kern="1200" dirty="0" err="1">
+                <a:solidFill>
+                  <a:schemeClr val="tx1"/>
+                </a:solidFill>
+                <a:effectLst/>
+                <a:latin typeface="+mn-lt"/>
+                <a:ea typeface="+mn-ea"/>
+                <a:cs typeface="+mn-cs"/>
+              </a:rPr>
+              <a:t>Hubspannungen</a:t>
+            </a:r>
+            <a:r>
+              <a:rPr lang="en-GB" sz="1200" kern="1200" dirty="0">
+                <a:solidFill>
+                  <a:schemeClr val="tx1"/>
+                </a:solidFill>
+                <a:effectLst/>
+                <a:latin typeface="+mn-lt"/>
+                <a:ea typeface="+mn-ea"/>
+                <a:cs typeface="+mn-cs"/>
+              </a:rPr>
+              <a:t> die </a:t>
+            </a:r>
+            <a:r>
+              <a:rPr lang="en-GB" sz="1200" kern="1200" dirty="0" err="1">
+                <a:solidFill>
+                  <a:schemeClr val="tx1"/>
+                </a:solidFill>
+                <a:effectLst/>
+                <a:latin typeface="+mn-lt"/>
+                <a:ea typeface="+mn-ea"/>
+                <a:cs typeface="+mn-cs"/>
+              </a:rPr>
+              <a:t>kon</a:t>
+            </a:r>
+            <a:r>
+              <a:rPr lang="en-GB" sz="1200" kern="1200" dirty="0">
+                <a:solidFill>
+                  <a:schemeClr val="tx1"/>
+                </a:solidFill>
+                <a:effectLst/>
+                <a:latin typeface="+mn-lt"/>
+                <a:ea typeface="+mn-ea"/>
+                <a:cs typeface="+mn-cs"/>
+              </a:rPr>
+              <a:t>- </a:t>
+            </a:r>
+            <a:r>
+              <a:rPr lang="en-GB" sz="1200" kern="1200" dirty="0" err="1">
+                <a:solidFill>
+                  <a:schemeClr val="tx1"/>
+                </a:solidFill>
+                <a:effectLst/>
+                <a:latin typeface="+mn-lt"/>
+                <a:ea typeface="+mn-ea"/>
+                <a:cs typeface="+mn-cs"/>
+              </a:rPr>
+              <a:t>stanten</a:t>
+            </a:r>
+            <a:r>
+              <a:rPr lang="en-GB" sz="1200" kern="1200" dirty="0">
+                <a:solidFill>
+                  <a:schemeClr val="tx1"/>
+                </a:solidFill>
+                <a:effectLst/>
+                <a:latin typeface="+mn-lt"/>
+                <a:ea typeface="+mn-ea"/>
+                <a:cs typeface="+mn-cs"/>
+              </a:rPr>
+              <a:t> und </a:t>
+            </a:r>
+            <a:r>
+              <a:rPr lang="en-GB" sz="1200" kern="1200" dirty="0" err="1">
+                <a:solidFill>
+                  <a:schemeClr val="tx1"/>
+                </a:solidFill>
+                <a:effectLst/>
+                <a:latin typeface="+mn-lt"/>
+                <a:ea typeface="+mn-ea"/>
+                <a:cs typeface="+mn-cs"/>
+              </a:rPr>
+              <a:t>veränderlichen</a:t>
+            </a:r>
+            <a:r>
+              <a:rPr lang="en-GB" sz="1200" kern="1200" dirty="0">
+                <a:solidFill>
+                  <a:schemeClr val="tx1"/>
+                </a:solidFill>
+                <a:effectLst/>
+                <a:latin typeface="+mn-lt"/>
+                <a:ea typeface="+mn-ea"/>
+                <a:cs typeface="+mn-cs"/>
+              </a:rPr>
+              <a:t> </a:t>
+            </a:r>
+            <a:r>
+              <a:rPr lang="en-GB" sz="1200" kern="1200" dirty="0" err="1">
+                <a:solidFill>
+                  <a:schemeClr val="tx1"/>
+                </a:solidFill>
+                <a:effectLst/>
+                <a:latin typeface="+mn-lt"/>
+                <a:ea typeface="+mn-ea"/>
+                <a:cs typeface="+mn-cs"/>
+              </a:rPr>
+              <a:t>sind</a:t>
+            </a:r>
+            <a:r>
+              <a:rPr lang="en-GB" sz="1200" kern="1200" dirty="0">
+                <a:solidFill>
+                  <a:schemeClr val="tx1"/>
+                </a:solidFill>
+                <a:effectLst/>
+                <a:latin typeface="+mn-lt"/>
+                <a:ea typeface="+mn-ea"/>
+                <a:cs typeface="+mn-cs"/>
+              </a:rPr>
+              <a:t>, so </a:t>
+            </a:r>
+            <a:r>
+              <a:rPr lang="en-GB" sz="1200" kern="1200" dirty="0" err="1">
+                <a:solidFill>
+                  <a:schemeClr val="tx1"/>
+                </a:solidFill>
+                <a:effectLst/>
+                <a:latin typeface="+mn-lt"/>
+                <a:ea typeface="+mn-ea"/>
+                <a:cs typeface="+mn-cs"/>
+              </a:rPr>
+              <a:t>spricht</a:t>
+            </a:r>
+            <a:r>
+              <a:rPr lang="en-GB" sz="1200" kern="1200" dirty="0">
+                <a:solidFill>
+                  <a:schemeClr val="tx1"/>
+                </a:solidFill>
+                <a:effectLst/>
+                <a:latin typeface="+mn-lt"/>
+                <a:ea typeface="+mn-ea"/>
+                <a:cs typeface="+mn-cs"/>
+              </a:rPr>
+              <a:t> man von </a:t>
+            </a:r>
+            <a:r>
+              <a:rPr lang="en-GB" sz="1200" kern="1200" dirty="0" err="1">
+                <a:solidFill>
+                  <a:schemeClr val="tx1"/>
+                </a:solidFill>
+                <a:effectLst/>
+                <a:latin typeface="+mn-lt"/>
+                <a:ea typeface="+mn-ea"/>
+                <a:cs typeface="+mn-cs"/>
+              </a:rPr>
+              <a:t>einer</a:t>
+            </a:r>
+            <a:r>
+              <a:rPr lang="en-GB" sz="1200" kern="1200" dirty="0">
+                <a:solidFill>
+                  <a:schemeClr val="tx1"/>
+                </a:solidFill>
+                <a:effectLst/>
+                <a:latin typeface="+mn-lt"/>
+                <a:ea typeface="+mn-ea"/>
+                <a:cs typeface="+mn-cs"/>
+              </a:rPr>
+              <a:t> </a:t>
+            </a:r>
+            <a:r>
+              <a:rPr lang="en-GB" sz="1200" kern="1200" dirty="0" err="1">
+                <a:solidFill>
+                  <a:schemeClr val="tx1"/>
+                </a:solidFill>
+                <a:effectLst/>
+                <a:latin typeface="+mn-lt"/>
+                <a:ea typeface="+mn-ea"/>
+                <a:cs typeface="+mn-cs"/>
+              </a:rPr>
+              <a:t>dynamischen</a:t>
+            </a:r>
+            <a:r>
+              <a:rPr lang="en-GB" sz="1200" kern="1200" dirty="0">
+                <a:solidFill>
+                  <a:schemeClr val="tx1"/>
+                </a:solidFill>
+                <a:effectLst/>
+                <a:latin typeface="+mn-lt"/>
+                <a:ea typeface="+mn-ea"/>
+                <a:cs typeface="+mn-cs"/>
+              </a:rPr>
+              <a:t> </a:t>
+            </a:r>
+            <a:r>
+              <a:rPr lang="en-GB" sz="1200" kern="1200" dirty="0" err="1">
+                <a:solidFill>
+                  <a:schemeClr val="tx1"/>
+                </a:solidFill>
+                <a:effectLst/>
+                <a:latin typeface="+mn-lt"/>
+                <a:ea typeface="+mn-ea"/>
+                <a:cs typeface="+mn-cs"/>
+              </a:rPr>
+              <a:t>Beanspruchung</a:t>
+            </a:r>
+            <a:r>
+              <a:rPr lang="en-GB" sz="1200" kern="1200" dirty="0">
+                <a:solidFill>
+                  <a:schemeClr val="tx1"/>
+                </a:solidFill>
+                <a:effectLst/>
+                <a:latin typeface="+mn-lt"/>
+                <a:ea typeface="+mn-ea"/>
+                <a:cs typeface="+mn-cs"/>
+              </a:rPr>
+              <a:t>. </a:t>
+            </a:r>
+            <a:endParaRPr lang="en-GB" dirty="0"/>
+          </a:p>
+          <a:p>
+            <a:endParaRPr lang="en-DE" dirty="0"/>
+          </a:p>
+        </p:txBody>
+      </p:sp>
+      <p:sp>
+        <p:nvSpPr>
+          <p:cNvPr id="4" name="Slide Number Placeholder 3"/>
+          <p:cNvSpPr>
+            <a:spLocks noGrp="1"/>
+          </p:cNvSpPr>
+          <p:nvPr>
+            <p:ph type="sldNum" sz="quarter" idx="5"/>
+          </p:nvPr>
+        </p:nvSpPr>
+        <p:spPr/>
+        <p:txBody>
+          <a:bodyPr/>
+          <a:lstStyle/>
+          <a:p>
+            <a:fld id="{B82E3EFB-4553-794E-9041-D726CF04777F}" type="slidenum">
+              <a:rPr lang="en-DE" smtClean="0"/>
+              <a:t>7</a:t>
+            </a:fld>
+            <a:endParaRPr lang="en-DE"/>
+          </a:p>
+        </p:txBody>
+      </p:sp>
+    </p:spTree>
+    <p:extLst>
+      <p:ext uri="{BB962C8B-B14F-4D97-AF65-F5344CB8AC3E}">
+        <p14:creationId xmlns:p14="http://schemas.microsoft.com/office/powerpoint/2010/main" val="2724193228"/>
+      </p:ext>
+    </p:extLst>
+  </p:cSld>
+  <p:clrMapOvr>
+    <a:masterClrMapping/>
+  </p:clrMapOvr>
+</p:notes>
+</file>
+
+<file path=ppt/notesSlides/notesSlide6.xml><?xml version="1.0" encoding="utf-8"?>
+<p:notes xmlns:a="http://schemas.openxmlformats.org/drawingml/2006/main" xmlns:r="http://schemas.openxmlformats.org/officeDocument/2006/relationships" xmlns:p="http://schemas.openxmlformats.org/presentationml/2006/main">
+  <p:cSld>
+    <p:spTree>
+      <p:nvGrpSpPr>
+        <p:cNvPr id="1" name=""/>
+        <p:cNvGrpSpPr/>
+        <p:nvPr/>
+      </p:nvGrpSpPr>
+      <p:grpSpPr>
+        <a:xfrm>
+          <a:off x="0" y="0"/>
+          <a:ext cx="0" cy="0"/>
+          <a:chOff x="0" y="0"/>
+          <a:chExt cx="0" cy="0"/>
+        </a:xfrm>
+      </p:grpSpPr>
+      <p:sp>
+        <p:nvSpPr>
+          <p:cNvPr id="2" name="Slide Image Placeholder 1"/>
+          <p:cNvSpPr>
+            <a:spLocks noGrp="1" noRot="1" noChangeAspect="1"/>
+          </p:cNvSpPr>
+          <p:nvPr>
+            <p:ph type="sldImg"/>
+          </p:nvPr>
+        </p:nvSpPr>
+        <p:spPr/>
+      </p:sp>
+      <p:sp>
+        <p:nvSpPr>
+          <p:cNvPr id="3" name="Notes Placeholder 2"/>
+          <p:cNvSpPr>
+            <a:spLocks noGrp="1"/>
+          </p:cNvSpPr>
+          <p:nvPr>
+            <p:ph type="body" idx="1"/>
+          </p:nvPr>
+        </p:nvSpPr>
+        <p:spPr/>
+        <p:txBody>
+          <a:bodyPr/>
+          <a:lstStyle/>
+          <a:p>
+            <a:endParaRPr lang="en-DE" dirty="0"/>
+          </a:p>
+        </p:txBody>
+      </p:sp>
+      <p:sp>
+        <p:nvSpPr>
+          <p:cNvPr id="4" name="Slide Number Placeholder 3"/>
+          <p:cNvSpPr>
+            <a:spLocks noGrp="1"/>
+          </p:cNvSpPr>
+          <p:nvPr>
+            <p:ph type="sldNum" sz="quarter" idx="5"/>
+          </p:nvPr>
+        </p:nvSpPr>
+        <p:spPr/>
+        <p:txBody>
+          <a:bodyPr/>
+          <a:lstStyle/>
+          <a:p>
+            <a:fld id="{B82E3EFB-4553-794E-9041-D726CF04777F}" type="slidenum">
+              <a:rPr lang="en-DE" smtClean="0"/>
+              <a:t>9</a:t>
+            </a:fld>
+            <a:endParaRPr lang="en-DE"/>
+          </a:p>
+        </p:txBody>
+      </p:sp>
+    </p:spTree>
+    <p:extLst>
+      <p:ext uri="{BB962C8B-B14F-4D97-AF65-F5344CB8AC3E}">
+        <p14:creationId xmlns:p14="http://schemas.microsoft.com/office/powerpoint/2010/main" val="297445892"/>
+      </p:ext>
+    </p:extLst>
+  </p:cSld>
+  <p:clrMapOvr>
+    <a:masterClrMapping/>
+  </p:clrMapOvr>
+</p:notes>
+</file>
+
+<file path=ppt/notesSlides/notesSlide7.xml><?xml version="1.0" encoding="utf-8"?>
+<p:notes xmlns:a="http://schemas.openxmlformats.org/drawingml/2006/main" xmlns:r="http://schemas.openxmlformats.org/officeDocument/2006/relationships" xmlns:p="http://schemas.openxmlformats.org/presentationml/2006/main">
+  <p:cSld>
+    <p:spTree>
+      <p:nvGrpSpPr>
+        <p:cNvPr id="1" name=""/>
+        <p:cNvGrpSpPr/>
+        <p:nvPr/>
+      </p:nvGrpSpPr>
+      <p:grpSpPr>
+        <a:xfrm>
+          <a:off x="0" y="0"/>
+          <a:ext cx="0" cy="0"/>
+          <a:chOff x="0" y="0"/>
+          <a:chExt cx="0" cy="0"/>
+        </a:xfrm>
+      </p:grpSpPr>
+      <p:sp>
+        <p:nvSpPr>
+          <p:cNvPr id="2" name="Slide Image Placeholder 1"/>
+          <p:cNvSpPr>
+            <a:spLocks noGrp="1" noRot="1" noChangeAspect="1"/>
+          </p:cNvSpPr>
+          <p:nvPr>
+            <p:ph type="sldImg"/>
+          </p:nvPr>
+        </p:nvSpPr>
+        <p:spPr/>
+      </p:sp>
+      <p:sp>
+        <p:nvSpPr>
+          <p:cNvPr id="3" name="Notes Placeholder 2"/>
+          <p:cNvSpPr>
+            <a:spLocks noGrp="1"/>
+          </p:cNvSpPr>
+          <p:nvPr>
+            <p:ph type="body" idx="1"/>
+          </p:nvPr>
+        </p:nvSpPr>
+        <p:spPr/>
+        <p:txBody>
+          <a:bodyPr/>
+          <a:lstStyle/>
+          <a:p>
+            <a:endParaRPr lang="en-DE" dirty="0"/>
+          </a:p>
+        </p:txBody>
+      </p:sp>
+      <p:sp>
+        <p:nvSpPr>
+          <p:cNvPr id="4" name="Slide Number Placeholder 3"/>
+          <p:cNvSpPr>
+            <a:spLocks noGrp="1"/>
+          </p:cNvSpPr>
+          <p:nvPr>
+            <p:ph type="sldNum" sz="quarter" idx="5"/>
+          </p:nvPr>
+        </p:nvSpPr>
+        <p:spPr/>
+        <p:txBody>
+          <a:bodyPr/>
+          <a:lstStyle/>
+          <a:p>
+            <a:fld id="{B82E3EFB-4553-794E-9041-D726CF04777F}" type="slidenum">
+              <a:rPr lang="en-DE" smtClean="0"/>
+              <a:t>13</a:t>
+            </a:fld>
+            <a:endParaRPr lang="en-DE"/>
+          </a:p>
+        </p:txBody>
+      </p:sp>
+    </p:spTree>
+    <p:extLst>
+      <p:ext uri="{BB962C8B-B14F-4D97-AF65-F5344CB8AC3E}">
+        <p14:creationId xmlns:p14="http://schemas.microsoft.com/office/powerpoint/2010/main" val="2091057246"/>
+      </p:ext>
+    </p:extLst>
+  </p:cSld>
+  <p:clrMapOvr>
+    <a:masterClrMapping/>
+  </p:clrMapOvr>
+</p:notes>
+</file>
+
+<file path=ppt/notesSlides/notesSlide8.xml><?xml version="1.0" encoding="utf-8"?>
+<p:notes xmlns:a="http://schemas.openxmlformats.org/drawingml/2006/main" xmlns:r="http://schemas.openxmlformats.org/officeDocument/2006/relationships" xmlns:p="http://schemas.openxmlformats.org/presentationml/2006/main">
+  <p:cSld>
+    <p:spTree>
+      <p:nvGrpSpPr>
+        <p:cNvPr id="1" name=""/>
+        <p:cNvGrpSpPr/>
+        <p:nvPr/>
+      </p:nvGrpSpPr>
+      <p:grpSpPr>
+        <a:xfrm>
+          <a:off x="0" y="0"/>
+          <a:ext cx="0" cy="0"/>
+          <a:chOff x="0" y="0"/>
+          <a:chExt cx="0" cy="0"/>
+        </a:xfrm>
+      </p:grpSpPr>
+      <p:sp>
+        <p:nvSpPr>
+          <p:cNvPr id="2" name="Slide Image Placeholder 1"/>
+          <p:cNvSpPr>
+            <a:spLocks noGrp="1" noRot="1" noChangeAspect="1"/>
+          </p:cNvSpPr>
+          <p:nvPr>
+            <p:ph type="sldImg"/>
+          </p:nvPr>
+        </p:nvSpPr>
+        <p:spPr/>
+      </p:sp>
+      <p:sp>
+        <p:nvSpPr>
+          <p:cNvPr id="3" name="Notes Placeholder 2"/>
+          <p:cNvSpPr>
+            <a:spLocks noGrp="1"/>
+          </p:cNvSpPr>
+          <p:nvPr>
+            <p:ph type="body" idx="1"/>
+          </p:nvPr>
+        </p:nvSpPr>
+        <p:spPr/>
+        <p:txBody>
+          <a:bodyPr/>
+          <a:lstStyle/>
+          <a:p>
+            <a:endParaRPr lang="en-DE" dirty="0"/>
+          </a:p>
+        </p:txBody>
+      </p:sp>
+      <p:sp>
+        <p:nvSpPr>
+          <p:cNvPr id="4" name="Slide Number Placeholder 3"/>
+          <p:cNvSpPr>
+            <a:spLocks noGrp="1"/>
+          </p:cNvSpPr>
+          <p:nvPr>
+            <p:ph type="sldNum" sz="quarter" idx="5"/>
+          </p:nvPr>
+        </p:nvSpPr>
+        <p:spPr/>
+        <p:txBody>
+          <a:bodyPr/>
+          <a:lstStyle/>
+          <a:p>
+            <a:fld id="{B82E3EFB-4553-794E-9041-D726CF04777F}" type="slidenum">
+              <a:rPr lang="en-DE" smtClean="0"/>
+              <a:t>15</a:t>
+            </a:fld>
+            <a:endParaRPr lang="en-DE"/>
+          </a:p>
+        </p:txBody>
+      </p:sp>
+    </p:spTree>
+    <p:extLst>
+      <p:ext uri="{BB962C8B-B14F-4D97-AF65-F5344CB8AC3E}">
+        <p14:creationId xmlns:p14="http://schemas.microsoft.com/office/powerpoint/2010/main" val="1868615785"/>
+      </p:ext>
+    </p:extLst>
+  </p:cSld>
+  <p:clrMapOvr>
+    <a:masterClrMapping/>
+  </p:clrMapOvr>
+</p:notes>
 </file>
 
 <file path=ppt/slideLayouts/slideLayout1.xml><?xml version="1.0" encoding="utf-8"?>
@@ -3494,706 +10227,7 @@
 </p:sld>
 </file>
 
-<file path=ppt/slides/slide2.xml><?xml version="1.0" encoding="utf-8"?>
-<p:sld xmlns:a="http://schemas.openxmlformats.org/drawingml/2006/main" xmlns:r="http://schemas.openxmlformats.org/officeDocument/2006/relationships" xmlns:p="http://schemas.openxmlformats.org/presentationml/2006/main">
-  <p:cSld>
-    <p:bg>
-      <p:bgPr>
-        <a:solidFill>
-          <a:schemeClr val="bg1"/>
-        </a:solidFill>
-        <a:effectLst/>
-      </p:bgPr>
-    </p:bg>
-    <p:spTree>
-      <p:nvGrpSpPr>
-        <p:cNvPr id="1" name=""/>
-        <p:cNvGrpSpPr/>
-        <p:nvPr/>
-      </p:nvGrpSpPr>
-      <p:grpSpPr>
-        <a:xfrm>
-          <a:off x="0" y="0"/>
-          <a:ext cx="0" cy="0"/>
-          <a:chOff x="0" y="0"/>
-          <a:chExt cx="0" cy="0"/>
-        </a:xfrm>
-      </p:grpSpPr>
-      <p:sp>
-        <p:nvSpPr>
-          <p:cNvPr id="2" name="Title 1">
-            <a:extLst>
-              <a:ext uri="{FF2B5EF4-FFF2-40B4-BE49-F238E27FC236}">
-                <a16:creationId xmlns:a16="http://schemas.microsoft.com/office/drawing/2014/main" id="{49CB1F3B-A9DD-274A-9DA2-00F700443C5E}"/>
-              </a:ext>
-            </a:extLst>
-          </p:cNvPr>
-          <p:cNvSpPr>
-            <a:spLocks noGrp="1"/>
-          </p:cNvSpPr>
-          <p:nvPr>
-            <p:ph type="title"/>
-          </p:nvPr>
-        </p:nvSpPr>
-        <p:spPr>
-          <a:xfrm>
-            <a:off x="481013" y="3752849"/>
-            <a:ext cx="3290887" cy="2452687"/>
-          </a:xfrm>
-        </p:spPr>
-        <p:txBody>
-          <a:bodyPr anchor="ctr">
-            <a:normAutofit/>
-          </a:bodyPr>
-          <a:lstStyle/>
-          <a:p>
-            <a:r>
-              <a:rPr lang="en-DE" sz="3600" dirty="0"/>
-              <a:t>Schnöring</a:t>
-            </a:r>
-          </a:p>
-        </p:txBody>
-      </p:sp>
-      <p:pic>
-        <p:nvPicPr>
-          <p:cNvPr id="7" name="Picture 6" descr="A close up of a device&#10;&#10;Description automatically generated">
-            <a:extLst>
-              <a:ext uri="{FF2B5EF4-FFF2-40B4-BE49-F238E27FC236}">
-                <a16:creationId xmlns:a16="http://schemas.microsoft.com/office/drawing/2014/main" id="{0DD59621-9F20-CA46-B89B-4EE28502FF1B}"/>
-              </a:ext>
-            </a:extLst>
-          </p:cNvPr>
-          <p:cNvPicPr>
-            <a:picLocks noChangeAspect="1"/>
-          </p:cNvPicPr>
-          <p:nvPr/>
-        </p:nvPicPr>
-        <p:blipFill rotWithShape="1">
-          <a:blip r:embed="rId2"/>
-          <a:srcRect b="4143"/>
-          <a:stretch/>
-        </p:blipFill>
-        <p:spPr>
-          <a:xfrm>
-            <a:off x="20" y="10"/>
-            <a:ext cx="12191980" cy="3710603"/>
-          </a:xfrm>
-          <a:custGeom>
-            <a:avLst/>
-            <a:gdLst/>
-            <a:ahLst/>
-            <a:cxnLst/>
-            <a:rect l="l" t="t" r="r" b="b"/>
-            <a:pathLst>
-              <a:path w="12192000" h="3692092">
-                <a:moveTo>
-                  <a:pt x="0" y="0"/>
-                </a:moveTo>
-                <a:lnTo>
-                  <a:pt x="12192000" y="0"/>
-                </a:lnTo>
-                <a:lnTo>
-                  <a:pt x="12192000" y="3504824"/>
-                </a:lnTo>
-                <a:lnTo>
-                  <a:pt x="12024691" y="3517794"/>
-                </a:lnTo>
-                <a:cubicBezTo>
-                  <a:pt x="8077523" y="3783195"/>
-                  <a:pt x="4094678" y="3026959"/>
-                  <a:pt x="160485" y="3663863"/>
-                </a:cubicBezTo>
-                <a:lnTo>
-                  <a:pt x="0" y="3692092"/>
-                </a:lnTo>
-                <a:close/>
-              </a:path>
-            </a:pathLst>
-          </a:custGeom>
-        </p:spPr>
-      </p:pic>
-      <p:sp>
-        <p:nvSpPr>
-          <p:cNvPr id="3" name="Content Placeholder 2">
-            <a:extLst>
-              <a:ext uri="{FF2B5EF4-FFF2-40B4-BE49-F238E27FC236}">
-                <a16:creationId xmlns:a16="http://schemas.microsoft.com/office/drawing/2014/main" id="{453436A8-7E6C-3C48-9BD0-229BE5A7FF97}"/>
-              </a:ext>
-            </a:extLst>
-          </p:cNvPr>
-          <p:cNvSpPr>
-            <a:spLocks noGrp="1"/>
-          </p:cNvSpPr>
-          <p:nvPr>
-            <p:ph idx="1"/>
-          </p:nvPr>
-        </p:nvSpPr>
-        <p:spPr>
-          <a:xfrm>
-            <a:off x="4223982" y="3752850"/>
-            <a:ext cx="7485413" cy="2452687"/>
-          </a:xfrm>
-        </p:spPr>
-        <p:txBody>
-          <a:bodyPr anchor="ctr">
-            <a:normAutofit/>
-          </a:bodyPr>
-          <a:lstStyle/>
-          <a:p>
-            <a:r>
-              <a:rPr lang="en-DE" sz="1800" dirty="0"/>
-              <a:t>Sauerland</a:t>
-            </a:r>
-          </a:p>
-          <a:p>
-            <a:r>
-              <a:rPr lang="en-DE" sz="1800" dirty="0"/>
-              <a:t>Produktion nach Kundenwünschen</a:t>
-            </a:r>
-          </a:p>
-          <a:p>
-            <a:r>
-              <a:rPr lang="en-DE" sz="1800" dirty="0"/>
-              <a:t>Große Mengen für viele Anwendungen</a:t>
-            </a:r>
-          </a:p>
-        </p:txBody>
-      </p:sp>
-    </p:spTree>
-    <p:extLst>
-      <p:ext uri="{BB962C8B-B14F-4D97-AF65-F5344CB8AC3E}">
-        <p14:creationId xmlns:p14="http://schemas.microsoft.com/office/powerpoint/2010/main" val="1586983094"/>
-      </p:ext>
-    </p:extLst>
-  </p:cSld>
-  <p:clrMapOvr>
-    <a:masterClrMapping/>
-  </p:clrMapOvr>
-</p:sld>
-</file>
-
-<file path=ppt/slides/slide3.xml><?xml version="1.0" encoding="utf-8"?>
-<p:sld xmlns:a="http://schemas.openxmlformats.org/drawingml/2006/main" xmlns:r="http://schemas.openxmlformats.org/officeDocument/2006/relationships" xmlns:p="http://schemas.openxmlformats.org/presentationml/2006/main">
-  <p:cSld>
-    <p:spTree>
-      <p:nvGrpSpPr>
-        <p:cNvPr id="1" name=""/>
-        <p:cNvGrpSpPr/>
-        <p:nvPr/>
-      </p:nvGrpSpPr>
-      <p:grpSpPr>
-        <a:xfrm>
-          <a:off x="0" y="0"/>
-          <a:ext cx="0" cy="0"/>
-          <a:chOff x="0" y="0"/>
-          <a:chExt cx="0" cy="0"/>
-        </a:xfrm>
-      </p:grpSpPr>
-      <p:sp>
-        <p:nvSpPr>
-          <p:cNvPr id="2" name="Title 1">
-            <a:extLst>
-              <a:ext uri="{FF2B5EF4-FFF2-40B4-BE49-F238E27FC236}">
-                <a16:creationId xmlns:a16="http://schemas.microsoft.com/office/drawing/2014/main" id="{A16D7DE3-368C-CA4F-AA02-93E65093D8E0}"/>
-              </a:ext>
-            </a:extLst>
-          </p:cNvPr>
-          <p:cNvSpPr>
-            <a:spLocks noGrp="1"/>
-          </p:cNvSpPr>
-          <p:nvPr>
-            <p:ph type="title"/>
-          </p:nvPr>
-        </p:nvSpPr>
-        <p:spPr/>
-        <p:txBody>
-          <a:bodyPr/>
-          <a:lstStyle/>
-          <a:p>
-            <a:r>
-              <a:rPr lang="en-DE" dirty="0"/>
-              <a:t>Bereiche</a:t>
-            </a:r>
-          </a:p>
-        </p:txBody>
-      </p:sp>
-      <p:sp>
-        <p:nvSpPr>
-          <p:cNvPr id="3" name="Content Placeholder 2">
-            <a:extLst>
-              <a:ext uri="{FF2B5EF4-FFF2-40B4-BE49-F238E27FC236}">
-                <a16:creationId xmlns:a16="http://schemas.microsoft.com/office/drawing/2014/main" id="{6AA38507-F7C7-2747-8651-DE690045CB55}"/>
-              </a:ext>
-            </a:extLst>
-          </p:cNvPr>
-          <p:cNvSpPr>
-            <a:spLocks noGrp="1"/>
-          </p:cNvSpPr>
-          <p:nvPr>
-            <p:ph idx="1"/>
-          </p:nvPr>
-        </p:nvSpPr>
-        <p:spPr/>
-        <p:txBody>
-          <a:bodyPr/>
-          <a:lstStyle/>
-          <a:p>
-            <a:r>
-              <a:rPr lang="en-DE"/>
-              <a:t>Federn</a:t>
-            </a:r>
-          </a:p>
-          <a:p>
-            <a:r>
-              <a:rPr lang="en-DE"/>
-              <a:t>Stanzbiegeteile</a:t>
-            </a:r>
-          </a:p>
-          <a:p>
-            <a:r>
-              <a:rPr lang="en-DE"/>
-              <a:t>Baugruppen</a:t>
-            </a:r>
-          </a:p>
-          <a:p>
-            <a:r>
-              <a:rPr lang="en-DE"/>
-              <a:t>Drahtbiegeteile</a:t>
-            </a:r>
-            <a:endParaRPr lang="en-DE" dirty="0"/>
-          </a:p>
-        </p:txBody>
-      </p:sp>
-      <p:pic>
-        <p:nvPicPr>
-          <p:cNvPr id="5" name="Picture 4" descr="A picture containing man, air, jumping, trick&#10;&#10;Description automatically generated">
-            <a:extLst>
-              <a:ext uri="{FF2B5EF4-FFF2-40B4-BE49-F238E27FC236}">
-                <a16:creationId xmlns:a16="http://schemas.microsoft.com/office/drawing/2014/main" id="{D15972BE-BC62-834C-8A91-8E3C44E1F350}"/>
-              </a:ext>
-            </a:extLst>
-          </p:cNvPr>
-          <p:cNvPicPr>
-            <a:picLocks noChangeAspect="1"/>
-          </p:cNvPicPr>
-          <p:nvPr/>
-        </p:nvPicPr>
-        <p:blipFill>
-          <a:blip r:embed="rId2"/>
-          <a:stretch>
-            <a:fillRect/>
-          </a:stretch>
-        </p:blipFill>
-        <p:spPr>
-          <a:xfrm>
-            <a:off x="8662230" y="2916887"/>
-            <a:ext cx="2096654" cy="2096654"/>
-          </a:xfrm>
-          <a:prstGeom prst="rect">
-            <a:avLst/>
-          </a:prstGeom>
-        </p:spPr>
-      </p:pic>
-      <p:pic>
-        <p:nvPicPr>
-          <p:cNvPr id="7" name="Picture 6" descr="A picture containing man, table, black, toy&#10;&#10;Description automatically generated">
-            <a:extLst>
-              <a:ext uri="{FF2B5EF4-FFF2-40B4-BE49-F238E27FC236}">
-                <a16:creationId xmlns:a16="http://schemas.microsoft.com/office/drawing/2014/main" id="{DB370ED4-CB36-AD4E-A180-817146F54533}"/>
-              </a:ext>
-            </a:extLst>
-          </p:cNvPr>
-          <p:cNvPicPr>
-            <a:picLocks noChangeAspect="1"/>
-          </p:cNvPicPr>
-          <p:nvPr/>
-        </p:nvPicPr>
-        <p:blipFill>
-          <a:blip r:embed="rId3"/>
-          <a:stretch>
-            <a:fillRect/>
-          </a:stretch>
-        </p:blipFill>
-        <p:spPr>
-          <a:xfrm>
-            <a:off x="6096000" y="1573753"/>
-            <a:ext cx="2038098" cy="2038098"/>
-          </a:xfrm>
-          <a:prstGeom prst="rect">
-            <a:avLst/>
-          </a:prstGeom>
-        </p:spPr>
-      </p:pic>
-      <p:pic>
-        <p:nvPicPr>
-          <p:cNvPr id="9" name="Picture 8" descr="A picture containing white&#10;&#10;Description automatically generated">
-            <a:extLst>
-              <a:ext uri="{FF2B5EF4-FFF2-40B4-BE49-F238E27FC236}">
-                <a16:creationId xmlns:a16="http://schemas.microsoft.com/office/drawing/2014/main" id="{4B5E51B2-E122-4A4E-A796-C620748ADF58}"/>
-              </a:ext>
-            </a:extLst>
-          </p:cNvPr>
-          <p:cNvPicPr>
-            <a:picLocks noChangeAspect="1"/>
-          </p:cNvPicPr>
-          <p:nvPr/>
-        </p:nvPicPr>
-        <p:blipFill>
-          <a:blip r:embed="rId4"/>
-          <a:stretch>
-            <a:fillRect/>
-          </a:stretch>
-        </p:blipFill>
-        <p:spPr>
-          <a:xfrm>
-            <a:off x="6096000" y="3791238"/>
-            <a:ext cx="2216727" cy="2216727"/>
-          </a:xfrm>
-          <a:prstGeom prst="rect">
-            <a:avLst/>
-          </a:prstGeom>
-        </p:spPr>
-      </p:pic>
-      <p:pic>
-        <p:nvPicPr>
-          <p:cNvPr id="11" name="Picture 10" descr="A picture containing comb&#10;&#10;Description automatically generated">
-            <a:extLst>
-              <a:ext uri="{FF2B5EF4-FFF2-40B4-BE49-F238E27FC236}">
-                <a16:creationId xmlns:a16="http://schemas.microsoft.com/office/drawing/2014/main" id="{BF65D0D7-1766-B445-991C-F96A6268EEE8}"/>
-              </a:ext>
-            </a:extLst>
-          </p:cNvPr>
-          <p:cNvPicPr>
-            <a:picLocks noChangeAspect="1"/>
-          </p:cNvPicPr>
-          <p:nvPr/>
-        </p:nvPicPr>
-        <p:blipFill>
-          <a:blip r:embed="rId5"/>
-          <a:stretch>
-            <a:fillRect/>
-          </a:stretch>
-        </p:blipFill>
-        <p:spPr>
-          <a:xfrm>
-            <a:off x="8662230" y="820233"/>
-            <a:ext cx="2096654" cy="2096654"/>
-          </a:xfrm>
-          <a:prstGeom prst="rect">
-            <a:avLst/>
-          </a:prstGeom>
-        </p:spPr>
-      </p:pic>
-    </p:spTree>
-    <p:extLst>
-      <p:ext uri="{BB962C8B-B14F-4D97-AF65-F5344CB8AC3E}">
-        <p14:creationId xmlns:p14="http://schemas.microsoft.com/office/powerpoint/2010/main" val="2240983554"/>
-      </p:ext>
-    </p:extLst>
-  </p:cSld>
-  <p:clrMapOvr>
-    <a:masterClrMapping/>
-  </p:clrMapOvr>
-</p:sld>
-</file>
-
-<file path=ppt/slides/slide4.xml><?xml version="1.0" encoding="utf-8"?>
-<p:sld xmlns:a="http://schemas.openxmlformats.org/drawingml/2006/main" xmlns:r="http://schemas.openxmlformats.org/officeDocument/2006/relationships" xmlns:p="http://schemas.openxmlformats.org/presentationml/2006/main">
-  <p:cSld>
-    <p:spTree>
-      <p:nvGrpSpPr>
-        <p:cNvPr id="1" name=""/>
-        <p:cNvGrpSpPr/>
-        <p:nvPr/>
-      </p:nvGrpSpPr>
-      <p:grpSpPr>
-        <a:xfrm>
-          <a:off x="0" y="0"/>
-          <a:ext cx="0" cy="0"/>
-          <a:chOff x="0" y="0"/>
-          <a:chExt cx="0" cy="0"/>
-        </a:xfrm>
-      </p:grpSpPr>
-      <p:sp>
-        <p:nvSpPr>
-          <p:cNvPr id="2" name="Title 1">
-            <a:extLst>
-              <a:ext uri="{FF2B5EF4-FFF2-40B4-BE49-F238E27FC236}">
-                <a16:creationId xmlns:a16="http://schemas.microsoft.com/office/drawing/2014/main" id="{4CBC04D0-E9BE-4B48-B74F-D7A570FFB360}"/>
-              </a:ext>
-            </a:extLst>
-          </p:cNvPr>
-          <p:cNvSpPr>
-            <a:spLocks noGrp="1"/>
-          </p:cNvSpPr>
-          <p:nvPr>
-            <p:ph type="title"/>
-          </p:nvPr>
-        </p:nvSpPr>
-        <p:spPr/>
-        <p:txBody>
-          <a:bodyPr/>
-          <a:lstStyle/>
-          <a:p>
-            <a:r>
-              <a:rPr lang="en-DE"/>
-              <a:t>Federn</a:t>
-            </a:r>
-            <a:endParaRPr lang="en-DE" dirty="0"/>
-          </a:p>
-        </p:txBody>
-      </p:sp>
-      <p:sp>
-        <p:nvSpPr>
-          <p:cNvPr id="3" name="Content Placeholder 2">
-            <a:extLst>
-              <a:ext uri="{FF2B5EF4-FFF2-40B4-BE49-F238E27FC236}">
-                <a16:creationId xmlns:a16="http://schemas.microsoft.com/office/drawing/2014/main" id="{F2E60CD4-6C1F-DC48-A289-87E86EA3CED6}"/>
-              </a:ext>
-            </a:extLst>
-          </p:cNvPr>
-          <p:cNvSpPr>
-            <a:spLocks noGrp="1"/>
-          </p:cNvSpPr>
-          <p:nvPr>
-            <p:ph idx="1"/>
-          </p:nvPr>
-        </p:nvSpPr>
-        <p:spPr/>
-        <p:txBody>
-          <a:bodyPr/>
-          <a:lstStyle/>
-          <a:p>
-            <a:r>
-              <a:rPr lang="en-DE"/>
-              <a:t>Zugfedern</a:t>
-            </a:r>
-          </a:p>
-          <a:p>
-            <a:r>
-              <a:rPr lang="en-DE"/>
-              <a:t>Schenkelfedern</a:t>
-            </a:r>
-          </a:p>
-          <a:p>
-            <a:r>
-              <a:rPr lang="en-DE"/>
-              <a:t>Druckfedern</a:t>
-            </a:r>
-          </a:p>
-          <a:p>
-            <a:endParaRPr lang="en-DE" dirty="0"/>
-          </a:p>
-        </p:txBody>
-      </p:sp>
-      <p:pic>
-        <p:nvPicPr>
-          <p:cNvPr id="5" name="Picture 4" descr="A close up of ware&#10;&#10;Description automatically generated">
-            <a:extLst>
-              <a:ext uri="{FF2B5EF4-FFF2-40B4-BE49-F238E27FC236}">
-                <a16:creationId xmlns:a16="http://schemas.microsoft.com/office/drawing/2014/main" id="{D9396B65-809B-4F49-8035-1650648F463B}"/>
-              </a:ext>
-            </a:extLst>
-          </p:cNvPr>
-          <p:cNvPicPr>
-            <a:picLocks noChangeAspect="1"/>
-          </p:cNvPicPr>
-          <p:nvPr/>
-        </p:nvPicPr>
-        <p:blipFill>
-          <a:blip r:embed="rId2"/>
-          <a:stretch>
-            <a:fillRect/>
-          </a:stretch>
-        </p:blipFill>
-        <p:spPr>
-          <a:xfrm>
-            <a:off x="7982664" y="4386695"/>
-            <a:ext cx="2234928" cy="1609148"/>
-          </a:xfrm>
-          <a:prstGeom prst="rect">
-            <a:avLst/>
-          </a:prstGeom>
-        </p:spPr>
-      </p:pic>
-      <p:pic>
-        <p:nvPicPr>
-          <p:cNvPr id="7" name="Picture 6" descr="A close up of ware&#10;&#10;Description automatically generated">
-            <a:extLst>
-              <a:ext uri="{FF2B5EF4-FFF2-40B4-BE49-F238E27FC236}">
-                <a16:creationId xmlns:a16="http://schemas.microsoft.com/office/drawing/2014/main" id="{96BD69AF-F821-234B-A1FE-6A6FE6A871D9}"/>
-              </a:ext>
-            </a:extLst>
-          </p:cNvPr>
-          <p:cNvPicPr>
-            <a:picLocks noChangeAspect="1"/>
-          </p:cNvPicPr>
-          <p:nvPr/>
-        </p:nvPicPr>
-        <p:blipFill>
-          <a:blip r:embed="rId3"/>
-          <a:stretch>
-            <a:fillRect/>
-          </a:stretch>
-        </p:blipFill>
-        <p:spPr>
-          <a:xfrm>
-            <a:off x="5271927" y="2508791"/>
-            <a:ext cx="2234928" cy="1609148"/>
-          </a:xfrm>
-          <a:prstGeom prst="rect">
-            <a:avLst/>
-          </a:prstGeom>
-        </p:spPr>
-      </p:pic>
-      <p:pic>
-        <p:nvPicPr>
-          <p:cNvPr id="9" name="Picture 8" descr="A close up of a device&#10;&#10;Description automatically generated">
-            <a:extLst>
-              <a:ext uri="{FF2B5EF4-FFF2-40B4-BE49-F238E27FC236}">
-                <a16:creationId xmlns:a16="http://schemas.microsoft.com/office/drawing/2014/main" id="{A7371842-3608-934E-BE0F-B2E25D1A52A1}"/>
-              </a:ext>
-            </a:extLst>
-          </p:cNvPr>
-          <p:cNvPicPr>
-            <a:picLocks noChangeAspect="1"/>
-          </p:cNvPicPr>
-          <p:nvPr/>
-        </p:nvPicPr>
-        <p:blipFill>
-          <a:blip r:embed="rId4"/>
-          <a:stretch>
-            <a:fillRect/>
-          </a:stretch>
-        </p:blipFill>
-        <p:spPr>
-          <a:xfrm>
-            <a:off x="7982664" y="728302"/>
-            <a:ext cx="2234928" cy="1609148"/>
-          </a:xfrm>
-          <a:prstGeom prst="rect">
-            <a:avLst/>
-          </a:prstGeom>
-        </p:spPr>
-      </p:pic>
-    </p:spTree>
-    <p:extLst>
-      <p:ext uri="{BB962C8B-B14F-4D97-AF65-F5344CB8AC3E}">
-        <p14:creationId xmlns:p14="http://schemas.microsoft.com/office/powerpoint/2010/main" val="896090990"/>
-      </p:ext>
-    </p:extLst>
-  </p:cSld>
-  <p:clrMapOvr>
-    <a:masterClrMapping/>
-  </p:clrMapOvr>
-</p:sld>
-</file>
-
-<file path=ppt/slides/slide5.xml><?xml version="1.0" encoding="utf-8"?>
-<p:sld xmlns:a="http://schemas.openxmlformats.org/drawingml/2006/main" xmlns:r="http://schemas.openxmlformats.org/officeDocument/2006/relationships" xmlns:p="http://schemas.openxmlformats.org/presentationml/2006/main">
-  <p:cSld>
-    <p:spTree>
-      <p:nvGrpSpPr>
-        <p:cNvPr id="1" name=""/>
-        <p:cNvGrpSpPr/>
-        <p:nvPr/>
-      </p:nvGrpSpPr>
-      <p:grpSpPr>
-        <a:xfrm>
-          <a:off x="0" y="0"/>
-          <a:ext cx="0" cy="0"/>
-          <a:chOff x="0" y="0"/>
-          <a:chExt cx="0" cy="0"/>
-        </a:xfrm>
-      </p:grpSpPr>
-      <p:sp>
-        <p:nvSpPr>
-          <p:cNvPr id="2" name="Title 1">
-            <a:extLst>
-              <a:ext uri="{FF2B5EF4-FFF2-40B4-BE49-F238E27FC236}">
-                <a16:creationId xmlns:a16="http://schemas.microsoft.com/office/drawing/2014/main" id="{3DD62641-7B6B-1E42-8573-A0EAC94DD36D}"/>
-              </a:ext>
-            </a:extLst>
-          </p:cNvPr>
-          <p:cNvSpPr>
-            <a:spLocks noGrp="1"/>
-          </p:cNvSpPr>
-          <p:nvPr>
-            <p:ph type="title"/>
-          </p:nvPr>
-        </p:nvSpPr>
-        <p:spPr/>
-        <p:txBody>
-          <a:bodyPr/>
-          <a:lstStyle/>
-          <a:p>
-            <a:r>
-              <a:rPr lang="en-DE" dirty="0"/>
-              <a:t>Die untersuchte Feder</a:t>
-            </a:r>
-          </a:p>
-        </p:txBody>
-      </p:sp>
-      <p:sp>
-        <p:nvSpPr>
-          <p:cNvPr id="3" name="Content Placeholder 2">
-            <a:extLst>
-              <a:ext uri="{FF2B5EF4-FFF2-40B4-BE49-F238E27FC236}">
-                <a16:creationId xmlns:a16="http://schemas.microsoft.com/office/drawing/2014/main" id="{92A99899-B68B-014B-BE73-24858AC7A321}"/>
-              </a:ext>
-            </a:extLst>
-          </p:cNvPr>
-          <p:cNvSpPr>
-            <a:spLocks noGrp="1"/>
-          </p:cNvSpPr>
-          <p:nvPr>
-            <p:ph idx="1"/>
-          </p:nvPr>
-        </p:nvSpPr>
-        <p:spPr/>
-        <p:txBody>
-          <a:bodyPr/>
-          <a:lstStyle/>
-          <a:p>
-            <a:r>
-              <a:rPr lang="en-DE" dirty="0"/>
-              <a:t>Trompetenfeder</a:t>
-            </a:r>
-          </a:p>
-          <a:p>
-            <a:r>
-              <a:rPr lang="en-DE" dirty="0"/>
-              <a:t>1 Feder als Standard</a:t>
-            </a:r>
-          </a:p>
-          <a:p>
-            <a:r>
-              <a:rPr lang="en-DE" dirty="0"/>
-              <a:t>2 Federn Durchm geändert</a:t>
-            </a:r>
-          </a:p>
-          <a:p>
-            <a:r>
-              <a:rPr lang="en-DE" dirty="0"/>
-              <a:t>2 Federn Wicklungszahl geändert</a:t>
-            </a:r>
-          </a:p>
-        </p:txBody>
-      </p:sp>
-    </p:spTree>
-    <p:extLst>
-      <p:ext uri="{BB962C8B-B14F-4D97-AF65-F5344CB8AC3E}">
-        <p14:creationId xmlns:p14="http://schemas.microsoft.com/office/powerpoint/2010/main" val="4242125548"/>
-      </p:ext>
-    </p:extLst>
-  </p:cSld>
-  <p:clrMapOvr>
-    <a:masterClrMapping/>
-  </p:clrMapOvr>
-</p:sld>
-</file>
-
-<file path=ppt/slides/slide6.xml><?xml version="1.0" encoding="utf-8"?>
+<file path=ppt/slides/slide10.xml><?xml version="1.0" encoding="utf-8"?>
 <p:sld xmlns:a="http://schemas.openxmlformats.org/drawingml/2006/main" xmlns:r="http://schemas.openxmlformats.org/officeDocument/2006/relationships" xmlns:p="http://schemas.openxmlformats.org/presentationml/2006/main">
   <p:cSld>
     <p:spTree>
@@ -4310,7 +10344,228 @@
 </p:sld>
 </file>
 
-<file path=ppt/slides/slide7.xml><?xml version="1.0" encoding="utf-8"?>
+<file path=ppt/slides/slide11.xml><?xml version="1.0" encoding="utf-8"?>
+<p:sld xmlns:a="http://schemas.openxmlformats.org/drawingml/2006/main" xmlns:r="http://schemas.openxmlformats.org/officeDocument/2006/relationships" xmlns:p="http://schemas.openxmlformats.org/presentationml/2006/main">
+  <p:cSld>
+    <p:spTree>
+      <p:nvGrpSpPr>
+        <p:cNvPr id="1" name=""/>
+        <p:cNvGrpSpPr/>
+        <p:nvPr/>
+      </p:nvGrpSpPr>
+      <p:grpSpPr>
+        <a:xfrm>
+          <a:off x="0" y="0"/>
+          <a:ext cx="0" cy="0"/>
+          <a:chOff x="0" y="0"/>
+          <a:chExt cx="0" cy="0"/>
+        </a:xfrm>
+      </p:grpSpPr>
+      <p:sp>
+        <p:nvSpPr>
+          <p:cNvPr id="2" name="Title 1">
+            <a:extLst>
+              <a:ext uri="{FF2B5EF4-FFF2-40B4-BE49-F238E27FC236}">
+                <a16:creationId xmlns:a16="http://schemas.microsoft.com/office/drawing/2014/main" id="{836784F1-7EDF-9343-A613-174D274E986C}"/>
+              </a:ext>
+            </a:extLst>
+          </p:cNvPr>
+          <p:cNvSpPr>
+            <a:spLocks noGrp="1"/>
+          </p:cNvSpPr>
+          <p:nvPr>
+            <p:ph type="title"/>
+          </p:nvPr>
+        </p:nvSpPr>
+        <p:spPr/>
+        <p:txBody>
+          <a:bodyPr/>
+          <a:lstStyle/>
+          <a:p>
+            <a:r>
+              <a:rPr lang="en-DE" dirty="0"/>
+              <a:t>Durchführung des Versuchs</a:t>
+            </a:r>
+          </a:p>
+        </p:txBody>
+      </p:sp>
+      <p:sp>
+        <p:nvSpPr>
+          <p:cNvPr id="3" name="Content Placeholder 2">
+            <a:extLst>
+              <a:ext uri="{FF2B5EF4-FFF2-40B4-BE49-F238E27FC236}">
+                <a16:creationId xmlns:a16="http://schemas.microsoft.com/office/drawing/2014/main" id="{2E0715D6-A253-C24E-8816-98E00BC15048}"/>
+              </a:ext>
+            </a:extLst>
+          </p:cNvPr>
+          <p:cNvSpPr>
+            <a:spLocks noGrp="1"/>
+          </p:cNvSpPr>
+          <p:nvPr>
+            <p:ph idx="1"/>
+          </p:nvPr>
+        </p:nvSpPr>
+        <p:spPr/>
+        <p:txBody>
+          <a:bodyPr/>
+          <a:lstStyle/>
+          <a:p>
+            <a:r>
+              <a:rPr lang="en-DE" dirty="0"/>
+              <a:t>Basisfeder Stückzahl 6</a:t>
+            </a:r>
+          </a:p>
+          <a:p>
+            <a:r>
+              <a:rPr lang="en-DE" dirty="0"/>
+              <a:t>2 x Feder mit verändertem Durchmessers</a:t>
+            </a:r>
+          </a:p>
+          <a:p>
+            <a:r>
+              <a:rPr lang="en-DE" dirty="0"/>
+              <a:t>2 x Feder mit veränderter Windungszahl</a:t>
+            </a:r>
+          </a:p>
+          <a:p>
+            <a:r>
+              <a:rPr lang="en-DE" dirty="0"/>
+              <a:t>Stückzahl jeweils 5</a:t>
+            </a:r>
+          </a:p>
+        </p:txBody>
+      </p:sp>
+    </p:spTree>
+    <p:extLst>
+      <p:ext uri="{BB962C8B-B14F-4D97-AF65-F5344CB8AC3E}">
+        <p14:creationId xmlns:p14="http://schemas.microsoft.com/office/powerpoint/2010/main" val="1475540287"/>
+      </p:ext>
+    </p:extLst>
+  </p:cSld>
+  <p:clrMapOvr>
+    <a:masterClrMapping/>
+  </p:clrMapOvr>
+</p:sld>
+</file>
+
+<file path=ppt/slides/slide12.xml><?xml version="1.0" encoding="utf-8"?>
+<p:sld xmlns:a="http://schemas.openxmlformats.org/drawingml/2006/main" xmlns:r="http://schemas.openxmlformats.org/officeDocument/2006/relationships" xmlns:p="http://schemas.openxmlformats.org/presentationml/2006/main">
+  <p:cSld>
+    <p:spTree>
+      <p:nvGrpSpPr>
+        <p:cNvPr id="1" name=""/>
+        <p:cNvGrpSpPr/>
+        <p:nvPr/>
+      </p:nvGrpSpPr>
+      <p:grpSpPr>
+        <a:xfrm>
+          <a:off x="0" y="0"/>
+          <a:ext cx="0" cy="0"/>
+          <a:chOff x="0" y="0"/>
+          <a:chExt cx="0" cy="0"/>
+        </a:xfrm>
+      </p:grpSpPr>
+      <p:sp>
+        <p:nvSpPr>
+          <p:cNvPr id="2" name="Title 1">
+            <a:extLst>
+              <a:ext uri="{FF2B5EF4-FFF2-40B4-BE49-F238E27FC236}">
+                <a16:creationId xmlns:a16="http://schemas.microsoft.com/office/drawing/2014/main" id="{BC1A4823-9649-DF4A-95BC-E73909034D9D}"/>
+              </a:ext>
+            </a:extLst>
+          </p:cNvPr>
+          <p:cNvSpPr>
+            <a:spLocks noGrp="1"/>
+          </p:cNvSpPr>
+          <p:nvPr>
+            <p:ph type="title"/>
+          </p:nvPr>
+        </p:nvSpPr>
+        <p:spPr/>
+        <p:txBody>
+          <a:bodyPr/>
+          <a:lstStyle/>
+          <a:p>
+            <a:r>
+              <a:rPr lang="en-DE" dirty="0"/>
+              <a:t>Auswertung der Ergebnisse</a:t>
+            </a:r>
+          </a:p>
+        </p:txBody>
+      </p:sp>
+      <p:pic>
+        <p:nvPicPr>
+          <p:cNvPr id="5" name="Content Placeholder 4">
+            <a:extLst>
+              <a:ext uri="{FF2B5EF4-FFF2-40B4-BE49-F238E27FC236}">
+                <a16:creationId xmlns:a16="http://schemas.microsoft.com/office/drawing/2014/main" id="{A416F077-8DB2-F744-8C07-92AE4D60892F}"/>
+              </a:ext>
+            </a:extLst>
+          </p:cNvPr>
+          <p:cNvPicPr>
+            <a:picLocks noGrp="1" noChangeAspect="1"/>
+          </p:cNvPicPr>
+          <p:nvPr>
+            <p:ph idx="1"/>
+          </p:nvPr>
+        </p:nvPicPr>
+        <p:blipFill>
+          <a:blip r:embed="rId2"/>
+          <a:stretch>
+            <a:fillRect/>
+          </a:stretch>
+        </p:blipFill>
+        <p:spPr>
+          <a:xfrm>
+            <a:off x="521523" y="2185987"/>
+            <a:ext cx="5205353" cy="3906838"/>
+          </a:xfrm>
+        </p:spPr>
+      </p:pic>
+      <p:pic>
+        <p:nvPicPr>
+          <p:cNvPr id="7" name="Picture 6">
+            <a:extLst>
+              <a:ext uri="{FF2B5EF4-FFF2-40B4-BE49-F238E27FC236}">
+                <a16:creationId xmlns:a16="http://schemas.microsoft.com/office/drawing/2014/main" id="{22E1FBAA-8774-D749-8067-DB45D6C13271}"/>
+              </a:ext>
+            </a:extLst>
+          </p:cNvPr>
+          <p:cNvPicPr>
+            <a:picLocks noChangeAspect="1"/>
+          </p:cNvPicPr>
+          <p:nvPr/>
+        </p:nvPicPr>
+        <p:blipFill>
+          <a:blip r:embed="rId3"/>
+          <a:stretch>
+            <a:fillRect/>
+          </a:stretch>
+        </p:blipFill>
+        <p:spPr>
+          <a:xfrm>
+            <a:off x="6096000" y="1942306"/>
+            <a:ext cx="5854700" cy="4394200"/>
+          </a:xfrm>
+          <a:prstGeom prst="rect">
+            <a:avLst/>
+          </a:prstGeom>
+        </p:spPr>
+      </p:pic>
+    </p:spTree>
+    <p:extLst>
+      <p:ext uri="{BB962C8B-B14F-4D97-AF65-F5344CB8AC3E}">
+        <p14:creationId xmlns:p14="http://schemas.microsoft.com/office/powerpoint/2010/main" val="2661957532"/>
+      </p:ext>
+    </p:extLst>
+  </p:cSld>
+  <p:clrMapOvr>
+    <a:masterClrMapping/>
+  </p:clrMapOvr>
+</p:sld>
+</file>
+
+<file path=ppt/slides/slide13.xml><?xml version="1.0" encoding="utf-8"?>
 <p:sld xmlns:a="http://schemas.openxmlformats.org/drawingml/2006/main" xmlns:r="http://schemas.openxmlformats.org/officeDocument/2006/relationships" xmlns:p="http://schemas.openxmlformats.org/presentationml/2006/main">
   <p:cSld>
     <p:spTree>
@@ -4352,12 +10607,330 @@
           </a:p>
         </p:txBody>
       </p:sp>
+      <p:pic>
+        <p:nvPicPr>
+          <p:cNvPr id="5" name="Content Placeholder 4">
+            <a:extLst>
+              <a:ext uri="{FF2B5EF4-FFF2-40B4-BE49-F238E27FC236}">
+                <a16:creationId xmlns:a16="http://schemas.microsoft.com/office/drawing/2014/main" id="{67850FDC-EAD7-5249-A3A3-7F64443EF8F4}"/>
+              </a:ext>
+            </a:extLst>
+          </p:cNvPr>
+          <p:cNvPicPr>
+            <a:picLocks noGrp="1" noChangeAspect="1"/>
+          </p:cNvPicPr>
+          <p:nvPr>
+            <p:ph idx="1"/>
+          </p:nvPr>
+        </p:nvPicPr>
+        <p:blipFill>
+          <a:blip r:embed="rId3"/>
+          <a:stretch>
+            <a:fillRect/>
+          </a:stretch>
+        </p:blipFill>
+        <p:spPr>
+          <a:xfrm>
+            <a:off x="578673" y="2185987"/>
+            <a:ext cx="5205353" cy="3906838"/>
+          </a:xfrm>
+        </p:spPr>
+      </p:pic>
+      <p:pic>
+        <p:nvPicPr>
+          <p:cNvPr id="8" name="Picture 7">
+            <a:extLst>
+              <a:ext uri="{FF2B5EF4-FFF2-40B4-BE49-F238E27FC236}">
+                <a16:creationId xmlns:a16="http://schemas.microsoft.com/office/drawing/2014/main" id="{0341BE62-AB40-AE49-A40F-38230B02AF3B}"/>
+              </a:ext>
+            </a:extLst>
+          </p:cNvPr>
+          <p:cNvPicPr>
+            <a:picLocks noChangeAspect="1"/>
+          </p:cNvPicPr>
+          <p:nvPr/>
+        </p:nvPicPr>
+        <p:blipFill>
+          <a:blip r:embed="rId4"/>
+          <a:stretch>
+            <a:fillRect/>
+          </a:stretch>
+        </p:blipFill>
+        <p:spPr>
+          <a:xfrm>
+            <a:off x="5758627" y="2090738"/>
+            <a:ext cx="5854700" cy="4394200"/>
+          </a:xfrm>
+          <a:prstGeom prst="rect">
+            <a:avLst/>
+          </a:prstGeom>
+        </p:spPr>
+      </p:pic>
+    </p:spTree>
+    <p:extLst>
+      <p:ext uri="{BB962C8B-B14F-4D97-AF65-F5344CB8AC3E}">
+        <p14:creationId xmlns:p14="http://schemas.microsoft.com/office/powerpoint/2010/main" val="1659761832"/>
+      </p:ext>
+    </p:extLst>
+  </p:cSld>
+  <p:clrMapOvr>
+    <a:masterClrMapping/>
+  </p:clrMapOvr>
+</p:sld>
+</file>
+
+<file path=ppt/slides/slide14.xml><?xml version="1.0" encoding="utf-8"?>
+<p:sld xmlns:a="http://schemas.openxmlformats.org/drawingml/2006/main" xmlns:r="http://schemas.openxmlformats.org/officeDocument/2006/relationships" xmlns:p="http://schemas.openxmlformats.org/presentationml/2006/main">
+  <p:cSld>
+    <p:spTree>
+      <p:nvGrpSpPr>
+        <p:cNvPr id="1" name=""/>
+        <p:cNvGrpSpPr/>
+        <p:nvPr/>
+      </p:nvGrpSpPr>
+      <p:grpSpPr>
+        <a:xfrm>
+          <a:off x="0" y="0"/>
+          <a:ext cx="0" cy="0"/>
+          <a:chOff x="0" y="0"/>
+          <a:chExt cx="0" cy="0"/>
+        </a:xfrm>
+      </p:grpSpPr>
+      <p:sp>
+        <p:nvSpPr>
+          <p:cNvPr id="2" name="Title 1">
+            <a:extLst>
+              <a:ext uri="{FF2B5EF4-FFF2-40B4-BE49-F238E27FC236}">
+                <a16:creationId xmlns:a16="http://schemas.microsoft.com/office/drawing/2014/main" id="{8912AA77-133B-4A45-A506-2B8FD10AA4CB}"/>
+              </a:ext>
+            </a:extLst>
+          </p:cNvPr>
+          <p:cNvSpPr>
+            <a:spLocks noGrp="1"/>
+          </p:cNvSpPr>
+          <p:nvPr>
+            <p:ph type="title"/>
+          </p:nvPr>
+        </p:nvSpPr>
+        <p:spPr/>
+        <p:txBody>
+          <a:bodyPr/>
+          <a:lstStyle/>
+          <a:p>
+            <a:endParaRPr lang="en-DE"/>
+          </a:p>
+        </p:txBody>
+      </p:sp>
+      <p:pic>
+        <p:nvPicPr>
+          <p:cNvPr id="5" name="Content Placeholder 4">
+            <a:extLst>
+              <a:ext uri="{FF2B5EF4-FFF2-40B4-BE49-F238E27FC236}">
+                <a16:creationId xmlns:a16="http://schemas.microsoft.com/office/drawing/2014/main" id="{1AB01997-ED76-8947-BB86-0F467E5B6BBA}"/>
+              </a:ext>
+            </a:extLst>
+          </p:cNvPr>
+          <p:cNvPicPr>
+            <a:picLocks noGrp="1" noChangeAspect="1"/>
+          </p:cNvPicPr>
+          <p:nvPr>
+            <p:ph idx="1"/>
+          </p:nvPr>
+        </p:nvPicPr>
+        <p:blipFill>
+          <a:blip r:embed="rId2"/>
+          <a:stretch>
+            <a:fillRect/>
+          </a:stretch>
+        </p:blipFill>
+        <p:spPr>
+          <a:xfrm>
+            <a:off x="3493323" y="2185987"/>
+            <a:ext cx="5205353" cy="3906838"/>
+          </a:xfrm>
+        </p:spPr>
+      </p:pic>
+    </p:spTree>
+    <p:extLst>
+      <p:ext uri="{BB962C8B-B14F-4D97-AF65-F5344CB8AC3E}">
+        <p14:creationId xmlns:p14="http://schemas.microsoft.com/office/powerpoint/2010/main" val="1663917349"/>
+      </p:ext>
+    </p:extLst>
+  </p:cSld>
+  <p:clrMapOvr>
+    <a:masterClrMapping/>
+  </p:clrMapOvr>
+</p:sld>
+</file>
+
+<file path=ppt/slides/slide15.xml><?xml version="1.0" encoding="utf-8"?>
+<p:sld xmlns:a="http://schemas.openxmlformats.org/drawingml/2006/main" xmlns:r="http://schemas.openxmlformats.org/officeDocument/2006/relationships" xmlns:p="http://schemas.openxmlformats.org/presentationml/2006/main">
+  <p:cSld>
+    <p:spTree>
+      <p:nvGrpSpPr>
+        <p:cNvPr id="1" name=""/>
+        <p:cNvGrpSpPr/>
+        <p:nvPr/>
+      </p:nvGrpSpPr>
+      <p:grpSpPr>
+        <a:xfrm>
+          <a:off x="0" y="0"/>
+          <a:ext cx="0" cy="0"/>
+          <a:chOff x="0" y="0"/>
+          <a:chExt cx="0" cy="0"/>
+        </a:xfrm>
+      </p:grpSpPr>
+      <p:sp>
+        <p:nvSpPr>
+          <p:cNvPr id="2" name="Title 1">
+            <a:extLst>
+              <a:ext uri="{FF2B5EF4-FFF2-40B4-BE49-F238E27FC236}">
+                <a16:creationId xmlns:a16="http://schemas.microsoft.com/office/drawing/2014/main" id="{0F60F753-65D4-754F-9DE3-CE56047F15B3}"/>
+              </a:ext>
+            </a:extLst>
+          </p:cNvPr>
+          <p:cNvSpPr>
+            <a:spLocks noGrp="1"/>
+          </p:cNvSpPr>
+          <p:nvPr>
+            <p:ph type="title"/>
+          </p:nvPr>
+        </p:nvSpPr>
+        <p:spPr/>
+        <p:txBody>
+          <a:bodyPr/>
+          <a:lstStyle/>
+          <a:p>
+            <a:r>
+              <a:rPr lang="en-DE" dirty="0"/>
+              <a:t>Diskussion</a:t>
+            </a:r>
+          </a:p>
+        </p:txBody>
+      </p:sp>
+      <p:pic>
+        <p:nvPicPr>
+          <p:cNvPr id="5" name="Content Placeholder 4">
+            <a:extLst>
+              <a:ext uri="{FF2B5EF4-FFF2-40B4-BE49-F238E27FC236}">
+                <a16:creationId xmlns:a16="http://schemas.microsoft.com/office/drawing/2014/main" id="{A0C948D6-59D4-C647-9C30-525579A955C8}"/>
+              </a:ext>
+            </a:extLst>
+          </p:cNvPr>
+          <p:cNvPicPr>
+            <a:picLocks noGrp="1" noChangeAspect="1"/>
+          </p:cNvPicPr>
+          <p:nvPr>
+            <p:ph idx="1"/>
+          </p:nvPr>
+        </p:nvPicPr>
+        <p:blipFill>
+          <a:blip r:embed="rId3"/>
+          <a:stretch>
+            <a:fillRect/>
+          </a:stretch>
+        </p:blipFill>
+        <p:spPr>
+          <a:xfrm>
+            <a:off x="565973" y="2185987"/>
+            <a:ext cx="5205353" cy="3906838"/>
+          </a:xfrm>
+        </p:spPr>
+      </p:pic>
+      <p:pic>
+        <p:nvPicPr>
+          <p:cNvPr id="7" name="Picture 6">
+            <a:extLst>
+              <a:ext uri="{FF2B5EF4-FFF2-40B4-BE49-F238E27FC236}">
+                <a16:creationId xmlns:a16="http://schemas.microsoft.com/office/drawing/2014/main" id="{6FFE0EF7-1B2C-2D48-B0E0-EB10378AED8C}"/>
+              </a:ext>
+            </a:extLst>
+          </p:cNvPr>
+          <p:cNvPicPr>
+            <a:picLocks noChangeAspect="1"/>
+          </p:cNvPicPr>
+          <p:nvPr/>
+        </p:nvPicPr>
+        <p:blipFill>
+          <a:blip r:embed="rId4"/>
+          <a:stretch>
+            <a:fillRect/>
+          </a:stretch>
+        </p:blipFill>
+        <p:spPr>
+          <a:xfrm>
+            <a:off x="5771326" y="1942306"/>
+            <a:ext cx="5854700" cy="4394200"/>
+          </a:xfrm>
+          <a:prstGeom prst="rect">
+            <a:avLst/>
+          </a:prstGeom>
+        </p:spPr>
+      </p:pic>
+    </p:spTree>
+    <p:extLst>
+      <p:ext uri="{BB962C8B-B14F-4D97-AF65-F5344CB8AC3E}">
+        <p14:creationId xmlns:p14="http://schemas.microsoft.com/office/powerpoint/2010/main" val="2529499411"/>
+      </p:ext>
+    </p:extLst>
+  </p:cSld>
+  <p:clrMapOvr>
+    <a:masterClrMapping/>
+  </p:clrMapOvr>
+</p:sld>
+</file>
+
+<file path=ppt/slides/slide16.xml><?xml version="1.0" encoding="utf-8"?>
+<p:sld xmlns:a="http://schemas.openxmlformats.org/drawingml/2006/main" xmlns:r="http://schemas.openxmlformats.org/officeDocument/2006/relationships" xmlns:p="http://schemas.openxmlformats.org/presentationml/2006/main">
+  <p:cSld>
+    <p:spTree>
+      <p:nvGrpSpPr>
+        <p:cNvPr id="1" name=""/>
+        <p:cNvGrpSpPr/>
+        <p:nvPr/>
+      </p:nvGrpSpPr>
+      <p:grpSpPr>
+        <a:xfrm>
+          <a:off x="0" y="0"/>
+          <a:ext cx="0" cy="0"/>
+          <a:chOff x="0" y="0"/>
+          <a:chExt cx="0" cy="0"/>
+        </a:xfrm>
+      </p:grpSpPr>
+      <p:sp>
+        <p:nvSpPr>
+          <p:cNvPr id="2" name="Title 1">
+            <a:extLst>
+              <a:ext uri="{FF2B5EF4-FFF2-40B4-BE49-F238E27FC236}">
+                <a16:creationId xmlns:a16="http://schemas.microsoft.com/office/drawing/2014/main" id="{C273639A-44B1-5A48-9775-A748A4472DE5}"/>
+              </a:ext>
+            </a:extLst>
+          </p:cNvPr>
+          <p:cNvSpPr>
+            <a:spLocks noGrp="1"/>
+          </p:cNvSpPr>
+          <p:nvPr>
+            <p:ph type="title"/>
+          </p:nvPr>
+        </p:nvSpPr>
+        <p:spPr/>
+        <p:txBody>
+          <a:bodyPr/>
+          <a:lstStyle/>
+          <a:p>
+            <a:r>
+              <a:rPr lang="en-DE" dirty="0"/>
+              <a:t>Quellen</a:t>
+            </a:r>
+          </a:p>
+        </p:txBody>
+      </p:sp>
       <p:sp>
         <p:nvSpPr>
           <p:cNvPr id="3" name="Content Placeholder 2">
             <a:extLst>
               <a:ext uri="{FF2B5EF4-FFF2-40B4-BE49-F238E27FC236}">
-                <a16:creationId xmlns:a16="http://schemas.microsoft.com/office/drawing/2014/main" id="{75767C6B-37B2-B743-AF28-6D09ECAFED6B}"/>
+                <a16:creationId xmlns:a16="http://schemas.microsoft.com/office/drawing/2014/main" id="{EE0213D6-034D-084B-ADE8-8192AD1D7B2D}"/>
               </a:ext>
             </a:extLst>
           </p:cNvPr>
@@ -4373,14 +10946,1084 @@
           <a:bodyPr/>
           <a:lstStyle/>
           <a:p>
-            <a:endParaRPr lang="en-DE"/>
+            <a:r>
+              <a:rPr lang="en-GB" dirty="0" err="1"/>
+              <a:t>www.schnoering.de</a:t>
+            </a:r>
+            <a:r>
+              <a:rPr lang="en-GB" dirty="0"/>
+              <a:t> </a:t>
+            </a:r>
+          </a:p>
+          <a:p>
+            <a:endParaRPr lang="en-DE" dirty="0"/>
           </a:p>
         </p:txBody>
       </p:sp>
     </p:spTree>
     <p:extLst>
       <p:ext uri="{BB962C8B-B14F-4D97-AF65-F5344CB8AC3E}">
-        <p14:creationId xmlns:p14="http://schemas.microsoft.com/office/powerpoint/2010/main" val="1659761832"/>
+        <p14:creationId xmlns:p14="http://schemas.microsoft.com/office/powerpoint/2010/main" val="3822573490"/>
+      </p:ext>
+    </p:extLst>
+  </p:cSld>
+  <p:clrMapOvr>
+    <a:masterClrMapping/>
+  </p:clrMapOvr>
+</p:sld>
+</file>
+
+<file path=ppt/slides/slide2.xml><?xml version="1.0" encoding="utf-8"?>
+<p:sld xmlns:a="http://schemas.openxmlformats.org/drawingml/2006/main" xmlns:r="http://schemas.openxmlformats.org/officeDocument/2006/relationships" xmlns:p="http://schemas.openxmlformats.org/presentationml/2006/main">
+  <p:cSld>
+    <p:spTree>
+      <p:nvGrpSpPr>
+        <p:cNvPr id="1" name=""/>
+        <p:cNvGrpSpPr/>
+        <p:nvPr/>
+      </p:nvGrpSpPr>
+      <p:grpSpPr>
+        <a:xfrm>
+          <a:off x="0" y="0"/>
+          <a:ext cx="0" cy="0"/>
+          <a:chOff x="0" y="0"/>
+          <a:chExt cx="0" cy="0"/>
+        </a:xfrm>
+      </p:grpSpPr>
+      <p:sp>
+        <p:nvSpPr>
+          <p:cNvPr id="2" name="Title 1">
+            <a:extLst>
+              <a:ext uri="{FF2B5EF4-FFF2-40B4-BE49-F238E27FC236}">
+                <a16:creationId xmlns:a16="http://schemas.microsoft.com/office/drawing/2014/main" id="{416D15AF-E7D8-9F4A-8425-705314608B6C}"/>
+              </a:ext>
+            </a:extLst>
+          </p:cNvPr>
+          <p:cNvSpPr>
+            <a:spLocks noGrp="1"/>
+          </p:cNvSpPr>
+          <p:nvPr>
+            <p:ph type="title"/>
+          </p:nvPr>
+        </p:nvSpPr>
+        <p:spPr/>
+        <p:txBody>
+          <a:bodyPr/>
+          <a:lstStyle/>
+          <a:p>
+            <a:pPr algn="ctr"/>
+            <a:r>
+              <a:rPr lang="en-DE" dirty="0"/>
+              <a:t>Ziele</a:t>
+            </a:r>
+          </a:p>
+        </p:txBody>
+      </p:sp>
+      <p:sp>
+        <p:nvSpPr>
+          <p:cNvPr id="3" name="Content Placeholder 2">
+            <a:extLst>
+              <a:ext uri="{FF2B5EF4-FFF2-40B4-BE49-F238E27FC236}">
+                <a16:creationId xmlns:a16="http://schemas.microsoft.com/office/drawing/2014/main" id="{39C8183A-BB2D-B74A-89E9-269EDCD702DD}"/>
+              </a:ext>
+            </a:extLst>
+          </p:cNvPr>
+          <p:cNvSpPr>
+            <a:spLocks noGrp="1"/>
+          </p:cNvSpPr>
+          <p:nvPr>
+            <p:ph idx="1"/>
+          </p:nvPr>
+        </p:nvSpPr>
+        <p:spPr/>
+        <p:txBody>
+          <a:bodyPr/>
+          <a:lstStyle/>
+          <a:p>
+            <a:pPr marL="0" indent="0" algn="ctr">
+              <a:buNone/>
+            </a:pPr>
+            <a:r>
+              <a:rPr lang="en-DE" dirty="0"/>
+              <a:t>Einfluss der Parameter</a:t>
+            </a:r>
+          </a:p>
+          <a:p>
+            <a:pPr marL="0" indent="0" algn="ctr">
+              <a:buNone/>
+            </a:pPr>
+            <a:r>
+              <a:rPr lang="en-DE" dirty="0"/>
+              <a:t>Federaußendurchmesser</a:t>
+            </a:r>
+          </a:p>
+          <a:p>
+            <a:pPr marL="0" indent="0" algn="ctr">
+              <a:buNone/>
+            </a:pPr>
+            <a:r>
+              <a:rPr lang="en-GB" dirty="0"/>
+              <a:t>u</a:t>
+            </a:r>
+            <a:r>
+              <a:rPr lang="en-DE" dirty="0"/>
+              <a:t>nd Federwindungszahl</a:t>
+            </a:r>
+          </a:p>
+          <a:p>
+            <a:pPr marL="0" indent="0" algn="ctr">
+              <a:buNone/>
+            </a:pPr>
+            <a:r>
+              <a:rPr lang="en-GB" dirty="0"/>
+              <a:t>a</a:t>
+            </a:r>
+            <a:r>
+              <a:rPr lang="en-DE" dirty="0"/>
+              <a:t>uf die </a:t>
+            </a:r>
+          </a:p>
+          <a:p>
+            <a:pPr marL="0" indent="0" algn="ctr">
+              <a:buNone/>
+            </a:pPr>
+            <a:r>
+              <a:rPr lang="en-DE" dirty="0"/>
+              <a:t>Federkonstante bzw. Federrate</a:t>
+            </a:r>
+          </a:p>
+        </p:txBody>
+      </p:sp>
+    </p:spTree>
+    <p:extLst>
+      <p:ext uri="{BB962C8B-B14F-4D97-AF65-F5344CB8AC3E}">
+        <p14:creationId xmlns:p14="http://schemas.microsoft.com/office/powerpoint/2010/main" val="1309795142"/>
+      </p:ext>
+    </p:extLst>
+  </p:cSld>
+  <p:clrMapOvr>
+    <a:masterClrMapping/>
+  </p:clrMapOvr>
+</p:sld>
+</file>
+
+<file path=ppt/slides/slide3.xml><?xml version="1.0" encoding="utf-8"?>
+<p:sld xmlns:a="http://schemas.openxmlformats.org/drawingml/2006/main" xmlns:r="http://schemas.openxmlformats.org/officeDocument/2006/relationships" xmlns:p="http://schemas.openxmlformats.org/presentationml/2006/main">
+  <p:cSld>
+    <p:bg>
+      <p:bgPr>
+        <a:solidFill>
+          <a:schemeClr val="bg1"/>
+        </a:solidFill>
+        <a:effectLst/>
+      </p:bgPr>
+    </p:bg>
+    <p:spTree>
+      <p:nvGrpSpPr>
+        <p:cNvPr id="1" name=""/>
+        <p:cNvGrpSpPr/>
+        <p:nvPr/>
+      </p:nvGrpSpPr>
+      <p:grpSpPr>
+        <a:xfrm>
+          <a:off x="0" y="0"/>
+          <a:ext cx="0" cy="0"/>
+          <a:chOff x="0" y="0"/>
+          <a:chExt cx="0" cy="0"/>
+        </a:xfrm>
+      </p:grpSpPr>
+      <p:sp>
+        <p:nvSpPr>
+          <p:cNvPr id="2" name="Title 1">
+            <a:extLst>
+              <a:ext uri="{FF2B5EF4-FFF2-40B4-BE49-F238E27FC236}">
+                <a16:creationId xmlns:a16="http://schemas.microsoft.com/office/drawing/2014/main" id="{49CB1F3B-A9DD-274A-9DA2-00F700443C5E}"/>
+              </a:ext>
+            </a:extLst>
+          </p:cNvPr>
+          <p:cNvSpPr>
+            <a:spLocks noGrp="1"/>
+          </p:cNvSpPr>
+          <p:nvPr>
+            <p:ph type="title"/>
+          </p:nvPr>
+        </p:nvSpPr>
+        <p:spPr>
+          <a:xfrm>
+            <a:off x="481013" y="3752849"/>
+            <a:ext cx="3290887" cy="2452687"/>
+          </a:xfrm>
+        </p:spPr>
+        <p:txBody>
+          <a:bodyPr anchor="ctr">
+            <a:normAutofit/>
+          </a:bodyPr>
+          <a:lstStyle/>
+          <a:p>
+            <a:r>
+              <a:rPr lang="en-DE" sz="3600" dirty="0"/>
+              <a:t>Schnöring</a:t>
+            </a:r>
+          </a:p>
+        </p:txBody>
+      </p:sp>
+      <p:pic>
+        <p:nvPicPr>
+          <p:cNvPr id="7" name="Picture 6" descr="A close up of a device&#10;&#10;Description automatically generated">
+            <a:extLst>
+              <a:ext uri="{FF2B5EF4-FFF2-40B4-BE49-F238E27FC236}">
+                <a16:creationId xmlns:a16="http://schemas.microsoft.com/office/drawing/2014/main" id="{0DD59621-9F20-CA46-B89B-4EE28502FF1B}"/>
+              </a:ext>
+            </a:extLst>
+          </p:cNvPr>
+          <p:cNvPicPr>
+            <a:picLocks noChangeAspect="1"/>
+          </p:cNvPicPr>
+          <p:nvPr/>
+        </p:nvPicPr>
+        <p:blipFill rotWithShape="1">
+          <a:blip r:embed="rId3"/>
+          <a:srcRect b="4143"/>
+          <a:stretch/>
+        </p:blipFill>
+        <p:spPr>
+          <a:xfrm>
+            <a:off x="20" y="10"/>
+            <a:ext cx="12191980" cy="3710603"/>
+          </a:xfrm>
+          <a:custGeom>
+            <a:avLst/>
+            <a:gdLst/>
+            <a:ahLst/>
+            <a:cxnLst/>
+            <a:rect l="l" t="t" r="r" b="b"/>
+            <a:pathLst>
+              <a:path w="12192000" h="3692092">
+                <a:moveTo>
+                  <a:pt x="0" y="0"/>
+                </a:moveTo>
+                <a:lnTo>
+                  <a:pt x="12192000" y="0"/>
+                </a:lnTo>
+                <a:lnTo>
+                  <a:pt x="12192000" y="3504824"/>
+                </a:lnTo>
+                <a:lnTo>
+                  <a:pt x="12024691" y="3517794"/>
+                </a:lnTo>
+                <a:cubicBezTo>
+                  <a:pt x="8077523" y="3783195"/>
+                  <a:pt x="4094678" y="3026959"/>
+                  <a:pt x="160485" y="3663863"/>
+                </a:cubicBezTo>
+                <a:lnTo>
+                  <a:pt x="0" y="3692092"/>
+                </a:lnTo>
+                <a:close/>
+              </a:path>
+            </a:pathLst>
+          </a:custGeom>
+        </p:spPr>
+      </p:pic>
+      <p:sp>
+        <p:nvSpPr>
+          <p:cNvPr id="3" name="Content Placeholder 2">
+            <a:extLst>
+              <a:ext uri="{FF2B5EF4-FFF2-40B4-BE49-F238E27FC236}">
+                <a16:creationId xmlns:a16="http://schemas.microsoft.com/office/drawing/2014/main" id="{453436A8-7E6C-3C48-9BD0-229BE5A7FF97}"/>
+              </a:ext>
+            </a:extLst>
+          </p:cNvPr>
+          <p:cNvSpPr>
+            <a:spLocks noGrp="1"/>
+          </p:cNvSpPr>
+          <p:nvPr>
+            <p:ph idx="1"/>
+          </p:nvPr>
+        </p:nvSpPr>
+        <p:spPr>
+          <a:xfrm>
+            <a:off x="4223982" y="3752850"/>
+            <a:ext cx="7485413" cy="2452687"/>
+          </a:xfrm>
+        </p:spPr>
+        <p:txBody>
+          <a:bodyPr anchor="ctr">
+            <a:normAutofit/>
+          </a:bodyPr>
+          <a:lstStyle/>
+          <a:p>
+            <a:r>
+              <a:rPr lang="en-DE" sz="1800" dirty="0"/>
+              <a:t>Sauerland</a:t>
+            </a:r>
+          </a:p>
+          <a:p>
+            <a:r>
+              <a:rPr lang="en-DE" sz="1800" dirty="0"/>
+              <a:t>Produktion nach Kundenwünschen</a:t>
+            </a:r>
+          </a:p>
+          <a:p>
+            <a:r>
+              <a:rPr lang="en-DE" sz="1800" dirty="0"/>
+              <a:t>Große Mengen für viele Anwendungen</a:t>
+            </a:r>
+          </a:p>
+        </p:txBody>
+      </p:sp>
+    </p:spTree>
+    <p:extLst>
+      <p:ext uri="{BB962C8B-B14F-4D97-AF65-F5344CB8AC3E}">
+        <p14:creationId xmlns:p14="http://schemas.microsoft.com/office/powerpoint/2010/main" val="1586983094"/>
+      </p:ext>
+    </p:extLst>
+  </p:cSld>
+  <p:clrMapOvr>
+    <a:masterClrMapping/>
+  </p:clrMapOvr>
+</p:sld>
+</file>
+
+<file path=ppt/slides/slide4.xml><?xml version="1.0" encoding="utf-8"?>
+<p:sld xmlns:a="http://schemas.openxmlformats.org/drawingml/2006/main" xmlns:r="http://schemas.openxmlformats.org/officeDocument/2006/relationships" xmlns:p="http://schemas.openxmlformats.org/presentationml/2006/main">
+  <p:cSld>
+    <p:spTree>
+      <p:nvGrpSpPr>
+        <p:cNvPr id="1" name=""/>
+        <p:cNvGrpSpPr/>
+        <p:nvPr/>
+      </p:nvGrpSpPr>
+      <p:grpSpPr>
+        <a:xfrm>
+          <a:off x="0" y="0"/>
+          <a:ext cx="0" cy="0"/>
+          <a:chOff x="0" y="0"/>
+          <a:chExt cx="0" cy="0"/>
+        </a:xfrm>
+      </p:grpSpPr>
+      <p:sp>
+        <p:nvSpPr>
+          <p:cNvPr id="2" name="Title 1">
+            <a:extLst>
+              <a:ext uri="{FF2B5EF4-FFF2-40B4-BE49-F238E27FC236}">
+                <a16:creationId xmlns:a16="http://schemas.microsoft.com/office/drawing/2014/main" id="{A16D7DE3-368C-CA4F-AA02-93E65093D8E0}"/>
+              </a:ext>
+            </a:extLst>
+          </p:cNvPr>
+          <p:cNvSpPr>
+            <a:spLocks noGrp="1"/>
+          </p:cNvSpPr>
+          <p:nvPr>
+            <p:ph type="title"/>
+          </p:nvPr>
+        </p:nvSpPr>
+        <p:spPr/>
+        <p:txBody>
+          <a:bodyPr/>
+          <a:lstStyle/>
+          <a:p>
+            <a:r>
+              <a:rPr lang="en-DE" dirty="0"/>
+              <a:t>Bereiche</a:t>
+            </a:r>
+          </a:p>
+        </p:txBody>
+      </p:sp>
+      <p:sp>
+        <p:nvSpPr>
+          <p:cNvPr id="3" name="Content Placeholder 2">
+            <a:extLst>
+              <a:ext uri="{FF2B5EF4-FFF2-40B4-BE49-F238E27FC236}">
+                <a16:creationId xmlns:a16="http://schemas.microsoft.com/office/drawing/2014/main" id="{6AA38507-F7C7-2747-8651-DE690045CB55}"/>
+              </a:ext>
+            </a:extLst>
+          </p:cNvPr>
+          <p:cNvSpPr>
+            <a:spLocks noGrp="1"/>
+          </p:cNvSpPr>
+          <p:nvPr>
+            <p:ph idx="1"/>
+          </p:nvPr>
+        </p:nvSpPr>
+        <p:spPr/>
+        <p:txBody>
+          <a:bodyPr/>
+          <a:lstStyle/>
+          <a:p>
+            <a:r>
+              <a:rPr lang="en-DE" dirty="0"/>
+              <a:t>Drahtbiegeteile</a:t>
+            </a:r>
+          </a:p>
+          <a:p>
+            <a:r>
+              <a:rPr lang="en-DE" dirty="0"/>
+              <a:t>Stanzbiegeteile</a:t>
+            </a:r>
+          </a:p>
+          <a:p>
+            <a:r>
+              <a:rPr lang="en-DE" dirty="0"/>
+              <a:t>Baugruppen</a:t>
+            </a:r>
+          </a:p>
+          <a:p>
+            <a:r>
+              <a:rPr lang="en-DE" dirty="0"/>
+              <a:t>Federn</a:t>
+            </a:r>
+          </a:p>
+          <a:p>
+            <a:endParaRPr lang="en-DE" dirty="0"/>
+          </a:p>
+        </p:txBody>
+      </p:sp>
+      <p:pic>
+        <p:nvPicPr>
+          <p:cNvPr id="5" name="Picture 4" descr="A picture containing man, air, jumping, trick&#10;&#10;Description automatically generated">
+            <a:extLst>
+              <a:ext uri="{FF2B5EF4-FFF2-40B4-BE49-F238E27FC236}">
+                <a16:creationId xmlns:a16="http://schemas.microsoft.com/office/drawing/2014/main" id="{D15972BE-BC62-834C-8A91-8E3C44E1F350}"/>
+              </a:ext>
+            </a:extLst>
+          </p:cNvPr>
+          <p:cNvPicPr>
+            <a:picLocks noChangeAspect="1"/>
+          </p:cNvPicPr>
+          <p:nvPr/>
+        </p:nvPicPr>
+        <p:blipFill>
+          <a:blip r:embed="rId3"/>
+          <a:stretch>
+            <a:fillRect/>
+          </a:stretch>
+        </p:blipFill>
+        <p:spPr>
+          <a:xfrm>
+            <a:off x="8662230" y="2916887"/>
+            <a:ext cx="2096654" cy="2096654"/>
+          </a:xfrm>
+          <a:prstGeom prst="rect">
+            <a:avLst/>
+          </a:prstGeom>
+        </p:spPr>
+      </p:pic>
+      <p:pic>
+        <p:nvPicPr>
+          <p:cNvPr id="7" name="Picture 6" descr="A picture containing man, table, black, toy&#10;&#10;Description automatically generated">
+            <a:extLst>
+              <a:ext uri="{FF2B5EF4-FFF2-40B4-BE49-F238E27FC236}">
+                <a16:creationId xmlns:a16="http://schemas.microsoft.com/office/drawing/2014/main" id="{DB370ED4-CB36-AD4E-A180-817146F54533}"/>
+              </a:ext>
+            </a:extLst>
+          </p:cNvPr>
+          <p:cNvPicPr>
+            <a:picLocks noChangeAspect="1"/>
+          </p:cNvPicPr>
+          <p:nvPr/>
+        </p:nvPicPr>
+        <p:blipFill>
+          <a:blip r:embed="rId4"/>
+          <a:stretch>
+            <a:fillRect/>
+          </a:stretch>
+        </p:blipFill>
+        <p:spPr>
+          <a:xfrm>
+            <a:off x="6096000" y="1573753"/>
+            <a:ext cx="2038098" cy="2038098"/>
+          </a:xfrm>
+          <a:prstGeom prst="rect">
+            <a:avLst/>
+          </a:prstGeom>
+        </p:spPr>
+      </p:pic>
+      <p:pic>
+        <p:nvPicPr>
+          <p:cNvPr id="9" name="Picture 8" descr="A picture containing white&#10;&#10;Description automatically generated">
+            <a:extLst>
+              <a:ext uri="{FF2B5EF4-FFF2-40B4-BE49-F238E27FC236}">
+                <a16:creationId xmlns:a16="http://schemas.microsoft.com/office/drawing/2014/main" id="{4B5E51B2-E122-4A4E-A796-C620748ADF58}"/>
+              </a:ext>
+            </a:extLst>
+          </p:cNvPr>
+          <p:cNvPicPr>
+            <a:picLocks noChangeAspect="1"/>
+          </p:cNvPicPr>
+          <p:nvPr/>
+        </p:nvPicPr>
+        <p:blipFill>
+          <a:blip r:embed="rId5"/>
+          <a:stretch>
+            <a:fillRect/>
+          </a:stretch>
+        </p:blipFill>
+        <p:spPr>
+          <a:xfrm>
+            <a:off x="6096000" y="3791238"/>
+            <a:ext cx="2216727" cy="2216727"/>
+          </a:xfrm>
+          <a:prstGeom prst="rect">
+            <a:avLst/>
+          </a:prstGeom>
+        </p:spPr>
+      </p:pic>
+      <p:pic>
+        <p:nvPicPr>
+          <p:cNvPr id="11" name="Picture 10" descr="A picture containing comb&#10;&#10;Description automatically generated">
+            <a:extLst>
+              <a:ext uri="{FF2B5EF4-FFF2-40B4-BE49-F238E27FC236}">
+                <a16:creationId xmlns:a16="http://schemas.microsoft.com/office/drawing/2014/main" id="{BF65D0D7-1766-B445-991C-F96A6268EEE8}"/>
+              </a:ext>
+            </a:extLst>
+          </p:cNvPr>
+          <p:cNvPicPr>
+            <a:picLocks noChangeAspect="1"/>
+          </p:cNvPicPr>
+          <p:nvPr/>
+        </p:nvPicPr>
+        <p:blipFill>
+          <a:blip r:embed="rId6"/>
+          <a:stretch>
+            <a:fillRect/>
+          </a:stretch>
+        </p:blipFill>
+        <p:spPr>
+          <a:xfrm>
+            <a:off x="8662230" y="820233"/>
+            <a:ext cx="2096654" cy="2096654"/>
+          </a:xfrm>
+          <a:prstGeom prst="rect">
+            <a:avLst/>
+          </a:prstGeom>
+        </p:spPr>
+      </p:pic>
+    </p:spTree>
+    <p:extLst>
+      <p:ext uri="{BB962C8B-B14F-4D97-AF65-F5344CB8AC3E}">
+        <p14:creationId xmlns:p14="http://schemas.microsoft.com/office/powerpoint/2010/main" val="2240983554"/>
+      </p:ext>
+    </p:extLst>
+  </p:cSld>
+  <p:clrMapOvr>
+    <a:masterClrMapping/>
+  </p:clrMapOvr>
+</p:sld>
+</file>
+
+<file path=ppt/slides/slide5.xml><?xml version="1.0" encoding="utf-8"?>
+<p:sld xmlns:a="http://schemas.openxmlformats.org/drawingml/2006/main" xmlns:r="http://schemas.openxmlformats.org/officeDocument/2006/relationships" xmlns:p="http://schemas.openxmlformats.org/presentationml/2006/main">
+  <p:cSld>
+    <p:spTree>
+      <p:nvGrpSpPr>
+        <p:cNvPr id="1" name=""/>
+        <p:cNvGrpSpPr/>
+        <p:nvPr/>
+      </p:nvGrpSpPr>
+      <p:grpSpPr>
+        <a:xfrm>
+          <a:off x="0" y="0"/>
+          <a:ext cx="0" cy="0"/>
+          <a:chOff x="0" y="0"/>
+          <a:chExt cx="0" cy="0"/>
+        </a:xfrm>
+      </p:grpSpPr>
+      <p:sp>
+        <p:nvSpPr>
+          <p:cNvPr id="2" name="Title 1">
+            <a:extLst>
+              <a:ext uri="{FF2B5EF4-FFF2-40B4-BE49-F238E27FC236}">
+                <a16:creationId xmlns:a16="http://schemas.microsoft.com/office/drawing/2014/main" id="{4CBC04D0-E9BE-4B48-B74F-D7A570FFB360}"/>
+              </a:ext>
+            </a:extLst>
+          </p:cNvPr>
+          <p:cNvSpPr>
+            <a:spLocks noGrp="1"/>
+          </p:cNvSpPr>
+          <p:nvPr>
+            <p:ph type="title"/>
+          </p:nvPr>
+        </p:nvSpPr>
+        <p:spPr/>
+        <p:txBody>
+          <a:bodyPr/>
+          <a:lstStyle/>
+          <a:p>
+            <a:r>
+              <a:rPr lang="en-DE"/>
+              <a:t>Federn</a:t>
+            </a:r>
+            <a:endParaRPr lang="en-DE" dirty="0"/>
+          </a:p>
+        </p:txBody>
+      </p:sp>
+      <p:sp>
+        <p:nvSpPr>
+          <p:cNvPr id="3" name="Content Placeholder 2">
+            <a:extLst>
+              <a:ext uri="{FF2B5EF4-FFF2-40B4-BE49-F238E27FC236}">
+                <a16:creationId xmlns:a16="http://schemas.microsoft.com/office/drawing/2014/main" id="{F2E60CD4-6C1F-DC48-A289-87E86EA3CED6}"/>
+              </a:ext>
+            </a:extLst>
+          </p:cNvPr>
+          <p:cNvSpPr>
+            <a:spLocks noGrp="1"/>
+          </p:cNvSpPr>
+          <p:nvPr>
+            <p:ph idx="1"/>
+          </p:nvPr>
+        </p:nvSpPr>
+        <p:spPr/>
+        <p:txBody>
+          <a:bodyPr/>
+          <a:lstStyle/>
+          <a:p>
+            <a:r>
+              <a:rPr lang="en-DE" dirty="0"/>
+              <a:t>Schenkelfedern</a:t>
+            </a:r>
+          </a:p>
+          <a:p>
+            <a:r>
+              <a:rPr lang="en-DE" dirty="0"/>
+              <a:t>Druckfedern</a:t>
+            </a:r>
+          </a:p>
+          <a:p>
+            <a:r>
+              <a:rPr lang="en-DE" dirty="0"/>
+              <a:t>Zugfedern</a:t>
+            </a:r>
+          </a:p>
+          <a:p>
+            <a:endParaRPr lang="en-DE" dirty="0"/>
+          </a:p>
+        </p:txBody>
+      </p:sp>
+      <p:pic>
+        <p:nvPicPr>
+          <p:cNvPr id="5" name="Picture 4" descr="A close up of ware&#10;&#10;Description automatically generated">
+            <a:extLst>
+              <a:ext uri="{FF2B5EF4-FFF2-40B4-BE49-F238E27FC236}">
+                <a16:creationId xmlns:a16="http://schemas.microsoft.com/office/drawing/2014/main" id="{D9396B65-809B-4F49-8035-1650648F463B}"/>
+              </a:ext>
+            </a:extLst>
+          </p:cNvPr>
+          <p:cNvPicPr>
+            <a:picLocks noChangeAspect="1"/>
+          </p:cNvPicPr>
+          <p:nvPr/>
+        </p:nvPicPr>
+        <p:blipFill>
+          <a:blip r:embed="rId3"/>
+          <a:stretch>
+            <a:fillRect/>
+          </a:stretch>
+        </p:blipFill>
+        <p:spPr>
+          <a:xfrm>
+            <a:off x="4978536" y="2508791"/>
+            <a:ext cx="2234928" cy="1609148"/>
+          </a:xfrm>
+          <a:prstGeom prst="rect">
+            <a:avLst/>
+          </a:prstGeom>
+        </p:spPr>
+      </p:pic>
+      <p:pic>
+        <p:nvPicPr>
+          <p:cNvPr id="7" name="Picture 6" descr="A close up of ware&#10;&#10;Description automatically generated">
+            <a:extLst>
+              <a:ext uri="{FF2B5EF4-FFF2-40B4-BE49-F238E27FC236}">
+                <a16:creationId xmlns:a16="http://schemas.microsoft.com/office/drawing/2014/main" id="{96BD69AF-F821-234B-A1FE-6A6FE6A871D9}"/>
+              </a:ext>
+            </a:extLst>
+          </p:cNvPr>
+          <p:cNvPicPr>
+            <a:picLocks noChangeAspect="1"/>
+          </p:cNvPicPr>
+          <p:nvPr/>
+        </p:nvPicPr>
+        <p:blipFill>
+          <a:blip r:embed="rId4"/>
+          <a:stretch>
+            <a:fillRect/>
+          </a:stretch>
+        </p:blipFill>
+        <p:spPr>
+          <a:xfrm>
+            <a:off x="7736158" y="914688"/>
+            <a:ext cx="2234928" cy="1609148"/>
+          </a:xfrm>
+          <a:prstGeom prst="rect">
+            <a:avLst/>
+          </a:prstGeom>
+        </p:spPr>
+      </p:pic>
+      <p:pic>
+        <p:nvPicPr>
+          <p:cNvPr id="9" name="Picture 8" descr="A close up of a device&#10;&#10;Description automatically generated">
+            <a:extLst>
+              <a:ext uri="{FF2B5EF4-FFF2-40B4-BE49-F238E27FC236}">
+                <a16:creationId xmlns:a16="http://schemas.microsoft.com/office/drawing/2014/main" id="{A7371842-3608-934E-BE0F-B2E25D1A52A1}"/>
+              </a:ext>
+            </a:extLst>
+          </p:cNvPr>
+          <p:cNvPicPr>
+            <a:picLocks noChangeAspect="1"/>
+          </p:cNvPicPr>
+          <p:nvPr/>
+        </p:nvPicPr>
+        <p:blipFill>
+          <a:blip r:embed="rId5"/>
+          <a:stretch>
+            <a:fillRect/>
+          </a:stretch>
+        </p:blipFill>
+        <p:spPr>
+          <a:xfrm>
+            <a:off x="7534170" y="4117939"/>
+            <a:ext cx="2234928" cy="1609148"/>
+          </a:xfrm>
+          <a:prstGeom prst="rect">
+            <a:avLst/>
+          </a:prstGeom>
+        </p:spPr>
+      </p:pic>
+    </p:spTree>
+    <p:extLst>
+      <p:ext uri="{BB962C8B-B14F-4D97-AF65-F5344CB8AC3E}">
+        <p14:creationId xmlns:p14="http://schemas.microsoft.com/office/powerpoint/2010/main" val="896090990"/>
+      </p:ext>
+    </p:extLst>
+  </p:cSld>
+  <p:clrMapOvr>
+    <a:masterClrMapping/>
+  </p:clrMapOvr>
+</p:sld>
+</file>
+
+<file path=ppt/slides/slide6.xml><?xml version="1.0" encoding="utf-8"?>
+<p:sld xmlns:a="http://schemas.openxmlformats.org/drawingml/2006/main" xmlns:r="http://schemas.openxmlformats.org/officeDocument/2006/relationships" xmlns:p="http://schemas.openxmlformats.org/presentationml/2006/main">
+  <p:cSld>
+    <p:spTree>
+      <p:nvGrpSpPr>
+        <p:cNvPr id="1" name=""/>
+        <p:cNvGrpSpPr/>
+        <p:nvPr/>
+      </p:nvGrpSpPr>
+      <p:grpSpPr>
+        <a:xfrm>
+          <a:off x="0" y="0"/>
+          <a:ext cx="0" cy="0"/>
+          <a:chOff x="0" y="0"/>
+          <a:chExt cx="0" cy="0"/>
+        </a:xfrm>
+      </p:grpSpPr>
+      <p:sp>
+        <p:nvSpPr>
+          <p:cNvPr id="2" name="Title 1">
+            <a:extLst>
+              <a:ext uri="{FF2B5EF4-FFF2-40B4-BE49-F238E27FC236}">
+                <a16:creationId xmlns:a16="http://schemas.microsoft.com/office/drawing/2014/main" id="{3DD62641-7B6B-1E42-8573-A0EAC94DD36D}"/>
+              </a:ext>
+            </a:extLst>
+          </p:cNvPr>
+          <p:cNvSpPr>
+            <a:spLocks noGrp="1"/>
+          </p:cNvSpPr>
+          <p:nvPr>
+            <p:ph type="title"/>
+          </p:nvPr>
+        </p:nvSpPr>
+        <p:spPr/>
+        <p:txBody>
+          <a:bodyPr/>
+          <a:lstStyle/>
+          <a:p>
+            <a:r>
+              <a:rPr lang="en-DE" dirty="0"/>
+              <a:t>Zugfedern</a:t>
+            </a:r>
+          </a:p>
+        </p:txBody>
+      </p:sp>
+      <p:sp>
+        <p:nvSpPr>
+          <p:cNvPr id="3" name="Content Placeholder 2">
+            <a:extLst>
+              <a:ext uri="{FF2B5EF4-FFF2-40B4-BE49-F238E27FC236}">
+                <a16:creationId xmlns:a16="http://schemas.microsoft.com/office/drawing/2014/main" id="{92A99899-B68B-014B-BE73-24858AC7A321}"/>
+              </a:ext>
+            </a:extLst>
+          </p:cNvPr>
+          <p:cNvSpPr>
+            <a:spLocks noGrp="1"/>
+          </p:cNvSpPr>
+          <p:nvPr>
+            <p:ph idx="1"/>
+          </p:nvPr>
+        </p:nvSpPr>
+        <p:spPr/>
+        <p:txBody>
+          <a:bodyPr/>
+          <a:lstStyle/>
+          <a:p>
+            <a:r>
+              <a:rPr lang="en-DE" dirty="0"/>
+              <a:t>Trompetenfeder</a:t>
+            </a:r>
+          </a:p>
+        </p:txBody>
+      </p:sp>
+      <p:pic>
+        <p:nvPicPr>
+          <p:cNvPr id="5" name="Picture 4" descr="A close up of a device&#10;&#10;Description automatically generated">
+            <a:extLst>
+              <a:ext uri="{FF2B5EF4-FFF2-40B4-BE49-F238E27FC236}">
+                <a16:creationId xmlns:a16="http://schemas.microsoft.com/office/drawing/2014/main" id="{246D511E-D2EB-9342-8051-244173033EA8}"/>
+              </a:ext>
+            </a:extLst>
+          </p:cNvPr>
+          <p:cNvPicPr>
+            <a:picLocks noChangeAspect="1"/>
+          </p:cNvPicPr>
+          <p:nvPr/>
+        </p:nvPicPr>
+        <p:blipFill>
+          <a:blip r:embed="rId3"/>
+          <a:stretch>
+            <a:fillRect/>
+          </a:stretch>
+        </p:blipFill>
+        <p:spPr>
+          <a:xfrm>
+            <a:off x="6514885" y="1948912"/>
+            <a:ext cx="4700764" cy="3384550"/>
+          </a:xfrm>
+          <a:prstGeom prst="rect">
+            <a:avLst/>
+          </a:prstGeom>
+        </p:spPr>
+      </p:pic>
+    </p:spTree>
+    <p:extLst>
+      <p:ext uri="{BB962C8B-B14F-4D97-AF65-F5344CB8AC3E}">
+        <p14:creationId xmlns:p14="http://schemas.microsoft.com/office/powerpoint/2010/main" val="4242125548"/>
+      </p:ext>
+    </p:extLst>
+  </p:cSld>
+  <p:clrMapOvr>
+    <a:masterClrMapping/>
+  </p:clrMapOvr>
+</p:sld>
+</file>
+
+<file path=ppt/slides/slide7.xml><?xml version="1.0" encoding="utf-8"?>
+<p:sld xmlns:a="http://schemas.openxmlformats.org/drawingml/2006/main" xmlns:r="http://schemas.openxmlformats.org/officeDocument/2006/relationships" xmlns:p="http://schemas.openxmlformats.org/presentationml/2006/main">
+  <p:cSld>
+    <p:spTree>
+      <p:nvGrpSpPr>
+        <p:cNvPr id="1" name=""/>
+        <p:cNvGrpSpPr/>
+        <p:nvPr/>
+      </p:nvGrpSpPr>
+      <p:grpSpPr>
+        <a:xfrm>
+          <a:off x="0" y="0"/>
+          <a:ext cx="0" cy="0"/>
+          <a:chOff x="0" y="0"/>
+          <a:chExt cx="0" cy="0"/>
+        </a:xfrm>
+      </p:grpSpPr>
+      <p:sp>
+        <p:nvSpPr>
+          <p:cNvPr id="2" name="Title 1">
+            <a:extLst>
+              <a:ext uri="{FF2B5EF4-FFF2-40B4-BE49-F238E27FC236}">
+                <a16:creationId xmlns:a16="http://schemas.microsoft.com/office/drawing/2014/main" id="{CAB51514-77F1-DE41-9507-FE1F73A2FCE7}"/>
+              </a:ext>
+            </a:extLst>
+          </p:cNvPr>
+          <p:cNvSpPr>
+            <a:spLocks noGrp="1"/>
+          </p:cNvSpPr>
+          <p:nvPr>
+            <p:ph type="title"/>
+          </p:nvPr>
+        </p:nvSpPr>
+        <p:spPr/>
+        <p:txBody>
+          <a:bodyPr/>
+          <a:lstStyle/>
+          <a:p>
+            <a:r>
+              <a:rPr lang="en-DE" dirty="0"/>
+              <a:t>Beanspruchung</a:t>
+            </a:r>
+          </a:p>
+        </p:txBody>
+      </p:sp>
+      <p:sp>
+        <p:nvSpPr>
+          <p:cNvPr id="3" name="Content Placeholder 2">
+            <a:extLst>
+              <a:ext uri="{FF2B5EF4-FFF2-40B4-BE49-F238E27FC236}">
+                <a16:creationId xmlns:a16="http://schemas.microsoft.com/office/drawing/2014/main" id="{66941EA2-AA2A-A24E-B19A-AD3BB57BE2C2}"/>
+              </a:ext>
+            </a:extLst>
+          </p:cNvPr>
+          <p:cNvSpPr>
+            <a:spLocks noGrp="1"/>
+          </p:cNvSpPr>
+          <p:nvPr>
+            <p:ph idx="1"/>
+          </p:nvPr>
+        </p:nvSpPr>
+        <p:spPr/>
+        <p:txBody>
+          <a:bodyPr/>
+          <a:lstStyle/>
+          <a:p>
+            <a:r>
+              <a:rPr lang="en-GB" dirty="0"/>
+              <a:t>S</a:t>
+            </a:r>
+            <a:r>
+              <a:rPr lang="en-DE" dirty="0"/>
+              <a:t>tatisch </a:t>
+            </a:r>
+          </a:p>
+          <a:p>
+            <a:r>
+              <a:rPr lang="en-DE" dirty="0"/>
+              <a:t>Dynamisch</a:t>
+            </a:r>
+          </a:p>
+        </p:txBody>
+      </p:sp>
+    </p:spTree>
+    <p:extLst>
+      <p:ext uri="{BB962C8B-B14F-4D97-AF65-F5344CB8AC3E}">
+        <p14:creationId xmlns:p14="http://schemas.microsoft.com/office/powerpoint/2010/main" val="697964699"/>
+      </p:ext>
+    </p:extLst>
+  </p:cSld>
+  <p:clrMapOvr>
+    <a:masterClrMapping/>
+  </p:clrMapOvr>
+</p:sld>
+</file>
+
+<file path=ppt/slides/slide8.xml><?xml version="1.0" encoding="utf-8"?>
+<p:sld xmlns:a="http://schemas.openxmlformats.org/drawingml/2006/main" xmlns:r="http://schemas.openxmlformats.org/officeDocument/2006/relationships" xmlns:p="http://schemas.openxmlformats.org/presentationml/2006/main">
+  <p:cSld>
+    <p:spTree>
+      <p:nvGrpSpPr>
+        <p:cNvPr id="1" name=""/>
+        <p:cNvGrpSpPr/>
+        <p:nvPr/>
+      </p:nvGrpSpPr>
+      <p:grpSpPr>
+        <a:xfrm>
+          <a:off x="0" y="0"/>
+          <a:ext cx="0" cy="0"/>
+          <a:chOff x="0" y="0"/>
+          <a:chExt cx="0" cy="0"/>
+        </a:xfrm>
+      </p:grpSpPr>
+      <p:pic>
+        <p:nvPicPr>
+          <p:cNvPr id="5" name="Content Placeholder 4" descr="A picture containing drawing&#10;&#10;Description automatically generated">
+            <a:extLst>
+              <a:ext uri="{FF2B5EF4-FFF2-40B4-BE49-F238E27FC236}">
+                <a16:creationId xmlns:a16="http://schemas.microsoft.com/office/drawing/2014/main" id="{3F42A1E7-E5C0-654C-92EA-A66EA2A006A7}"/>
+              </a:ext>
+            </a:extLst>
+          </p:cNvPr>
+          <p:cNvPicPr>
+            <a:picLocks noGrp="1" noChangeAspect="1"/>
+          </p:cNvPicPr>
+          <p:nvPr>
+            <p:ph idx="1"/>
+          </p:nvPr>
+        </p:nvPicPr>
+        <p:blipFill>
+          <a:blip r:embed="rId2"/>
+          <a:stretch>
+            <a:fillRect/>
+          </a:stretch>
+        </p:blipFill>
+        <p:spPr>
+          <a:xfrm>
+            <a:off x="1046781" y="1344693"/>
+            <a:ext cx="9819469" cy="4623333"/>
+          </a:xfrm>
+        </p:spPr>
+      </p:pic>
+    </p:spTree>
+    <p:extLst>
+      <p:ext uri="{BB962C8B-B14F-4D97-AF65-F5344CB8AC3E}">
+        <p14:creationId xmlns:p14="http://schemas.microsoft.com/office/powerpoint/2010/main" val="1623755196"/>
+      </p:ext>
+    </p:extLst>
+  </p:cSld>
+  <p:clrMapOvr>
+    <a:masterClrMapping/>
+  </p:clrMapOvr>
+</p:sld>
+</file>
+
+<file path=ppt/slides/slide9.xml><?xml version="1.0" encoding="utf-8"?>
+<p:sld xmlns:a="http://schemas.openxmlformats.org/drawingml/2006/main" xmlns:r="http://schemas.openxmlformats.org/officeDocument/2006/relationships" xmlns:p="http://schemas.openxmlformats.org/presentationml/2006/main">
+  <p:cSld>
+    <p:spTree>
+      <p:nvGrpSpPr>
+        <p:cNvPr id="1" name=""/>
+        <p:cNvGrpSpPr/>
+        <p:nvPr/>
+      </p:nvGrpSpPr>
+      <p:grpSpPr>
+        <a:xfrm>
+          <a:off x="0" y="0"/>
+          <a:ext cx="0" cy="0"/>
+          <a:chOff x="0" y="0"/>
+          <a:chExt cx="0" cy="0"/>
+        </a:xfrm>
+      </p:grpSpPr>
+      <p:pic>
+        <p:nvPicPr>
+          <p:cNvPr id="9" name="Content Placeholder 8" descr="A close up of a device&#10;&#10;Description automatically generated">
+            <a:extLst>
+              <a:ext uri="{FF2B5EF4-FFF2-40B4-BE49-F238E27FC236}">
+                <a16:creationId xmlns:a16="http://schemas.microsoft.com/office/drawing/2014/main" id="{DC3007B1-87E1-E64D-9188-2A89390BCB01}"/>
+              </a:ext>
+            </a:extLst>
+          </p:cNvPr>
+          <p:cNvPicPr>
+            <a:picLocks noGrp="1" noChangeAspect="1"/>
+          </p:cNvPicPr>
+          <p:nvPr>
+            <p:ph idx="1"/>
+          </p:nvPr>
+        </p:nvPicPr>
+        <p:blipFill rotWithShape="1">
+          <a:blip r:embed="rId3"/>
+          <a:srcRect t="49398" r="30728"/>
+          <a:stretch/>
+        </p:blipFill>
+        <p:spPr>
+          <a:xfrm>
+            <a:off x="607247" y="860728"/>
+            <a:ext cx="10938990" cy="5653337"/>
+          </a:xfrm>
+        </p:spPr>
+      </p:pic>
+    </p:spTree>
+    <p:extLst>
+      <p:ext uri="{BB962C8B-B14F-4D97-AF65-F5344CB8AC3E}">
+        <p14:creationId xmlns:p14="http://schemas.microsoft.com/office/powerpoint/2010/main" val="4124553572"/>
       </p:ext>
     </p:extLst>
   </p:cSld>
